--- a/Graphs/DFA/DFA Drawing/full DFA.pptx
+++ b/Graphs/DFA/DFA Drawing/full DFA.pptx
@@ -104,6 +104,11 @@
       </a:defRPr>
     </a:lvl9pPr>
   </p:defaultTextStyle>
+  <p:extLst>
+    <p:ext uri="{EFAFB233-063F-42B5-8137-9DF3F51BA10A}">
+      <p15:sldGuideLst xmlns:p15="http://schemas.microsoft.com/office/powerpoint/2012/main"/>
+    </p:ext>
+  </p:extLst>
 </p:presentation>
 </file>
 
@@ -2968,10 +2973,142 @@
       </p:grpSpPr>
       <p:sp>
         <p:nvSpPr>
-          <p:cNvPr id="5" name="TextBox 4">
+          <p:cNvPr id="26" name="TextBox 25">
             <a:extLst>
               <a:ext uri="{FF2B5EF4-FFF2-40B4-BE49-F238E27FC236}">
-                <a16:creationId xmlns:a16="http://schemas.microsoft.com/office/drawing/2014/main" id="{F5AE0A3F-2D54-338F-5B7E-DF4BA99E473F}"/>
+                <a16:creationId xmlns:a16="http://schemas.microsoft.com/office/drawing/2014/main" id="{69038F3A-4F0D-1D66-004A-74ED31E7E51A}"/>
+              </a:ext>
+            </a:extLst>
+          </p:cNvPr>
+          <p:cNvSpPr txBox="1"/>
+          <p:nvPr/>
+        </p:nvSpPr>
+        <p:spPr>
+          <a:xfrm>
+            <a:off x="8050332" y="20384646"/>
+            <a:ext cx="488413" cy="276999"/>
+          </a:xfrm>
+          <a:prstGeom prst="rect">
+            <a:avLst/>
+          </a:prstGeom>
+          <a:noFill/>
+        </p:spPr>
+        <p:txBody>
+          <a:bodyPr wrap="square" rtlCol="0">
+            <a:spAutoFit/>
+          </a:bodyPr>
+          <a:lstStyle/>
+          <a:p>
+            <a:r>
+              <a:rPr lang="en-US" sz="1200" dirty="0"/>
+              <a:t>Start</a:t>
+            </a:r>
+          </a:p>
+        </p:txBody>
+      </p:sp>
+      <p:cxnSp>
+        <p:nvCxnSpPr>
+          <p:cNvPr id="27" name="Straight Arrow Connector 26">
+            <a:extLst>
+              <a:ext uri="{FF2B5EF4-FFF2-40B4-BE49-F238E27FC236}">
+                <a16:creationId xmlns:a16="http://schemas.microsoft.com/office/drawing/2014/main" id="{66EE0C70-71F1-6D86-11BC-B2D77ACE5934}"/>
+              </a:ext>
+            </a:extLst>
+          </p:cNvPr>
+          <p:cNvCxnSpPr>
+            <a:cxnSpLocks/>
+            <a:stCxn id="26" idx="3"/>
+            <a:endCxn id="28" idx="2"/>
+          </p:cNvCxnSpPr>
+          <p:nvPr/>
+        </p:nvCxnSpPr>
+        <p:spPr>
+          <a:xfrm flipV="1">
+            <a:off x="8538745" y="20523145"/>
+            <a:ext cx="414621" cy="1"/>
+          </a:xfrm>
+          <a:prstGeom prst="straightConnector1">
+            <a:avLst/>
+          </a:prstGeom>
+          <a:ln w="9525">
+            <a:tailEnd type="triangle"/>
+          </a:ln>
+        </p:spPr>
+        <p:style>
+          <a:lnRef idx="1">
+            <a:schemeClr val="dk1"/>
+          </a:lnRef>
+          <a:fillRef idx="0">
+            <a:schemeClr val="dk1"/>
+          </a:fillRef>
+          <a:effectRef idx="0">
+            <a:schemeClr val="dk1"/>
+          </a:effectRef>
+          <a:fontRef idx="minor">
+            <a:schemeClr val="tx1"/>
+          </a:fontRef>
+        </p:style>
+      </p:cxnSp>
+      <p:sp>
+        <p:nvSpPr>
+          <p:cNvPr id="28" name="Oval 27">
+            <a:extLst>
+              <a:ext uri="{FF2B5EF4-FFF2-40B4-BE49-F238E27FC236}">
+                <a16:creationId xmlns:a16="http://schemas.microsoft.com/office/drawing/2014/main" id="{DF4F9674-36AD-6E43-EF29-DF7D30E01675}"/>
+              </a:ext>
+            </a:extLst>
+          </p:cNvPr>
+          <p:cNvSpPr/>
+          <p:nvPr/>
+        </p:nvSpPr>
+        <p:spPr>
+          <a:xfrm>
+            <a:off x="8953366" y="20340265"/>
+            <a:ext cx="365760" cy="365760"/>
+          </a:xfrm>
+          <a:prstGeom prst="ellipse">
+            <a:avLst/>
+          </a:prstGeom>
+          <a:noFill/>
+        </p:spPr>
+        <p:style>
+          <a:lnRef idx="2">
+            <a:schemeClr val="dk1">
+              <a:shade val="50000"/>
+            </a:schemeClr>
+          </a:lnRef>
+          <a:fillRef idx="1">
+            <a:schemeClr val="dk1"/>
+          </a:fillRef>
+          <a:effectRef idx="0">
+            <a:schemeClr val="dk1"/>
+          </a:effectRef>
+          <a:fontRef idx="minor">
+            <a:schemeClr val="lt1"/>
+          </a:fontRef>
+        </p:style>
+        <p:txBody>
+          <a:bodyPr lIns="0" tIns="0" rIns="0" bIns="0" rtlCol="0" anchor="ctr"/>
+          <a:lstStyle/>
+          <a:p>
+            <a:pPr algn="ctr"/>
+            <a:r>
+              <a:rPr lang="en-US" sz="1600" dirty="0">
+                <a:solidFill>
+                  <a:schemeClr val="tx1"/>
+                </a:solidFill>
+              </a:rPr>
+              <a:t>0</a:t>
+            </a:r>
+          </a:p>
+        </p:txBody>
+      </p:sp>
+      <p:sp>
+        <p:nvSpPr>
+          <p:cNvPr id="59" name="TextBox 58">
+            <a:extLst>
+              <a:ext uri="{FF2B5EF4-FFF2-40B4-BE49-F238E27FC236}">
+                <a16:creationId xmlns:a16="http://schemas.microsoft.com/office/drawing/2014/main" id="{C7352A61-7C90-5048-B486-5A339F9058D5}"/>
               </a:ext>
             </a:extLst>
           </p:cNvPr>
@@ -3003,17 +3140,17 @@
       </p:sp>
       <p:cxnSp>
         <p:nvCxnSpPr>
-          <p:cNvPr id="6" name="Straight Arrow Connector 5">
+          <p:cNvPr id="60" name="Straight Arrow Connector 59">
             <a:extLst>
               <a:ext uri="{FF2B5EF4-FFF2-40B4-BE49-F238E27FC236}">
-                <a16:creationId xmlns:a16="http://schemas.microsoft.com/office/drawing/2014/main" id="{EF6FFB6B-E5A2-C50E-A56D-C1BEF2C347B0}"/>
+                <a16:creationId xmlns:a16="http://schemas.microsoft.com/office/drawing/2014/main" id="{217DFE20-914E-AA9E-F15E-39A7502A6904}"/>
               </a:ext>
             </a:extLst>
           </p:cNvPr>
           <p:cNvCxnSpPr>
             <a:cxnSpLocks/>
-            <a:stCxn id="5" idx="3"/>
-            <a:endCxn id="7" idx="2"/>
+            <a:stCxn id="59" idx="3"/>
+            <a:endCxn id="61" idx="2"/>
           </p:cNvCxnSpPr>
           <p:nvPr/>
         </p:nvCxnSpPr>
@@ -3046,10 +3183,10 @@
       </p:cxnSp>
       <p:sp>
         <p:nvSpPr>
-          <p:cNvPr id="7" name="Oval 6">
+          <p:cNvPr id="61" name="Oval 60">
             <a:extLst>
               <a:ext uri="{FF2B5EF4-FFF2-40B4-BE49-F238E27FC236}">
-                <a16:creationId xmlns:a16="http://schemas.microsoft.com/office/drawing/2014/main" id="{029A5DE4-1649-110F-D129-CDB0A1B4C106}"/>
+                <a16:creationId xmlns:a16="http://schemas.microsoft.com/office/drawing/2014/main" id="{FFC85CD4-7DEE-D991-C724-1796B28596D9}"/>
               </a:ext>
             </a:extLst>
           </p:cNvPr>
@@ -3100,10 +3237,10 @@
       </p:sp>
       <p:sp>
         <p:nvSpPr>
-          <p:cNvPr id="8" name="Oval 7">
+          <p:cNvPr id="62" name="Oval 61">
             <a:extLst>
               <a:ext uri="{FF2B5EF4-FFF2-40B4-BE49-F238E27FC236}">
-                <a16:creationId xmlns:a16="http://schemas.microsoft.com/office/drawing/2014/main" id="{A885993C-813D-6A72-BF92-81C4508E8787}"/>
+                <a16:creationId xmlns:a16="http://schemas.microsoft.com/office/drawing/2014/main" id="{EF576A76-094A-2086-9134-CC6E25844D66}"/>
               </a:ext>
             </a:extLst>
           </p:cNvPr>
@@ -3154,10 +3291,10 @@
       </p:sp>
       <p:cxnSp>
         <p:nvCxnSpPr>
-          <p:cNvPr id="10" name="Straight Arrow Connector 9">
+          <p:cNvPr id="63" name="Straight Arrow Connector 62">
             <a:extLst>
               <a:ext uri="{FF2B5EF4-FFF2-40B4-BE49-F238E27FC236}">
-                <a16:creationId xmlns:a16="http://schemas.microsoft.com/office/drawing/2014/main" id="{5A086F97-11B5-292A-3894-DB78FBC1D286}"/>
+                <a16:creationId xmlns:a16="http://schemas.microsoft.com/office/drawing/2014/main" id="{5EE1CB98-E878-057E-3C1C-63F25558CDFD}"/>
               </a:ext>
             </a:extLst>
           </p:cNvPr>
@@ -3195,10 +3332,10 @@
       </p:cxnSp>
       <p:sp>
         <p:nvSpPr>
-          <p:cNvPr id="11" name="TextBox 10">
+          <p:cNvPr id="64" name="TextBox 63">
             <a:extLst>
               <a:ext uri="{FF2B5EF4-FFF2-40B4-BE49-F238E27FC236}">
-                <a16:creationId xmlns:a16="http://schemas.microsoft.com/office/drawing/2014/main" id="{8E87EC1F-4A47-441C-45DD-690DAA65B095}"/>
+                <a16:creationId xmlns:a16="http://schemas.microsoft.com/office/drawing/2014/main" id="{46C342F8-AA1A-48D7-7A24-25918ED40642}"/>
               </a:ext>
             </a:extLst>
           </p:cNvPr>
@@ -3230,10 +3367,10 @@
       </p:sp>
       <p:sp>
         <p:nvSpPr>
-          <p:cNvPr id="12" name="Oval 11">
+          <p:cNvPr id="65" name="Oval 64">
             <a:extLst>
               <a:ext uri="{FF2B5EF4-FFF2-40B4-BE49-F238E27FC236}">
-                <a16:creationId xmlns:a16="http://schemas.microsoft.com/office/drawing/2014/main" id="{61665606-0FF6-E98D-0340-3B42EA2F43B9}"/>
+                <a16:creationId xmlns:a16="http://schemas.microsoft.com/office/drawing/2014/main" id="{9E66A931-E938-A0D8-9369-C3BFC37C15FD}"/>
               </a:ext>
             </a:extLst>
           </p:cNvPr>
@@ -3285,10 +3422,10 @@
       </p:sp>
       <p:sp>
         <p:nvSpPr>
-          <p:cNvPr id="14" name="Oval 13">
+          <p:cNvPr id="66" name="Oval 65">
             <a:extLst>
               <a:ext uri="{FF2B5EF4-FFF2-40B4-BE49-F238E27FC236}">
-                <a16:creationId xmlns:a16="http://schemas.microsoft.com/office/drawing/2014/main" id="{F34222A1-79E0-F6C4-2B52-A027722A5263}"/>
+                <a16:creationId xmlns:a16="http://schemas.microsoft.com/office/drawing/2014/main" id="{DDCF65F3-6497-246F-9356-DDD1BA57E8C5}"/>
               </a:ext>
             </a:extLst>
           </p:cNvPr>
@@ -3339,10 +3476,10 @@
       </p:sp>
       <p:grpSp>
         <p:nvGrpSpPr>
-          <p:cNvPr id="15" name="Group 14">
+          <p:cNvPr id="67" name="Group 66">
             <a:extLst>
               <a:ext uri="{FF2B5EF4-FFF2-40B4-BE49-F238E27FC236}">
-                <a16:creationId xmlns:a16="http://schemas.microsoft.com/office/drawing/2014/main" id="{15F8CA3B-76EE-09BD-4C38-57F549C61CDF}"/>
+                <a16:creationId xmlns:a16="http://schemas.microsoft.com/office/drawing/2014/main" id="{57DFA9D1-7DEB-C7BD-44A9-A5BCF865D8A8}"/>
               </a:ext>
             </a:extLst>
           </p:cNvPr>
@@ -3359,10 +3496,10 @@
         </p:grpSpPr>
         <p:sp>
           <p:nvSpPr>
-            <p:cNvPr id="16" name="Arrow: U-Turn 15">
+            <p:cNvPr id="68" name="Arrow: U-Turn 67">
               <a:extLst>
                 <a:ext uri="{FF2B5EF4-FFF2-40B4-BE49-F238E27FC236}">
-                  <a16:creationId xmlns:a16="http://schemas.microsoft.com/office/drawing/2014/main" id="{21BE08E2-2D04-01F4-F0FA-80FF959710CB}"/>
+                  <a16:creationId xmlns:a16="http://schemas.microsoft.com/office/drawing/2014/main" id="{0FB9D971-E97E-D3D2-D9BC-0A0B35009979}"/>
                 </a:ext>
               </a:extLst>
             </p:cNvPr>
@@ -3423,10 +3560,10 @@
         </p:sp>
         <p:sp>
           <p:nvSpPr>
-            <p:cNvPr id="17" name="TextBox 16">
+            <p:cNvPr id="69" name="TextBox 68">
               <a:extLst>
                 <a:ext uri="{FF2B5EF4-FFF2-40B4-BE49-F238E27FC236}">
-                  <a16:creationId xmlns:a16="http://schemas.microsoft.com/office/drawing/2014/main" id="{856F6CBE-1AFD-8FE1-CFF6-6016D4C1F210}"/>
+                  <a16:creationId xmlns:a16="http://schemas.microsoft.com/office/drawing/2014/main" id="{D68ACA06-4A4A-DB04-7C75-D4A385A05F74}"/>
                 </a:ext>
               </a:extLst>
             </p:cNvPr>
@@ -3459,10 +3596,10 @@
       </p:grpSp>
       <p:sp>
         <p:nvSpPr>
-          <p:cNvPr id="19" name="Oval 18">
+          <p:cNvPr id="70" name="Oval 69">
             <a:extLst>
               <a:ext uri="{FF2B5EF4-FFF2-40B4-BE49-F238E27FC236}">
-                <a16:creationId xmlns:a16="http://schemas.microsoft.com/office/drawing/2014/main" id="{56D7074E-E3A9-AD88-5E23-A37995B70CA2}"/>
+                <a16:creationId xmlns:a16="http://schemas.microsoft.com/office/drawing/2014/main" id="{B07445F1-14CE-9163-EA68-59D1841BE316}"/>
               </a:ext>
             </a:extLst>
           </p:cNvPr>
@@ -3520,10 +3657,10 @@
       </p:sp>
       <p:grpSp>
         <p:nvGrpSpPr>
-          <p:cNvPr id="20" name="Group 19">
+          <p:cNvPr id="71" name="Group 70">
             <a:extLst>
               <a:ext uri="{FF2B5EF4-FFF2-40B4-BE49-F238E27FC236}">
-                <a16:creationId xmlns:a16="http://schemas.microsoft.com/office/drawing/2014/main" id="{BDB61540-5245-E9FF-D955-87A49B84EA24}"/>
+                <a16:creationId xmlns:a16="http://schemas.microsoft.com/office/drawing/2014/main" id="{CD0DEDB4-B612-6B1C-4E38-4BAAD03EBFC1}"/>
               </a:ext>
             </a:extLst>
           </p:cNvPr>
@@ -3540,10 +3677,10 @@
         </p:grpSpPr>
         <p:sp>
           <p:nvSpPr>
-            <p:cNvPr id="21" name="Arrow: U-Turn 20">
+            <p:cNvPr id="72" name="Arrow: U-Turn 71">
               <a:extLst>
                 <a:ext uri="{FF2B5EF4-FFF2-40B4-BE49-F238E27FC236}">
-                  <a16:creationId xmlns:a16="http://schemas.microsoft.com/office/drawing/2014/main" id="{C7E9CBB2-948E-7275-1763-9BECC73B2A23}"/>
+                  <a16:creationId xmlns:a16="http://schemas.microsoft.com/office/drawing/2014/main" id="{B5DA392E-E4F4-50C7-580E-81F181F4E8E1}"/>
                 </a:ext>
               </a:extLst>
             </p:cNvPr>
@@ -3604,10 +3741,10 @@
         </p:sp>
         <p:sp>
           <p:nvSpPr>
-            <p:cNvPr id="22" name="TextBox 21">
+            <p:cNvPr id="73" name="TextBox 72">
               <a:extLst>
                 <a:ext uri="{FF2B5EF4-FFF2-40B4-BE49-F238E27FC236}">
-                  <a16:creationId xmlns:a16="http://schemas.microsoft.com/office/drawing/2014/main" id="{4178B2B3-CCD4-B69F-23BB-60190F95976F}"/>
+                  <a16:creationId xmlns:a16="http://schemas.microsoft.com/office/drawing/2014/main" id="{F1A7E4AF-F664-FB0E-FDD2-2DB8F123665B}"/>
                 </a:ext>
               </a:extLst>
             </p:cNvPr>
@@ -3640,142 +3777,10 @@
       </p:grpSp>
       <p:sp>
         <p:nvSpPr>
-          <p:cNvPr id="26" name="TextBox 25">
+          <p:cNvPr id="74" name="TextBox 73">
             <a:extLst>
               <a:ext uri="{FF2B5EF4-FFF2-40B4-BE49-F238E27FC236}">
-                <a16:creationId xmlns:a16="http://schemas.microsoft.com/office/drawing/2014/main" id="{69038F3A-4F0D-1D66-004A-74ED31E7E51A}"/>
-              </a:ext>
-            </a:extLst>
-          </p:cNvPr>
-          <p:cNvSpPr txBox="1"/>
-          <p:nvPr/>
-        </p:nvSpPr>
-        <p:spPr>
-          <a:xfrm>
-            <a:off x="8050332" y="20384646"/>
-            <a:ext cx="488413" cy="276999"/>
-          </a:xfrm>
-          <a:prstGeom prst="rect">
-            <a:avLst/>
-          </a:prstGeom>
-          <a:noFill/>
-        </p:spPr>
-        <p:txBody>
-          <a:bodyPr wrap="square" rtlCol="0">
-            <a:spAutoFit/>
-          </a:bodyPr>
-          <a:lstStyle/>
-          <a:p>
-            <a:r>
-              <a:rPr lang="en-US" sz="1200" dirty="0"/>
-              <a:t>Start</a:t>
-            </a:r>
-          </a:p>
-        </p:txBody>
-      </p:sp>
-      <p:cxnSp>
-        <p:nvCxnSpPr>
-          <p:cNvPr id="27" name="Straight Arrow Connector 26">
-            <a:extLst>
-              <a:ext uri="{FF2B5EF4-FFF2-40B4-BE49-F238E27FC236}">
-                <a16:creationId xmlns:a16="http://schemas.microsoft.com/office/drawing/2014/main" id="{66EE0C70-71F1-6D86-11BC-B2D77ACE5934}"/>
-              </a:ext>
-            </a:extLst>
-          </p:cNvPr>
-          <p:cNvCxnSpPr>
-            <a:cxnSpLocks/>
-            <a:stCxn id="26" idx="3"/>
-            <a:endCxn id="28" idx="2"/>
-          </p:cNvCxnSpPr>
-          <p:nvPr/>
-        </p:nvCxnSpPr>
-        <p:spPr>
-          <a:xfrm flipV="1">
-            <a:off x="8538745" y="20523145"/>
-            <a:ext cx="414621" cy="1"/>
-          </a:xfrm>
-          <a:prstGeom prst="straightConnector1">
-            <a:avLst/>
-          </a:prstGeom>
-          <a:ln w="9525">
-            <a:tailEnd type="triangle"/>
-          </a:ln>
-        </p:spPr>
-        <p:style>
-          <a:lnRef idx="1">
-            <a:schemeClr val="dk1"/>
-          </a:lnRef>
-          <a:fillRef idx="0">
-            <a:schemeClr val="dk1"/>
-          </a:fillRef>
-          <a:effectRef idx="0">
-            <a:schemeClr val="dk1"/>
-          </a:effectRef>
-          <a:fontRef idx="minor">
-            <a:schemeClr val="tx1"/>
-          </a:fontRef>
-        </p:style>
-      </p:cxnSp>
-      <p:sp>
-        <p:nvSpPr>
-          <p:cNvPr id="28" name="Oval 27">
-            <a:extLst>
-              <a:ext uri="{FF2B5EF4-FFF2-40B4-BE49-F238E27FC236}">
-                <a16:creationId xmlns:a16="http://schemas.microsoft.com/office/drawing/2014/main" id="{DF4F9674-36AD-6E43-EF29-DF7D30E01675}"/>
-              </a:ext>
-            </a:extLst>
-          </p:cNvPr>
-          <p:cNvSpPr/>
-          <p:nvPr/>
-        </p:nvSpPr>
-        <p:spPr>
-          <a:xfrm>
-            <a:off x="8953366" y="20340265"/>
-            <a:ext cx="365760" cy="365760"/>
-          </a:xfrm>
-          <a:prstGeom prst="ellipse">
-            <a:avLst/>
-          </a:prstGeom>
-          <a:noFill/>
-        </p:spPr>
-        <p:style>
-          <a:lnRef idx="2">
-            <a:schemeClr val="dk1">
-              <a:shade val="50000"/>
-            </a:schemeClr>
-          </a:lnRef>
-          <a:fillRef idx="1">
-            <a:schemeClr val="dk1"/>
-          </a:fillRef>
-          <a:effectRef idx="0">
-            <a:schemeClr val="dk1"/>
-          </a:effectRef>
-          <a:fontRef idx="minor">
-            <a:schemeClr val="lt1"/>
-          </a:fontRef>
-        </p:style>
-        <p:txBody>
-          <a:bodyPr lIns="0" tIns="0" rIns="0" bIns="0" rtlCol="0" anchor="ctr"/>
-          <a:lstStyle/>
-          <a:p>
-            <a:pPr algn="ctr"/>
-            <a:r>
-              <a:rPr lang="en-US" sz="1600" dirty="0">
-                <a:solidFill>
-                  <a:schemeClr val="tx1"/>
-                </a:solidFill>
-              </a:rPr>
-              <a:t>0</a:t>
-            </a:r>
-          </a:p>
-        </p:txBody>
-      </p:sp>
-      <p:sp>
-        <p:nvSpPr>
-          <p:cNvPr id="31" name="TextBox 30">
-            <a:extLst>
-              <a:ext uri="{FF2B5EF4-FFF2-40B4-BE49-F238E27FC236}">
-                <a16:creationId xmlns:a16="http://schemas.microsoft.com/office/drawing/2014/main" id="{4E7134AD-534C-6A45-FCC5-12864EC737F9}"/>
+                <a16:creationId xmlns:a16="http://schemas.microsoft.com/office/drawing/2014/main" id="{1950996A-10FE-CA06-3DB5-81EF6E382454}"/>
               </a:ext>
             </a:extLst>
           </p:cNvPr>
@@ -3807,10 +3812,10 @@
       </p:sp>
       <p:grpSp>
         <p:nvGrpSpPr>
-          <p:cNvPr id="47" name="Group 46">
+          <p:cNvPr id="75" name="Group 74">
             <a:extLst>
               <a:ext uri="{FF2B5EF4-FFF2-40B4-BE49-F238E27FC236}">
-                <a16:creationId xmlns:a16="http://schemas.microsoft.com/office/drawing/2014/main" id="{FD42B80C-FE58-6B6D-5E8A-38FB37E1CEEE}"/>
+                <a16:creationId xmlns:a16="http://schemas.microsoft.com/office/drawing/2014/main" id="{E5DCB39A-5F1B-F692-095F-817BB4F6D27C}"/>
               </a:ext>
             </a:extLst>
           </p:cNvPr>
@@ -3819,7 +3824,7 @@
         </p:nvGrpSpPr>
         <p:grpSpPr>
           <a:xfrm>
-            <a:off x="2098367" y="1930832"/>
+            <a:off x="1200407" y="2701136"/>
             <a:ext cx="1026847" cy="654888"/>
             <a:chOff x="3007396" y="5441112"/>
             <a:chExt cx="1026847" cy="654888"/>
@@ -3827,10 +3832,10 @@
         </p:grpSpPr>
         <p:cxnSp>
           <p:nvCxnSpPr>
-            <p:cNvPr id="35" name="Straight Connector 34">
+            <p:cNvPr id="76" name="Straight Connector 75">
               <a:extLst>
                 <a:ext uri="{FF2B5EF4-FFF2-40B4-BE49-F238E27FC236}">
-                  <a16:creationId xmlns:a16="http://schemas.microsoft.com/office/drawing/2014/main" id="{B4EBE26B-5AC8-89F7-19D8-707995856520}"/>
+                  <a16:creationId xmlns:a16="http://schemas.microsoft.com/office/drawing/2014/main" id="{3DF0C69C-7E7B-BCF8-F326-2753CBC5C6B6}"/>
                 </a:ext>
               </a:extLst>
             </p:cNvPr>
@@ -3866,10 +3871,313 @@
         </p:cxnSp>
         <p:cxnSp>
           <p:nvCxnSpPr>
-            <p:cNvPr id="43" name="Straight Arrow Connector 42">
+            <p:cNvPr id="77" name="Straight Arrow Connector 76">
               <a:extLst>
                 <a:ext uri="{FF2B5EF4-FFF2-40B4-BE49-F238E27FC236}">
-                  <a16:creationId xmlns:a16="http://schemas.microsoft.com/office/drawing/2014/main" id="{9CCCB7A5-6040-DAA1-36D6-6A072C2581BE}"/>
+                  <a16:creationId xmlns:a16="http://schemas.microsoft.com/office/drawing/2014/main" id="{68A52C3D-FF9F-91C6-74F2-E0191635FE27}"/>
+                </a:ext>
+              </a:extLst>
+            </p:cNvPr>
+            <p:cNvCxnSpPr>
+              <a:cxnSpLocks/>
+            </p:cNvCxnSpPr>
+            <p:nvPr/>
+          </p:nvCxnSpPr>
+          <p:spPr>
+            <a:xfrm>
+              <a:off x="3500807" y="5441112"/>
+              <a:ext cx="533436" cy="0"/>
+            </a:xfrm>
+            <a:prstGeom prst="straightConnector1">
+              <a:avLst/>
+            </a:prstGeom>
+            <a:ln w="9525">
+              <a:tailEnd type="triangle"/>
+            </a:ln>
+          </p:spPr>
+          <p:style>
+            <a:lnRef idx="1">
+              <a:schemeClr val="dk1"/>
+            </a:lnRef>
+            <a:fillRef idx="0">
+              <a:schemeClr val="dk1"/>
+            </a:fillRef>
+            <a:effectRef idx="0">
+              <a:schemeClr val="dk1"/>
+            </a:effectRef>
+            <a:fontRef idx="minor">
+              <a:schemeClr val="tx1"/>
+            </a:fontRef>
+          </p:style>
+        </p:cxnSp>
+      </p:grpSp>
+      <p:grpSp>
+        <p:nvGrpSpPr>
+          <p:cNvPr id="78" name="Group 77">
+            <a:extLst>
+              <a:ext uri="{FF2B5EF4-FFF2-40B4-BE49-F238E27FC236}">
+                <a16:creationId xmlns:a16="http://schemas.microsoft.com/office/drawing/2014/main" id="{8BB19E05-401B-95E2-A27B-1265F77EE15F}"/>
+              </a:ext>
+            </a:extLst>
+          </p:cNvPr>
+          <p:cNvGrpSpPr/>
+          <p:nvPr/>
+        </p:nvGrpSpPr>
+        <p:grpSpPr>
+          <a:xfrm>
+            <a:off x="2479770" y="3587251"/>
+            <a:ext cx="855662" cy="464974"/>
+            <a:chOff x="2991742" y="5441112"/>
+            <a:chExt cx="855662" cy="464974"/>
+          </a:xfrm>
+        </p:grpSpPr>
+        <p:cxnSp>
+          <p:nvCxnSpPr>
+            <p:cNvPr id="79" name="Straight Connector 78">
+              <a:extLst>
+                <a:ext uri="{FF2B5EF4-FFF2-40B4-BE49-F238E27FC236}">
+                  <a16:creationId xmlns:a16="http://schemas.microsoft.com/office/drawing/2014/main" id="{B96310FE-A2D8-1B87-E9F5-DC522EA4347E}"/>
+                </a:ext>
+              </a:extLst>
+            </p:cNvPr>
+            <p:cNvCxnSpPr>
+              <a:cxnSpLocks/>
+            </p:cNvCxnSpPr>
+            <p:nvPr/>
+          </p:nvCxnSpPr>
+          <p:spPr>
+            <a:xfrm>
+              <a:off x="2991742" y="5441112"/>
+              <a:ext cx="509065" cy="0"/>
+            </a:xfrm>
+            <a:prstGeom prst="line">
+              <a:avLst/>
+            </a:prstGeom>
+            <a:ln w="9525"/>
+          </p:spPr>
+          <p:style>
+            <a:lnRef idx="1">
+              <a:schemeClr val="dk1"/>
+            </a:lnRef>
+            <a:fillRef idx="0">
+              <a:schemeClr val="dk1"/>
+            </a:fillRef>
+            <a:effectRef idx="0">
+              <a:schemeClr val="dk1"/>
+            </a:effectRef>
+            <a:fontRef idx="minor">
+              <a:schemeClr val="tx1"/>
+            </a:fontRef>
+          </p:style>
+        </p:cxnSp>
+        <p:cxnSp>
+          <p:nvCxnSpPr>
+            <p:cNvPr id="80" name="Straight Arrow Connector 79">
+              <a:extLst>
+                <a:ext uri="{FF2B5EF4-FFF2-40B4-BE49-F238E27FC236}">
+                  <a16:creationId xmlns:a16="http://schemas.microsoft.com/office/drawing/2014/main" id="{BB697C64-CBC5-E8F1-437D-37EDB593B9F2}"/>
+                </a:ext>
+              </a:extLst>
+            </p:cNvPr>
+            <p:cNvCxnSpPr>
+              <a:cxnSpLocks/>
+            </p:cNvCxnSpPr>
+            <p:nvPr/>
+          </p:nvCxnSpPr>
+          <p:spPr>
+            <a:xfrm>
+              <a:off x="3500807" y="5441112"/>
+              <a:ext cx="346597" cy="464974"/>
+            </a:xfrm>
+            <a:prstGeom prst="straightConnector1">
+              <a:avLst/>
+            </a:prstGeom>
+            <a:ln w="9525">
+              <a:tailEnd type="triangle"/>
+            </a:ln>
+          </p:spPr>
+          <p:style>
+            <a:lnRef idx="1">
+              <a:schemeClr val="dk1"/>
+            </a:lnRef>
+            <a:fillRef idx="0">
+              <a:schemeClr val="dk1"/>
+            </a:fillRef>
+            <a:effectRef idx="0">
+              <a:schemeClr val="dk1"/>
+            </a:effectRef>
+            <a:fontRef idx="minor">
+              <a:schemeClr val="tx1"/>
+            </a:fontRef>
+          </p:style>
+        </p:cxnSp>
+      </p:grpSp>
+      <p:grpSp>
+        <p:nvGrpSpPr>
+          <p:cNvPr id="81" name="Group 80">
+            <a:extLst>
+              <a:ext uri="{FF2B5EF4-FFF2-40B4-BE49-F238E27FC236}">
+                <a16:creationId xmlns:a16="http://schemas.microsoft.com/office/drawing/2014/main" id="{B065DDBB-5452-32EA-53F0-F589DA1A6C7B}"/>
+              </a:ext>
+            </a:extLst>
+          </p:cNvPr>
+          <p:cNvGrpSpPr/>
+          <p:nvPr/>
+        </p:nvGrpSpPr>
+        <p:grpSpPr>
+          <a:xfrm flipV="1">
+            <a:off x="2571322" y="5211240"/>
+            <a:ext cx="1020161" cy="540872"/>
+            <a:chOff x="2991742" y="5441112"/>
+            <a:chExt cx="855662" cy="464974"/>
+          </a:xfrm>
+        </p:grpSpPr>
+        <p:cxnSp>
+          <p:nvCxnSpPr>
+            <p:cNvPr id="82" name="Straight Connector 81">
+              <a:extLst>
+                <a:ext uri="{FF2B5EF4-FFF2-40B4-BE49-F238E27FC236}">
+                  <a16:creationId xmlns:a16="http://schemas.microsoft.com/office/drawing/2014/main" id="{05ECA5D7-C2B0-EA14-8AB7-0DA2387CFF79}"/>
+                </a:ext>
+              </a:extLst>
+            </p:cNvPr>
+            <p:cNvCxnSpPr>
+              <a:cxnSpLocks/>
+            </p:cNvCxnSpPr>
+            <p:nvPr/>
+          </p:nvCxnSpPr>
+          <p:spPr>
+            <a:xfrm>
+              <a:off x="2991742" y="5441112"/>
+              <a:ext cx="509065" cy="0"/>
+            </a:xfrm>
+            <a:prstGeom prst="line">
+              <a:avLst/>
+            </a:prstGeom>
+            <a:ln w="9525"/>
+          </p:spPr>
+          <p:style>
+            <a:lnRef idx="1">
+              <a:schemeClr val="dk1"/>
+            </a:lnRef>
+            <a:fillRef idx="0">
+              <a:schemeClr val="dk1"/>
+            </a:fillRef>
+            <a:effectRef idx="0">
+              <a:schemeClr val="dk1"/>
+            </a:effectRef>
+            <a:fontRef idx="minor">
+              <a:schemeClr val="tx1"/>
+            </a:fontRef>
+          </p:style>
+        </p:cxnSp>
+        <p:cxnSp>
+          <p:nvCxnSpPr>
+            <p:cNvPr id="83" name="Straight Arrow Connector 82">
+              <a:extLst>
+                <a:ext uri="{FF2B5EF4-FFF2-40B4-BE49-F238E27FC236}">
+                  <a16:creationId xmlns:a16="http://schemas.microsoft.com/office/drawing/2014/main" id="{7AD2DCAA-FCFE-1ABE-4DFB-32500715222F}"/>
+                </a:ext>
+              </a:extLst>
+            </p:cNvPr>
+            <p:cNvCxnSpPr>
+              <a:cxnSpLocks/>
+            </p:cNvCxnSpPr>
+            <p:nvPr/>
+          </p:nvCxnSpPr>
+          <p:spPr>
+            <a:xfrm>
+              <a:off x="3500807" y="5441112"/>
+              <a:ext cx="346597" cy="464974"/>
+            </a:xfrm>
+            <a:prstGeom prst="straightConnector1">
+              <a:avLst/>
+            </a:prstGeom>
+            <a:ln w="9525">
+              <a:tailEnd type="triangle"/>
+            </a:ln>
+          </p:spPr>
+          <p:style>
+            <a:lnRef idx="1">
+              <a:schemeClr val="dk1"/>
+            </a:lnRef>
+            <a:fillRef idx="0">
+              <a:schemeClr val="dk1"/>
+            </a:fillRef>
+            <a:effectRef idx="0">
+              <a:schemeClr val="dk1"/>
+            </a:effectRef>
+            <a:fontRef idx="minor">
+              <a:schemeClr val="tx1"/>
+            </a:fontRef>
+          </p:style>
+        </p:cxnSp>
+      </p:grpSp>
+      <p:grpSp>
+        <p:nvGrpSpPr>
+          <p:cNvPr id="84" name="Group 83">
+            <a:extLst>
+              <a:ext uri="{FF2B5EF4-FFF2-40B4-BE49-F238E27FC236}">
+                <a16:creationId xmlns:a16="http://schemas.microsoft.com/office/drawing/2014/main" id="{D235AC17-D217-8DDE-3E7A-85D968734343}"/>
+              </a:ext>
+            </a:extLst>
+          </p:cNvPr>
+          <p:cNvGrpSpPr/>
+          <p:nvPr/>
+        </p:nvGrpSpPr>
+        <p:grpSpPr>
+          <a:xfrm flipV="1">
+            <a:off x="754895" y="5376650"/>
+            <a:ext cx="1026847" cy="1090279"/>
+            <a:chOff x="3007396" y="5441112"/>
+            <a:chExt cx="1026847" cy="654888"/>
+          </a:xfrm>
+        </p:grpSpPr>
+        <p:cxnSp>
+          <p:nvCxnSpPr>
+            <p:cNvPr id="85" name="Straight Connector 84">
+              <a:extLst>
+                <a:ext uri="{FF2B5EF4-FFF2-40B4-BE49-F238E27FC236}">
+                  <a16:creationId xmlns:a16="http://schemas.microsoft.com/office/drawing/2014/main" id="{F1F65AE8-5032-1A5B-11C9-E0AAC9D8D120}"/>
+                </a:ext>
+              </a:extLst>
+            </p:cNvPr>
+            <p:cNvCxnSpPr>
+              <a:cxnSpLocks/>
+            </p:cNvCxnSpPr>
+            <p:nvPr/>
+          </p:nvCxnSpPr>
+          <p:spPr>
+            <a:xfrm flipV="1">
+              <a:off x="3007396" y="5441112"/>
+              <a:ext cx="493411" cy="654888"/>
+            </a:xfrm>
+            <a:prstGeom prst="line">
+              <a:avLst/>
+            </a:prstGeom>
+            <a:ln w="9525"/>
+          </p:spPr>
+          <p:style>
+            <a:lnRef idx="1">
+              <a:schemeClr val="dk1"/>
+            </a:lnRef>
+            <a:fillRef idx="0">
+              <a:schemeClr val="dk1"/>
+            </a:fillRef>
+            <a:effectRef idx="0">
+              <a:schemeClr val="dk1"/>
+            </a:effectRef>
+            <a:fontRef idx="minor">
+              <a:schemeClr val="tx1"/>
+            </a:fontRef>
+          </p:style>
+        </p:cxnSp>
+        <p:cxnSp>
+          <p:nvCxnSpPr>
+            <p:cNvPr id="86" name="Straight Arrow Connector 85">
+              <a:extLst>
+                <a:ext uri="{FF2B5EF4-FFF2-40B4-BE49-F238E27FC236}">
+                  <a16:creationId xmlns:a16="http://schemas.microsoft.com/office/drawing/2014/main" id="{C037DA97-7C8A-B362-CA9C-9C54EEEBA211}"/>
                 </a:ext>
               </a:extLst>
             </p:cNvPr>

--- a/Graphs/DFA/DFA Drawing/full DFA.pptx
+++ b/Graphs/DFA/DFA Drawing/full DFA.pptx
@@ -243,7 +243,7 @@
           <a:p>
             <a:fld id="{3F93DD2E-470F-489C-B0E3-BD195B6FD9FF}" type="datetimeFigureOut">
               <a:rPr lang="en-US" smtClean="0"/>
-              <a:t>5/16/2022</a:t>
+              <a:t>5/17/2022</a:t>
             </a:fld>
             <a:endParaRPr lang="en-US"/>
           </a:p>
@@ -413,7 +413,7 @@
           <a:p>
             <a:fld id="{3F93DD2E-470F-489C-B0E3-BD195B6FD9FF}" type="datetimeFigureOut">
               <a:rPr lang="en-US" smtClean="0"/>
-              <a:t>5/16/2022</a:t>
+              <a:t>5/17/2022</a:t>
             </a:fld>
             <a:endParaRPr lang="en-US"/>
           </a:p>
@@ -593,7 +593,7 @@
           <a:p>
             <a:fld id="{3F93DD2E-470F-489C-B0E3-BD195B6FD9FF}" type="datetimeFigureOut">
               <a:rPr lang="en-US" smtClean="0"/>
-              <a:t>5/16/2022</a:t>
+              <a:t>5/17/2022</a:t>
             </a:fld>
             <a:endParaRPr lang="en-US"/>
           </a:p>
@@ -763,7 +763,7 @@
           <a:p>
             <a:fld id="{3F93DD2E-470F-489C-B0E3-BD195B6FD9FF}" type="datetimeFigureOut">
               <a:rPr lang="en-US" smtClean="0"/>
-              <a:t>5/16/2022</a:t>
+              <a:t>5/17/2022</a:t>
             </a:fld>
             <a:endParaRPr lang="en-US"/>
           </a:p>
@@ -1007,7 +1007,7 @@
           <a:p>
             <a:fld id="{3F93DD2E-470F-489C-B0E3-BD195B6FD9FF}" type="datetimeFigureOut">
               <a:rPr lang="en-US" smtClean="0"/>
-              <a:t>5/16/2022</a:t>
+              <a:t>5/17/2022</a:t>
             </a:fld>
             <a:endParaRPr lang="en-US"/>
           </a:p>
@@ -1239,7 +1239,7 @@
           <a:p>
             <a:fld id="{3F93DD2E-470F-489C-B0E3-BD195B6FD9FF}" type="datetimeFigureOut">
               <a:rPr lang="en-US" smtClean="0"/>
-              <a:t>5/16/2022</a:t>
+              <a:t>5/17/2022</a:t>
             </a:fld>
             <a:endParaRPr lang="en-US"/>
           </a:p>
@@ -1606,7 +1606,7 @@
           <a:p>
             <a:fld id="{3F93DD2E-470F-489C-B0E3-BD195B6FD9FF}" type="datetimeFigureOut">
               <a:rPr lang="en-US" smtClean="0"/>
-              <a:t>5/16/2022</a:t>
+              <a:t>5/17/2022</a:t>
             </a:fld>
             <a:endParaRPr lang="en-US"/>
           </a:p>
@@ -1724,7 +1724,7 @@
           <a:p>
             <a:fld id="{3F93DD2E-470F-489C-B0E3-BD195B6FD9FF}" type="datetimeFigureOut">
               <a:rPr lang="en-US" smtClean="0"/>
-              <a:t>5/16/2022</a:t>
+              <a:t>5/17/2022</a:t>
             </a:fld>
             <a:endParaRPr lang="en-US"/>
           </a:p>
@@ -1819,7 +1819,7 @@
           <a:p>
             <a:fld id="{3F93DD2E-470F-489C-B0E3-BD195B6FD9FF}" type="datetimeFigureOut">
               <a:rPr lang="en-US" smtClean="0"/>
-              <a:t>5/16/2022</a:t>
+              <a:t>5/17/2022</a:t>
             </a:fld>
             <a:endParaRPr lang="en-US"/>
           </a:p>
@@ -2096,7 +2096,7 @@
           <a:p>
             <a:fld id="{3F93DD2E-470F-489C-B0E3-BD195B6FD9FF}" type="datetimeFigureOut">
               <a:rPr lang="en-US" smtClean="0"/>
-              <a:t>5/16/2022</a:t>
+              <a:t>5/17/2022</a:t>
             </a:fld>
             <a:endParaRPr lang="en-US"/>
           </a:p>
@@ -2353,7 +2353,7 @@
           <a:p>
             <a:fld id="{3F93DD2E-470F-489C-B0E3-BD195B6FD9FF}" type="datetimeFigureOut">
               <a:rPr lang="en-US" smtClean="0"/>
-              <a:t>5/16/2022</a:t>
+              <a:t>5/17/2022</a:t>
             </a:fld>
             <a:endParaRPr lang="en-US"/>
           </a:p>
@@ -2566,7 +2566,7 @@
           <a:p>
             <a:fld id="{3F93DD2E-470F-489C-B0E3-BD195B6FD9FF}" type="datetimeFigureOut">
               <a:rPr lang="en-US" smtClean="0"/>
-              <a:t>5/16/2022</a:t>
+              <a:t>5/17/2022</a:t>
             </a:fld>
             <a:endParaRPr lang="en-US"/>
           </a:p>
@@ -4228,7 +4228,7 @@
                   <a:schemeClr val="tx1"/>
                 </a:solidFill>
               </a:rPr>
-              <a:t>B</a:t>
+              <a:t>AH</a:t>
             </a:r>
           </a:p>
         </p:txBody>
@@ -4343,7 +4343,7 @@
                     <a:schemeClr val="tx1"/>
                   </a:solidFill>
                 </a:rPr>
-                <a:t>C</a:t>
+                <a:t>B</a:t>
               </a:r>
             </a:p>
           </p:txBody>
@@ -4474,7 +4474,7 @@
                     <a:schemeClr val="tx1"/>
                   </a:solidFill>
                 </a:rPr>
-                <a:t>D</a:t>
+                <a:t>AI</a:t>
               </a:r>
             </a:p>
           </p:txBody>
@@ -4625,7 +4625,7 @@
                     <a:schemeClr val="tx1"/>
                   </a:solidFill>
                 </a:rPr>
-                <a:t>E</a:t>
+                <a:t>C</a:t>
               </a:r>
             </a:p>
           </p:txBody>
@@ -4756,7 +4756,7 @@
                     <a:schemeClr val="tx1"/>
                   </a:solidFill>
                 </a:rPr>
-                <a:t>F</a:t>
+                <a:t>AJ</a:t>
               </a:r>
             </a:p>
           </p:txBody>
@@ -4907,7 +4907,7 @@
                     <a:schemeClr val="tx1"/>
                   </a:solidFill>
                 </a:rPr>
-                <a:t>0</a:t>
+                <a:t>D</a:t>
               </a:r>
             </a:p>
           </p:txBody>
@@ -5038,7 +5038,7 @@
                     <a:schemeClr val="tx1"/>
                   </a:solidFill>
                 </a:rPr>
-                <a:t>0</a:t>
+                <a:t>AK</a:t>
               </a:r>
             </a:p>
           </p:txBody>
@@ -5226,7 +5226,7 @@
                     <a:schemeClr val="tx1"/>
                   </a:solidFill>
                 </a:rPr>
-                <a:t>0</a:t>
+                <a:t>E</a:t>
               </a:r>
             </a:p>
           </p:txBody>
@@ -5378,7 +5378,7 @@
                     <a:schemeClr val="tx1"/>
                   </a:solidFill>
                 </a:rPr>
-                <a:t>0</a:t>
+                <a:t>F</a:t>
               </a:r>
             </a:p>
           </p:txBody>
@@ -5475,7 +5475,7 @@
                   <a:schemeClr val="tx1"/>
                 </a:solidFill>
               </a:rPr>
-              <a:t>0</a:t>
+              <a:t>H</a:t>
             </a:r>
           </a:p>
         </p:txBody>
@@ -6105,7 +6105,7 @@
                   <a:schemeClr val="tx1"/>
                 </a:solidFill>
               </a:rPr>
-              <a:t>0</a:t>
+              <a:t>AL</a:t>
             </a:r>
           </a:p>
         </p:txBody>
@@ -6165,8 +6165,8 @@
         </p:nvSpPr>
         <p:spPr>
           <a:xfrm>
-            <a:off x="4828346" y="9605374"/>
-            <a:ext cx="365760" cy="365760"/>
+            <a:off x="4828345" y="9605374"/>
+            <a:ext cx="456765" cy="365760"/>
           </a:xfrm>
           <a:prstGeom prst="ellipse">
             <a:avLst/>
@@ -6201,7 +6201,7 @@
                   <a:schemeClr val="tx1"/>
                 </a:solidFill>
               </a:rPr>
-              <a:t>0</a:t>
+              <a:t>AM</a:t>
             </a:r>
           </a:p>
         </p:txBody>
@@ -6408,7 +6408,7 @@
                   <a:schemeClr val="tx1"/>
                 </a:solidFill>
               </a:rPr>
-              <a:t>0</a:t>
+              <a:t>AN</a:t>
             </a:r>
           </a:p>
         </p:txBody>
@@ -6498,7 +6498,7 @@
                   <a:schemeClr val="tx1"/>
                 </a:solidFill>
               </a:rPr>
-              <a:t>0</a:t>
+              <a:t>I</a:t>
             </a:r>
           </a:p>
         </p:txBody>
@@ -6690,7 +6690,7 @@
                     <a:schemeClr val="tx1"/>
                   </a:solidFill>
                 </a:rPr>
-                <a:t>0</a:t>
+                <a:t>AO</a:t>
               </a:r>
             </a:p>
           </p:txBody>
@@ -6780,7 +6780,7 @@
                     <a:schemeClr val="tx1"/>
                   </a:solidFill>
                 </a:rPr>
-                <a:t>0</a:t>
+                <a:t>J</a:t>
               </a:r>
             </a:p>
           </p:txBody>
@@ -6825,7 +6825,7 @@
           </a:fontRef>
         </p:style>
         <p:txBody>
-          <a:bodyPr rtlCol="0" anchor="ctr"/>
+          <a:bodyPr lIns="0" tIns="0" rIns="0" bIns="0" rtlCol="0" anchor="ctr"/>
           <a:lstStyle/>
           <a:p>
             <a:pPr algn="ctr"/>
@@ -6835,7 +6835,7 @@
                   <a:schemeClr val="tx1"/>
                 </a:solidFill>
               </a:rPr>
-              <a:t>4</a:t>
+              <a:t>BJ</a:t>
             </a:r>
           </a:p>
         </p:txBody>
@@ -6857,87 +6857,9 @@
           <p:nvPr/>
         </p:nvCxnSpPr>
         <p:spPr>
-          <a:xfrm flipV="1">
-            <a:off x="6641289" y="14454202"/>
-            <a:ext cx="312485" cy="3318"/>
-          </a:xfrm>
-          <a:prstGeom prst="straightConnector1">
-            <a:avLst/>
-          </a:prstGeom>
-          <a:ln w="9525">
-            <a:tailEnd type="triangle"/>
-          </a:ln>
-        </p:spPr>
-        <p:style>
-          <a:lnRef idx="1">
-            <a:schemeClr val="dk1"/>
-          </a:lnRef>
-          <a:fillRef idx="0">
-            <a:schemeClr val="dk1"/>
-          </a:fillRef>
-          <a:effectRef idx="0">
-            <a:schemeClr val="dk1"/>
-          </a:effectRef>
-          <a:fontRef idx="minor">
-            <a:schemeClr val="tx1"/>
-          </a:fontRef>
-        </p:style>
-      </p:cxnSp>
-      <p:sp>
-        <p:nvSpPr>
-          <p:cNvPr id="267" name="TextBox 266">
-            <a:extLst>
-              <a:ext uri="{FF2B5EF4-FFF2-40B4-BE49-F238E27FC236}">
-                <a16:creationId xmlns:a16="http://schemas.microsoft.com/office/drawing/2014/main" id="{DE9A9E7A-23D7-4A60-9D33-5BFE59321641}"/>
-              </a:ext>
-            </a:extLst>
-          </p:cNvPr>
-          <p:cNvSpPr txBox="1"/>
-          <p:nvPr/>
-        </p:nvSpPr>
-        <p:spPr>
           <a:xfrm>
-            <a:off x="7895289" y="14637777"/>
-            <a:ext cx="130547" cy="230832"/>
-          </a:xfrm>
-          <a:prstGeom prst="rect">
-            <a:avLst/>
-          </a:prstGeom>
-          <a:noFill/>
-        </p:spPr>
-        <p:txBody>
-          <a:bodyPr wrap="square" rtlCol="0">
-            <a:spAutoFit/>
-          </a:bodyPr>
-          <a:lstStyle/>
-          <a:p>
-            <a:r>
-              <a:rPr lang="en-US" sz="900" b="1" dirty="0"/>
-              <a:t>n</a:t>
-            </a:r>
-          </a:p>
-        </p:txBody>
-      </p:sp>
-      <p:cxnSp>
-        <p:nvCxnSpPr>
-          <p:cNvPr id="268" name="Straight Arrow Connector 267">
-            <a:extLst>
-              <a:ext uri="{FF2B5EF4-FFF2-40B4-BE49-F238E27FC236}">
-                <a16:creationId xmlns:a16="http://schemas.microsoft.com/office/drawing/2014/main" id="{55EA2CE7-AE76-4C99-9266-075A21A2F93D}"/>
-              </a:ext>
-            </a:extLst>
-          </p:cNvPr>
-          <p:cNvCxnSpPr>
-            <a:cxnSpLocks/>
-            <a:stCxn id="201" idx="6"/>
-            <a:endCxn id="205" idx="2"/>
-          </p:cNvCxnSpPr>
-          <p:nvPr/>
-        </p:nvCxnSpPr>
-        <p:spPr>
-          <a:xfrm>
-            <a:off x="7837625" y="14454202"/>
-            <a:ext cx="289904" cy="3816"/>
+            <a:off x="6800138" y="14408411"/>
+            <a:ext cx="400585" cy="6768"/>
           </a:xfrm>
           <a:prstGeom prst="straightConnector1">
             <a:avLst/>
@@ -6979,8 +6901,8 @@
         </p:nvCxnSpPr>
         <p:spPr>
           <a:xfrm flipV="1">
-            <a:off x="13541527" y="14421505"/>
-            <a:ext cx="388529" cy="7393"/>
+            <a:off x="13537985" y="14380798"/>
+            <a:ext cx="388528" cy="7393"/>
           </a:xfrm>
           <a:prstGeom prst="straightConnector1">
             <a:avLst/>
@@ -7170,7 +7092,7 @@
                     <a:schemeClr val="tx1"/>
                   </a:solidFill>
                 </a:rPr>
-                <a:t>2</a:t>
+                <a:t>M</a:t>
               </a:r>
             </a:p>
           </p:txBody>
@@ -7311,7 +7233,7 @@
             </a:fontRef>
           </p:style>
           <p:txBody>
-            <a:bodyPr rtlCol="0" anchor="ctr"/>
+            <a:bodyPr lIns="0" tIns="0" rIns="0" bIns="0" rtlCol="0" anchor="ctr"/>
             <a:lstStyle/>
             <a:p>
               <a:pPr algn="ctr"/>
@@ -7321,7 +7243,7 @@
                     <a:schemeClr val="tx1"/>
                   </a:solidFill>
                 </a:rPr>
-                <a:t>3</a:t>
+                <a:t>AU</a:t>
               </a:r>
             </a:p>
           </p:txBody>
@@ -7462,7 +7384,7 @@
             </a:fontRef>
           </p:style>
           <p:txBody>
-            <a:bodyPr rtlCol="0" anchor="ctr"/>
+            <a:bodyPr lIns="0" tIns="0" rIns="0" bIns="0" rtlCol="0" anchor="ctr"/>
             <a:lstStyle/>
             <a:p>
               <a:pPr algn="ctr"/>
@@ -7472,7 +7394,7 @@
                     <a:schemeClr val="tx1"/>
                   </a:solidFill>
                 </a:rPr>
-                <a:t>4</a:t>
+                <a:t>BN</a:t>
               </a:r>
             </a:p>
           </p:txBody>
@@ -7613,7 +7535,7 @@
             </a:fontRef>
           </p:style>
           <p:txBody>
-            <a:bodyPr rtlCol="0" anchor="ctr"/>
+            <a:bodyPr lIns="0" tIns="0" rIns="0" bIns="0" rtlCol="0" anchor="ctr"/>
             <a:lstStyle/>
             <a:p>
               <a:pPr algn="ctr"/>
@@ -7623,7 +7545,7 @@
                     <a:schemeClr val="tx1"/>
                   </a:solidFill>
                 </a:rPr>
-                <a:t>5</a:t>
+                <a:t>CF</a:t>
               </a:r>
             </a:p>
           </p:txBody>
@@ -7946,10 +7868,10 @@
         </p:nvGrpSpPr>
         <p:grpSpPr>
           <a:xfrm>
-            <a:off x="8900091" y="9527395"/>
-            <a:ext cx="5774621" cy="7256179"/>
-            <a:chOff x="-18688630" y="3040764"/>
-            <a:chExt cx="20011904" cy="178661011"/>
+            <a:off x="9132855" y="9527395"/>
+            <a:ext cx="5541857" cy="7256179"/>
+            <a:chOff x="-17881988" y="3040764"/>
+            <a:chExt cx="19205262" cy="178661011"/>
           </a:xfrm>
         </p:grpSpPr>
         <p:cxnSp>
@@ -7970,8 +7892,8 @@
           </p:nvCxnSpPr>
           <p:spPr>
             <a:xfrm flipV="1">
-              <a:off x="-18688630" y="181610157"/>
-              <a:ext cx="1690581" cy="91618"/>
+              <a:off x="-17881988" y="181610157"/>
+              <a:ext cx="883940" cy="91618"/>
             </a:xfrm>
             <a:prstGeom prst="straightConnector1">
               <a:avLst/>
@@ -8097,7 +8019,7 @@
                     <a:schemeClr val="tx1"/>
                   </a:solidFill>
                 </a:rPr>
-                <a:t>2</a:t>
+                <a:t>N</a:t>
               </a:r>
             </a:p>
           </p:txBody>
@@ -8238,7 +8160,7 @@
             </a:fontRef>
           </p:style>
           <p:txBody>
-            <a:bodyPr rtlCol="0" anchor="ctr"/>
+            <a:bodyPr lIns="0" tIns="0" rIns="0" bIns="0" rtlCol="0" anchor="ctr"/>
             <a:lstStyle/>
             <a:p>
               <a:pPr algn="ctr"/>
@@ -8248,7 +8170,7 @@
                     <a:schemeClr val="tx1"/>
                   </a:solidFill>
                 </a:rPr>
-                <a:t>4</a:t>
+                <a:t>AV</a:t>
               </a:r>
             </a:p>
           </p:txBody>
@@ -8389,7 +8311,7 @@
             </a:fontRef>
           </p:style>
           <p:txBody>
-            <a:bodyPr rtlCol="0" anchor="ctr"/>
+            <a:bodyPr lIns="0" tIns="0" rIns="0" bIns="0" rtlCol="0" anchor="ctr"/>
             <a:lstStyle/>
             <a:p>
               <a:pPr algn="ctr"/>
@@ -8399,7 +8321,7 @@
                     <a:schemeClr val="tx1"/>
                   </a:solidFill>
                 </a:rPr>
-                <a:t>6</a:t>
+                <a:t>BO</a:t>
               </a:r>
             </a:p>
           </p:txBody>
@@ -8444,7 +8366,7 @@
             </a:fontRef>
           </p:style>
           <p:txBody>
-            <a:bodyPr rtlCol="0" anchor="ctr"/>
+            <a:bodyPr lIns="0" tIns="0" rIns="0" bIns="0" rtlCol="0" anchor="ctr"/>
             <a:lstStyle/>
             <a:p>
               <a:pPr algn="ctr"/>
@@ -8454,7 +8376,7 @@
                     <a:schemeClr val="tx1"/>
                   </a:solidFill>
                 </a:rPr>
-                <a:t>7</a:t>
+                <a:t>CG</a:t>
               </a:r>
             </a:p>
           </p:txBody>
@@ -8846,8 +8768,8 @@
           </p:nvSpPr>
           <p:spPr>
             <a:xfrm>
-              <a:off x="3735307" y="16882024"/>
-              <a:ext cx="364300" cy="307354"/>
+              <a:off x="3735306" y="16882024"/>
+              <a:ext cx="597065" cy="307354"/>
             </a:xfrm>
             <a:prstGeom prst="ellipse">
               <a:avLst/>
@@ -8871,7 +8793,7 @@
             </a:fontRef>
           </p:style>
           <p:txBody>
-            <a:bodyPr rtlCol="0" anchor="ctr"/>
+            <a:bodyPr lIns="0" tIns="0" rIns="0" bIns="0" rtlCol="0" anchor="ctr"/>
             <a:lstStyle/>
             <a:p>
               <a:pPr algn="ctr"/>
@@ -8881,7 +8803,7 @@
                     <a:schemeClr val="tx1"/>
                   </a:solidFill>
                 </a:rPr>
-                <a:t>3</a:t>
+                <a:t>AW</a:t>
               </a:r>
             </a:p>
           </p:txBody>
@@ -8926,7 +8848,7 @@
             </a:fontRef>
           </p:style>
           <p:txBody>
-            <a:bodyPr rtlCol="0" anchor="ctr"/>
+            <a:bodyPr lIns="0" tIns="0" rIns="0" bIns="0" rtlCol="0" anchor="ctr"/>
             <a:lstStyle/>
             <a:p>
               <a:pPr algn="ctr"/>
@@ -8936,7 +8858,7 @@
                     <a:schemeClr val="tx1"/>
                   </a:solidFill>
                 </a:rPr>
-                <a:t>8</a:t>
+                <a:t>BP</a:t>
               </a:r>
             </a:p>
           </p:txBody>
@@ -9046,7 +8968,7 @@
                     <a:schemeClr val="tx1"/>
                   </a:solidFill>
                 </a:rPr>
-                <a:t>2</a:t>
+                <a:t>O</a:t>
               </a:r>
             </a:p>
           </p:txBody>
@@ -9364,7 +9286,7 @@
             </a:fontRef>
           </p:style>
           <p:txBody>
-            <a:bodyPr rtlCol="0" anchor="ctr"/>
+            <a:bodyPr lIns="0" tIns="0" rIns="0" bIns="0" rtlCol="0" anchor="ctr"/>
             <a:lstStyle/>
             <a:p>
               <a:pPr algn="ctr"/>
@@ -9374,7 +9296,7 @@
                     <a:schemeClr val="tx1"/>
                   </a:solidFill>
                 </a:rPr>
-                <a:t>3</a:t>
+                <a:t>AY</a:t>
               </a:r>
             </a:p>
           </p:txBody>
@@ -9515,7 +9437,7 @@
             </a:fontRef>
           </p:style>
           <p:txBody>
-            <a:bodyPr rtlCol="0" anchor="ctr"/>
+            <a:bodyPr lIns="0" tIns="0" rIns="0" bIns="0" rtlCol="0" anchor="ctr"/>
             <a:lstStyle/>
             <a:p>
               <a:pPr algn="ctr"/>
@@ -9525,7 +9447,7 @@
                     <a:schemeClr val="tx1"/>
                   </a:solidFill>
                 </a:rPr>
-                <a:t>4</a:t>
+                <a:t>BR</a:t>
               </a:r>
             </a:p>
           </p:txBody>
@@ -9874,7 +9796,7 @@
             </a:fontRef>
           </p:style>
           <p:txBody>
-            <a:bodyPr rtlCol="0" anchor="ctr"/>
+            <a:bodyPr lIns="0" tIns="0" rIns="0" bIns="0" rtlCol="0" anchor="ctr"/>
             <a:lstStyle/>
             <a:p>
               <a:pPr algn="ctr"/>
@@ -9884,7 +9806,7 @@
                     <a:schemeClr val="tx1"/>
                   </a:solidFill>
                 </a:rPr>
-                <a:t>7</a:t>
+                <a:t>AX</a:t>
               </a:r>
             </a:p>
           </p:txBody>
@@ -10134,7 +10056,7 @@
                   <a:schemeClr val="tx1"/>
                 </a:solidFill>
               </a:rPr>
-              <a:t>2</a:t>
+              <a:t>P</a:t>
             </a:r>
           </a:p>
         </p:txBody>
@@ -10275,7 +10197,7 @@
           </a:fontRef>
         </p:style>
         <p:txBody>
-          <a:bodyPr rtlCol="0" anchor="ctr"/>
+          <a:bodyPr lIns="0" tIns="0" rIns="0" bIns="0" rtlCol="0" anchor="ctr"/>
           <a:lstStyle/>
           <a:p>
             <a:pPr algn="ctr"/>
@@ -10285,7 +10207,7 @@
                   <a:schemeClr val="tx1"/>
                 </a:solidFill>
               </a:rPr>
-              <a:t>3</a:t>
+              <a:t>AZ</a:t>
             </a:r>
           </a:p>
         </p:txBody>
@@ -10426,7 +10348,7 @@
           </a:fontRef>
         </p:style>
         <p:txBody>
-          <a:bodyPr rtlCol="0" anchor="ctr"/>
+          <a:bodyPr lIns="0" tIns="0" rIns="0" bIns="0" rtlCol="0" anchor="ctr"/>
           <a:lstStyle/>
           <a:p>
             <a:pPr algn="ctr"/>
@@ -10436,7 +10358,7 @@
                   <a:schemeClr val="tx1"/>
                 </a:solidFill>
               </a:rPr>
-              <a:t>4</a:t>
+              <a:t>BS</a:t>
             </a:r>
           </a:p>
         </p:txBody>
@@ -11212,7 +11134,7 @@
                     <a:schemeClr val="tx1"/>
                   </a:solidFill>
                 </a:rPr>
-                <a:t>2</a:t>
+                <a:t>Q</a:t>
               </a:r>
             </a:p>
           </p:txBody>
@@ -11353,7 +11275,7 @@
             </a:fontRef>
           </p:style>
           <p:txBody>
-            <a:bodyPr rtlCol="0" anchor="ctr"/>
+            <a:bodyPr lIns="0" tIns="0" rIns="0" bIns="0" rtlCol="0" anchor="ctr"/>
             <a:lstStyle/>
             <a:p>
               <a:pPr algn="ctr"/>
@@ -11363,7 +11285,7 @@
                     <a:schemeClr val="tx1"/>
                   </a:solidFill>
                 </a:rPr>
-                <a:t>3</a:t>
+                <a:t>BA</a:t>
               </a:r>
             </a:p>
           </p:txBody>
@@ -11504,7 +11426,7 @@
             </a:fontRef>
           </p:style>
           <p:txBody>
-            <a:bodyPr rtlCol="0" anchor="ctr"/>
+            <a:bodyPr lIns="0" tIns="0" rIns="0" bIns="0" rtlCol="0" anchor="ctr"/>
             <a:lstStyle/>
             <a:p>
               <a:pPr algn="ctr"/>
@@ -11514,7 +11436,7 @@
                     <a:schemeClr val="tx1"/>
                   </a:solidFill>
                 </a:rPr>
-                <a:t>4</a:t>
+                <a:t>BT</a:t>
               </a:r>
             </a:p>
           </p:txBody>
@@ -11838,7 +11760,7 @@
                     <a:schemeClr val="tx1"/>
                   </a:solidFill>
                 </a:rPr>
-                <a:t>2</a:t>
+                <a:t>R</a:t>
               </a:r>
             </a:p>
           </p:txBody>
@@ -11955,8 +11877,8 @@
           </p:nvSpPr>
           <p:spPr>
             <a:xfrm>
-              <a:off x="3283220" y="3050366"/>
-              <a:ext cx="480060" cy="480060"/>
+              <a:off x="3283221" y="3050366"/>
+              <a:ext cx="571828" cy="480060"/>
             </a:xfrm>
             <a:prstGeom prst="ellipse">
               <a:avLst/>
@@ -11980,7 +11902,7 @@
             </a:fontRef>
           </p:style>
           <p:txBody>
-            <a:bodyPr rtlCol="0" anchor="ctr"/>
+            <a:bodyPr lIns="0" tIns="0" rIns="0" bIns="0" rtlCol="0" anchor="ctr"/>
             <a:lstStyle/>
             <a:p>
               <a:pPr algn="ctr"/>
@@ -11990,7 +11912,7 @@
                     <a:schemeClr val="tx1"/>
                   </a:solidFill>
                 </a:rPr>
-                <a:t>3</a:t>
+                <a:t>BB</a:t>
               </a:r>
             </a:p>
           </p:txBody>
@@ -12009,10 +11931,10 @@
           </p:nvGrpSpPr>
           <p:grpSpPr>
             <a:xfrm>
-              <a:off x="3763278" y="3284588"/>
-              <a:ext cx="496710" cy="294534"/>
-              <a:chOff x="2575213" y="2089228"/>
-              <a:chExt cx="378446" cy="224408"/>
+              <a:off x="3855048" y="3284588"/>
+              <a:ext cx="404943" cy="294534"/>
+              <a:chOff x="2645131" y="2089228"/>
+              <a:chExt cx="308528" cy="224408"/>
             </a:xfrm>
           </p:grpSpPr>
           <p:cxnSp>
@@ -12033,8 +11955,8 @@
             </p:nvCxnSpPr>
             <p:spPr>
               <a:xfrm flipV="1">
-                <a:off x="2575213" y="2089228"/>
-                <a:ext cx="378446" cy="4425"/>
+                <a:off x="2645131" y="2089228"/>
+                <a:ext cx="308528" cy="4425"/>
               </a:xfrm>
               <a:prstGeom prst="straightConnector1">
                 <a:avLst/>
@@ -12109,7 +12031,7 @@
           <p:spPr>
             <a:xfrm>
               <a:off x="4259991" y="3044558"/>
-              <a:ext cx="480060" cy="480060"/>
+              <a:ext cx="584435" cy="480060"/>
             </a:xfrm>
             <a:prstGeom prst="ellipse">
               <a:avLst/>
@@ -12133,7 +12055,7 @@
             </a:fontRef>
           </p:style>
           <p:txBody>
-            <a:bodyPr rtlCol="0" anchor="ctr"/>
+            <a:bodyPr lIns="0" tIns="0" rIns="0" bIns="0" rtlCol="0" anchor="ctr"/>
             <a:lstStyle/>
             <a:p>
               <a:pPr algn="ctr"/>
@@ -12143,7 +12065,7 @@
                     <a:schemeClr val="tx1"/>
                   </a:solidFill>
                 </a:rPr>
-                <a:t>4</a:t>
+                <a:t>BU</a:t>
               </a:r>
             </a:p>
           </p:txBody>
@@ -12162,10 +12084,10 @@
           </p:nvGrpSpPr>
           <p:grpSpPr>
             <a:xfrm>
-              <a:off x="4740051" y="3284586"/>
-              <a:ext cx="444810" cy="274049"/>
-              <a:chOff x="2492603" y="2100854"/>
-              <a:chExt cx="338903" cy="208799"/>
+              <a:off x="4817433" y="3284586"/>
+              <a:ext cx="367427" cy="274049"/>
+              <a:chOff x="2551565" y="2100854"/>
+              <a:chExt cx="279945" cy="208799"/>
             </a:xfrm>
           </p:grpSpPr>
           <p:cxnSp>
@@ -12186,8 +12108,8 @@
             </p:nvCxnSpPr>
             <p:spPr>
               <a:xfrm>
-                <a:off x="2492603" y="2100859"/>
-                <a:ext cx="338903" cy="0"/>
+                <a:off x="2572130" y="2100855"/>
+                <a:ext cx="259380" cy="0"/>
               </a:xfrm>
               <a:prstGeom prst="straightConnector1">
                 <a:avLst/>
@@ -12755,9 +12677,9 @@
         <p:grpSpPr>
           <a:xfrm>
             <a:off x="6092159" y="22656929"/>
-            <a:ext cx="7961653" cy="1065899"/>
+            <a:ext cx="7961653" cy="1065900"/>
             <a:chOff x="1467550" y="22684843"/>
-            <a:chExt cx="7961653" cy="1065899"/>
+            <a:chExt cx="7961653" cy="1065900"/>
           </a:xfrm>
         </p:grpSpPr>
         <p:grpSp>
@@ -12774,10 +12696,10 @@
           </p:nvGrpSpPr>
           <p:grpSpPr>
             <a:xfrm>
-              <a:off x="1467550" y="23212088"/>
-              <a:ext cx="7685983" cy="538654"/>
-              <a:chOff x="1273296" y="4130916"/>
-              <a:chExt cx="12066640" cy="764367"/>
+              <a:off x="1467550" y="23207979"/>
+              <a:ext cx="7685983" cy="542764"/>
+              <a:chOff x="1273296" y="4125084"/>
+              <a:chExt cx="12066640" cy="770199"/>
             </a:xfrm>
           </p:grpSpPr>
           <p:grpSp>
@@ -12926,7 +12848,7 @@
                       <a:schemeClr val="tx1"/>
                     </a:solidFill>
                   </a:rPr>
-                  <a:t>C</a:t>
+                  <a:t>S</a:t>
                 </a:r>
               </a:p>
             </p:txBody>
@@ -12945,10 +12867,10 @@
             </p:nvGrpSpPr>
             <p:grpSpPr>
               <a:xfrm flipV="1">
-                <a:off x="3651774" y="4351483"/>
-                <a:ext cx="505204" cy="412103"/>
-                <a:chOff x="2374150" y="-20586499"/>
-                <a:chExt cx="384918" cy="49127486"/>
+                <a:off x="3651781" y="4351482"/>
+                <a:ext cx="505208" cy="412104"/>
+                <a:chOff x="2374148" y="-20586499"/>
+                <a:chExt cx="384920" cy="49127655"/>
               </a:xfrm>
             </p:grpSpPr>
             <p:cxnSp>
@@ -12969,8 +12891,8 @@
               </p:nvCxnSpPr>
               <p:spPr>
                 <a:xfrm>
-                  <a:off x="2374150" y="27061213"/>
-                  <a:ext cx="358191" cy="1479774"/>
+                  <a:off x="2374148" y="27061297"/>
+                  <a:ext cx="273095" cy="1479859"/>
                 </a:xfrm>
                 <a:prstGeom prst="straightConnector1">
                   <a:avLst/>
@@ -13044,8 +12966,8 @@
             </p:nvSpPr>
             <p:spPr>
               <a:xfrm>
-                <a:off x="4121902" y="4133732"/>
-                <a:ext cx="435680" cy="435501"/>
+                <a:off x="4010216" y="4133731"/>
+                <a:ext cx="746328" cy="435501"/>
               </a:xfrm>
               <a:prstGeom prst="ellipse">
                 <a:avLst/>
@@ -13069,7 +12991,7 @@
               </a:fontRef>
             </p:style>
             <p:txBody>
-              <a:bodyPr rtlCol="0" anchor="ctr"/>
+              <a:bodyPr lIns="0" tIns="0" rIns="0" bIns="0" rtlCol="0" anchor="ctr"/>
               <a:lstStyle/>
               <a:p>
                 <a:pPr algn="ctr"/>
@@ -13079,7 +13001,7 @@
                       <a:schemeClr val="tx1"/>
                     </a:solidFill>
                   </a:rPr>
-                  <a:t>E</a:t>
+                  <a:t>BD</a:t>
                 </a:r>
               </a:p>
             </p:txBody>
@@ -13098,10 +13020,10 @@
             </p:nvGrpSpPr>
             <p:grpSpPr>
               <a:xfrm>
-                <a:off x="4557585" y="4351483"/>
-                <a:ext cx="515776" cy="434308"/>
-                <a:chOff x="2237475" y="733201"/>
-                <a:chExt cx="392972" cy="5542506"/>
+                <a:off x="4756543" y="4351482"/>
+                <a:ext cx="316815" cy="434309"/>
+                <a:chOff x="2389056" y="733183"/>
+                <a:chExt cx="241382" cy="5542524"/>
               </a:xfrm>
             </p:grpSpPr>
             <p:cxnSp>
@@ -13122,8 +13044,8 @@
               </p:nvCxnSpPr>
               <p:spPr>
                 <a:xfrm>
-                  <a:off x="2237475" y="733201"/>
-                  <a:ext cx="392972" cy="84291"/>
+                  <a:off x="2389056" y="733183"/>
+                  <a:ext cx="241382" cy="84299"/>
                 </a:xfrm>
                 <a:prstGeom prst="straightConnector1">
                   <a:avLst/>
@@ -13197,8 +13119,8 @@
             </p:nvSpPr>
             <p:spPr>
               <a:xfrm>
-                <a:off x="5073358" y="4140337"/>
-                <a:ext cx="480060" cy="435501"/>
+                <a:off x="5073359" y="4140337"/>
+                <a:ext cx="870700" cy="435501"/>
               </a:xfrm>
               <a:prstGeom prst="ellipse">
                 <a:avLst/>
@@ -13222,7 +13144,7 @@
               </a:fontRef>
             </p:style>
             <p:txBody>
-              <a:bodyPr rtlCol="0" anchor="ctr"/>
+              <a:bodyPr lIns="0" tIns="0" rIns="0" bIns="0" rtlCol="0" anchor="ctr"/>
               <a:lstStyle/>
               <a:p>
                 <a:pPr algn="ctr"/>
@@ -13232,7 +13154,7 @@
                       <a:schemeClr val="tx1"/>
                     </a:solidFill>
                   </a:rPr>
-                  <a:t>G</a:t>
+                  <a:t>BW</a:t>
                 </a:r>
               </a:p>
             </p:txBody>
@@ -13251,10 +13173,10 @@
             </p:nvGrpSpPr>
             <p:grpSpPr>
               <a:xfrm>
-                <a:off x="5553422" y="4358088"/>
-                <a:ext cx="514849" cy="456792"/>
-                <a:chOff x="2168766" y="2084437"/>
-                <a:chExt cx="358443" cy="167958724"/>
+                <a:off x="5734419" y="4342835"/>
+                <a:ext cx="521011" cy="472045"/>
+                <a:chOff x="2294784" y="-3524031"/>
+                <a:chExt cx="362734" cy="173567192"/>
               </a:xfrm>
             </p:grpSpPr>
             <p:cxnSp>
@@ -13274,9 +13196,9 @@
                 <p:nvPr/>
               </p:nvCxnSpPr>
               <p:spPr>
-                <a:xfrm>
-                  <a:off x="2168766" y="2084437"/>
-                  <a:ext cx="358443" cy="3595493"/>
+                <a:xfrm flipV="1">
+                  <a:off x="2440736" y="-3524031"/>
+                  <a:ext cx="216782" cy="5608468"/>
                 </a:xfrm>
                 <a:prstGeom prst="straightConnector1">
                   <a:avLst/>
@@ -13350,7 +13272,7 @@
             </p:nvSpPr>
             <p:spPr>
               <a:xfrm>
-                <a:off x="6068268" y="4150115"/>
+                <a:off x="6255432" y="4125084"/>
                 <a:ext cx="473501" cy="435501"/>
               </a:xfrm>
               <a:prstGeom prst="ellipse">
@@ -13404,10 +13326,10 @@
             </p:nvGrpSpPr>
             <p:grpSpPr>
               <a:xfrm>
-                <a:off x="6541771" y="4367866"/>
-                <a:ext cx="584928" cy="455036"/>
-                <a:chOff x="1922609" y="838731"/>
-                <a:chExt cx="445660" cy="4047064"/>
+                <a:off x="6697044" y="4342834"/>
+                <a:ext cx="429650" cy="480068"/>
+                <a:chOff x="2040914" y="616101"/>
+                <a:chExt cx="327353" cy="4269694"/>
               </a:xfrm>
             </p:grpSpPr>
             <p:cxnSp>
@@ -13428,8 +13350,8 @@
               </p:nvCxnSpPr>
               <p:spPr>
                 <a:xfrm>
-                  <a:off x="1922609" y="838731"/>
-                  <a:ext cx="445660" cy="87551"/>
+                  <a:off x="2065209" y="616101"/>
+                  <a:ext cx="303058" cy="310181"/>
                 </a:xfrm>
                 <a:prstGeom prst="straightConnector1">
                   <a:avLst/>
@@ -14459,7 +14381,7 @@
           <p:spPr>
             <a:xfrm>
               <a:off x="3751925" y="22688534"/>
-              <a:ext cx="352741" cy="305044"/>
+              <a:ext cx="481445" cy="305044"/>
             </a:xfrm>
             <a:prstGeom prst="ellipse">
               <a:avLst/>
@@ -14483,7 +14405,7 @@
             </a:fontRef>
           </p:style>
           <p:txBody>
-            <a:bodyPr rtlCol="0" anchor="ctr"/>
+            <a:bodyPr lIns="0" tIns="0" rIns="0" bIns="0" rtlCol="0" anchor="ctr"/>
             <a:lstStyle/>
             <a:p>
               <a:pPr algn="ctr"/>
@@ -14493,7 +14415,7 @@
                     <a:schemeClr val="tx1"/>
                   </a:solidFill>
                 </a:rPr>
-                <a:t>3</a:t>
+                <a:t>BC</a:t>
               </a:r>
             </a:p>
           </p:txBody>
@@ -14512,10 +14434,10 @@
           </p:nvGrpSpPr>
           <p:grpSpPr>
             <a:xfrm>
-              <a:off x="4104666" y="22837365"/>
-              <a:ext cx="364975" cy="187163"/>
-              <a:chOff x="2575213" y="2089220"/>
-              <a:chExt cx="378446" cy="224416"/>
+              <a:off x="4233370" y="22837365"/>
+              <a:ext cx="236271" cy="187163"/>
+              <a:chOff x="2708661" y="2089220"/>
+              <a:chExt cx="244991" cy="224416"/>
             </a:xfrm>
           </p:grpSpPr>
           <p:cxnSp>
@@ -14536,8 +14458,8 @@
             </p:nvCxnSpPr>
             <p:spPr>
               <a:xfrm flipV="1">
-                <a:off x="2575213" y="2089220"/>
-                <a:ext cx="378446" cy="4426"/>
+                <a:off x="2708661" y="2089220"/>
+                <a:ext cx="244991" cy="4426"/>
               </a:xfrm>
               <a:prstGeom prst="straightConnector1">
                 <a:avLst/>
@@ -14612,7 +14534,7 @@
           <p:spPr>
             <a:xfrm>
               <a:off x="4469641" y="22684843"/>
-              <a:ext cx="352741" cy="305044"/>
+              <a:ext cx="425984" cy="305044"/>
             </a:xfrm>
             <a:prstGeom prst="ellipse">
               <a:avLst/>
@@ -14636,7 +14558,7 @@
             </a:fontRef>
           </p:style>
           <p:txBody>
-            <a:bodyPr rtlCol="0" anchor="ctr"/>
+            <a:bodyPr lIns="0" tIns="0" rIns="0" bIns="0" rtlCol="0" anchor="ctr"/>
             <a:lstStyle/>
             <a:p>
               <a:pPr algn="ctr"/>
@@ -14646,7 +14568,7 @@
                     <a:schemeClr val="tx1"/>
                   </a:solidFill>
                 </a:rPr>
-                <a:t>4</a:t>
+                <a:t>BV</a:t>
               </a:r>
             </a:p>
           </p:txBody>
@@ -14665,10 +14587,10 @@
           </p:nvGrpSpPr>
           <p:grpSpPr>
             <a:xfrm>
-              <a:off x="4822382" y="22837366"/>
-              <a:ext cx="326840" cy="236845"/>
-              <a:chOff x="2492603" y="2100859"/>
-              <a:chExt cx="338903" cy="283987"/>
+              <a:off x="4879246" y="22837366"/>
+              <a:ext cx="269974" cy="236847"/>
+              <a:chOff x="2551564" y="2100857"/>
+              <a:chExt cx="279938" cy="283989"/>
             </a:xfrm>
           </p:grpSpPr>
           <p:cxnSp>
@@ -14689,8 +14611,8 @@
             </p:nvCxnSpPr>
             <p:spPr>
               <a:xfrm>
-                <a:off x="2492603" y="2100859"/>
-                <a:ext cx="338903" cy="0"/>
+                <a:off x="2568546" y="2100857"/>
+                <a:ext cx="262956" cy="0"/>
               </a:xfrm>
               <a:prstGeom prst="straightConnector1">
                 <a:avLst/>
@@ -15618,7 +15540,7 @@
                     <a:schemeClr val="tx1"/>
                   </a:solidFill>
                 </a:rPr>
-                <a:t>2</a:t>
+                <a:t>T</a:t>
               </a:r>
             </a:p>
           </p:txBody>
@@ -16169,7 +16091,7 @@
             </a:fontRef>
           </p:style>
           <p:txBody>
-            <a:bodyPr rtlCol="0" anchor="ctr"/>
+            <a:bodyPr lIns="0" tIns="0" rIns="0" bIns="0" rtlCol="0" anchor="ctr"/>
             <a:lstStyle/>
             <a:p>
               <a:pPr algn="ctr"/>
@@ -16179,7 +16101,7 @@
                     <a:schemeClr val="tx1"/>
                   </a:solidFill>
                 </a:rPr>
-                <a:t>3</a:t>
+                <a:t>BF</a:t>
               </a:r>
             </a:p>
           </p:txBody>
@@ -16320,7 +16242,7 @@
             </a:fontRef>
           </p:style>
           <p:txBody>
-            <a:bodyPr rtlCol="0" anchor="ctr"/>
+            <a:bodyPr lIns="0" tIns="0" rIns="0" bIns="0" rtlCol="0" anchor="ctr"/>
             <a:lstStyle/>
             <a:p>
               <a:pPr algn="ctr"/>
@@ -16330,7 +16252,7 @@
                     <a:schemeClr val="tx1"/>
                   </a:solidFill>
                 </a:rPr>
-                <a:t>4</a:t>
+                <a:t>BZ</a:t>
               </a:r>
             </a:p>
           </p:txBody>
@@ -16829,7 +16751,7 @@
             </a:fontRef>
           </p:style>
           <p:txBody>
-            <a:bodyPr rtlCol="0" anchor="ctr"/>
+            <a:bodyPr lIns="0" tIns="0" rIns="0" bIns="0" rtlCol="0" anchor="ctr"/>
             <a:lstStyle/>
             <a:p>
               <a:pPr algn="ctr"/>
@@ -16839,7 +16761,7 @@
                     <a:schemeClr val="tx1"/>
                   </a:solidFill>
                 </a:rPr>
-                <a:t>3</a:t>
+                <a:t>BE</a:t>
               </a:r>
             </a:p>
           </p:txBody>
@@ -16980,7 +16902,7 @@
             </a:fontRef>
           </p:style>
           <p:txBody>
-            <a:bodyPr rtlCol="0" anchor="ctr"/>
+            <a:bodyPr lIns="0" tIns="0" rIns="0" bIns="0" rtlCol="0" anchor="ctr"/>
             <a:lstStyle/>
             <a:p>
               <a:pPr algn="ctr"/>
@@ -16990,7 +16912,7 @@
                     <a:schemeClr val="tx1"/>
                   </a:solidFill>
                 </a:rPr>
-                <a:t>4</a:t>
+                <a:t>BY</a:t>
               </a:r>
             </a:p>
           </p:txBody>
@@ -17640,7 +17562,7 @@
             </a:fontRef>
           </p:style>
           <p:txBody>
-            <a:bodyPr rtlCol="0" anchor="ctr"/>
+            <a:bodyPr lIns="0" tIns="0" rIns="0" bIns="0" rtlCol="0" anchor="ctr"/>
             <a:lstStyle/>
             <a:p>
               <a:pPr algn="ctr"/>
@@ -17650,7 +17572,7 @@
                     <a:schemeClr val="tx1"/>
                   </a:solidFill>
                 </a:rPr>
-                <a:t>6</a:t>
+                <a:t>BX</a:t>
               </a:r>
             </a:p>
           </p:txBody>
@@ -17823,7 +17745,7 @@
                     <a:schemeClr val="tx1"/>
                   </a:solidFill>
                 </a:rPr>
-                <a:t>B</a:t>
+                <a:t>U</a:t>
               </a:r>
             </a:p>
           </p:txBody>
@@ -17966,7 +17888,7 @@
             </a:fontRef>
           </p:style>
           <p:txBody>
-            <a:bodyPr rtlCol="0" anchor="ctr"/>
+            <a:bodyPr lIns="0" tIns="0" rIns="0" bIns="0" rtlCol="0" anchor="ctr"/>
             <a:lstStyle/>
             <a:p>
               <a:pPr algn="ctr"/>
@@ -17976,7 +17898,7 @@
                     <a:schemeClr val="tx1"/>
                   </a:solidFill>
                 </a:rPr>
-                <a:t>C</a:t>
+                <a:t>BG</a:t>
               </a:r>
             </a:p>
           </p:txBody>
@@ -18119,7 +18041,7 @@
             </a:fontRef>
           </p:style>
           <p:txBody>
-            <a:bodyPr rtlCol="0" anchor="ctr"/>
+            <a:bodyPr lIns="0" tIns="0" rIns="0" bIns="0" rtlCol="0" anchor="ctr"/>
             <a:lstStyle/>
             <a:p>
               <a:pPr algn="ctr"/>
@@ -18129,7 +18051,7 @@
                     <a:schemeClr val="tx1"/>
                   </a:solidFill>
                 </a:rPr>
-                <a:t>D</a:t>
+                <a:t>CA</a:t>
               </a:r>
             </a:p>
           </p:txBody>
@@ -18610,7 +18532,7 @@
                     <a:schemeClr val="tx1"/>
                   </a:solidFill>
                 </a:rPr>
-                <a:t>F</a:t>
+                <a:t>V</a:t>
               </a:r>
             </a:p>
           </p:txBody>
@@ -18784,7 +18706,7 @@
                     <a:schemeClr val="tx1"/>
                   </a:solidFill>
                 </a:rPr>
-                <a:t>F</a:t>
+                <a:t>W</a:t>
               </a:r>
             </a:p>
           </p:txBody>
@@ -18958,7 +18880,7 @@
                     <a:schemeClr val="tx1"/>
                   </a:solidFill>
                 </a:rPr>
-                <a:t>F</a:t>
+                <a:t>X</a:t>
               </a:r>
             </a:p>
           </p:txBody>
@@ -19053,7 +18975,7 @@
                       <a:schemeClr val="tx1"/>
                     </a:solidFill>
                   </a:rPr>
-                  <a:t>C</a:t>
+                  <a:t>Y</a:t>
                 </a:r>
               </a:p>
             </p:txBody>
@@ -19072,10 +18994,10 @@
             </p:nvGrpSpPr>
             <p:grpSpPr>
               <a:xfrm flipV="1">
-                <a:off x="3651774" y="4351483"/>
-                <a:ext cx="505204" cy="412103"/>
-                <a:chOff x="2374150" y="-20586499"/>
-                <a:chExt cx="384918" cy="49127486"/>
+                <a:off x="3594916" y="4351483"/>
+                <a:ext cx="430628" cy="411476"/>
+                <a:chOff x="2330837" y="-20511792"/>
+                <a:chExt cx="328099" cy="49052779"/>
               </a:xfrm>
             </p:grpSpPr>
             <p:cxnSp>
@@ -19096,8 +19018,8 @@
               </p:nvCxnSpPr>
               <p:spPr>
                 <a:xfrm>
-                  <a:off x="2374150" y="27061213"/>
-                  <a:ext cx="358191" cy="1479774"/>
+                  <a:off x="2374158" y="27061156"/>
+                  <a:ext cx="203582" cy="1479831"/>
                 </a:xfrm>
                 <a:prstGeom prst="straightConnector1">
                   <a:avLst/>
@@ -19135,8 +19057,8 @@
               </p:nvSpPr>
               <p:spPr>
                 <a:xfrm rot="10800000">
-                  <a:off x="2430968" y="-20586499"/>
-                  <a:ext cx="328100" cy="32669838"/>
+                  <a:off x="2330837" y="-20511792"/>
+                  <a:ext cx="328099" cy="32669894"/>
                 </a:xfrm>
                 <a:prstGeom prst="rect">
                   <a:avLst/>
@@ -19171,8 +19093,8 @@
             </p:nvSpPr>
             <p:spPr>
               <a:xfrm>
-                <a:off x="4121902" y="4133732"/>
-                <a:ext cx="435680" cy="435501"/>
+                <a:off x="3918978" y="4133732"/>
+                <a:ext cx="760299" cy="435501"/>
               </a:xfrm>
               <a:prstGeom prst="ellipse">
                 <a:avLst/>
@@ -19196,7 +19118,7 @@
               </a:fontRef>
             </p:style>
             <p:txBody>
-              <a:bodyPr rtlCol="0" anchor="ctr"/>
+              <a:bodyPr lIns="0" tIns="0" rIns="0" bIns="0" rtlCol="0" anchor="ctr"/>
               <a:lstStyle/>
               <a:p>
                 <a:pPr algn="ctr"/>
@@ -19206,7 +19128,7 @@
                       <a:schemeClr val="tx1"/>
                     </a:solidFill>
                   </a:rPr>
-                  <a:t>E</a:t>
+                  <a:t>BH</a:t>
                 </a:r>
               </a:p>
             </p:txBody>
@@ -19225,10 +19147,10 @@
             </p:nvGrpSpPr>
             <p:grpSpPr>
               <a:xfrm>
-                <a:off x="4557585" y="4351483"/>
-                <a:ext cx="515776" cy="443505"/>
-                <a:chOff x="2237475" y="733201"/>
-                <a:chExt cx="392972" cy="5659885"/>
+                <a:off x="4679276" y="4351483"/>
+                <a:ext cx="394082" cy="443505"/>
+                <a:chOff x="2330193" y="733201"/>
+                <a:chExt cx="300253" cy="5659885"/>
               </a:xfrm>
             </p:grpSpPr>
             <p:cxnSp>
@@ -19249,8 +19171,8 @@
               </p:nvCxnSpPr>
               <p:spPr>
                 <a:xfrm>
-                  <a:off x="2237475" y="733201"/>
-                  <a:ext cx="392972" cy="84291"/>
+                  <a:off x="2330193" y="733201"/>
+                  <a:ext cx="300253" cy="84290"/>
                 </a:xfrm>
                 <a:prstGeom prst="straightConnector1">
                   <a:avLst/>
@@ -20831,7 +20753,7 @@
                     <a:schemeClr val="tx1"/>
                   </a:solidFill>
                 </a:rPr>
-                <a:t>2</a:t>
+                <a:t>Z</a:t>
               </a:r>
             </a:p>
           </p:txBody>
@@ -20973,7 +20895,7 @@
             </a:fontRef>
           </p:style>
           <p:txBody>
-            <a:bodyPr rtlCol="0" anchor="ctr"/>
+            <a:bodyPr lIns="0" tIns="0" rIns="0" bIns="0" rtlCol="0" anchor="ctr"/>
             <a:lstStyle/>
             <a:p>
               <a:pPr algn="ctr"/>
@@ -20983,7 +20905,7 @@
                     <a:schemeClr val="tx1"/>
                   </a:solidFill>
                 </a:rPr>
-                <a:t>3</a:t>
+                <a:t>BI</a:t>
               </a:r>
             </a:p>
           </p:txBody>
@@ -22716,9 +22638,9 @@
         <p:grpSpPr>
           <a:xfrm>
             <a:off x="3554633" y="28989702"/>
-            <a:ext cx="1159376" cy="440221"/>
+            <a:ext cx="1385578" cy="440221"/>
             <a:chOff x="1448277" y="29281996"/>
-            <a:chExt cx="1159376" cy="440221"/>
+            <a:chExt cx="1385578" cy="440221"/>
           </a:xfrm>
         </p:grpSpPr>
         <p:grpSp>
@@ -22736,9 +22658,9 @@
           <p:grpSpPr>
             <a:xfrm>
               <a:off x="1448277" y="29464876"/>
-              <a:ext cx="793616" cy="257341"/>
+              <a:ext cx="793615" cy="257341"/>
               <a:chOff x="1731728" y="2097209"/>
-              <a:chExt cx="793616" cy="257341"/>
+              <a:chExt cx="793615" cy="257341"/>
             </a:xfrm>
           </p:grpSpPr>
           <p:cxnSp>
@@ -22759,7 +22681,7 @@
             <p:spPr>
               <a:xfrm>
                 <a:off x="1731728" y="2097209"/>
-                <a:ext cx="793616" cy="0"/>
+                <a:ext cx="793615" cy="0"/>
               </a:xfrm>
               <a:prstGeom prst="straightConnector1">
                 <a:avLst/>
@@ -22833,8 +22755,8 @@
           </p:nvSpPr>
           <p:spPr>
             <a:xfrm>
-              <a:off x="2241893" y="29281996"/>
-              <a:ext cx="365760" cy="365760"/>
+              <a:off x="2241892" y="29281996"/>
+              <a:ext cx="591963" cy="365760"/>
             </a:xfrm>
             <a:prstGeom prst="ellipse">
               <a:avLst/>
@@ -22869,7 +22791,7 @@
                     <a:schemeClr val="tx1"/>
                   </a:solidFill>
                 </a:rPr>
-                <a:t>F</a:t>
+                <a:t>AA</a:t>
               </a:r>
             </a:p>
           </p:txBody>
@@ -22889,8 +22811,8 @@
         </p:nvGrpSpPr>
         <p:grpSpPr>
           <a:xfrm>
-            <a:off x="3287857" y="29429923"/>
-            <a:ext cx="1135618" cy="440221"/>
+            <a:off x="3287856" y="29429923"/>
+            <a:ext cx="1852027" cy="440221"/>
             <a:chOff x="5144517" y="26041680"/>
             <a:chExt cx="1135618" cy="440221"/>
           </a:xfrm>
@@ -23043,7 +22965,7 @@
                     <a:schemeClr val="tx1"/>
                   </a:solidFill>
                 </a:rPr>
-                <a:t>F</a:t>
+                <a:t>AB</a:t>
               </a:r>
             </a:p>
           </p:txBody>
@@ -23064,9 +22986,9 @@
         <p:grpSpPr>
           <a:xfrm>
             <a:off x="2903510" y="29994178"/>
-            <a:ext cx="1168801" cy="440221"/>
+            <a:ext cx="1440175" cy="440221"/>
             <a:chOff x="5111334" y="26041680"/>
-            <a:chExt cx="1168801" cy="440221"/>
+            <a:chExt cx="1440175" cy="440221"/>
           </a:xfrm>
         </p:grpSpPr>
         <p:grpSp>
@@ -23107,7 +23029,7 @@
             <p:spPr>
               <a:xfrm flipV="1">
                 <a:off x="1722303" y="2097209"/>
-                <a:ext cx="803041" cy="1"/>
+                <a:ext cx="803041" cy="2"/>
               </a:xfrm>
               <a:prstGeom prst="straightConnector1">
                 <a:avLst/>
@@ -23182,7 +23104,7 @@
           <p:spPr>
             <a:xfrm>
               <a:off x="5914375" y="26041680"/>
-              <a:ext cx="365760" cy="365760"/>
+              <a:ext cx="637134" cy="365760"/>
             </a:xfrm>
             <a:prstGeom prst="ellipse">
               <a:avLst/>
@@ -23217,7 +23139,7 @@
                     <a:schemeClr val="tx1"/>
                   </a:solidFill>
                 </a:rPr>
-                <a:t>F</a:t>
+                <a:t>AC</a:t>
               </a:r>
             </a:p>
           </p:txBody>
@@ -23238,9 +23160,9 @@
         <p:grpSpPr>
           <a:xfrm>
             <a:off x="2607150" y="30442902"/>
-            <a:ext cx="1159376" cy="440221"/>
+            <a:ext cx="1423482" cy="440221"/>
             <a:chOff x="1448277" y="29281996"/>
-            <a:chExt cx="1159376" cy="440221"/>
+            <a:chExt cx="1423482" cy="440221"/>
           </a:xfrm>
         </p:grpSpPr>
         <p:grpSp>
@@ -23258,9 +23180,9 @@
           <p:grpSpPr>
             <a:xfrm>
               <a:off x="1448277" y="29464876"/>
-              <a:ext cx="793616" cy="257341"/>
+              <a:ext cx="793615" cy="257341"/>
               <a:chOff x="1731728" y="2097209"/>
-              <a:chExt cx="793616" cy="257341"/>
+              <a:chExt cx="793615" cy="257341"/>
             </a:xfrm>
           </p:grpSpPr>
           <p:cxnSp>
@@ -23281,7 +23203,7 @@
             <p:spPr>
               <a:xfrm>
                 <a:off x="1731728" y="2097209"/>
-                <a:ext cx="793616" cy="0"/>
+                <a:ext cx="793615" cy="0"/>
               </a:xfrm>
               <a:prstGeom prst="straightConnector1">
                 <a:avLst/>
@@ -23355,8 +23277,8 @@
           </p:nvSpPr>
           <p:spPr>
             <a:xfrm>
-              <a:off x="2241893" y="29281996"/>
-              <a:ext cx="365760" cy="365760"/>
+              <a:off x="2241892" y="29281996"/>
+              <a:ext cx="629867" cy="365760"/>
             </a:xfrm>
             <a:prstGeom prst="ellipse">
               <a:avLst/>
@@ -23391,7 +23313,7 @@
                     <a:schemeClr val="tx1"/>
                   </a:solidFill>
                 </a:rPr>
-                <a:t>F</a:t>
+                <a:t>AD</a:t>
               </a:r>
             </a:p>
           </p:txBody>
@@ -23411,8 +23333,8 @@
         </p:nvGrpSpPr>
         <p:grpSpPr>
           <a:xfrm>
-            <a:off x="2205920" y="30929535"/>
-            <a:ext cx="1135618" cy="440221"/>
+            <a:off x="2205919" y="30929535"/>
+            <a:ext cx="1772267" cy="440221"/>
             <a:chOff x="5144517" y="26041680"/>
             <a:chExt cx="1135618" cy="440221"/>
           </a:xfrm>
@@ -23565,7 +23487,7 @@
                     <a:schemeClr val="tx1"/>
                   </a:solidFill>
                 </a:rPr>
-                <a:t>F</a:t>
+                <a:t>AE</a:t>
               </a:r>
             </a:p>
           </p:txBody>
@@ -23586,9 +23508,9 @@
         <p:grpSpPr>
           <a:xfrm>
             <a:off x="1740135" y="31463997"/>
-            <a:ext cx="1168801" cy="440221"/>
+            <a:ext cx="1477827" cy="440221"/>
             <a:chOff x="5111334" y="26041680"/>
-            <a:chExt cx="1168801" cy="440221"/>
+            <a:chExt cx="1477827" cy="440221"/>
           </a:xfrm>
         </p:grpSpPr>
         <p:grpSp>
@@ -23606,9 +23528,9 @@
           <p:grpSpPr>
             <a:xfrm>
               <a:off x="5111334" y="26224560"/>
-              <a:ext cx="803041" cy="257341"/>
+              <a:ext cx="803040" cy="257341"/>
               <a:chOff x="1722303" y="2097209"/>
-              <a:chExt cx="803041" cy="257341"/>
+              <a:chExt cx="803040" cy="257341"/>
             </a:xfrm>
           </p:grpSpPr>
           <p:cxnSp>
@@ -23629,7 +23551,7 @@
             <p:spPr>
               <a:xfrm flipV="1">
                 <a:off x="1722303" y="2097209"/>
-                <a:ext cx="803041" cy="1"/>
+                <a:ext cx="803040" cy="2"/>
               </a:xfrm>
               <a:prstGeom prst="straightConnector1">
                 <a:avLst/>
@@ -23703,8 +23625,8 @@
           </p:nvSpPr>
           <p:spPr>
             <a:xfrm>
-              <a:off x="5914375" y="26041680"/>
-              <a:ext cx="365760" cy="365760"/>
+              <a:off x="5914374" y="26041680"/>
+              <a:ext cx="674787" cy="365760"/>
             </a:xfrm>
             <a:prstGeom prst="ellipse">
               <a:avLst/>
@@ -23739,7 +23661,7 @@
                     <a:schemeClr val="tx1"/>
                   </a:solidFill>
                 </a:rPr>
-                <a:t>F</a:t>
+                <a:t>AF</a:t>
               </a:r>
             </a:p>
           </p:txBody>
@@ -23760,9 +23682,9 @@
         <p:grpSpPr>
           <a:xfrm>
             <a:off x="1402059" y="32087098"/>
-            <a:ext cx="1168801" cy="440221"/>
+            <a:ext cx="1487537" cy="440221"/>
             <a:chOff x="5111334" y="26041680"/>
-            <a:chExt cx="1168801" cy="440221"/>
+            <a:chExt cx="1487537" cy="440221"/>
           </a:xfrm>
         </p:grpSpPr>
         <p:grpSp>
@@ -23803,7 +23725,7 @@
             <p:spPr>
               <a:xfrm flipV="1">
                 <a:off x="1722303" y="2097209"/>
-                <a:ext cx="803041" cy="1"/>
+                <a:ext cx="803041" cy="2"/>
               </a:xfrm>
               <a:prstGeom prst="straightConnector1">
                 <a:avLst/>
@@ -23878,7 +23800,7 @@
           <p:spPr>
             <a:xfrm>
               <a:off x="5914375" y="26041680"/>
-              <a:ext cx="365760" cy="365760"/>
+              <a:ext cx="684496" cy="365760"/>
             </a:xfrm>
             <a:prstGeom prst="ellipse">
               <a:avLst/>
@@ -23913,7 +23835,7 @@
                     <a:schemeClr val="tx1"/>
                   </a:solidFill>
                 </a:rPr>
-                <a:t>F</a:t>
+                <a:t>AG</a:t>
               </a:r>
             </a:p>
           </p:txBody>
@@ -24055,7 +23977,7 @@
                   <a:schemeClr val="tx1"/>
                 </a:solidFill>
               </a:rPr>
-              <a:t>0</a:t>
+              <a:t>G</a:t>
             </a:r>
           </a:p>
         </p:txBody>
@@ -24716,7 +24638,7 @@
                     <a:schemeClr val="tx1"/>
                   </a:solidFill>
                 </a:rPr>
-                <a:t>0</a:t>
+                <a:t>AP</a:t>
               </a:r>
             </a:p>
           </p:txBody>
@@ -24806,7 +24728,7 @@
                     <a:schemeClr val="tx1"/>
                   </a:solidFill>
                 </a:rPr>
-                <a:t>0</a:t>
+                <a:t>K</a:t>
               </a:r>
             </a:p>
           </p:txBody>
@@ -24998,7 +24920,7 @@
                   <a:schemeClr val="tx1"/>
                 </a:solidFill>
               </a:rPr>
-              <a:t>2</a:t>
+              <a:t>L</a:t>
             </a:r>
           </a:p>
         </p:txBody>
@@ -25114,8 +25036,8 @@
         </p:nvSpPr>
         <p:spPr>
           <a:xfrm>
-            <a:off x="6858610" y="12389102"/>
-            <a:ext cx="365760" cy="365760"/>
+            <a:off x="6835611" y="12348325"/>
+            <a:ext cx="644600" cy="365760"/>
           </a:xfrm>
           <a:prstGeom prst="ellipse">
             <a:avLst/>
@@ -25149,7 +25071,7 @@
                   <a:schemeClr val="tx1"/>
                 </a:solidFill>
               </a:rPr>
-              <a:t>3</a:t>
+              <a:t>AQ</a:t>
             </a:r>
           </a:p>
         </p:txBody>
@@ -25168,10 +25090,10 @@
         </p:nvGrpSpPr>
         <p:grpSpPr>
           <a:xfrm>
-            <a:off x="7203935" y="12494051"/>
-            <a:ext cx="533436" cy="230832"/>
-            <a:chOff x="2704902" y="2010614"/>
-            <a:chExt cx="533436" cy="230832"/>
+            <a:off x="7480211" y="12531205"/>
+            <a:ext cx="268239" cy="337973"/>
+            <a:chOff x="2780116" y="1903473"/>
+            <a:chExt cx="268239" cy="337973"/>
           </a:xfrm>
         </p:grpSpPr>
         <p:cxnSp>
@@ -25185,13 +25107,15 @@
             </p:cNvPr>
             <p:cNvCxnSpPr>
               <a:cxnSpLocks/>
+              <a:stCxn id="134" idx="6"/>
+              <a:endCxn id="138" idx="2"/>
             </p:cNvCxnSpPr>
             <p:nvPr/>
           </p:nvCxnSpPr>
           <p:spPr>
             <a:xfrm>
-              <a:off x="2704902" y="2054141"/>
-              <a:ext cx="533436" cy="0"/>
+              <a:off x="2780116" y="1903473"/>
+              <a:ext cx="268239" cy="17383"/>
             </a:xfrm>
             <a:prstGeom prst="straightConnector1">
               <a:avLst/>
@@ -25387,7 +25311,7 @@
           </a:fontRef>
         </p:style>
         <p:txBody>
-          <a:bodyPr rtlCol="0" anchor="ctr"/>
+          <a:bodyPr lIns="0" tIns="0" rIns="0" bIns="0" rtlCol="0" anchor="ctr"/>
           <a:lstStyle/>
           <a:p>
             <a:pPr algn="ctr"/>
@@ -25397,7 +25321,7 @@
                   <a:schemeClr val="tx1"/>
                 </a:solidFill>
               </a:rPr>
-              <a:t>5</a:t>
+              <a:t>CB</a:t>
             </a:r>
           </a:p>
         </p:txBody>
@@ -26161,7 +26085,7 @@
         <p:spPr>
           <a:xfrm>
             <a:off x="6887187" y="13008419"/>
-            <a:ext cx="386489" cy="336396"/>
+            <a:ext cx="686776" cy="336396"/>
           </a:xfrm>
           <a:prstGeom prst="ellipse">
             <a:avLst/>
@@ -26195,7 +26119,7 @@
                   <a:schemeClr val="tx1"/>
                 </a:solidFill>
               </a:rPr>
-              <a:t>D</a:t>
+              <a:t>AR</a:t>
             </a:r>
           </a:p>
         </p:txBody>
@@ -26214,10 +26138,10 @@
         </p:nvGrpSpPr>
         <p:grpSpPr>
           <a:xfrm>
-            <a:off x="7273674" y="13172131"/>
-            <a:ext cx="399894" cy="353331"/>
-            <a:chOff x="2733235" y="-1642845"/>
-            <a:chExt cx="378447" cy="4769283"/>
+            <a:off x="7573963" y="13172765"/>
+            <a:ext cx="589626" cy="320397"/>
+            <a:chOff x="3017422" y="-1634287"/>
+            <a:chExt cx="558004" cy="4324738"/>
           </a:xfrm>
         </p:grpSpPr>
         <p:cxnSp>
@@ -26238,8 +26162,8 @@
           </p:nvCxnSpPr>
           <p:spPr>
             <a:xfrm flipV="1">
-              <a:off x="2733235" y="-1642845"/>
-              <a:ext cx="378447" cy="60552"/>
+              <a:off x="3017422" y="-1634287"/>
+              <a:ext cx="558004" cy="51995"/>
             </a:xfrm>
             <a:prstGeom prst="straightConnector1">
               <a:avLst/>
@@ -26277,7 +26201,7 @@
           </p:nvSpPr>
           <p:spPr>
             <a:xfrm>
-              <a:off x="2771964" y="269101"/>
+              <a:off x="3097160" y="-166886"/>
               <a:ext cx="150495" cy="2857337"/>
             </a:xfrm>
             <a:prstGeom prst="rect">
@@ -26313,8 +26237,8 @@
         </p:nvSpPr>
         <p:spPr>
           <a:xfrm>
-            <a:off x="7673570" y="13003933"/>
-            <a:ext cx="386489" cy="336396"/>
+            <a:off x="8163589" y="13004567"/>
+            <a:ext cx="434629" cy="336396"/>
           </a:xfrm>
           <a:prstGeom prst="ellipse">
             <a:avLst/>
@@ -26338,7 +26262,7 @@
           </a:fontRef>
         </p:style>
         <p:txBody>
-          <a:bodyPr rtlCol="0" anchor="ctr"/>
+          <a:bodyPr lIns="0" tIns="0" rIns="0" bIns="0" rtlCol="0" anchor="ctr"/>
           <a:lstStyle/>
           <a:p>
             <a:pPr algn="ctr"/>
@@ -26348,7 +26272,7 @@
                   <a:schemeClr val="tx1"/>
                 </a:solidFill>
               </a:rPr>
-              <a:t>F</a:t>
+              <a:t>BK</a:t>
             </a:r>
           </a:p>
         </p:txBody>
@@ -26367,10 +26291,10 @@
         </p:nvGrpSpPr>
         <p:grpSpPr>
           <a:xfrm>
-            <a:off x="8060057" y="13172131"/>
-            <a:ext cx="358109" cy="377244"/>
-            <a:chOff x="2549665" y="-1912814"/>
-            <a:chExt cx="338903" cy="6232600"/>
+            <a:off x="8570103" y="13172765"/>
+            <a:ext cx="338084" cy="377244"/>
+            <a:chOff x="2568621" y="-1912814"/>
+            <a:chExt cx="319952" cy="6232600"/>
           </a:xfrm>
         </p:grpSpPr>
         <p:cxnSp>
@@ -26391,8 +26315,8 @@
           </p:nvCxnSpPr>
           <p:spPr>
             <a:xfrm>
-              <a:off x="2549665" y="-1912814"/>
-              <a:ext cx="338903" cy="0"/>
+              <a:off x="2595228" y="-1912814"/>
+              <a:ext cx="293345" cy="0"/>
             </a:xfrm>
             <a:prstGeom prst="straightConnector1">
               <a:avLst/>
@@ -26466,7 +26390,7 @@
         </p:nvSpPr>
         <p:spPr>
           <a:xfrm>
-            <a:off x="8418168" y="13003933"/>
+            <a:off x="8908187" y="13004567"/>
             <a:ext cx="386489" cy="336396"/>
           </a:xfrm>
           <a:prstGeom prst="ellipse">
@@ -26491,17 +26415,17 @@
           </a:fontRef>
         </p:style>
         <p:txBody>
-          <a:bodyPr rtlCol="0" anchor="ctr"/>
+          <a:bodyPr lIns="0" tIns="0" rIns="0" bIns="0" rtlCol="0" anchor="ctr"/>
           <a:lstStyle/>
           <a:p>
             <a:pPr algn="ctr"/>
             <a:r>
-              <a:rPr lang="en-US" sz="2100" dirty="0">
+              <a:rPr lang="en-US" sz="2000" dirty="0">
                 <a:solidFill>
                   <a:schemeClr val="tx1"/>
                 </a:solidFill>
               </a:rPr>
-              <a:t>H</a:t>
+              <a:t>CC</a:t>
             </a:r>
           </a:p>
         </p:txBody>
@@ -26520,7 +26444,7 @@
         </p:nvSpPr>
         <p:spPr>
           <a:xfrm>
-            <a:off x="9290751" y="13001294"/>
+            <a:off x="9780770" y="13001928"/>
             <a:ext cx="406520" cy="336396"/>
           </a:xfrm>
           <a:prstGeom prst="ellipse">
@@ -26575,7 +26499,7 @@
         </p:nvSpPr>
         <p:spPr>
           <a:xfrm>
-            <a:off x="8888679" y="13260449"/>
+            <a:off x="9378698" y="13261083"/>
             <a:ext cx="159024" cy="211684"/>
           </a:xfrm>
           <a:prstGeom prst="rect">
@@ -26613,7 +26537,7 @@
         </p:nvCxnSpPr>
         <p:spPr>
           <a:xfrm>
-            <a:off x="8815406" y="13164756"/>
+            <a:off x="9305425" y="13165390"/>
             <a:ext cx="475345" cy="4736"/>
           </a:xfrm>
           <a:prstGeom prst="straightConnector1">
@@ -26749,13 +26673,20 @@
         </p:nvSpPr>
         <p:spPr>
           <a:xfrm>
-            <a:off x="6365550" y="13773075"/>
-            <a:ext cx="365760" cy="365760"/>
+            <a:off x="6356320" y="13749198"/>
+            <a:ext cx="560921" cy="365760"/>
           </a:xfrm>
           <a:prstGeom prst="ellipse">
             <a:avLst/>
           </a:prstGeom>
           <a:noFill/>
+          <a:ln>
+            <a:solidFill>
+              <a:schemeClr val="dk1">
+                <a:shade val="50000"/>
+              </a:schemeClr>
+            </a:solidFill>
+          </a:ln>
         </p:spPr>
         <p:style>
           <a:lnRef idx="2">
@@ -26774,7 +26705,7 @@
           </a:fontRef>
         </p:style>
         <p:txBody>
-          <a:bodyPr rtlCol="0" anchor="ctr"/>
+          <a:bodyPr lIns="0" tIns="0" rIns="0" rtlCol="0" anchor="ctr"/>
           <a:lstStyle/>
           <a:p>
             <a:pPr algn="ctr"/>
@@ -26784,7 +26715,7 @@
                   <a:schemeClr val="tx1"/>
                 </a:solidFill>
               </a:rPr>
-              <a:t>3</a:t>
+              <a:t>AS</a:t>
             </a:r>
           </a:p>
         </p:txBody>
@@ -26803,10 +26734,10 @@
         </p:nvGrpSpPr>
         <p:grpSpPr>
           <a:xfrm>
-            <a:off x="6710875" y="13878024"/>
-            <a:ext cx="533436" cy="230832"/>
-            <a:chOff x="2704902" y="2010614"/>
-            <a:chExt cx="533436" cy="230832"/>
+            <a:off x="6917241" y="13918159"/>
+            <a:ext cx="982037" cy="230832"/>
+            <a:chOff x="2262953" y="2058566"/>
+            <a:chExt cx="982037" cy="230832"/>
           </a:xfrm>
         </p:grpSpPr>
         <p:cxnSp>
@@ -26820,13 +26751,15 @@
             </p:cNvPr>
             <p:cNvCxnSpPr>
               <a:cxnSpLocks/>
+              <a:stCxn id="178" idx="6"/>
+              <a:endCxn id="182" idx="2"/>
             </p:cNvCxnSpPr>
             <p:nvPr/>
           </p:nvCxnSpPr>
           <p:spPr>
             <a:xfrm>
-              <a:off x="2704902" y="2054141"/>
-              <a:ext cx="533436" cy="0"/>
+              <a:off x="2262953" y="2072485"/>
+              <a:ext cx="982037" cy="16060"/>
             </a:xfrm>
             <a:prstGeom prst="straightConnector1">
               <a:avLst/>
@@ -26864,7 +26797,7 @@
           </p:nvSpPr>
           <p:spPr>
             <a:xfrm>
-              <a:off x="2842733" y="2010614"/>
+              <a:off x="2634192" y="2058566"/>
               <a:ext cx="150495" cy="230832"/>
             </a:xfrm>
             <a:prstGeom prst="rect">
@@ -26900,7 +26833,7 @@
         </p:nvSpPr>
         <p:spPr>
           <a:xfrm>
-            <a:off x="7250963" y="13773075"/>
+            <a:off x="7899278" y="13765258"/>
             <a:ext cx="365760" cy="365760"/>
           </a:xfrm>
           <a:prstGeom prst="ellipse">
@@ -26925,7 +26858,7 @@
           </a:fontRef>
         </p:style>
         <p:txBody>
-          <a:bodyPr rtlCol="0" anchor="ctr"/>
+          <a:bodyPr lIns="0" tIns="0" rIns="0" bIns="0" rtlCol="0" anchor="ctr"/>
           <a:lstStyle/>
           <a:p>
             <a:pPr algn="ctr"/>
@@ -26935,7 +26868,7 @@
                   <a:schemeClr val="tx1"/>
                 </a:solidFill>
               </a:rPr>
-              <a:t>4</a:t>
+              <a:t>BL</a:t>
             </a:r>
           </a:p>
         </p:txBody>
@@ -26954,7 +26887,7 @@
         </p:nvGrpSpPr>
         <p:grpSpPr>
           <a:xfrm>
-            <a:off x="7614102" y="13855896"/>
+            <a:off x="8262417" y="13848079"/>
             <a:ext cx="533436" cy="230832"/>
             <a:chOff x="2704902" y="2010614"/>
             <a:chExt cx="533436" cy="230832"/>
@@ -27051,7 +26984,7 @@
         </p:nvSpPr>
         <p:spPr>
           <a:xfrm>
-            <a:off x="8154190" y="13743096"/>
+            <a:off x="8802505" y="13735279"/>
             <a:ext cx="365760" cy="365760"/>
           </a:xfrm>
           <a:prstGeom prst="ellipse">
@@ -27077,7 +27010,7 @@
           </a:fontRef>
         </p:style>
         <p:txBody>
-          <a:bodyPr rtlCol="0" anchor="ctr"/>
+          <a:bodyPr lIns="0" tIns="0" rIns="0" bIns="0" rtlCol="0" anchor="ctr"/>
           <a:lstStyle/>
           <a:p>
             <a:pPr algn="ctr"/>
@@ -27087,7 +27020,7 @@
                   <a:schemeClr val="tx1"/>
                 </a:solidFill>
               </a:rPr>
-              <a:t>5</a:t>
+              <a:t>CD</a:t>
             </a:r>
           </a:p>
         </p:txBody>
@@ -27146,10 +27079,10 @@
         </p:nvGrpSpPr>
         <p:grpSpPr>
           <a:xfrm>
-            <a:off x="5990909" y="14297122"/>
-            <a:ext cx="8347229" cy="449211"/>
-            <a:chOff x="2786751" y="14224846"/>
-            <a:chExt cx="13268370" cy="786412"/>
+            <a:off x="5987369" y="14227860"/>
+            <a:ext cx="8347226" cy="477770"/>
+            <a:chOff x="2786755" y="14174850"/>
+            <a:chExt cx="13268366" cy="836408"/>
           </a:xfrm>
         </p:grpSpPr>
         <p:grpSp>
@@ -27166,9 +27099,9 @@
           </p:nvGrpSpPr>
           <p:grpSpPr>
             <a:xfrm>
-              <a:off x="2786751" y="14475248"/>
+              <a:off x="2786755" y="14475248"/>
               <a:ext cx="550526" cy="431942"/>
-              <a:chOff x="2647144" y="824897"/>
+              <a:chOff x="2647146" y="824897"/>
               <a:chExt cx="419448" cy="3314895"/>
             </a:xfrm>
           </p:grpSpPr>
@@ -27227,8 +27160,8 @@
             </p:nvSpPr>
             <p:spPr>
               <a:xfrm>
-                <a:off x="2840589" y="2036631"/>
-                <a:ext cx="150495" cy="2103161"/>
+                <a:off x="2840591" y="2036632"/>
+                <a:ext cx="150494" cy="2103160"/>
               </a:xfrm>
               <a:prstGeom prst="rect">
                 <a:avLst/>
@@ -27263,8 +27196,8 @@
           </p:nvSpPr>
           <p:spPr>
             <a:xfrm>
-              <a:off x="3340505" y="14287895"/>
-              <a:ext cx="480060" cy="435501"/>
+              <a:off x="3342789" y="14174850"/>
+              <a:ext cx="735906" cy="632163"/>
             </a:xfrm>
             <a:prstGeom prst="ellipse">
               <a:avLst/>
@@ -27288,7 +27221,7 @@
             </a:fontRef>
           </p:style>
           <p:txBody>
-            <a:bodyPr rtlCol="0" anchor="ctr"/>
+            <a:bodyPr lIns="0" tIns="0" rIns="0" bIns="0" rtlCol="0" anchor="ctr"/>
             <a:lstStyle/>
             <a:p>
               <a:pPr algn="ctr"/>
@@ -27298,7 +27231,7 @@
                     <a:schemeClr val="tx1"/>
                   </a:solidFill>
                 </a:rPr>
-                <a:t>D</a:t>
+                <a:t>AT</a:t>
               </a:r>
             </a:p>
           </p:txBody>
@@ -27317,8 +27250,8 @@
           </p:nvSpPr>
           <p:spPr>
             <a:xfrm>
-              <a:off x="4317276" y="14282087"/>
-              <a:ext cx="480060" cy="435501"/>
+              <a:off x="4715447" y="14285029"/>
+              <a:ext cx="870642" cy="435500"/>
             </a:xfrm>
             <a:prstGeom prst="ellipse">
               <a:avLst/>
@@ -27342,7 +27275,7 @@
             </a:fontRef>
           </p:style>
           <p:txBody>
-            <a:bodyPr rtlCol="0" anchor="ctr"/>
+            <a:bodyPr lIns="0" tIns="0" rIns="0" bIns="0" rtlCol="0" anchor="ctr"/>
             <a:lstStyle/>
             <a:p>
               <a:pPr algn="ctr"/>
@@ -27352,7 +27285,7 @@
                     <a:schemeClr val="tx1"/>
                   </a:solidFill>
                 </a:rPr>
-                <a:t>F</a:t>
+                <a:t>BM</a:t>
               </a:r>
             </a:p>
           </p:txBody>
@@ -27371,10 +27304,10 @@
           </p:nvGrpSpPr>
           <p:grpSpPr>
             <a:xfrm>
-              <a:off x="4797339" y="14499838"/>
-              <a:ext cx="444810" cy="380505"/>
-              <a:chOff x="2536250" y="817491"/>
-              <a:chExt cx="338903" cy="4855894"/>
+              <a:off x="5586091" y="14502780"/>
+              <a:ext cx="353427" cy="349995"/>
+              <a:chOff x="3137205" y="855046"/>
+              <a:chExt cx="269278" cy="4466526"/>
             </a:xfrm>
           </p:grpSpPr>
           <p:cxnSp>
@@ -27395,8 +27328,8 @@
             </p:nvCxnSpPr>
             <p:spPr>
               <a:xfrm>
-                <a:off x="2536250" y="817491"/>
-                <a:ext cx="338903" cy="0"/>
+                <a:off x="3137205" y="855046"/>
+                <a:ext cx="269278" cy="131478"/>
               </a:xfrm>
               <a:prstGeom prst="straightConnector1">
                 <a:avLst/>
@@ -27434,8 +27367,8 @@
             </p:nvSpPr>
             <p:spPr>
               <a:xfrm>
-                <a:off x="2551564" y="2176052"/>
-                <a:ext cx="150495" cy="3497333"/>
+                <a:off x="3174955" y="1824231"/>
+                <a:ext cx="150495" cy="3497341"/>
               </a:xfrm>
               <a:prstGeom prst="rect">
                 <a:avLst/>
@@ -27470,8 +27403,8 @@
           </p:nvSpPr>
           <p:spPr>
             <a:xfrm>
-              <a:off x="5242146" y="14282087"/>
-              <a:ext cx="480060" cy="435501"/>
+              <a:off x="5939514" y="14295331"/>
+              <a:ext cx="480060" cy="435500"/>
             </a:xfrm>
             <a:prstGeom prst="ellipse">
               <a:avLst/>
@@ -27495,71 +27428,17 @@
             </a:fontRef>
           </p:style>
           <p:txBody>
-            <a:bodyPr rtlCol="0" anchor="ctr"/>
+            <a:bodyPr lIns="0" tIns="0" rIns="0" rtlCol="0" anchor="ctr"/>
             <a:lstStyle/>
             <a:p>
               <a:pPr algn="ctr"/>
               <a:r>
-                <a:rPr lang="en-US" sz="2100" dirty="0">
+                <a:rPr lang="en-US" sz="1600" dirty="0">
                   <a:solidFill>
                     <a:schemeClr val="tx1"/>
                   </a:solidFill>
                 </a:rPr>
-                <a:t>H</a:t>
-              </a:r>
-            </a:p>
-          </p:txBody>
-        </p:sp>
-        <p:sp>
-          <p:nvSpPr>
-            <p:cNvPr id="205" name="Oval 204">
-              <a:extLst>
-                <a:ext uri="{FF2B5EF4-FFF2-40B4-BE49-F238E27FC236}">
-                  <a16:creationId xmlns:a16="http://schemas.microsoft.com/office/drawing/2014/main" id="{31E43330-7D2B-4C09-8BB4-44D5970CF3D4}"/>
-                </a:ext>
-              </a:extLst>
-            </p:cNvPr>
-            <p:cNvSpPr/>
-            <p:nvPr/>
-          </p:nvSpPr>
-          <p:spPr>
-            <a:xfrm>
-              <a:off x="6183024" y="14288767"/>
-              <a:ext cx="480060" cy="435501"/>
-            </a:xfrm>
-            <a:prstGeom prst="ellipse">
-              <a:avLst/>
-            </a:prstGeom>
-            <a:noFill/>
-          </p:spPr>
-          <p:style>
-            <a:lnRef idx="2">
-              <a:schemeClr val="dk1">
-                <a:shade val="50000"/>
-              </a:schemeClr>
-            </a:lnRef>
-            <a:fillRef idx="1">
-              <a:schemeClr val="dk1"/>
-            </a:fillRef>
-            <a:effectRef idx="0">
-              <a:schemeClr val="dk1"/>
-            </a:effectRef>
-            <a:fontRef idx="minor">
-              <a:schemeClr val="lt1"/>
-            </a:fontRef>
-          </p:style>
-          <p:txBody>
-            <a:bodyPr rtlCol="0" anchor="ctr"/>
-            <a:lstStyle/>
-            <a:p>
-              <a:pPr algn="ctr"/>
-              <a:r>
-                <a:rPr lang="en-US" sz="2100" dirty="0">
-                  <a:solidFill>
-                    <a:schemeClr val="tx1"/>
-                  </a:solidFill>
-                </a:rPr>
-                <a:t>J</a:t>
+                <a:t>CE</a:t>
               </a:r>
             </a:p>
           </p:txBody>
@@ -27578,10 +27457,10 @@
           </p:nvGrpSpPr>
           <p:grpSpPr>
             <a:xfrm>
-              <a:off x="6663082" y="14506517"/>
-              <a:ext cx="632401" cy="174090"/>
-              <a:chOff x="2131147" y="811173"/>
-              <a:chExt cx="481829" cy="1548349"/>
+              <a:off x="6419574" y="14513084"/>
+              <a:ext cx="875910" cy="167811"/>
+              <a:chOff x="1945619" y="869577"/>
+              <a:chExt cx="667360" cy="1492499"/>
             </a:xfrm>
           </p:grpSpPr>
           <p:cxnSp>
@@ -27595,15 +27474,15 @@
               </p:cNvPr>
               <p:cNvCxnSpPr>
                 <a:cxnSpLocks/>
-                <a:stCxn id="205" idx="6"/>
+                <a:stCxn id="201" idx="6"/>
                 <a:endCxn id="209" idx="2"/>
               </p:cNvCxnSpPr>
               <p:nvPr/>
             </p:nvCxnSpPr>
             <p:spPr>
               <a:xfrm>
-                <a:off x="2131147" y="811173"/>
-                <a:ext cx="481829" cy="115109"/>
+                <a:off x="1945619" y="869577"/>
+                <a:ext cx="667360" cy="56722"/>
               </a:xfrm>
               <a:prstGeom prst="straightConnector1">
                 <a:avLst/>
@@ -27641,8 +27520,8 @@
             </p:nvSpPr>
             <p:spPr>
               <a:xfrm>
-                <a:off x="2221116" y="2150723"/>
-                <a:ext cx="150495" cy="208799"/>
+                <a:off x="1997415" y="2153279"/>
+                <a:ext cx="150495" cy="208797"/>
               </a:xfrm>
               <a:prstGeom prst="rect">
                 <a:avLst/>
@@ -29683,6 +29562,41 @@
           </a:fontRef>
         </p:style>
       </p:cxnSp>
+      <p:sp>
+        <p:nvSpPr>
+          <p:cNvPr id="738" name="TextBox 737">
+            <a:extLst>
+              <a:ext uri="{FF2B5EF4-FFF2-40B4-BE49-F238E27FC236}">
+                <a16:creationId xmlns:a16="http://schemas.microsoft.com/office/drawing/2014/main" id="{BAD96835-FB0C-4ED9-BA17-BA3022394B66}"/>
+              </a:ext>
+            </a:extLst>
+          </p:cNvPr>
+          <p:cNvSpPr txBox="1"/>
+          <p:nvPr/>
+        </p:nvSpPr>
+        <p:spPr>
+          <a:xfrm>
+            <a:off x="6804029" y="14588210"/>
+            <a:ext cx="130547" cy="230832"/>
+          </a:xfrm>
+          <a:prstGeom prst="rect">
+            <a:avLst/>
+          </a:prstGeom>
+          <a:noFill/>
+        </p:spPr>
+        <p:txBody>
+          <a:bodyPr wrap="square" rtlCol="0">
+            <a:spAutoFit/>
+          </a:bodyPr>
+          <a:lstStyle/>
+          <a:p>
+            <a:r>
+              <a:rPr lang="en-US" sz="900" b="1" dirty="0"/>
+              <a:t>n</a:t>
+            </a:r>
+          </a:p>
+        </p:txBody>
+      </p:sp>
     </p:spTree>
     <p:extLst>
       <p:ext uri="{BB962C8B-B14F-4D97-AF65-F5344CB8AC3E}">

--- a/Graphs/DFA/DFA Drawing/full DFA.pptx
+++ b/Graphs/DFA/DFA Drawing/full DFA.pptx
@@ -243,7 +243,7 @@
           <a:p>
             <a:fld id="{3F93DD2E-470F-489C-B0E3-BD195B6FD9FF}" type="datetimeFigureOut">
               <a:rPr lang="en-US" smtClean="0"/>
-              <a:t>5/17/2022</a:t>
+              <a:t>5/18/2022</a:t>
             </a:fld>
             <a:endParaRPr lang="en-US"/>
           </a:p>
@@ -413,7 +413,7 @@
           <a:p>
             <a:fld id="{3F93DD2E-470F-489C-B0E3-BD195B6FD9FF}" type="datetimeFigureOut">
               <a:rPr lang="en-US" smtClean="0"/>
-              <a:t>5/17/2022</a:t>
+              <a:t>5/18/2022</a:t>
             </a:fld>
             <a:endParaRPr lang="en-US"/>
           </a:p>
@@ -593,7 +593,7 @@
           <a:p>
             <a:fld id="{3F93DD2E-470F-489C-B0E3-BD195B6FD9FF}" type="datetimeFigureOut">
               <a:rPr lang="en-US" smtClean="0"/>
-              <a:t>5/17/2022</a:t>
+              <a:t>5/18/2022</a:t>
             </a:fld>
             <a:endParaRPr lang="en-US"/>
           </a:p>
@@ -763,7 +763,7 @@
           <a:p>
             <a:fld id="{3F93DD2E-470F-489C-B0E3-BD195B6FD9FF}" type="datetimeFigureOut">
               <a:rPr lang="en-US" smtClean="0"/>
-              <a:t>5/17/2022</a:t>
+              <a:t>5/18/2022</a:t>
             </a:fld>
             <a:endParaRPr lang="en-US"/>
           </a:p>
@@ -1007,7 +1007,7 @@
           <a:p>
             <a:fld id="{3F93DD2E-470F-489C-B0E3-BD195B6FD9FF}" type="datetimeFigureOut">
               <a:rPr lang="en-US" smtClean="0"/>
-              <a:t>5/17/2022</a:t>
+              <a:t>5/18/2022</a:t>
             </a:fld>
             <a:endParaRPr lang="en-US"/>
           </a:p>
@@ -1239,7 +1239,7 @@
           <a:p>
             <a:fld id="{3F93DD2E-470F-489C-B0E3-BD195B6FD9FF}" type="datetimeFigureOut">
               <a:rPr lang="en-US" smtClean="0"/>
-              <a:t>5/17/2022</a:t>
+              <a:t>5/18/2022</a:t>
             </a:fld>
             <a:endParaRPr lang="en-US"/>
           </a:p>
@@ -1606,7 +1606,7 @@
           <a:p>
             <a:fld id="{3F93DD2E-470F-489C-B0E3-BD195B6FD9FF}" type="datetimeFigureOut">
               <a:rPr lang="en-US" smtClean="0"/>
-              <a:t>5/17/2022</a:t>
+              <a:t>5/18/2022</a:t>
             </a:fld>
             <a:endParaRPr lang="en-US"/>
           </a:p>
@@ -1724,7 +1724,7 @@
           <a:p>
             <a:fld id="{3F93DD2E-470F-489C-B0E3-BD195B6FD9FF}" type="datetimeFigureOut">
               <a:rPr lang="en-US" smtClean="0"/>
-              <a:t>5/17/2022</a:t>
+              <a:t>5/18/2022</a:t>
             </a:fld>
             <a:endParaRPr lang="en-US"/>
           </a:p>
@@ -1819,7 +1819,7 @@
           <a:p>
             <a:fld id="{3F93DD2E-470F-489C-B0E3-BD195B6FD9FF}" type="datetimeFigureOut">
               <a:rPr lang="en-US" smtClean="0"/>
-              <a:t>5/17/2022</a:t>
+              <a:t>5/18/2022</a:t>
             </a:fld>
             <a:endParaRPr lang="en-US"/>
           </a:p>
@@ -2096,7 +2096,7 @@
           <a:p>
             <a:fld id="{3F93DD2E-470F-489C-B0E3-BD195B6FD9FF}" type="datetimeFigureOut">
               <a:rPr lang="en-US" smtClean="0"/>
-              <a:t>5/17/2022</a:t>
+              <a:t>5/18/2022</a:t>
             </a:fld>
             <a:endParaRPr lang="en-US"/>
           </a:p>
@@ -2353,7 +2353,7 @@
           <a:p>
             <a:fld id="{3F93DD2E-470F-489C-B0E3-BD195B6FD9FF}" type="datetimeFigureOut">
               <a:rPr lang="en-US" smtClean="0"/>
-              <a:t>5/17/2022</a:t>
+              <a:t>5/18/2022</a:t>
             </a:fld>
             <a:endParaRPr lang="en-US"/>
           </a:p>
@@ -2566,7 +2566,7 @@
           <a:p>
             <a:fld id="{3F93DD2E-470F-489C-B0E3-BD195B6FD9FF}" type="datetimeFigureOut">
               <a:rPr lang="en-US" smtClean="0"/>
-              <a:t>5/17/2022</a:t>
+              <a:t>5/18/2022</a:t>
             </a:fld>
             <a:endParaRPr lang="en-US"/>
           </a:p>
@@ -6894,15 +6894,15 @@
           </p:cNvPr>
           <p:cNvCxnSpPr>
             <a:cxnSpLocks/>
-            <a:stCxn id="234" idx="6"/>
+            <a:stCxn id="739" idx="6"/>
             <a:endCxn id="217" idx="2"/>
           </p:cNvCxnSpPr>
           <p:nvPr/>
         </p:nvCxnSpPr>
         <p:spPr>
           <a:xfrm flipV="1">
-            <a:off x="13537985" y="14380798"/>
-            <a:ext cx="388528" cy="7393"/>
+            <a:off x="13524134" y="14324636"/>
+            <a:ext cx="402378" cy="50029"/>
           </a:xfrm>
           <a:prstGeom prst="straightConnector1">
             <a:avLst/>
@@ -7545,7 +7545,7 @@
                     <a:schemeClr val="tx1"/>
                   </a:solidFill>
                 </a:rPr>
-                <a:t>CF</a:t>
+                <a:t>CG</a:t>
               </a:r>
             </a:p>
           </p:txBody>
@@ -7686,7 +7686,7 @@
             </a:fontRef>
           </p:style>
           <p:txBody>
-            <a:bodyPr rtlCol="0" anchor="ctr"/>
+            <a:bodyPr lIns="0" tIns="0" rIns="0" bIns="0" rtlCol="0" anchor="ctr"/>
             <a:lstStyle/>
             <a:p>
               <a:pPr algn="ctr"/>
@@ -7696,7 +7696,7 @@
                     <a:schemeClr val="tx1"/>
                   </a:solidFill>
                 </a:rPr>
-                <a:t>6</a:t>
+                <a:t>CX</a:t>
               </a:r>
             </a:p>
           </p:txBody>
@@ -7838,7 +7838,7 @@
             </a:fontRef>
           </p:style>
           <p:txBody>
-            <a:bodyPr rtlCol="0" anchor="ctr"/>
+            <a:bodyPr lIns="0" rIns="0" rtlCol="0" anchor="ctr"/>
             <a:lstStyle/>
             <a:p>
               <a:pPr algn="ctr"/>
@@ -7848,7 +7848,7 @@
                     <a:schemeClr val="tx1"/>
                   </a:solidFill>
                 </a:rPr>
-                <a:t>7</a:t>
+                <a:t>DL</a:t>
               </a:r>
             </a:p>
           </p:txBody>
@@ -8376,7 +8376,7 @@
                     <a:schemeClr val="tx1"/>
                   </a:solidFill>
                 </a:rPr>
-                <a:t>CG</a:t>
+                <a:t>CH</a:t>
               </a:r>
             </a:p>
           </p:txBody>
@@ -9589,7 +9589,7 @@
             </a:fontRef>
           </p:style>
           <p:txBody>
-            <a:bodyPr rtlCol="0" anchor="ctr"/>
+            <a:bodyPr lIns="0" tIns="0" rIns="0" bIns="0" rtlCol="0" anchor="ctr"/>
             <a:lstStyle/>
             <a:p>
               <a:pPr algn="ctr"/>
@@ -9599,7 +9599,7 @@
                     <a:schemeClr val="tx1"/>
                   </a:solidFill>
                 </a:rPr>
-                <a:t>6</a:t>
+                <a:t>CY</a:t>
               </a:r>
             </a:p>
           </p:txBody>
@@ -9741,7 +9741,7 @@
             </a:fontRef>
           </p:style>
           <p:txBody>
-            <a:bodyPr rtlCol="0" anchor="ctr"/>
+            <a:bodyPr lIns="0" tIns="0" rIns="0" bIns="0" rtlCol="0" anchor="ctr"/>
             <a:lstStyle/>
             <a:p>
               <a:pPr algn="ctr"/>
@@ -9751,7 +9751,7 @@
                     <a:schemeClr val="tx1"/>
                   </a:solidFill>
                 </a:rPr>
-                <a:t>6</a:t>
+                <a:t>CI</a:t>
               </a:r>
             </a:p>
           </p:txBody>
@@ -10499,7 +10499,7 @@
           </a:fontRef>
         </p:style>
         <p:txBody>
-          <a:bodyPr rtlCol="0" anchor="ctr"/>
+          <a:bodyPr lIns="0" tIns="0" rIns="0" bIns="0" rtlCol="0" anchor="ctr"/>
           <a:lstStyle/>
           <a:p>
             <a:pPr algn="ctr"/>
@@ -10509,7 +10509,7 @@
                   <a:schemeClr val="tx1"/>
                 </a:solidFill>
               </a:rPr>
-              <a:t>5</a:t>
+              <a:t>CJ</a:t>
             </a:r>
           </a:p>
         </p:txBody>
@@ -10650,7 +10650,7 @@
           </a:fontRef>
         </p:style>
         <p:txBody>
-          <a:bodyPr rtlCol="0" anchor="ctr"/>
+          <a:bodyPr lIns="0" tIns="0" rIns="0" bIns="0" rtlCol="0" anchor="ctr"/>
           <a:lstStyle/>
           <a:p>
             <a:pPr algn="ctr"/>
@@ -10660,7 +10660,7 @@
                   <a:schemeClr val="tx1"/>
                 </a:solidFill>
               </a:rPr>
-              <a:t>6</a:t>
+              <a:t>CZ</a:t>
             </a:r>
           </a:p>
         </p:txBody>
@@ -10776,8 +10776,8 @@
         </p:nvSpPr>
         <p:spPr>
           <a:xfrm>
-            <a:off x="12679916" y="18623381"/>
-            <a:ext cx="365760" cy="365760"/>
+            <a:off x="12679915" y="18623381"/>
+            <a:ext cx="493309" cy="365760"/>
           </a:xfrm>
           <a:prstGeom prst="ellipse">
             <a:avLst/>
@@ -10801,7 +10801,7 @@
           </a:fontRef>
         </p:style>
         <p:txBody>
-          <a:bodyPr rtlCol="0" anchor="ctr"/>
+          <a:bodyPr lIns="0" tIns="0" rIns="0" rtlCol="0" anchor="ctr"/>
           <a:lstStyle/>
           <a:p>
             <a:pPr algn="ctr"/>
@@ -10811,7 +10811,7 @@
                   <a:schemeClr val="tx1"/>
                 </a:solidFill>
               </a:rPr>
-              <a:t>7</a:t>
+              <a:t>DM</a:t>
             </a:r>
           </a:p>
         </p:txBody>
@@ -10830,10 +10830,10 @@
         </p:nvGrpSpPr>
         <p:grpSpPr>
           <a:xfrm>
-            <a:off x="13054604" y="18736181"/>
-            <a:ext cx="533436" cy="230832"/>
-            <a:chOff x="2704902" y="2010614"/>
-            <a:chExt cx="533436" cy="230832"/>
+            <a:off x="13173224" y="18736181"/>
+            <a:ext cx="414816" cy="230832"/>
+            <a:chOff x="2823522" y="2010614"/>
+            <a:chExt cx="414816" cy="230832"/>
           </a:xfrm>
         </p:grpSpPr>
         <p:cxnSp>
@@ -10847,13 +10847,14 @@
             </p:cNvPr>
             <p:cNvCxnSpPr>
               <a:cxnSpLocks/>
+              <a:stCxn id="369" idx="6"/>
             </p:cNvCxnSpPr>
             <p:nvPr/>
           </p:nvCxnSpPr>
           <p:spPr>
-            <a:xfrm>
-              <a:off x="2704902" y="2054141"/>
-              <a:ext cx="533436" cy="0"/>
+            <a:xfrm flipV="1">
+              <a:off x="2823522" y="2054142"/>
+              <a:ext cx="414816" cy="26552"/>
             </a:xfrm>
             <a:prstGeom prst="straightConnector1">
               <a:avLst/>
@@ -10927,8 +10928,8 @@
         </p:nvSpPr>
         <p:spPr>
           <a:xfrm>
-            <a:off x="13594692" y="18623381"/>
-            <a:ext cx="365760" cy="365760"/>
+            <a:off x="13594691" y="18623381"/>
+            <a:ext cx="486657" cy="365760"/>
           </a:xfrm>
           <a:prstGeom prst="ellipse">
             <a:avLst/>
@@ -10953,7 +10954,7 @@
           </a:fontRef>
         </p:style>
         <p:txBody>
-          <a:bodyPr rtlCol="0" anchor="ctr"/>
+          <a:bodyPr lIns="0" rIns="0" rtlCol="0" anchor="ctr"/>
           <a:lstStyle/>
           <a:p>
             <a:pPr algn="ctr"/>
@@ -10963,7 +10964,7 @@
                   <a:schemeClr val="tx1"/>
                 </a:solidFill>
               </a:rPr>
-              <a:t>8</a:t>
+              <a:t>DW</a:t>
             </a:r>
           </a:p>
         </p:txBody>
@@ -11578,7 +11579,7 @@
             </a:fontRef>
           </p:style>
           <p:txBody>
-            <a:bodyPr rtlCol="0" anchor="ctr"/>
+            <a:bodyPr lIns="0" rIns="0" bIns="0" rtlCol="0" anchor="ctr"/>
             <a:lstStyle/>
             <a:p>
               <a:pPr algn="ctr"/>
@@ -11588,7 +11589,7 @@
                     <a:schemeClr val="tx1"/>
                   </a:solidFill>
                 </a:rPr>
-                <a:t>5</a:t>
+                <a:t>CK</a:t>
               </a:r>
             </a:p>
           </p:txBody>
@@ -11609,9 +11610,9 @@
         <p:grpSpPr>
           <a:xfrm>
             <a:off x="6848706" y="21950757"/>
-            <a:ext cx="5795904" cy="431889"/>
+            <a:ext cx="6051962" cy="431889"/>
             <a:chOff x="1547728" y="3044558"/>
-            <a:chExt cx="7541128" cy="583529"/>
+            <a:chExt cx="7874289" cy="583529"/>
           </a:xfrm>
         </p:grpSpPr>
         <p:grpSp>
@@ -12084,10 +12085,10 @@
           </p:nvGrpSpPr>
           <p:grpSpPr>
             <a:xfrm>
-              <a:off x="4817433" y="3284586"/>
-              <a:ext cx="367427" cy="274049"/>
+              <a:off x="4817431" y="3284586"/>
+              <a:ext cx="367432" cy="274049"/>
               <a:chOff x="2551565" y="2100854"/>
-              <a:chExt cx="279945" cy="208799"/>
+              <a:chExt cx="279949" cy="208799"/>
             </a:xfrm>
           </p:grpSpPr>
           <p:cxnSp>
@@ -12108,7 +12109,7 @@
             </p:nvCxnSpPr>
             <p:spPr>
               <a:xfrm>
-                <a:off x="2572130" y="2100855"/>
+                <a:off x="2572134" y="2100855"/>
                 <a:ext cx="259380" cy="0"/>
               </a:xfrm>
               <a:prstGeom prst="straightConnector1">
@@ -12183,8 +12184,8 @@
           </p:nvSpPr>
           <p:spPr>
             <a:xfrm>
-              <a:off x="5184861" y="3044558"/>
-              <a:ext cx="480060" cy="480060"/>
+              <a:off x="5184862" y="3044558"/>
+              <a:ext cx="542360" cy="480060"/>
             </a:xfrm>
             <a:prstGeom prst="ellipse">
               <a:avLst/>
@@ -12208,7 +12209,7 @@
             </a:fontRef>
           </p:style>
           <p:txBody>
-            <a:bodyPr rtlCol="0" anchor="ctr"/>
+            <a:bodyPr lIns="0" tIns="0" rIns="0" bIns="0" rtlCol="0" anchor="ctr"/>
             <a:lstStyle/>
             <a:p>
               <a:pPr algn="ctr"/>
@@ -12218,7 +12219,7 @@
                     <a:schemeClr val="tx1"/>
                   </a:solidFill>
                 </a:rPr>
-                <a:t>5</a:t>
+                <a:t>CL</a:t>
               </a:r>
             </a:p>
           </p:txBody>
@@ -12237,10 +12238,10 @@
           </p:nvGrpSpPr>
           <p:grpSpPr>
             <a:xfrm>
-              <a:off x="5664924" y="3262462"/>
-              <a:ext cx="499191" cy="274049"/>
-              <a:chOff x="2352493" y="2084300"/>
-              <a:chExt cx="347541" cy="131774"/>
+              <a:off x="5727218" y="3262462"/>
+              <a:ext cx="436898" cy="274049"/>
+              <a:chOff x="2395862" y="2084300"/>
+              <a:chExt cx="304172" cy="131774"/>
             </a:xfrm>
           </p:grpSpPr>
           <p:cxnSp>
@@ -12260,8 +12261,8 @@
             </p:nvCxnSpPr>
             <p:spPr>
               <a:xfrm>
-                <a:off x="2352493" y="2094939"/>
-                <a:ext cx="347541" cy="0"/>
+                <a:off x="2395862" y="2094939"/>
+                <a:ext cx="304172" cy="0"/>
               </a:xfrm>
               <a:prstGeom prst="straightConnector1">
                 <a:avLst/>
@@ -12335,8 +12336,8 @@
           </p:nvSpPr>
           <p:spPr>
             <a:xfrm>
-              <a:off x="6172981" y="3071206"/>
-              <a:ext cx="480060" cy="480060"/>
+              <a:off x="6172982" y="3071206"/>
+              <a:ext cx="507374" cy="480060"/>
             </a:xfrm>
             <a:prstGeom prst="ellipse">
               <a:avLst/>
@@ -12360,17 +12361,17 @@
             </a:fontRef>
           </p:style>
           <p:txBody>
-            <a:bodyPr rtlCol="0" anchor="ctr"/>
+            <a:bodyPr lIns="0" tIns="0" rIns="0" bIns="0" rtlCol="0" anchor="ctr"/>
             <a:lstStyle/>
             <a:p>
               <a:pPr algn="ctr"/>
               <a:r>
-                <a:rPr lang="en-US" sz="2100" dirty="0">
+                <a:rPr lang="en-US" dirty="0">
                   <a:solidFill>
                     <a:schemeClr val="tx1"/>
                   </a:solidFill>
                 </a:rPr>
-                <a:t>6</a:t>
+                <a:t>DA</a:t>
               </a:r>
             </a:p>
           </p:txBody>
@@ -12389,10 +12390,10 @@
           </p:nvGrpSpPr>
           <p:grpSpPr>
             <a:xfrm>
-              <a:off x="6653041" y="3284587"/>
-              <a:ext cx="585159" cy="274048"/>
-              <a:chOff x="2123492" y="2150723"/>
-              <a:chExt cx="445835" cy="208799"/>
+              <a:off x="6680356" y="3284587"/>
+              <a:ext cx="557845" cy="274048"/>
+              <a:chOff x="2144302" y="2150723"/>
+              <a:chExt cx="425024" cy="208799"/>
             </a:xfrm>
           </p:grpSpPr>
           <p:cxnSp>
@@ -12413,8 +12414,8 @@
             </p:nvCxnSpPr>
             <p:spPr>
               <a:xfrm flipV="1">
-                <a:off x="2123492" y="2165674"/>
-                <a:ext cx="445835" cy="5353"/>
+                <a:off x="2144302" y="2165674"/>
+                <a:ext cx="425024" cy="5353"/>
               </a:xfrm>
               <a:prstGeom prst="straightConnector1">
                 <a:avLst/>
@@ -12488,8 +12489,8 @@
           </p:nvSpPr>
           <p:spPr>
             <a:xfrm>
-              <a:off x="7238200" y="3064180"/>
-              <a:ext cx="480060" cy="480060"/>
+              <a:off x="7238201" y="3064180"/>
+              <a:ext cx="685748" cy="480060"/>
             </a:xfrm>
             <a:prstGeom prst="ellipse">
               <a:avLst/>
@@ -12513,7 +12514,7 @@
             </a:fontRef>
           </p:style>
           <p:txBody>
-            <a:bodyPr rtlCol="0" anchor="ctr"/>
+            <a:bodyPr lIns="0" rIns="0" rtlCol="0" anchor="ctr"/>
             <a:lstStyle/>
             <a:p>
               <a:pPr algn="ctr"/>
@@ -12523,7 +12524,7 @@
                     <a:schemeClr val="tx1"/>
                   </a:solidFill>
                 </a:rPr>
-                <a:t>7</a:t>
+                <a:t>DN</a:t>
               </a:r>
             </a:p>
           </p:txBody>
@@ -12542,8 +12543,8 @@
           </p:nvSpPr>
           <p:spPr>
             <a:xfrm>
-              <a:off x="8440188" y="3064180"/>
-              <a:ext cx="648668" cy="480060"/>
+              <a:off x="8440189" y="3064180"/>
+              <a:ext cx="981828" cy="480060"/>
             </a:xfrm>
             <a:prstGeom prst="ellipse">
               <a:avLst/>
@@ -12578,7 +12579,7 @@
                     <a:schemeClr val="tx1"/>
                   </a:solidFill>
                 </a:rPr>
-                <a:t>8</a:t>
+                <a:t>DX</a:t>
               </a:r>
             </a:p>
           </p:txBody>
@@ -12637,8 +12638,8 @@
         </p:nvCxnSpPr>
         <p:spPr>
           <a:xfrm>
-            <a:off x="11591208" y="22142934"/>
-            <a:ext cx="554854" cy="0"/>
+            <a:off x="11749294" y="22142934"/>
+            <a:ext cx="396768" cy="0"/>
           </a:xfrm>
           <a:prstGeom prst="straightConnector1">
             <a:avLst/>
@@ -12677,9 +12678,9 @@
         <p:grpSpPr>
           <a:xfrm>
             <a:off x="6092159" y="22656929"/>
-            <a:ext cx="7961653" cy="1065900"/>
+            <a:ext cx="8212664" cy="1065900"/>
             <a:chOff x="1467550" y="22684843"/>
-            <a:chExt cx="7961653" cy="1065900"/>
+            <a:chExt cx="8212664" cy="1065900"/>
           </a:xfrm>
         </p:grpSpPr>
         <p:grpSp>
@@ -12697,9 +12698,9 @@
           <p:grpSpPr>
             <a:xfrm>
               <a:off x="1467550" y="23207979"/>
-              <a:ext cx="7685983" cy="542764"/>
+              <a:ext cx="7912091" cy="542764"/>
               <a:chOff x="1273296" y="4125084"/>
-              <a:chExt cx="12066640" cy="770199"/>
+              <a:chExt cx="12421619" cy="770199"/>
             </a:xfrm>
           </p:grpSpPr>
           <p:grpSp>
@@ -13173,10 +13174,10 @@
             </p:nvGrpSpPr>
             <p:grpSpPr>
               <a:xfrm>
-                <a:off x="5734419" y="4342835"/>
-                <a:ext cx="521011" cy="472045"/>
+                <a:off x="5734418" y="4342835"/>
+                <a:ext cx="521018" cy="472045"/>
                 <a:chOff x="2294784" y="-3524031"/>
-                <a:chExt cx="362734" cy="173567192"/>
+                <a:chExt cx="362739" cy="173567192"/>
               </a:xfrm>
             </p:grpSpPr>
             <p:cxnSp>
@@ -13197,8 +13198,8 @@
               </p:nvCxnSpPr>
               <p:spPr>
                 <a:xfrm flipV="1">
-                  <a:off x="2440736" y="-3524031"/>
-                  <a:ext cx="216782" cy="5608468"/>
+                  <a:off x="2440740" y="-3524031"/>
+                  <a:ext cx="216783" cy="5608468"/>
                 </a:xfrm>
                 <a:prstGeom prst="straightConnector1">
                   <a:avLst/>
@@ -13273,7 +13274,7 @@
             <p:spPr>
               <a:xfrm>
                 <a:off x="6255432" y="4125084"/>
-                <a:ext cx="473501" cy="435501"/>
+                <a:ext cx="786349" cy="435501"/>
               </a:xfrm>
               <a:prstGeom prst="ellipse">
                 <a:avLst/>
@@ -13297,17 +13298,17 @@
               </a:fontRef>
             </p:style>
             <p:txBody>
-              <a:bodyPr rtlCol="0" anchor="ctr"/>
+              <a:bodyPr lIns="0" tIns="0" rIns="0" bIns="0" rtlCol="0" anchor="ctr"/>
               <a:lstStyle/>
               <a:p>
                 <a:pPr algn="ctr"/>
                 <a:r>
-                  <a:rPr lang="en-US" sz="2100" dirty="0">
+                  <a:rPr lang="en-US" sz="2000" dirty="0">
                     <a:solidFill>
                       <a:schemeClr val="tx1"/>
                     </a:solidFill>
                   </a:rPr>
-                  <a:t>I</a:t>
+                  <a:t>CN</a:t>
                 </a:r>
               </a:p>
             </p:txBody>
@@ -13326,10 +13327,10 @@
             </p:nvGrpSpPr>
             <p:grpSpPr>
               <a:xfrm>
-                <a:off x="6697044" y="4342834"/>
-                <a:ext cx="429650" cy="480068"/>
-                <a:chOff x="2040914" y="616101"/>
-                <a:chExt cx="327353" cy="4269694"/>
+                <a:off x="6957693" y="4342834"/>
+                <a:ext cx="341534" cy="394794"/>
+                <a:chOff x="2239505" y="616101"/>
+                <a:chExt cx="260217" cy="3511274"/>
               </a:xfrm>
             </p:grpSpPr>
             <p:cxnSp>
@@ -13350,8 +13351,8 @@
               </p:nvCxnSpPr>
               <p:spPr>
                 <a:xfrm>
-                  <a:off x="2065209" y="616101"/>
-                  <a:ext cx="303058" cy="310181"/>
+                  <a:off x="2303572" y="616101"/>
+                  <a:ext cx="196150" cy="106279"/>
                 </a:xfrm>
                 <a:prstGeom prst="straightConnector1">
                   <a:avLst/>
@@ -13389,7 +13390,7 @@
               </p:nvSpPr>
               <p:spPr>
                 <a:xfrm>
-                  <a:off x="2040914" y="2448422"/>
+                  <a:off x="2239505" y="1690002"/>
                   <a:ext cx="150495" cy="2437373"/>
                 </a:xfrm>
                 <a:prstGeom prst="rect">
@@ -13425,8 +13426,8 @@
             </p:nvSpPr>
             <p:spPr>
               <a:xfrm>
-                <a:off x="7126697" y="4159959"/>
-                <a:ext cx="480060" cy="435501"/>
+                <a:off x="7299227" y="4137034"/>
+                <a:ext cx="694070" cy="435501"/>
               </a:xfrm>
               <a:prstGeom prst="ellipse">
                 <a:avLst/>
@@ -13450,17 +13451,17 @@
               </a:fontRef>
             </p:style>
             <p:txBody>
-              <a:bodyPr rtlCol="0" anchor="ctr"/>
+              <a:bodyPr lIns="0" tIns="0" rIns="0" bIns="0" rtlCol="0" anchor="ctr"/>
               <a:lstStyle/>
               <a:p>
                 <a:pPr algn="ctr"/>
                 <a:r>
-                  <a:rPr lang="en-US" sz="2100" dirty="0">
+                  <a:rPr lang="en-US" sz="2000" dirty="0">
                     <a:solidFill>
                       <a:schemeClr val="tx1"/>
                     </a:solidFill>
                   </a:rPr>
-                  <a:t>K</a:t>
+                  <a:t>DD</a:t>
                 </a:r>
               </a:p>
             </p:txBody>
@@ -13479,10 +13480,10 @@
             </p:nvGrpSpPr>
             <p:grpSpPr>
               <a:xfrm>
-                <a:off x="7606758" y="4364768"/>
-                <a:ext cx="536231" cy="460192"/>
-                <a:chOff x="1821578" y="1014762"/>
-                <a:chExt cx="408558" cy="3451383"/>
+                <a:off x="7953328" y="4354784"/>
+                <a:ext cx="322043" cy="435501"/>
+                <a:chOff x="2085627" y="939881"/>
+                <a:chExt cx="245366" cy="3266202"/>
               </a:xfrm>
             </p:grpSpPr>
             <p:cxnSp>
@@ -13502,9 +13503,9 @@
                 <p:nvPr/>
               </p:nvCxnSpPr>
               <p:spPr>
-                <a:xfrm flipV="1">
-                  <a:off x="1821578" y="1014762"/>
-                  <a:ext cx="408558" cy="97064"/>
+                <a:xfrm>
+                  <a:off x="2116080" y="939881"/>
+                  <a:ext cx="214913" cy="157169"/>
                 </a:xfrm>
                 <a:prstGeom prst="straightConnector1">
                   <a:avLst/>
@@ -13542,7 +13543,7 @@
               </p:nvSpPr>
               <p:spPr>
                 <a:xfrm>
-                  <a:off x="1884120" y="2410811"/>
+                  <a:off x="2085627" y="2150749"/>
                   <a:ext cx="150495" cy="2055334"/>
                 </a:xfrm>
                 <a:prstGeom prst="rect">
@@ -13578,8 +13579,8 @@
             </p:nvSpPr>
             <p:spPr>
               <a:xfrm>
-                <a:off x="8142988" y="4147017"/>
-                <a:ext cx="462239" cy="435501"/>
+                <a:off x="8275371" y="4157990"/>
+                <a:ext cx="685181" cy="435501"/>
               </a:xfrm>
               <a:prstGeom prst="ellipse">
                 <a:avLst/>
@@ -13603,7 +13604,7 @@
               </a:fontRef>
             </p:style>
             <p:txBody>
-              <a:bodyPr rtlCol="0" anchor="ctr"/>
+              <a:bodyPr lIns="0" rIns="0" rtlCol="0" anchor="ctr"/>
               <a:lstStyle/>
               <a:p>
                 <a:pPr algn="ctr"/>
@@ -13613,7 +13614,7 @@
                       <a:schemeClr val="tx1"/>
                     </a:solidFill>
                   </a:rPr>
-                  <a:t>M</a:t>
+                  <a:t>DP</a:t>
                 </a:r>
               </a:p>
             </p:txBody>
@@ -13632,10 +13633,10 @@
             </p:nvGrpSpPr>
             <p:grpSpPr>
               <a:xfrm>
-                <a:off x="8576389" y="4358088"/>
-                <a:ext cx="508898" cy="427701"/>
-                <a:chOff x="1680566" y="918369"/>
-                <a:chExt cx="387733" cy="3400832"/>
+                <a:off x="8707925" y="4373336"/>
+                <a:ext cx="643838" cy="412455"/>
+                <a:chOff x="1780782" y="1039608"/>
+                <a:chExt cx="490544" cy="3279604"/>
               </a:xfrm>
             </p:grpSpPr>
             <p:cxnSp>
@@ -13656,8 +13657,8 @@
               </p:nvCxnSpPr>
               <p:spPr>
                 <a:xfrm flipV="1">
-                  <a:off x="1702538" y="918369"/>
-                  <a:ext cx="365761" cy="53115"/>
+                  <a:off x="1973261" y="1039608"/>
+                  <a:ext cx="298065" cy="19125"/>
                 </a:xfrm>
                 <a:prstGeom prst="straightConnector1">
                   <a:avLst/>
@@ -13695,7 +13696,7 @@
               </p:nvSpPr>
               <p:spPr>
                 <a:xfrm>
-                  <a:off x="1680566" y="2140125"/>
+                  <a:off x="1780782" y="2140136"/>
                   <a:ext cx="150495" cy="2179076"/>
                 </a:xfrm>
                 <a:prstGeom prst="rect">
@@ -13731,8 +13732,8 @@
             </p:nvSpPr>
             <p:spPr>
               <a:xfrm>
-                <a:off x="9085287" y="4140337"/>
-                <a:ext cx="480060" cy="435501"/>
+                <a:off x="9351761" y="4155585"/>
+                <a:ext cx="685181" cy="435501"/>
               </a:xfrm>
               <a:prstGeom prst="ellipse">
                 <a:avLst/>
@@ -13756,7 +13757,7 @@
               </a:fontRef>
             </p:style>
             <p:txBody>
-              <a:bodyPr rtlCol="0" anchor="ctr"/>
+              <a:bodyPr lIns="0" rIns="0" rtlCol="0" anchor="ctr"/>
               <a:lstStyle/>
               <a:p>
                 <a:pPr algn="ctr"/>
@@ -13766,7 +13767,7 @@
                       <a:schemeClr val="tx1"/>
                     </a:solidFill>
                   </a:rPr>
-                  <a:t>O</a:t>
+                  <a:t>DZ</a:t>
                 </a:r>
               </a:p>
             </p:txBody>
@@ -13785,10 +13786,10 @@
             </p:nvGrpSpPr>
             <p:grpSpPr>
               <a:xfrm>
-                <a:off x="9565347" y="4332632"/>
-                <a:ext cx="700135" cy="507831"/>
-                <a:chOff x="2704902" y="2054141"/>
-                <a:chExt cx="533436" cy="426508"/>
+                <a:off x="9648616" y="4332632"/>
+                <a:ext cx="616866" cy="507831"/>
+                <a:chOff x="2768345" y="2054141"/>
+                <a:chExt cx="469993" cy="426508"/>
               </a:xfrm>
             </p:grpSpPr>
             <p:cxnSp>
@@ -13802,13 +13803,14 @@
                 </p:cNvPr>
                 <p:cNvCxnSpPr>
                   <a:cxnSpLocks/>
+                  <a:stCxn id="447" idx="6"/>
                 </p:cNvCxnSpPr>
                 <p:nvPr/>
               </p:nvCxnSpPr>
               <p:spPr>
-                <a:xfrm>
-                  <a:off x="2704902" y="2054141"/>
-                  <a:ext cx="533436" cy="0"/>
+                <a:xfrm flipV="1">
+                  <a:off x="3064213" y="2054141"/>
+                  <a:ext cx="174125" cy="34185"/>
                 </a:xfrm>
                 <a:prstGeom prst="straightConnector1">
                   <a:avLst/>
@@ -13907,7 +13909,7 @@
               </a:fontRef>
             </p:style>
             <p:txBody>
-              <a:bodyPr rtlCol="0" anchor="ctr"/>
+              <a:bodyPr lIns="0" rIns="0" rtlCol="0" anchor="ctr"/>
               <a:lstStyle/>
               <a:p>
                 <a:pPr algn="ctr"/>
@@ -13917,7 +13919,7 @@
                       <a:schemeClr val="tx1"/>
                     </a:solidFill>
                   </a:rPr>
-                  <a:t>Q</a:t>
+                  <a:t>EE</a:t>
                 </a:r>
               </a:p>
             </p:txBody>
@@ -14060,7 +14062,7 @@
               </a:fontRef>
             </p:style>
             <p:txBody>
-              <a:bodyPr rtlCol="0" anchor="ctr"/>
+              <a:bodyPr lIns="0" rIns="0" rtlCol="0" anchor="ctr"/>
               <a:lstStyle/>
               <a:p>
                 <a:pPr algn="ctr"/>
@@ -14070,7 +14072,7 @@
                       <a:schemeClr val="tx1"/>
                     </a:solidFill>
                   </a:rPr>
-                  <a:t>S</a:t>
+                  <a:t>EI</a:t>
                 </a:r>
               </a:p>
             </p:txBody>
@@ -14187,8 +14189,8 @@
             </p:nvSpPr>
             <p:spPr>
               <a:xfrm>
-                <a:off x="12691268" y="4130916"/>
-                <a:ext cx="648668" cy="435501"/>
+                <a:off x="12691269" y="4155585"/>
+                <a:ext cx="1003646" cy="410832"/>
               </a:xfrm>
               <a:prstGeom prst="ellipse">
                 <a:avLst/>
@@ -14213,7 +14215,7 @@
               </a:fontRef>
             </p:style>
             <p:txBody>
-              <a:bodyPr rtlCol="0" anchor="ctr"/>
+              <a:bodyPr lIns="0" rIns="0" rtlCol="0" anchor="ctr"/>
               <a:lstStyle/>
               <a:p>
                 <a:pPr algn="ctr"/>
@@ -14223,7 +14225,7 @@
                       <a:schemeClr val="tx1"/>
                     </a:solidFill>
                   </a:rPr>
-                  <a:t>U</a:t>
+                  <a:t>EN</a:t>
                 </a:r>
               </a:p>
             </p:txBody>
@@ -14588,9 +14590,9 @@
           <p:grpSpPr>
             <a:xfrm>
               <a:off x="4879246" y="22837366"/>
-              <a:ext cx="269974" cy="236847"/>
-              <a:chOff x="2551564" y="2100857"/>
-              <a:chExt cx="279938" cy="283989"/>
+              <a:ext cx="269973" cy="236851"/>
+              <a:chOff x="2551564" y="2100853"/>
+              <a:chExt cx="279937" cy="283993"/>
             </a:xfrm>
           </p:grpSpPr>
           <p:cxnSp>
@@ -14611,7 +14613,7 @@
             </p:nvCxnSpPr>
             <p:spPr>
               <a:xfrm>
-                <a:off x="2568546" y="2100857"/>
+                <a:off x="2568545" y="2100853"/>
                 <a:ext cx="262956" cy="0"/>
               </a:xfrm>
               <a:prstGeom prst="straightConnector1">
@@ -14687,7 +14689,7 @@
           <p:spPr>
             <a:xfrm>
               <a:off x="5149222" y="22684843"/>
-              <a:ext cx="352741" cy="305044"/>
+              <a:ext cx="504648" cy="305044"/>
             </a:xfrm>
             <a:prstGeom prst="ellipse">
               <a:avLst/>
@@ -14711,17 +14713,17 @@
             </a:fontRef>
           </p:style>
           <p:txBody>
-            <a:bodyPr rtlCol="0" anchor="ctr"/>
+            <a:bodyPr lIns="0" tIns="0" rIns="0" bIns="0" rtlCol="0" anchor="ctr"/>
             <a:lstStyle/>
             <a:p>
               <a:pPr algn="ctr"/>
               <a:r>
-                <a:rPr lang="en-US" sz="2100" dirty="0">
+                <a:rPr lang="en-US" sz="2000" dirty="0">
                   <a:solidFill>
                     <a:schemeClr val="tx1"/>
                   </a:solidFill>
                 </a:rPr>
-                <a:t>5</a:t>
+                <a:t>CM</a:t>
               </a:r>
             </a:p>
           </p:txBody>
@@ -14740,10 +14742,10 @@
           </p:nvGrpSpPr>
           <p:grpSpPr>
             <a:xfrm>
-              <a:off x="5501965" y="22823305"/>
-              <a:ext cx="366798" cy="174139"/>
-              <a:chOff x="2352493" y="2084300"/>
-              <a:chExt cx="347541" cy="131774"/>
+              <a:off x="5636250" y="22823305"/>
+              <a:ext cx="232513" cy="174139"/>
+              <a:chOff x="2479728" y="2084300"/>
+              <a:chExt cx="220306" cy="131774"/>
             </a:xfrm>
           </p:grpSpPr>
           <p:cxnSp>
@@ -14763,8 +14765,8 @@
             </p:nvCxnSpPr>
             <p:spPr>
               <a:xfrm>
-                <a:off x="2352493" y="2094939"/>
-                <a:ext cx="347541" cy="0"/>
+                <a:off x="2496423" y="2094939"/>
+                <a:ext cx="203611" cy="0"/>
               </a:xfrm>
               <a:prstGeom prst="straightConnector1">
                 <a:avLst/>
@@ -14839,7 +14841,7 @@
           <p:spPr>
             <a:xfrm>
               <a:off x="5875277" y="22701776"/>
-              <a:ext cx="352741" cy="305044"/>
+              <a:ext cx="439326" cy="305044"/>
             </a:xfrm>
             <a:prstGeom prst="ellipse">
               <a:avLst/>
@@ -14863,7 +14865,7 @@
             </a:fontRef>
           </p:style>
           <p:txBody>
-            <a:bodyPr rtlCol="0" anchor="ctr"/>
+            <a:bodyPr lIns="0" tIns="0" rIns="0" bIns="0" rtlCol="0" anchor="ctr"/>
             <a:lstStyle/>
             <a:p>
               <a:pPr algn="ctr"/>
@@ -14873,7 +14875,7 @@
                     <a:schemeClr val="tx1"/>
                   </a:solidFill>
                 </a:rPr>
-                <a:t>6</a:t>
+                <a:t>DB</a:t>
               </a:r>
             </a:p>
           </p:txBody>
@@ -14892,10 +14894,10 @@
           </p:nvGrpSpPr>
           <p:grpSpPr>
             <a:xfrm>
-              <a:off x="6228018" y="22837364"/>
-              <a:ext cx="429966" cy="174138"/>
-              <a:chOff x="2123492" y="2150723"/>
-              <a:chExt cx="445835" cy="208799"/>
+              <a:off x="6314603" y="22837364"/>
+              <a:ext cx="343381" cy="174138"/>
+              <a:chOff x="2213271" y="2150723"/>
+              <a:chExt cx="356054" cy="208799"/>
             </a:xfrm>
           </p:grpSpPr>
           <p:cxnSp>
@@ -14916,8 +14918,8 @@
             </p:nvCxnSpPr>
             <p:spPr>
               <a:xfrm flipV="1">
-                <a:off x="2123492" y="2165674"/>
-                <a:ext cx="445835" cy="5353"/>
+                <a:off x="2213271" y="2165674"/>
+                <a:ext cx="356054" cy="5354"/>
               </a:xfrm>
               <a:prstGeom prst="straightConnector1">
                 <a:avLst/>
@@ -14992,7 +14994,7 @@
           <p:spPr>
             <a:xfrm>
               <a:off x="6657984" y="22697311"/>
-              <a:ext cx="352741" cy="305044"/>
+              <a:ext cx="578974" cy="305044"/>
             </a:xfrm>
             <a:prstGeom prst="ellipse">
               <a:avLst/>
@@ -15016,7 +15018,7 @@
             </a:fontRef>
           </p:style>
           <p:txBody>
-            <a:bodyPr rtlCol="0" anchor="ctr"/>
+            <a:bodyPr lIns="0" rIns="0" rtlCol="0" anchor="ctr"/>
             <a:lstStyle/>
             <a:p>
               <a:pPr algn="ctr"/>
@@ -15026,7 +15028,7 @@
                     <a:schemeClr val="tx1"/>
                   </a:solidFill>
                 </a:rPr>
-                <a:t>7</a:t>
+                <a:t>DO</a:t>
               </a:r>
             </a:p>
           </p:txBody>
@@ -15045,10 +15047,10 @@
           </p:nvGrpSpPr>
           <p:grpSpPr>
             <a:xfrm>
-              <a:off x="7010725" y="22819993"/>
-              <a:ext cx="394014" cy="174138"/>
-              <a:chOff x="2022643" y="2216578"/>
-              <a:chExt cx="408558" cy="208799"/>
+              <a:off x="7198708" y="22841608"/>
+              <a:ext cx="206030" cy="189237"/>
+              <a:chOff x="2217564" y="2242491"/>
+              <a:chExt cx="213635" cy="226903"/>
             </a:xfrm>
           </p:grpSpPr>
           <p:cxnSp>
@@ -15069,8 +15071,8 @@
             </p:nvCxnSpPr>
             <p:spPr>
               <a:xfrm flipV="1">
-                <a:off x="2022643" y="2242497"/>
-                <a:ext cx="408558" cy="9861"/>
+                <a:off x="2257226" y="2242491"/>
+                <a:ext cx="173973" cy="9860"/>
               </a:xfrm>
               <a:prstGeom prst="straightConnector1">
                 <a:avLst/>
@@ -15108,7 +15110,7 @@
             </p:nvSpPr>
             <p:spPr>
               <a:xfrm>
-                <a:off x="2130448" y="2216578"/>
+                <a:off x="2217564" y="2260595"/>
                 <a:ext cx="150495" cy="208799"/>
               </a:xfrm>
               <a:prstGeom prst="rect">
@@ -15144,8 +15146,8 @@
           </p:nvSpPr>
           <p:spPr>
             <a:xfrm>
-              <a:off x="7404739" y="22689088"/>
-              <a:ext cx="339646" cy="305044"/>
+              <a:off x="7404738" y="22689088"/>
+              <a:ext cx="502601" cy="305044"/>
             </a:xfrm>
             <a:prstGeom prst="ellipse">
               <a:avLst/>
@@ -15169,7 +15171,7 @@
             </a:fontRef>
           </p:style>
           <p:txBody>
-            <a:bodyPr rtlCol="0" anchor="ctr"/>
+            <a:bodyPr lIns="0" rIns="0" rtlCol="0" anchor="ctr"/>
             <a:lstStyle/>
             <a:p>
               <a:pPr algn="ctr"/>
@@ -15179,7 +15181,7 @@
                     <a:schemeClr val="tx1"/>
                   </a:solidFill>
                 </a:rPr>
-                <a:t>8</a:t>
+                <a:t>DY</a:t>
               </a:r>
             </a:p>
           </p:txBody>
@@ -15198,8 +15200,8 @@
           </p:nvSpPr>
           <p:spPr>
             <a:xfrm>
-              <a:off x="8952572" y="22689087"/>
-              <a:ext cx="476631" cy="305044"/>
+              <a:off x="8952572" y="22701775"/>
+              <a:ext cx="727642" cy="292355"/>
             </a:xfrm>
             <a:prstGeom prst="ellipse">
               <a:avLst/>
@@ -15224,7 +15226,7 @@
             </a:fontRef>
           </p:style>
           <p:txBody>
-            <a:bodyPr rtlCol="0" anchor="ctr"/>
+            <a:bodyPr lIns="0" rIns="0" rtlCol="0" anchor="ctr"/>
             <a:lstStyle/>
             <a:p>
               <a:pPr algn="ctr"/>
@@ -15234,7 +15236,7 @@
                     <a:schemeClr val="tx1"/>
                   </a:solidFill>
                 </a:rPr>
-                <a:t>H</a:t>
+                <a:t>EM</a:t>
               </a:r>
             </a:p>
           </p:txBody>
@@ -15253,10 +15255,10 @@
           </p:nvGrpSpPr>
           <p:grpSpPr>
             <a:xfrm>
-              <a:off x="7744385" y="22837365"/>
-              <a:ext cx="352741" cy="245076"/>
-              <a:chOff x="1903607" y="2173180"/>
-              <a:chExt cx="365761" cy="293855"/>
+              <a:off x="7866169" y="22837365"/>
+              <a:ext cx="230957" cy="245076"/>
+              <a:chOff x="2029887" y="2173180"/>
+              <a:chExt cx="239482" cy="293855"/>
             </a:xfrm>
           </p:grpSpPr>
           <p:cxnSp>
@@ -15277,8 +15279,8 @@
             </p:nvCxnSpPr>
             <p:spPr>
               <a:xfrm flipV="1">
-                <a:off x="1903607" y="2173180"/>
-                <a:ext cx="365761" cy="5090"/>
+                <a:off x="2072577" y="2173180"/>
+                <a:ext cx="196792" cy="5090"/>
               </a:xfrm>
               <a:prstGeom prst="straightConnector1">
                 <a:avLst/>
@@ -15353,7 +15355,7 @@
           <p:spPr>
             <a:xfrm>
               <a:off x="8097126" y="22684843"/>
-              <a:ext cx="352741" cy="305044"/>
+              <a:ext cx="451489" cy="305044"/>
             </a:xfrm>
             <a:prstGeom prst="ellipse">
               <a:avLst/>
@@ -15377,7 +15379,7 @@
             </a:fontRef>
           </p:style>
           <p:txBody>
-            <a:bodyPr rtlCol="0" anchor="ctr"/>
+            <a:bodyPr lIns="0" rIns="0" rtlCol="0" anchor="ctr"/>
             <a:lstStyle/>
             <a:p>
               <a:pPr algn="ctr"/>
@@ -15387,7 +15389,7 @@
                     <a:schemeClr val="tx1"/>
                   </a:solidFill>
                 </a:rPr>
-                <a:t>9</a:t>
+                <a:t>ED</a:t>
               </a:r>
             </a:p>
           </p:txBody>
@@ -15445,8 +15447,8 @@
           </p:nvCxnSpPr>
           <p:spPr>
             <a:xfrm>
-              <a:off x="8449867" y="22837365"/>
-              <a:ext cx="502705" cy="4244"/>
+              <a:off x="8548615" y="22837365"/>
+              <a:ext cx="403957" cy="10588"/>
             </a:xfrm>
             <a:prstGeom prst="straightConnector1">
               <a:avLst/>
@@ -15486,9 +15488,9 @@
         <p:grpSpPr>
           <a:xfrm>
             <a:off x="5730354" y="23727397"/>
-            <a:ext cx="5968997" cy="1750554"/>
+            <a:ext cx="6051298" cy="1750554"/>
             <a:chOff x="1476570" y="23930496"/>
-            <a:chExt cx="5968997" cy="1750554"/>
+            <a:chExt cx="6051298" cy="1750554"/>
           </a:xfrm>
         </p:grpSpPr>
         <p:sp>
@@ -16393,7 +16395,7 @@
             </a:fontRef>
           </p:style>
           <p:txBody>
-            <a:bodyPr rtlCol="0" anchor="ctr"/>
+            <a:bodyPr lIns="0" tIns="0" rIns="0" bIns="0" rtlCol="0" anchor="ctr"/>
             <a:lstStyle/>
             <a:p>
               <a:pPr algn="ctr"/>
@@ -16403,7 +16405,7 @@
                     <a:schemeClr val="tx1"/>
                   </a:solidFill>
                 </a:rPr>
-                <a:t>5</a:t>
+                <a:t>CQ</a:t>
               </a:r>
             </a:p>
           </p:txBody>
@@ -16545,7 +16547,7 @@
             </a:fontRef>
           </p:style>
           <p:txBody>
-            <a:bodyPr rtlCol="0" anchor="ctr"/>
+            <a:bodyPr lIns="0" rIns="0" rtlCol="0" anchor="ctr"/>
             <a:lstStyle/>
             <a:p>
               <a:pPr algn="ctr"/>
@@ -16555,7 +16557,7 @@
                     <a:schemeClr val="tx1"/>
                   </a:solidFill>
                 </a:rPr>
-                <a:t>7</a:t>
+                <a:t>DR</a:t>
               </a:r>
             </a:p>
           </p:txBody>
@@ -16697,7 +16699,7 @@
             </a:fontRef>
           </p:style>
           <p:txBody>
-            <a:bodyPr rtlCol="0" anchor="ctr"/>
+            <a:bodyPr lIns="0" tIns="0" rIns="0" bIns="0" rtlCol="0" anchor="ctr"/>
             <a:lstStyle/>
             <a:p>
               <a:pPr algn="ctr"/>
@@ -16707,7 +16709,7 @@
                     <a:schemeClr val="tx1"/>
                   </a:solidFill>
                 </a:rPr>
-                <a:t>7</a:t>
+                <a:t>DF</a:t>
               </a:r>
             </a:p>
           </p:txBody>
@@ -17029,7 +17031,7 @@
           <p:spPr>
             <a:xfrm>
               <a:off x="6971428" y="24448047"/>
-              <a:ext cx="365760" cy="365760"/>
+              <a:ext cx="556440" cy="365760"/>
             </a:xfrm>
             <a:prstGeom prst="ellipse">
               <a:avLst/>
@@ -17054,7 +17056,7 @@
             </a:fontRef>
           </p:style>
           <p:txBody>
-            <a:bodyPr rtlCol="0" anchor="ctr"/>
+            <a:bodyPr lIns="0" rIns="0" rtlCol="0" anchor="ctr"/>
             <a:lstStyle/>
             <a:p>
               <a:pPr algn="ctr"/>
@@ -17064,7 +17066,7 @@
                     <a:schemeClr val="tx1"/>
                   </a:solidFill>
                 </a:rPr>
-                <a:t>7</a:t>
+                <a:t>DQ</a:t>
               </a:r>
             </a:p>
           </p:txBody>
@@ -17205,7 +17207,7 @@
             </a:fontRef>
           </p:style>
           <p:txBody>
-            <a:bodyPr rtlCol="0" anchor="ctr"/>
+            <a:bodyPr lIns="0" tIns="0" rIns="0" bIns="0" rtlCol="0" anchor="ctr"/>
             <a:lstStyle/>
             <a:p>
               <a:pPr algn="ctr"/>
@@ -17215,7 +17217,7 @@
                     <a:schemeClr val="tx1"/>
                   </a:solidFill>
                 </a:rPr>
-                <a:t>5</a:t>
+                <a:t>CP</a:t>
               </a:r>
             </a:p>
           </p:txBody>
@@ -17356,7 +17358,7 @@
             </a:fontRef>
           </p:style>
           <p:txBody>
-            <a:bodyPr rtlCol="0" anchor="ctr"/>
+            <a:bodyPr lIns="0" tIns="0" rIns="0" bIns="0" rtlCol="0" anchor="ctr"/>
             <a:lstStyle/>
             <a:p>
               <a:pPr algn="ctr"/>
@@ -17366,7 +17368,7 @@
                     <a:schemeClr val="tx1"/>
                   </a:solidFill>
                 </a:rPr>
-                <a:t>6</a:t>
+                <a:t>DE</a:t>
               </a:r>
             </a:p>
           </p:txBody>
@@ -17482,8 +17484,8 @@
           </p:nvSpPr>
           <p:spPr>
             <a:xfrm>
-              <a:off x="5482300" y="23930496"/>
-              <a:ext cx="365760" cy="365760"/>
+              <a:off x="5482299" y="23930496"/>
+              <a:ext cx="500875" cy="365760"/>
             </a:xfrm>
             <a:prstGeom prst="ellipse">
               <a:avLst/>
@@ -17508,7 +17510,7 @@
             </a:fontRef>
           </p:style>
           <p:txBody>
-            <a:bodyPr rtlCol="0" anchor="ctr"/>
+            <a:bodyPr lIns="0" tIns="0" rIns="0" bIns="0" rtlCol="0" anchor="ctr"/>
             <a:lstStyle/>
             <a:p>
               <a:pPr algn="ctr"/>
@@ -17518,7 +17520,7 @@
                     <a:schemeClr val="tx1"/>
                   </a:solidFill>
                 </a:rPr>
-                <a:t>7</a:t>
+                <a:t>CO</a:t>
               </a:r>
             </a:p>
           </p:txBody>
@@ -18194,7 +18196,7 @@
             </a:fontRef>
           </p:style>
           <p:txBody>
-            <a:bodyPr rtlCol="0" anchor="ctr"/>
+            <a:bodyPr lIns="0" tIns="0" rIns="0" bIns="0" rtlCol="0" anchor="ctr"/>
             <a:lstStyle/>
             <a:p>
               <a:pPr algn="ctr"/>
@@ -18204,7 +18206,7 @@
                     <a:schemeClr val="tx1"/>
                   </a:solidFill>
                 </a:rPr>
-                <a:t>E</a:t>
+                <a:t>CR</a:t>
               </a:r>
             </a:p>
           </p:txBody>
@@ -18348,7 +18350,7 @@
             </a:fontRef>
           </p:style>
           <p:txBody>
-            <a:bodyPr rtlCol="0" anchor="ctr"/>
+            <a:bodyPr lIns="0" tIns="0" rIns="0" bIns="0" rtlCol="0" anchor="ctr"/>
             <a:lstStyle/>
             <a:p>
               <a:pPr algn="ctr"/>
@@ -18358,7 +18360,7 @@
                     <a:schemeClr val="tx1"/>
                   </a:solidFill>
                 </a:rPr>
-                <a:t>F</a:t>
+                <a:t>DG</a:t>
               </a:r>
             </a:p>
           </p:txBody>
@@ -18901,9 +18903,9 @@
         <p:grpSpPr>
           <a:xfrm>
             <a:off x="4386424" y="27864583"/>
-            <a:ext cx="7446445" cy="555147"/>
+            <a:ext cx="7759638" cy="555147"/>
             <a:chOff x="1466151" y="28025988"/>
-            <a:chExt cx="7446445" cy="555147"/>
+            <a:chExt cx="7759638" cy="555147"/>
           </a:xfrm>
         </p:grpSpPr>
         <p:grpSp>
@@ -18921,9 +18923,9 @@
           <p:grpSpPr>
             <a:xfrm>
               <a:off x="1880153" y="28025988"/>
-              <a:ext cx="7032443" cy="533083"/>
+              <a:ext cx="7345636" cy="533083"/>
               <a:chOff x="3171717" y="4130916"/>
-              <a:chExt cx="11490107" cy="695984"/>
+              <a:chExt cx="12001824" cy="695984"/>
             </a:xfrm>
           </p:grpSpPr>
           <p:sp>
@@ -19147,10 +19149,10 @@
             </p:nvGrpSpPr>
             <p:grpSpPr>
               <a:xfrm>
-                <a:off x="4679276" y="4351483"/>
-                <a:ext cx="394082" cy="443505"/>
-                <a:chOff x="2330193" y="733201"/>
-                <a:chExt cx="300253" cy="5659885"/>
+                <a:off x="4679277" y="4351483"/>
+                <a:ext cx="394080" cy="443505"/>
+                <a:chOff x="2330190" y="733201"/>
+                <a:chExt cx="300251" cy="5659885"/>
               </a:xfrm>
             </p:grpSpPr>
             <p:cxnSp>
@@ -19171,8 +19173,8 @@
               </p:nvCxnSpPr>
               <p:spPr>
                 <a:xfrm>
-                  <a:off x="2330193" y="733201"/>
-                  <a:ext cx="300253" cy="84290"/>
+                  <a:off x="2330190" y="733201"/>
+                  <a:ext cx="300251" cy="84290"/>
                 </a:xfrm>
                 <a:prstGeom prst="straightConnector1">
                   <a:avLst/>
@@ -19246,8 +19248,8 @@
             </p:nvSpPr>
             <p:spPr>
               <a:xfrm>
-                <a:off x="5073358" y="4140337"/>
-                <a:ext cx="480060" cy="435501"/>
+                <a:off x="5073357" y="4140337"/>
+                <a:ext cx="638659" cy="435501"/>
               </a:xfrm>
               <a:prstGeom prst="ellipse">
                 <a:avLst/>
@@ -19271,17 +19273,17 @@
               </a:fontRef>
             </p:style>
             <p:txBody>
-              <a:bodyPr rtlCol="0" anchor="ctr"/>
+              <a:bodyPr lIns="0" tIns="0" rIns="0" bIns="0" rtlCol="0" anchor="ctr"/>
               <a:lstStyle/>
               <a:p>
                 <a:pPr algn="ctr"/>
                 <a:r>
-                  <a:rPr lang="en-US" sz="2100" dirty="0">
+                  <a:rPr lang="en-US" sz="2000" dirty="0">
                     <a:solidFill>
                       <a:schemeClr val="tx1"/>
                     </a:solidFill>
                   </a:rPr>
-                  <a:t>G</a:t>
+                  <a:t>CB</a:t>
                 </a:r>
               </a:p>
             </p:txBody>
@@ -19300,10 +19302,10 @@
             </p:nvGrpSpPr>
             <p:grpSpPr>
               <a:xfrm>
-                <a:off x="5553410" y="4403806"/>
-                <a:ext cx="499193" cy="391180"/>
-                <a:chOff x="2168757" y="18894710"/>
-                <a:chExt cx="347543" cy="143833800"/>
+                <a:off x="5712021" y="4358087"/>
+                <a:ext cx="340586" cy="436899"/>
+                <a:chOff x="2279181" y="2084233"/>
+                <a:chExt cx="237119" cy="160644277"/>
               </a:xfrm>
             </p:grpSpPr>
             <p:cxnSp>
@@ -19323,8 +19325,8 @@
               </p:nvCxnSpPr>
               <p:spPr>
                 <a:xfrm>
-                  <a:off x="2168757" y="18894710"/>
-                  <a:ext cx="347543" cy="75"/>
+                  <a:off x="2279181" y="2084233"/>
+                  <a:ext cx="237119" cy="16810477"/>
                 </a:xfrm>
                 <a:prstGeom prst="straightConnector1">
                   <a:avLst/>
@@ -19398,8 +19400,8 @@
             </p:nvSpPr>
             <p:spPr>
               <a:xfrm>
-                <a:off x="6087720" y="4169295"/>
-                <a:ext cx="473502" cy="435501"/>
+                <a:off x="6087718" y="4169295"/>
+                <a:ext cx="732329" cy="435501"/>
               </a:xfrm>
               <a:prstGeom prst="ellipse">
                 <a:avLst/>
@@ -19423,7 +19425,7 @@
               </a:fontRef>
             </p:style>
             <p:txBody>
-              <a:bodyPr rtlCol="0" anchor="ctr"/>
+              <a:bodyPr lIns="0" tIns="0" rIns="0" bIns="0" rtlCol="0" anchor="ctr"/>
               <a:lstStyle/>
               <a:p>
                 <a:pPr algn="ctr"/>
@@ -19433,7 +19435,7 @@
                       <a:schemeClr val="tx1"/>
                     </a:solidFill>
                   </a:rPr>
-                  <a:t>I</a:t>
+                  <a:t>CS</a:t>
                 </a:r>
               </a:p>
             </p:txBody>
@@ -19452,10 +19454,10 @@
             </p:nvGrpSpPr>
             <p:grpSpPr>
               <a:xfrm>
-                <a:off x="6561219" y="4377710"/>
-                <a:ext cx="565474" cy="449190"/>
-                <a:chOff x="1937427" y="926282"/>
-                <a:chExt cx="430838" cy="3995065"/>
+                <a:off x="6767244" y="4377709"/>
+                <a:ext cx="359450" cy="449191"/>
+                <a:chOff x="2094398" y="926270"/>
+                <a:chExt cx="273867" cy="3995077"/>
               </a:xfrm>
             </p:grpSpPr>
             <p:cxnSp>
@@ -19476,8 +19478,8 @@
               </p:nvCxnSpPr>
               <p:spPr>
                 <a:xfrm flipV="1">
-                  <a:off x="1937427" y="926282"/>
-                  <a:ext cx="430838" cy="83034"/>
+                  <a:off x="2134627" y="926270"/>
+                  <a:ext cx="233638" cy="83036"/>
                 </a:xfrm>
                 <a:prstGeom prst="straightConnector1">
                   <a:avLst/>
@@ -19552,7 +19554,7 @@
             <p:spPr>
               <a:xfrm>
                 <a:off x="7126697" y="4159959"/>
-                <a:ext cx="480060" cy="435501"/>
+                <a:ext cx="784072" cy="435501"/>
               </a:xfrm>
               <a:prstGeom prst="ellipse">
                 <a:avLst/>
@@ -19576,7 +19578,7 @@
               </a:fontRef>
             </p:style>
             <p:txBody>
-              <a:bodyPr rtlCol="0" anchor="ctr"/>
+              <a:bodyPr lIns="0" tIns="0" rIns="0" bIns="0" rtlCol="0" anchor="ctr"/>
               <a:lstStyle/>
               <a:p>
                 <a:pPr algn="ctr"/>
@@ -19586,7 +19588,7 @@
                       <a:schemeClr val="tx1"/>
                     </a:solidFill>
                   </a:rPr>
-                  <a:t>K</a:t>
+                  <a:t>DH</a:t>
                 </a:r>
               </a:p>
             </p:txBody>
@@ -19605,10 +19607,10 @@
             </p:nvGrpSpPr>
             <p:grpSpPr>
               <a:xfrm>
-                <a:off x="7606757" y="4364767"/>
-                <a:ext cx="536228" cy="462133"/>
-                <a:chOff x="1821579" y="1014752"/>
-                <a:chExt cx="408556" cy="3465948"/>
+                <a:off x="7840654" y="4364767"/>
+                <a:ext cx="302336" cy="377052"/>
+                <a:chOff x="1999778" y="1014752"/>
+                <a:chExt cx="230351" cy="2827850"/>
               </a:xfrm>
             </p:grpSpPr>
             <p:cxnSp>
@@ -19629,8 +19631,8 @@
               </p:nvCxnSpPr>
               <p:spPr>
                 <a:xfrm flipV="1">
-                  <a:off x="1821579" y="1014752"/>
-                  <a:ext cx="408556" cy="97065"/>
+                  <a:off x="2053201" y="1014752"/>
+                  <a:ext cx="176928" cy="97065"/>
                 </a:xfrm>
                 <a:prstGeom prst="straightConnector1">
                   <a:avLst/>
@@ -19668,7 +19670,7 @@
               </p:nvSpPr>
               <p:spPr>
                 <a:xfrm>
-                  <a:off x="1885591" y="2425368"/>
+                  <a:off x="1999778" y="1787270"/>
                   <a:ext cx="150495" cy="2055332"/>
                 </a:xfrm>
                 <a:prstGeom prst="rect">
@@ -19705,7 +19707,7 @@
             <p:spPr>
               <a:xfrm>
                 <a:off x="8142986" y="4147016"/>
-                <a:ext cx="531608" cy="435501"/>
+                <a:ext cx="727927" cy="435501"/>
               </a:xfrm>
               <a:prstGeom prst="ellipse">
                 <a:avLst/>
@@ -19729,7 +19731,7 @@
               </a:fontRef>
             </p:style>
             <p:txBody>
-              <a:bodyPr rtlCol="0" anchor="ctr"/>
+              <a:bodyPr lIns="0" rIns="0" rtlCol="0" anchor="ctr"/>
               <a:lstStyle/>
               <a:p>
                 <a:pPr algn="ctr"/>
@@ -19739,7 +19741,7 @@
                       <a:schemeClr val="tx1"/>
                     </a:solidFill>
                   </a:rPr>
-                  <a:t>L</a:t>
+                  <a:t>DS</a:t>
                 </a:r>
               </a:p>
             </p:txBody>
@@ -19758,10 +19760,10 @@
             </p:nvGrpSpPr>
             <p:grpSpPr>
               <a:xfrm>
-                <a:off x="8619633" y="4358088"/>
-                <a:ext cx="465657" cy="419070"/>
+                <a:off x="8619638" y="4358088"/>
+                <a:ext cx="465646" cy="419070"/>
                 <a:chOff x="1713512" y="918369"/>
-                <a:chExt cx="354787" cy="3332203"/>
+                <a:chExt cx="354778" cy="3332203"/>
               </a:xfrm>
             </p:grpSpPr>
             <p:cxnSp>
@@ -19782,8 +19784,8 @@
               </p:nvCxnSpPr>
               <p:spPr>
                 <a:xfrm flipV="1">
-                  <a:off x="1755389" y="918369"/>
-                  <a:ext cx="312910" cy="53110"/>
+                  <a:off x="1904959" y="918369"/>
+                  <a:ext cx="163331" cy="53110"/>
                 </a:xfrm>
                 <a:prstGeom prst="straightConnector1">
                   <a:avLst/>
@@ -19857,8 +19859,8 @@
             </p:nvSpPr>
             <p:spPr>
               <a:xfrm>
-                <a:off x="9085287" y="4140337"/>
-                <a:ext cx="480060" cy="435501"/>
+                <a:off x="9085286" y="4140337"/>
+                <a:ext cx="740524" cy="435501"/>
               </a:xfrm>
               <a:prstGeom prst="ellipse">
                 <a:avLst/>
@@ -19882,7 +19884,7 @@
               </a:fontRef>
             </p:style>
             <p:txBody>
-              <a:bodyPr rtlCol="0" anchor="ctr"/>
+              <a:bodyPr lIns="0" rIns="0" rtlCol="0" anchor="ctr"/>
               <a:lstStyle/>
               <a:p>
                 <a:pPr algn="ctr"/>
@@ -19892,7 +19894,7 @@
                       <a:schemeClr val="tx1"/>
                     </a:solidFill>
                   </a:rPr>
-                  <a:t>M</a:t>
+                  <a:t>EA</a:t>
                 </a:r>
               </a:p>
             </p:txBody>
@@ -20033,7 +20035,7 @@
               </a:fontRef>
             </p:style>
             <p:txBody>
-              <a:bodyPr rtlCol="0" anchor="ctr"/>
+              <a:bodyPr lIns="0" rIns="0" rtlCol="0" anchor="ctr"/>
               <a:lstStyle/>
               <a:p>
                 <a:pPr algn="ctr"/>
@@ -20043,7 +20045,7 @@
                       <a:schemeClr val="tx1"/>
                     </a:solidFill>
                   </a:rPr>
-                  <a:t>N</a:t>
+                  <a:t>EF</a:t>
                 </a:r>
               </a:p>
             </p:txBody>
@@ -20186,7 +20188,7 @@
               </a:fontRef>
             </p:style>
             <p:txBody>
-              <a:bodyPr rtlCol="0" anchor="ctr"/>
+              <a:bodyPr lIns="0" rIns="0" rtlCol="0" anchor="ctr"/>
               <a:lstStyle/>
               <a:p>
                 <a:pPr algn="ctr"/>
@@ -20196,7 +20198,7 @@
                       <a:schemeClr val="tx1"/>
                     </a:solidFill>
                   </a:rPr>
-                  <a:t>O</a:t>
+                  <a:t>EJ</a:t>
                 </a:r>
               </a:p>
             </p:txBody>
@@ -20215,10 +20217,10 @@
             </p:nvGrpSpPr>
             <p:grpSpPr>
               <a:xfrm>
-                <a:off x="13256149" y="4336322"/>
-                <a:ext cx="776931" cy="479590"/>
-                <a:chOff x="1190640" y="1444080"/>
-                <a:chExt cx="591944" cy="3097904"/>
+                <a:off x="13463883" y="4336322"/>
+                <a:ext cx="569197" cy="461667"/>
+                <a:chOff x="1348911" y="1444080"/>
+                <a:chExt cx="433671" cy="2982130"/>
               </a:xfrm>
             </p:grpSpPr>
             <p:cxnSp>
@@ -20239,8 +20241,8 @@
               </p:nvCxnSpPr>
               <p:spPr>
                 <a:xfrm>
-                  <a:off x="1190640" y="1444080"/>
-                  <a:ext cx="591944" cy="79738"/>
+                  <a:off x="1348911" y="1444080"/>
+                  <a:ext cx="433671" cy="173534"/>
                 </a:xfrm>
                 <a:prstGeom prst="straightConnector1">
                   <a:avLst/>
@@ -20278,7 +20280,7 @@
               </p:nvSpPr>
               <p:spPr>
                 <a:xfrm>
-                  <a:off x="1390185" y="2771774"/>
+                  <a:off x="1390185" y="2656000"/>
                   <a:ext cx="150495" cy="1770210"/>
                 </a:xfrm>
                 <a:prstGeom prst="rect">
@@ -20314,8 +20316,8 @@
             </p:nvSpPr>
             <p:spPr>
               <a:xfrm>
-                <a:off x="14033079" y="4130916"/>
-                <a:ext cx="628745" cy="435501"/>
+                <a:off x="14033079" y="4159957"/>
+                <a:ext cx="1140462" cy="406458"/>
               </a:xfrm>
               <a:prstGeom prst="ellipse">
                 <a:avLst/>
@@ -20350,7 +20352,7 @@
                       <a:schemeClr val="tx1"/>
                     </a:solidFill>
                   </a:rPr>
-                  <a:t>Q</a:t>
+                  <a:t>ER</a:t>
                 </a:r>
               </a:p>
             </p:txBody>
@@ -20369,10 +20371,10 @@
             </p:nvGrpSpPr>
             <p:grpSpPr>
               <a:xfrm>
-                <a:off x="12069665" y="4336322"/>
-                <a:ext cx="559147" cy="490577"/>
-                <a:chOff x="1594538" y="1918436"/>
-                <a:chExt cx="426017" cy="3406200"/>
+                <a:off x="12069666" y="4336322"/>
+                <a:ext cx="559145" cy="490577"/>
+                <a:chOff x="1594537" y="1918436"/>
+                <a:chExt cx="426015" cy="3406200"/>
               </a:xfrm>
             </p:grpSpPr>
             <p:cxnSp>
@@ -20393,8 +20395,8 @@
               </p:nvCxnSpPr>
               <p:spPr>
                 <a:xfrm>
-                  <a:off x="1594538" y="1918436"/>
-                  <a:ext cx="426017" cy="0"/>
+                  <a:off x="1594537" y="1918436"/>
+                  <a:ext cx="426015" cy="0"/>
                 </a:xfrm>
                 <a:prstGeom prst="straightConnector1">
                   <a:avLst/>
@@ -20468,8 +20470,8 @@
             </p:nvSpPr>
             <p:spPr>
               <a:xfrm>
-                <a:off x="12628811" y="4130916"/>
-                <a:ext cx="627338" cy="410812"/>
+                <a:off x="12628809" y="4130916"/>
+                <a:ext cx="835073" cy="410812"/>
               </a:xfrm>
               <a:prstGeom prst="ellipse">
                 <a:avLst/>
@@ -20493,7 +20495,7 @@
               </a:fontRef>
             </p:style>
             <p:txBody>
-              <a:bodyPr rtlCol="0" anchor="ctr"/>
+              <a:bodyPr lIns="0" rIns="0" rtlCol="0" anchor="ctr"/>
               <a:lstStyle/>
               <a:p>
                 <a:pPr algn="ctr"/>
@@ -20503,7 +20505,7 @@
                       <a:schemeClr val="tx1"/>
                     </a:solidFill>
                   </a:rPr>
-                  <a:t>P</a:t>
+                  <a:t>EO</a:t>
                 </a:r>
               </a:p>
             </p:txBody>
@@ -20601,10 +20603,10 @@
         </p:nvGrpSpPr>
         <p:grpSpPr>
           <a:xfrm>
-            <a:off x="4121342" y="28421412"/>
-            <a:ext cx="10225166" cy="409661"/>
+            <a:off x="4121342" y="28421407"/>
+            <a:ext cx="10466764" cy="447359"/>
             <a:chOff x="1547728" y="2987317"/>
-            <a:chExt cx="14255338" cy="682957"/>
+            <a:chExt cx="14592160" cy="745806"/>
           </a:xfrm>
         </p:grpSpPr>
         <p:grpSp>
@@ -20924,10 +20926,10 @@
           </p:nvGrpSpPr>
           <p:grpSpPr>
             <a:xfrm>
-              <a:off x="3839224" y="3291268"/>
-              <a:ext cx="511097" cy="287862"/>
-              <a:chOff x="2633073" y="2094312"/>
-              <a:chExt cx="389407" cy="219324"/>
+              <a:off x="3763284" y="3284589"/>
+              <a:ext cx="496709" cy="448534"/>
+              <a:chOff x="2575209" y="2089223"/>
+              <a:chExt cx="378444" cy="341741"/>
             </a:xfrm>
           </p:grpSpPr>
           <p:cxnSp>
@@ -20942,13 +20944,14 @@
               <p:cNvCxnSpPr>
                 <a:cxnSpLocks/>
                 <a:stCxn id="684" idx="6"/>
+                <a:endCxn id="688" idx="2"/>
               </p:cNvCxnSpPr>
               <p:nvPr/>
             </p:nvCxnSpPr>
             <p:spPr>
-              <a:xfrm>
-                <a:off x="2633073" y="2094312"/>
-                <a:ext cx="389407" cy="0"/>
+              <a:xfrm flipV="1">
+                <a:off x="2575209" y="2089223"/>
+                <a:ext cx="378444" cy="4425"/>
               </a:xfrm>
               <a:prstGeom prst="straightConnector1">
                 <a:avLst/>
@@ -20986,7 +20989,7 @@
             </p:nvSpPr>
             <p:spPr>
               <a:xfrm>
-                <a:off x="2735139" y="2104837"/>
+                <a:off x="2694286" y="2222165"/>
                 <a:ext cx="150495" cy="208799"/>
               </a:xfrm>
               <a:prstGeom prst="rect">
@@ -21022,8 +21025,8 @@
           </p:nvSpPr>
           <p:spPr>
             <a:xfrm>
-              <a:off x="4259991" y="3044558"/>
-              <a:ext cx="480060" cy="480060"/>
+              <a:off x="4259990" y="3044558"/>
+              <a:ext cx="550714" cy="480059"/>
             </a:xfrm>
             <a:prstGeom prst="ellipse">
               <a:avLst/>
@@ -21047,17 +21050,17 @@
             </a:fontRef>
           </p:style>
           <p:txBody>
-            <a:bodyPr rtlCol="0" anchor="ctr"/>
+            <a:bodyPr lIns="0" tIns="0" rIns="0" bIns="0" rtlCol="0" anchor="ctr"/>
             <a:lstStyle/>
             <a:p>
               <a:pPr algn="ctr"/>
               <a:r>
-                <a:rPr lang="en-US" sz="2100" dirty="0">
+                <a:rPr lang="en-US" sz="2000" dirty="0">
                   <a:solidFill>
                     <a:schemeClr val="tx1"/>
                   </a:solidFill>
                 </a:rPr>
-                <a:t>4</a:t>
+                <a:t>CC</a:t>
               </a:r>
             </a:p>
           </p:txBody>
@@ -21076,10 +21079,10 @@
           </p:nvGrpSpPr>
           <p:grpSpPr>
             <a:xfrm>
-              <a:off x="4740051" y="3284590"/>
-              <a:ext cx="444810" cy="372733"/>
-              <a:chOff x="2492603" y="2100859"/>
-              <a:chExt cx="338903" cy="283987"/>
+              <a:off x="4810704" y="3284588"/>
+              <a:ext cx="374157" cy="372740"/>
+              <a:chOff x="2546433" y="2100854"/>
+              <a:chExt cx="285072" cy="283992"/>
             </a:xfrm>
           </p:grpSpPr>
           <p:cxnSp>
@@ -21100,8 +21103,8 @@
             </p:nvCxnSpPr>
             <p:spPr>
               <a:xfrm>
-                <a:off x="2492603" y="2100859"/>
-                <a:ext cx="338903" cy="0"/>
+                <a:off x="2546433" y="2100854"/>
+                <a:ext cx="285072" cy="0"/>
               </a:xfrm>
               <a:prstGeom prst="straightConnector1">
                 <a:avLst/>
@@ -21175,8 +21178,8 @@
           </p:nvSpPr>
           <p:spPr>
             <a:xfrm>
-              <a:off x="5184861" y="3044558"/>
-              <a:ext cx="480060" cy="480060"/>
+              <a:off x="5184862" y="3044558"/>
+              <a:ext cx="635281" cy="480060"/>
             </a:xfrm>
             <a:prstGeom prst="ellipse">
               <a:avLst/>
@@ -21200,7 +21203,7 @@
             </a:fontRef>
           </p:style>
           <p:txBody>
-            <a:bodyPr rtlCol="0" anchor="ctr"/>
+            <a:bodyPr lIns="0" tIns="0" rIns="0" bIns="0" rtlCol="0" anchor="ctr"/>
             <a:lstStyle/>
             <a:p>
               <a:pPr algn="ctr"/>
@@ -21210,7 +21213,7 @@
                     <a:schemeClr val="tx1"/>
                   </a:solidFill>
                 </a:rPr>
-                <a:t>5</a:t>
+                <a:t>CT</a:t>
               </a:r>
             </a:p>
           </p:txBody>
@@ -21229,10 +21232,10 @@
           </p:nvGrpSpPr>
           <p:grpSpPr>
             <a:xfrm>
-              <a:off x="5664924" y="3262462"/>
-              <a:ext cx="499191" cy="274049"/>
-              <a:chOff x="2352493" y="2084300"/>
-              <a:chExt cx="347541" cy="131774"/>
+              <a:off x="5820140" y="3262462"/>
+              <a:ext cx="343976" cy="274049"/>
+              <a:chOff x="2460555" y="2084300"/>
+              <a:chExt cx="239479" cy="131774"/>
             </a:xfrm>
           </p:grpSpPr>
           <p:cxnSp>
@@ -21252,8 +21255,8 @@
             </p:nvCxnSpPr>
             <p:spPr>
               <a:xfrm>
-                <a:off x="2352493" y="2094939"/>
-                <a:ext cx="347541" cy="0"/>
+                <a:off x="2460555" y="2094939"/>
+                <a:ext cx="239479" cy="0"/>
               </a:xfrm>
               <a:prstGeom prst="straightConnector1">
                 <a:avLst/>
@@ -21327,7 +21330,7 @@
           </p:nvSpPr>
           <p:spPr>
             <a:xfrm>
-              <a:off x="6172981" y="3071206"/>
+              <a:off x="6172981" y="3071205"/>
               <a:ext cx="480060" cy="480060"/>
             </a:xfrm>
             <a:prstGeom prst="ellipse">
@@ -21352,17 +21355,17 @@
             </a:fontRef>
           </p:style>
           <p:txBody>
-            <a:bodyPr rtlCol="0" anchor="ctr"/>
+            <a:bodyPr lIns="0" tIns="0" rIns="0" bIns="0" rtlCol="0" anchor="ctr"/>
             <a:lstStyle/>
             <a:p>
               <a:pPr algn="ctr"/>
               <a:r>
-                <a:rPr lang="en-US" sz="2100" dirty="0">
+                <a:rPr lang="en-US" sz="2000" dirty="0">
                   <a:solidFill>
                     <a:schemeClr val="tx1"/>
                   </a:solidFill>
                 </a:rPr>
-                <a:t>6</a:t>
+                <a:t>DI</a:t>
               </a:r>
             </a:p>
           </p:txBody>
@@ -21405,7 +21408,7 @@
             </p:nvCxnSpPr>
             <p:spPr>
               <a:xfrm flipV="1">
-                <a:off x="2123492" y="2165674"/>
+                <a:off x="2123492" y="2165675"/>
                 <a:ext cx="445835" cy="5353"/>
               </a:xfrm>
               <a:prstGeom prst="straightConnector1">
@@ -21480,8 +21483,8 @@
           </p:nvSpPr>
           <p:spPr>
             <a:xfrm>
-              <a:off x="7238200" y="3064180"/>
-              <a:ext cx="480060" cy="480060"/>
+              <a:off x="7238201" y="3064180"/>
+              <a:ext cx="743350" cy="480060"/>
             </a:xfrm>
             <a:prstGeom prst="ellipse">
               <a:avLst/>
@@ -21505,7 +21508,7 @@
             </a:fontRef>
           </p:style>
           <p:txBody>
-            <a:bodyPr rtlCol="0" anchor="ctr"/>
+            <a:bodyPr lIns="0" rIns="0" rtlCol="0" anchor="ctr"/>
             <a:lstStyle/>
             <a:p>
               <a:pPr algn="ctr"/>
@@ -21515,7 +21518,7 @@
                     <a:schemeClr val="tx1"/>
                   </a:solidFill>
                 </a:rPr>
-                <a:t>7</a:t>
+                <a:t>DT</a:t>
               </a:r>
             </a:p>
           </p:txBody>
@@ -21534,10 +21537,10 @@
           </p:nvGrpSpPr>
           <p:grpSpPr>
             <a:xfrm>
-              <a:off x="7718260" y="3257249"/>
-              <a:ext cx="536231" cy="274048"/>
-              <a:chOff x="2022643" y="2216578"/>
-              <a:chExt cx="408558" cy="208799"/>
+              <a:off x="7859756" y="3257249"/>
+              <a:ext cx="394735" cy="274048"/>
+              <a:chOff x="2130448" y="2216578"/>
+              <a:chExt cx="300751" cy="208799"/>
             </a:xfrm>
           </p:grpSpPr>
           <p:cxnSp>
@@ -21558,8 +21561,8 @@
             </p:nvCxnSpPr>
             <p:spPr>
               <a:xfrm flipV="1">
-                <a:off x="2022643" y="2242497"/>
-                <a:ext cx="408558" cy="9861"/>
+                <a:off x="2223244" y="2242498"/>
+                <a:ext cx="207955" cy="9861"/>
               </a:xfrm>
               <a:prstGeom prst="straightConnector1">
                 <a:avLst/>
@@ -21633,8 +21636,8 @@
           </p:nvSpPr>
           <p:spPr>
             <a:xfrm>
-              <a:off x="8254491" y="3051238"/>
-              <a:ext cx="462239" cy="480060"/>
+              <a:off x="8254490" y="3051238"/>
+              <a:ext cx="552252" cy="480060"/>
             </a:xfrm>
             <a:prstGeom prst="ellipse">
               <a:avLst/>
@@ -21658,7 +21661,7 @@
             </a:fontRef>
           </p:style>
           <p:txBody>
-            <a:bodyPr rtlCol="0" anchor="ctr"/>
+            <a:bodyPr lIns="0" rIns="0" rtlCol="0" anchor="ctr"/>
             <a:lstStyle/>
             <a:p>
               <a:pPr algn="ctr"/>
@@ -21668,7 +21671,7 @@
                     <a:schemeClr val="tx1"/>
                   </a:solidFill>
                 </a:rPr>
-                <a:t>8</a:t>
+                <a:t>EB</a:t>
               </a:r>
             </a:p>
           </p:txBody>
@@ -21687,10 +21690,10 @@
           </p:nvGrpSpPr>
           <p:grpSpPr>
             <a:xfrm>
-              <a:off x="13364708" y="3239190"/>
-              <a:ext cx="630968" cy="291235"/>
-              <a:chOff x="2804923" y="2074011"/>
-              <a:chExt cx="480738" cy="221894"/>
+              <a:off x="13589835" y="3256378"/>
+              <a:ext cx="600782" cy="274048"/>
+              <a:chOff x="2976448" y="2087106"/>
+              <a:chExt cx="457739" cy="208799"/>
             </a:xfrm>
           </p:grpSpPr>
           <p:cxnSp>
@@ -21710,9 +21713,9 @@
               <p:nvPr/>
             </p:nvCxnSpPr>
             <p:spPr>
-              <a:xfrm flipV="1">
-                <a:off x="2804923" y="2074011"/>
-                <a:ext cx="480738" cy="13759"/>
+              <a:xfrm>
+                <a:off x="3097481" y="2107226"/>
+                <a:ext cx="336706" cy="41008"/>
               </a:xfrm>
               <a:prstGeom prst="straightConnector1">
                 <a:avLst/>
@@ -21786,8 +21789,8 @@
           </p:nvSpPr>
           <p:spPr>
             <a:xfrm>
-              <a:off x="15349169" y="2987317"/>
-              <a:ext cx="453897" cy="480059"/>
+              <a:off x="15349168" y="2987317"/>
+              <a:ext cx="790720" cy="579211"/>
             </a:xfrm>
             <a:prstGeom prst="ellipse">
               <a:avLst/>
@@ -21812,7 +21815,7 @@
             </a:fontRef>
           </p:style>
           <p:txBody>
-            <a:bodyPr rtlCol="0" anchor="ctr"/>
+            <a:bodyPr lIns="0" tIns="0" rIns="0" rtlCol="0" anchor="ctr"/>
             <a:lstStyle/>
             <a:p>
               <a:pPr algn="ctr"/>
@@ -21822,7 +21825,7 @@
                     <a:schemeClr val="tx1"/>
                   </a:solidFill>
                 </a:rPr>
-                <a:t>D</a:t>
+                <a:t>EV</a:t>
               </a:r>
             </a:p>
           </p:txBody>
@@ -21841,10 +21844,10 @@
           </p:nvGrpSpPr>
           <p:grpSpPr>
             <a:xfrm>
-              <a:off x="8716730" y="3284588"/>
-              <a:ext cx="480060" cy="385686"/>
-              <a:chOff x="1903607" y="2173180"/>
-              <a:chExt cx="365761" cy="293855"/>
+              <a:off x="8806742" y="3284588"/>
+              <a:ext cx="390048" cy="385686"/>
+              <a:chOff x="1972186" y="2173180"/>
+              <a:chExt cx="297180" cy="293855"/>
             </a:xfrm>
           </p:grpSpPr>
           <p:cxnSp>
@@ -21865,8 +21868,8 @@
             </p:nvCxnSpPr>
             <p:spPr>
               <a:xfrm flipV="1">
-                <a:off x="1903607" y="2173180"/>
-                <a:ext cx="365761" cy="5090"/>
+                <a:off x="1972186" y="2173180"/>
+                <a:ext cx="297180" cy="5090"/>
               </a:xfrm>
               <a:prstGeom prst="straightConnector1">
                 <a:avLst/>
@@ -21941,7 +21944,7 @@
           <p:spPr>
             <a:xfrm>
               <a:off x="9196790" y="3044558"/>
-              <a:ext cx="480060" cy="480060"/>
+              <a:ext cx="593139" cy="480060"/>
             </a:xfrm>
             <a:prstGeom prst="ellipse">
               <a:avLst/>
@@ -21965,7 +21968,7 @@
             </a:fontRef>
           </p:style>
           <p:txBody>
-            <a:bodyPr rtlCol="0" anchor="ctr"/>
+            <a:bodyPr lIns="0" rIns="0" rtlCol="0" anchor="ctr"/>
             <a:lstStyle/>
             <a:p>
               <a:pPr algn="ctr"/>
@@ -21975,7 +21978,7 @@
                     <a:schemeClr val="tx1"/>
                   </a:solidFill>
                 </a:rPr>
-                <a:t>9</a:t>
+                <a:t>EG</a:t>
               </a:r>
             </a:p>
           </p:txBody>
@@ -22116,7 +22119,7 @@
             </a:fontRef>
           </p:style>
           <p:txBody>
-            <a:bodyPr rtlCol="0" anchor="ctr"/>
+            <a:bodyPr lIns="0" rIns="0" rtlCol="0" anchor="ctr"/>
             <a:lstStyle/>
             <a:p>
               <a:pPr algn="ctr"/>
@@ -22126,7 +22129,7 @@
                     <a:schemeClr val="tx1"/>
                   </a:solidFill>
                 </a:rPr>
-                <a:t>S</a:t>
+                <a:t>EK</a:t>
               </a:r>
             </a:p>
           </p:txBody>
@@ -22269,7 +22272,7 @@
             </a:fontRef>
           </p:style>
           <p:txBody>
-            <a:bodyPr rtlCol="0" anchor="ctr"/>
+            <a:bodyPr lIns="0" rIns="0" rtlCol="0" anchor="ctr"/>
             <a:lstStyle/>
             <a:p>
               <a:pPr algn="ctr"/>
@@ -22279,7 +22282,7 @@
                     <a:schemeClr val="tx1"/>
                   </a:solidFill>
                 </a:rPr>
-                <a:t>F</a:t>
+                <a:t>EP</a:t>
               </a:r>
             </a:p>
           </p:txBody>
@@ -22298,10 +22301,10 @@
           </p:nvGrpSpPr>
           <p:grpSpPr>
             <a:xfrm>
-              <a:off x="12083166" y="3257248"/>
-              <a:ext cx="722346" cy="314537"/>
-              <a:chOff x="1516392" y="2733423"/>
-              <a:chExt cx="550357" cy="239648"/>
+              <a:off x="12083168" y="3261561"/>
+              <a:ext cx="722344" cy="310227"/>
+              <a:chOff x="1516392" y="2736707"/>
+              <a:chExt cx="550355" cy="236364"/>
             </a:xfrm>
           </p:grpSpPr>
           <p:cxnSp>
@@ -22321,9 +22324,9 @@
               <p:nvPr/>
             </p:nvCxnSpPr>
             <p:spPr>
-              <a:xfrm flipV="1">
-                <a:off x="1516392" y="2733423"/>
-                <a:ext cx="550357" cy="3283"/>
+              <a:xfrm>
+                <a:off x="1516392" y="2736707"/>
+                <a:ext cx="550355" cy="16173"/>
               </a:xfrm>
               <a:prstGeom prst="straightConnector1">
                 <a:avLst/>
@@ -22397,8 +22400,8 @@
           </p:nvSpPr>
           <p:spPr>
             <a:xfrm>
-              <a:off x="12805512" y="3029060"/>
-              <a:ext cx="559196" cy="456374"/>
+              <a:off x="12805511" y="3029060"/>
+              <a:ext cx="943178" cy="507451"/>
             </a:xfrm>
             <a:prstGeom prst="ellipse">
               <a:avLst/>
@@ -22432,7 +22435,7 @@
                     <a:schemeClr val="tx1"/>
                   </a:solidFill>
                 </a:rPr>
-                <a:t>D</a:t>
+                <a:t>ES</a:t>
               </a:r>
             </a:p>
           </p:txBody>
@@ -22451,8 +22454,8 @@
           </p:nvSpPr>
           <p:spPr>
             <a:xfrm>
-              <a:off x="13995676" y="3011002"/>
-              <a:ext cx="462239" cy="456374"/>
+              <a:off x="14190615" y="3106689"/>
+              <a:ext cx="696137" cy="459840"/>
             </a:xfrm>
             <a:prstGeom prst="ellipse">
               <a:avLst/>
@@ -22476,7 +22479,7 @@
             </a:fontRef>
           </p:style>
           <p:txBody>
-            <a:bodyPr rtlCol="0" anchor="ctr"/>
+            <a:bodyPr lIns="0" tIns="0" rIns="0" rtlCol="0" anchor="ctr"/>
             <a:lstStyle/>
             <a:p>
               <a:pPr algn="ctr"/>
@@ -22486,7 +22489,7 @@
                     <a:schemeClr val="tx1"/>
                   </a:solidFill>
                 </a:rPr>
-                <a:t>D</a:t>
+                <a:t>EU</a:t>
               </a:r>
             </a:p>
           </p:txBody>
@@ -22505,10 +22508,10 @@
           </p:nvGrpSpPr>
           <p:grpSpPr>
             <a:xfrm>
-              <a:off x="14457915" y="3227347"/>
-              <a:ext cx="891254" cy="45718"/>
-              <a:chOff x="358194" y="2101936"/>
-              <a:chExt cx="3088637" cy="1125635"/>
+              <a:off x="14669895" y="3265478"/>
+              <a:ext cx="679274" cy="71132"/>
+              <a:chOff x="1092811" y="3040764"/>
+              <a:chExt cx="2354024" cy="1751358"/>
             </a:xfrm>
           </p:grpSpPr>
           <p:cxnSp>
@@ -22529,8 +22532,8 @@
             </p:nvCxnSpPr>
             <p:spPr>
               <a:xfrm flipV="1">
-                <a:off x="358194" y="2101936"/>
-                <a:ext cx="3088637" cy="291599"/>
+                <a:off x="1844331" y="3322553"/>
+                <a:ext cx="1602504" cy="1469569"/>
               </a:xfrm>
               <a:prstGeom prst="straightConnector1">
                 <a:avLst/>
@@ -25321,7 +25324,7 @@
                   <a:schemeClr val="tx1"/>
                 </a:solidFill>
               </a:rPr>
-              <a:t>CB</a:t>
+              <a:t>CC</a:t>
             </a:r>
           </a:p>
         </p:txBody>
@@ -25462,7 +25465,7 @@
           </a:fontRef>
         </p:style>
         <p:txBody>
-          <a:bodyPr rtlCol="0" anchor="ctr"/>
+          <a:bodyPr lIns="0" tIns="0" rIns="0" bIns="0" rtlCol="0" anchor="ctr"/>
           <a:lstStyle/>
           <a:p>
             <a:pPr algn="ctr"/>
@@ -25472,7 +25475,7 @@
                   <a:schemeClr val="tx1"/>
                 </a:solidFill>
               </a:rPr>
-              <a:t>6</a:t>
+              <a:t>CU</a:t>
             </a:r>
           </a:p>
         </p:txBody>
@@ -25613,7 +25616,7 @@
           </a:fontRef>
         </p:style>
         <p:txBody>
-          <a:bodyPr rtlCol="0" anchor="ctr"/>
+          <a:bodyPr lIns="0" rIns="0" rtlCol="0" anchor="ctr"/>
           <a:lstStyle/>
           <a:p>
             <a:pPr algn="ctr"/>
@@ -25623,7 +25626,7 @@
                   <a:schemeClr val="tx1"/>
                 </a:solidFill>
               </a:rPr>
-              <a:t>7</a:t>
+              <a:t>DJ</a:t>
             </a:r>
           </a:p>
         </p:txBody>
@@ -25764,7 +25767,7 @@
           </a:fontRef>
         </p:style>
         <p:txBody>
-          <a:bodyPr rtlCol="0" anchor="ctr"/>
+          <a:bodyPr lIns="0" rIns="0" rtlCol="0" anchor="ctr"/>
           <a:lstStyle/>
           <a:p>
             <a:pPr algn="ctr"/>
@@ -25774,7 +25777,7 @@
                   <a:schemeClr val="tx1"/>
                 </a:solidFill>
               </a:rPr>
-              <a:t>8</a:t>
+              <a:t>DU</a:t>
             </a:r>
           </a:p>
         </p:txBody>
@@ -25916,7 +25919,7 @@
           </a:fontRef>
         </p:style>
         <p:txBody>
-          <a:bodyPr rtlCol="0" anchor="ctr"/>
+          <a:bodyPr lIns="0" rIns="0" rtlCol="0" anchor="ctr"/>
           <a:lstStyle/>
           <a:p>
             <a:pPr algn="ctr"/>
@@ -25926,7 +25929,7 @@
                   <a:schemeClr val="tx1"/>
                 </a:solidFill>
               </a:rPr>
-              <a:t>9</a:t>
+              <a:t>DU</a:t>
             </a:r>
           </a:p>
         </p:txBody>
@@ -26391,7 +26394,7 @@
         <p:spPr>
           <a:xfrm>
             <a:off x="8908187" y="13004567"/>
-            <a:ext cx="386489" cy="336396"/>
+            <a:ext cx="453523" cy="336396"/>
           </a:xfrm>
           <a:prstGeom prst="ellipse">
             <a:avLst/>
@@ -26425,7 +26428,7 @@
                   <a:schemeClr val="tx1"/>
                 </a:solidFill>
               </a:rPr>
-              <a:t>CC</a:t>
+              <a:t>CD</a:t>
             </a:r>
           </a:p>
         </p:txBody>
@@ -26444,8 +26447,8 @@
         </p:nvSpPr>
         <p:spPr>
           <a:xfrm>
-            <a:off x="9780770" y="13001928"/>
-            <a:ext cx="406520" cy="336396"/>
+            <a:off x="9780769" y="13001928"/>
+            <a:ext cx="480089" cy="336396"/>
           </a:xfrm>
           <a:prstGeom prst="ellipse">
             <a:avLst/>
@@ -26470,7 +26473,7 @@
           </a:fontRef>
         </p:style>
         <p:txBody>
-          <a:bodyPr rtlCol="0" anchor="ctr"/>
+          <a:bodyPr lIns="0" tIns="0" rIns="0" bIns="0" rtlCol="0" anchor="ctr"/>
           <a:lstStyle/>
           <a:p>
             <a:pPr algn="ctr"/>
@@ -26480,7 +26483,7 @@
                   <a:schemeClr val="tx1"/>
                 </a:solidFill>
               </a:rPr>
-              <a:t>J</a:t>
+              <a:t>CV</a:t>
             </a:r>
           </a:p>
         </p:txBody>
@@ -26538,7 +26541,7 @@
         <p:spPr>
           <a:xfrm>
             <a:off x="9305425" y="13165390"/>
-            <a:ext cx="475345" cy="4736"/>
+            <a:ext cx="475344" cy="4736"/>
           </a:xfrm>
           <a:prstGeom prst="straightConnector1">
             <a:avLst/>
@@ -27020,7 +27023,7 @@
                   <a:schemeClr val="tx1"/>
                 </a:solidFill>
               </a:rPr>
-              <a:t>CD</a:t>
+              <a:t>CE</a:t>
             </a:r>
           </a:p>
         </p:txBody>
@@ -27079,10 +27082,10 @@
         </p:nvGrpSpPr>
         <p:grpSpPr>
           <a:xfrm>
-            <a:off x="5987369" y="14227860"/>
-            <a:ext cx="8347226" cy="477770"/>
-            <a:chOff x="2786755" y="14174850"/>
-            <a:chExt cx="13268366" cy="836408"/>
+            <a:off x="5987369" y="14144085"/>
+            <a:ext cx="8522728" cy="561547"/>
+            <a:chOff x="2786755" y="14028186"/>
+            <a:chExt cx="13547336" cy="983072"/>
           </a:xfrm>
         </p:grpSpPr>
         <p:grpSp>
@@ -27304,10 +27307,10 @@
           </p:nvGrpSpPr>
           <p:grpSpPr>
             <a:xfrm>
-              <a:off x="5586091" y="14502780"/>
-              <a:ext cx="353427" cy="349995"/>
-              <a:chOff x="3137205" y="855046"/>
-              <a:chExt cx="269278" cy="4466526"/>
+              <a:off x="5586089" y="14502780"/>
+              <a:ext cx="353426" cy="349995"/>
+              <a:chOff x="3137201" y="855046"/>
+              <a:chExt cx="269277" cy="4466526"/>
             </a:xfrm>
           </p:grpSpPr>
           <p:cxnSp>
@@ -27328,8 +27331,8 @@
             </p:nvCxnSpPr>
             <p:spPr>
               <a:xfrm>
-                <a:off x="3137205" y="855046"/>
-                <a:ext cx="269278" cy="131478"/>
+                <a:off x="3137201" y="855046"/>
+                <a:ext cx="269277" cy="131478"/>
               </a:xfrm>
               <a:prstGeom prst="straightConnector1">
                 <a:avLst/>
@@ -27404,7 +27407,7 @@
           <p:spPr>
             <a:xfrm>
               <a:off x="5939514" y="14295331"/>
-              <a:ext cx="480060" cy="435500"/>
+              <a:ext cx="643396" cy="435500"/>
             </a:xfrm>
             <a:prstGeom prst="ellipse">
               <a:avLst/>
@@ -27438,7 +27441,7 @@
                     <a:schemeClr val="tx1"/>
                   </a:solidFill>
                 </a:rPr>
-                <a:t>CE</a:t>
+                <a:t>CF</a:t>
               </a:r>
             </a:p>
           </p:txBody>
@@ -27457,10 +27460,10 @@
           </p:nvGrpSpPr>
           <p:grpSpPr>
             <a:xfrm>
-              <a:off x="6419574" y="14513084"/>
-              <a:ext cx="875910" cy="167811"/>
-              <a:chOff x="1945619" y="869577"/>
-              <a:chExt cx="667360" cy="1492499"/>
+              <a:off x="6487552" y="14513082"/>
+              <a:ext cx="622435" cy="167814"/>
+              <a:chOff x="1997415" y="869561"/>
+              <a:chExt cx="474237" cy="1492515"/>
             </a:xfrm>
           </p:grpSpPr>
           <p:cxnSp>
@@ -27481,8 +27484,8 @@
             </p:nvCxnSpPr>
             <p:spPr>
               <a:xfrm>
-                <a:off x="1945619" y="869577"/>
-                <a:ext cx="667360" cy="56722"/>
+                <a:off x="2070068" y="869561"/>
+                <a:ext cx="401584" cy="350856"/>
               </a:xfrm>
               <a:prstGeom prst="straightConnector1">
                 <a:avLst/>
@@ -27556,8 +27559,8 @@
           </p:nvSpPr>
           <p:spPr>
             <a:xfrm>
-              <a:off x="7295485" y="14301709"/>
-              <a:ext cx="480060" cy="435501"/>
+              <a:off x="7109989" y="14230720"/>
+              <a:ext cx="831009" cy="643621"/>
             </a:xfrm>
             <a:prstGeom prst="ellipse">
               <a:avLst/>
@@ -27581,17 +27584,17 @@
             </a:fontRef>
           </p:style>
           <p:txBody>
-            <a:bodyPr rtlCol="0" anchor="ctr"/>
+            <a:bodyPr lIns="0" tIns="0" rIns="0" bIns="0" rtlCol="0" anchor="ctr"/>
             <a:lstStyle/>
             <a:p>
               <a:pPr algn="ctr"/>
               <a:r>
-                <a:rPr lang="en-US" sz="2100" dirty="0">
+                <a:rPr lang="en-US" sz="2000" dirty="0">
                   <a:solidFill>
                     <a:schemeClr val="tx1"/>
                   </a:solidFill>
                 </a:rPr>
-                <a:t>7</a:t>
+                <a:t>CW</a:t>
               </a:r>
             </a:p>
           </p:txBody>
@@ -27610,10 +27613,10 @@
           </p:nvGrpSpPr>
           <p:grpSpPr>
             <a:xfrm>
-              <a:off x="7775543" y="14506518"/>
-              <a:ext cx="536231" cy="434294"/>
-              <a:chOff x="2066300" y="1014762"/>
-              <a:chExt cx="408559" cy="3257154"/>
+              <a:off x="7859738" y="14509072"/>
+              <a:ext cx="452040" cy="431740"/>
+              <a:chOff x="2130448" y="1033918"/>
+              <a:chExt cx="344413" cy="3237998"/>
             </a:xfrm>
           </p:grpSpPr>
           <p:cxnSp>
@@ -27634,8 +27637,8 @@
             </p:nvCxnSpPr>
             <p:spPr>
               <a:xfrm flipV="1">
-                <a:off x="2066300" y="1014762"/>
-                <a:ext cx="408559" cy="97063"/>
+                <a:off x="2192363" y="1033918"/>
+                <a:ext cx="282498" cy="325944"/>
               </a:xfrm>
               <a:prstGeom prst="straightConnector1">
                 <a:avLst/>
@@ -27673,8 +27676,8 @@
             </p:nvSpPr>
             <p:spPr>
               <a:xfrm>
-                <a:off x="2130448" y="2216580"/>
-                <a:ext cx="150495" cy="2055336"/>
+                <a:off x="2130448" y="2216586"/>
+                <a:ext cx="150496" cy="2055330"/>
               </a:xfrm>
               <a:prstGeom prst="rect">
                 <a:avLst/>
@@ -27709,8 +27712,8 @@
           </p:nvSpPr>
           <p:spPr>
             <a:xfrm>
-              <a:off x="8311776" y="14288767"/>
-              <a:ext cx="462239" cy="435501"/>
+              <a:off x="8311774" y="14293875"/>
+              <a:ext cx="879511" cy="430392"/>
             </a:xfrm>
             <a:prstGeom prst="ellipse">
               <a:avLst/>
@@ -27734,7 +27737,7 @@
             </a:fontRef>
           </p:style>
           <p:txBody>
-            <a:bodyPr rtlCol="0" anchor="ctr"/>
+            <a:bodyPr lIns="0" tIns="0" rIns="0" rtlCol="0" anchor="ctr"/>
             <a:lstStyle/>
             <a:p>
               <a:pPr algn="ctr"/>
@@ -27744,7 +27747,7 @@
                     <a:schemeClr val="tx1"/>
                   </a:solidFill>
                 </a:rPr>
-                <a:t>L</a:t>
+                <a:t>DK</a:t>
               </a:r>
             </a:p>
           </p:txBody>
@@ -27763,10 +27766,10 @@
           </p:nvGrpSpPr>
           <p:grpSpPr>
             <a:xfrm>
-              <a:off x="13598704" y="14455538"/>
-              <a:ext cx="454260" cy="539944"/>
-              <a:chOff x="2939556" y="2057865"/>
-              <a:chExt cx="346103" cy="486450"/>
+              <a:off x="13598698" y="14431856"/>
+              <a:ext cx="432242" cy="563628"/>
+              <a:chOff x="2939558" y="2036528"/>
+              <a:chExt cx="329328" cy="507787"/>
             </a:xfrm>
           </p:grpSpPr>
           <p:cxnSp>
@@ -27781,14 +27784,14 @@
               <p:cNvCxnSpPr>
                 <a:cxnSpLocks/>
                 <a:stCxn id="233" idx="6"/>
-                <a:endCxn id="234" idx="2"/>
+                <a:endCxn id="739" idx="2"/>
               </p:cNvCxnSpPr>
               <p:nvPr/>
             </p:nvCxnSpPr>
             <p:spPr>
               <a:xfrm flipV="1">
-                <a:off x="2939556" y="2057865"/>
-                <a:ext cx="346103" cy="16270"/>
+                <a:off x="2939558" y="2036528"/>
+                <a:ext cx="329328" cy="37608"/>
               </a:xfrm>
               <a:prstGeom prst="straightConnector1">
                 <a:avLst/>
@@ -27862,8 +27865,8 @@
           </p:nvSpPr>
           <p:spPr>
             <a:xfrm>
-              <a:off x="15406453" y="14224846"/>
-              <a:ext cx="648668" cy="435501"/>
+              <a:off x="15406451" y="14028186"/>
+              <a:ext cx="927640" cy="632163"/>
             </a:xfrm>
             <a:prstGeom prst="ellipse">
               <a:avLst/>
@@ -27888,7 +27891,7 @@
             </a:fontRef>
           </p:style>
           <p:txBody>
-            <a:bodyPr rtlCol="0" anchor="ctr"/>
+            <a:bodyPr lIns="0" tIns="0" rIns="0" rtlCol="0" anchor="ctr"/>
             <a:lstStyle/>
             <a:p>
               <a:pPr algn="ctr"/>
@@ -27898,7 +27901,7 @@
                     <a:schemeClr val="tx1"/>
                   </a:solidFill>
                 </a:rPr>
-                <a:t>W</a:t>
+                <a:t>ET</a:t>
               </a:r>
             </a:p>
           </p:txBody>
@@ -27917,10 +27920,10 @@
           </p:nvGrpSpPr>
           <p:grpSpPr>
             <a:xfrm>
-              <a:off x="8774013" y="14499838"/>
-              <a:ext cx="480060" cy="442556"/>
-              <a:chOff x="1947262" y="918369"/>
-              <a:chExt cx="365762" cy="3518948"/>
+              <a:off x="8882458" y="14509071"/>
+              <a:ext cx="621580" cy="433323"/>
+              <a:chOff x="2029887" y="991784"/>
+              <a:chExt cx="473587" cy="3445533"/>
             </a:xfrm>
           </p:grpSpPr>
           <p:cxnSp>
@@ -27940,9 +27943,9 @@
               <p:nvPr/>
             </p:nvCxnSpPr>
             <p:spPr>
-              <a:xfrm flipV="1">
-                <a:off x="1947262" y="918369"/>
-                <a:ext cx="365762" cy="53115"/>
+              <a:xfrm>
+                <a:off x="2265186" y="991784"/>
+                <a:ext cx="238288" cy="585635"/>
               </a:xfrm>
               <a:prstGeom prst="straightConnector1">
                 <a:avLst/>
@@ -28016,8 +28019,8 @@
           </p:nvSpPr>
           <p:spPr>
             <a:xfrm>
-              <a:off x="9254075" y="14282087"/>
-              <a:ext cx="480060" cy="435501"/>
+              <a:off x="9504037" y="14364972"/>
+              <a:ext cx="748386" cy="435500"/>
             </a:xfrm>
             <a:prstGeom prst="ellipse">
               <a:avLst/>
@@ -28041,7 +28044,7 @@
             </a:fontRef>
           </p:style>
           <p:txBody>
-            <a:bodyPr rtlCol="0" anchor="ctr"/>
+            <a:bodyPr lIns="0" rIns="0" rtlCol="0" anchor="ctr"/>
             <a:lstStyle/>
             <a:p>
               <a:pPr algn="ctr"/>
@@ -28051,7 +28054,7 @@
                     <a:schemeClr val="tx1"/>
                   </a:solidFill>
                 </a:rPr>
-                <a:t>N</a:t>
+                <a:t>DV</a:t>
               </a:r>
             </a:p>
           </p:txBody>
@@ -28070,10 +28073,10 @@
           </p:nvGrpSpPr>
           <p:grpSpPr>
             <a:xfrm>
-              <a:off x="9734135" y="14474382"/>
-              <a:ext cx="700135" cy="476246"/>
-              <a:chOff x="2704902" y="2054141"/>
-              <a:chExt cx="533436" cy="399981"/>
+              <a:off x="10206204" y="14474379"/>
+              <a:ext cx="228075" cy="476898"/>
+              <a:chOff x="3064567" y="2054141"/>
+              <a:chExt cx="173771" cy="400529"/>
             </a:xfrm>
           </p:grpSpPr>
           <p:cxnSp>
@@ -28087,13 +28090,14 @@
               </p:cNvPr>
               <p:cNvCxnSpPr>
                 <a:cxnSpLocks/>
+                <a:stCxn id="221" idx="6"/>
               </p:cNvCxnSpPr>
               <p:nvPr/>
             </p:nvCxnSpPr>
             <p:spPr>
-              <a:xfrm>
-                <a:off x="2704902" y="2054141"/>
-                <a:ext cx="533436" cy="0"/>
+              <a:xfrm flipV="1">
+                <a:off x="3099786" y="2054141"/>
+                <a:ext cx="138552" cy="90991"/>
               </a:xfrm>
               <a:prstGeom prst="straightConnector1">
                 <a:avLst/>
@@ -28131,7 +28135,7 @@
             </p:nvSpPr>
             <p:spPr>
               <a:xfrm>
-                <a:off x="2851991" y="2223958"/>
+                <a:off x="3064567" y="2224506"/>
                 <a:ext cx="150495" cy="230164"/>
               </a:xfrm>
               <a:prstGeom prst="rect">
@@ -28192,7 +28196,7 @@
             </a:fontRef>
           </p:style>
           <p:txBody>
-            <a:bodyPr rtlCol="0" anchor="ctr"/>
+            <a:bodyPr lIns="0" rIns="0" rtlCol="0" anchor="ctr"/>
             <a:lstStyle/>
             <a:p>
               <a:pPr algn="ctr"/>
@@ -28202,7 +28206,7 @@
                     <a:schemeClr val="tx1"/>
                   </a:solidFill>
                 </a:rPr>
-                <a:t>P</a:t>
+                <a:t>EC</a:t>
               </a:r>
             </a:p>
           </p:txBody>
@@ -28345,7 +28349,7 @@
             </a:fontRef>
           </p:style>
           <p:txBody>
-            <a:bodyPr rtlCol="0" anchor="ctr"/>
+            <a:bodyPr lIns="0" rIns="0" rtlCol="0" anchor="ctr"/>
             <a:lstStyle/>
             <a:p>
               <a:pPr algn="ctr"/>
@@ -28355,7 +28359,7 @@
                     <a:schemeClr val="tx1"/>
                   </a:solidFill>
                 </a:rPr>
-                <a:t>R</a:t>
+                <a:t>EH</a:t>
               </a:r>
             </a:p>
           </p:txBody>
@@ -28498,7 +28502,7 @@
             </a:fontRef>
           </p:style>
           <p:txBody>
-            <a:bodyPr rtlCol="0" anchor="ctr"/>
+            <a:bodyPr lIns="0" rIns="0" rtlCol="0" anchor="ctr"/>
             <a:lstStyle/>
             <a:p>
               <a:pPr algn="ctr"/>
@@ -28508,61 +28512,7 @@
                     <a:schemeClr val="tx1"/>
                   </a:solidFill>
                 </a:rPr>
-                <a:t>T</a:t>
-              </a:r>
-            </a:p>
-          </p:txBody>
-        </p:sp>
-        <p:sp>
-          <p:nvSpPr>
-            <p:cNvPr id="234" name="Oval 233">
-              <a:extLst>
-                <a:ext uri="{FF2B5EF4-FFF2-40B4-BE49-F238E27FC236}">
-                  <a16:creationId xmlns:a16="http://schemas.microsoft.com/office/drawing/2014/main" id="{FF22F988-B7FF-415C-888A-491C40784D7C}"/>
-                </a:ext>
-              </a:extLst>
-            </p:cNvPr>
-            <p:cNvSpPr/>
-            <p:nvPr/>
-          </p:nvSpPr>
-          <p:spPr>
-            <a:xfrm>
-              <a:off x="14052961" y="14248532"/>
-              <a:ext cx="735904" cy="414014"/>
-            </a:xfrm>
-            <a:prstGeom prst="ellipse">
-              <a:avLst/>
-            </a:prstGeom>
-            <a:noFill/>
-          </p:spPr>
-          <p:style>
-            <a:lnRef idx="2">
-              <a:schemeClr val="dk1">
-                <a:shade val="50000"/>
-              </a:schemeClr>
-            </a:lnRef>
-            <a:fillRef idx="1">
-              <a:schemeClr val="dk1"/>
-            </a:fillRef>
-            <a:effectRef idx="0">
-              <a:schemeClr val="dk1"/>
-            </a:effectRef>
-            <a:fontRef idx="minor">
-              <a:schemeClr val="lt1"/>
-            </a:fontRef>
-          </p:style>
-          <p:txBody>
-            <a:bodyPr rtlCol="0" anchor="ctr"/>
-            <a:lstStyle/>
-            <a:p>
-              <a:pPr algn="ctr"/>
-              <a:r>
-                <a:rPr lang="en-US" sz="2100" dirty="0">
-                  <a:solidFill>
-                    <a:schemeClr val="tx1"/>
-                  </a:solidFill>
-                </a:rPr>
-                <a:t>V</a:t>
+                <a:t>EL</a:t>
               </a:r>
             </a:p>
           </p:txBody>
@@ -29597,6 +29547,60 @@
           </a:p>
         </p:txBody>
       </p:sp>
+      <p:sp>
+        <p:nvSpPr>
+          <p:cNvPr id="739" name="Oval 738">
+            <a:extLst>
+              <a:ext uri="{FF2B5EF4-FFF2-40B4-BE49-F238E27FC236}">
+                <a16:creationId xmlns:a16="http://schemas.microsoft.com/office/drawing/2014/main" id="{F8576B61-EBDA-46BC-A364-6BB61BEF8543}"/>
+              </a:ext>
+            </a:extLst>
+          </p:cNvPr>
+          <p:cNvSpPr/>
+          <p:nvPr/>
+        </p:nvSpPr>
+        <p:spPr>
+          <a:xfrm>
+            <a:off x="13061171" y="14256419"/>
+            <a:ext cx="462963" cy="236492"/>
+          </a:xfrm>
+          <a:prstGeom prst="ellipse">
+            <a:avLst/>
+          </a:prstGeom>
+          <a:noFill/>
+        </p:spPr>
+        <p:style>
+          <a:lnRef idx="2">
+            <a:schemeClr val="dk1">
+              <a:shade val="50000"/>
+            </a:schemeClr>
+          </a:lnRef>
+          <a:fillRef idx="1">
+            <a:schemeClr val="dk1"/>
+          </a:fillRef>
+          <a:effectRef idx="0">
+            <a:schemeClr val="dk1"/>
+          </a:effectRef>
+          <a:fontRef idx="minor">
+            <a:schemeClr val="lt1"/>
+          </a:fontRef>
+        </p:style>
+        <p:txBody>
+          <a:bodyPr lIns="0" rIns="0" rtlCol="0" anchor="ctr"/>
+          <a:lstStyle/>
+          <a:p>
+            <a:pPr algn="ctr"/>
+            <a:r>
+              <a:rPr lang="en-US" sz="2100" dirty="0">
+                <a:solidFill>
+                  <a:schemeClr val="tx1"/>
+                </a:solidFill>
+              </a:rPr>
+              <a:t>EQ</a:t>
+            </a:r>
+          </a:p>
+        </p:txBody>
+      </p:sp>
     </p:spTree>
     <p:extLst>
       <p:ext uri="{BB962C8B-B14F-4D97-AF65-F5344CB8AC3E}">

--- a/Graphs/DFA/DFA Drawing/full DFA.pptx
+++ b/Graphs/DFA/DFA Drawing/full DFA.pptx
@@ -243,7 +243,7 @@
           <a:p>
             <a:fld id="{3F93DD2E-470F-489C-B0E3-BD195B6FD9FF}" type="datetimeFigureOut">
               <a:rPr lang="en-US" smtClean="0"/>
-              <a:t>5/18/2022</a:t>
+              <a:t>5/20/2022</a:t>
             </a:fld>
             <a:endParaRPr lang="en-US"/>
           </a:p>
@@ -413,7 +413,7 @@
           <a:p>
             <a:fld id="{3F93DD2E-470F-489C-B0E3-BD195B6FD9FF}" type="datetimeFigureOut">
               <a:rPr lang="en-US" smtClean="0"/>
-              <a:t>5/18/2022</a:t>
+              <a:t>5/20/2022</a:t>
             </a:fld>
             <a:endParaRPr lang="en-US"/>
           </a:p>
@@ -593,7 +593,7 @@
           <a:p>
             <a:fld id="{3F93DD2E-470F-489C-B0E3-BD195B6FD9FF}" type="datetimeFigureOut">
               <a:rPr lang="en-US" smtClean="0"/>
-              <a:t>5/18/2022</a:t>
+              <a:t>5/20/2022</a:t>
             </a:fld>
             <a:endParaRPr lang="en-US"/>
           </a:p>
@@ -763,7 +763,7 @@
           <a:p>
             <a:fld id="{3F93DD2E-470F-489C-B0E3-BD195B6FD9FF}" type="datetimeFigureOut">
               <a:rPr lang="en-US" smtClean="0"/>
-              <a:t>5/18/2022</a:t>
+              <a:t>5/20/2022</a:t>
             </a:fld>
             <a:endParaRPr lang="en-US"/>
           </a:p>
@@ -1007,7 +1007,7 @@
           <a:p>
             <a:fld id="{3F93DD2E-470F-489C-B0E3-BD195B6FD9FF}" type="datetimeFigureOut">
               <a:rPr lang="en-US" smtClean="0"/>
-              <a:t>5/18/2022</a:t>
+              <a:t>5/20/2022</a:t>
             </a:fld>
             <a:endParaRPr lang="en-US"/>
           </a:p>
@@ -1239,7 +1239,7 @@
           <a:p>
             <a:fld id="{3F93DD2E-470F-489C-B0E3-BD195B6FD9FF}" type="datetimeFigureOut">
               <a:rPr lang="en-US" smtClean="0"/>
-              <a:t>5/18/2022</a:t>
+              <a:t>5/20/2022</a:t>
             </a:fld>
             <a:endParaRPr lang="en-US"/>
           </a:p>
@@ -1606,7 +1606,7 @@
           <a:p>
             <a:fld id="{3F93DD2E-470F-489C-B0E3-BD195B6FD9FF}" type="datetimeFigureOut">
               <a:rPr lang="en-US" smtClean="0"/>
-              <a:t>5/18/2022</a:t>
+              <a:t>5/20/2022</a:t>
             </a:fld>
             <a:endParaRPr lang="en-US"/>
           </a:p>
@@ -1724,7 +1724,7 @@
           <a:p>
             <a:fld id="{3F93DD2E-470F-489C-B0E3-BD195B6FD9FF}" type="datetimeFigureOut">
               <a:rPr lang="en-US" smtClean="0"/>
-              <a:t>5/18/2022</a:t>
+              <a:t>5/20/2022</a:t>
             </a:fld>
             <a:endParaRPr lang="en-US"/>
           </a:p>
@@ -1819,7 +1819,7 @@
           <a:p>
             <a:fld id="{3F93DD2E-470F-489C-B0E3-BD195B6FD9FF}" type="datetimeFigureOut">
               <a:rPr lang="en-US" smtClean="0"/>
-              <a:t>5/18/2022</a:t>
+              <a:t>5/20/2022</a:t>
             </a:fld>
             <a:endParaRPr lang="en-US"/>
           </a:p>
@@ -2096,7 +2096,7 @@
           <a:p>
             <a:fld id="{3F93DD2E-470F-489C-B0E3-BD195B6FD9FF}" type="datetimeFigureOut">
               <a:rPr lang="en-US" smtClean="0"/>
-              <a:t>5/18/2022</a:t>
+              <a:t>5/20/2022</a:t>
             </a:fld>
             <a:endParaRPr lang="en-US"/>
           </a:p>
@@ -2264,10 +2264,9 @@
           </a:lstStyle>
           <a:p>
             <a:r>
-              <a:rPr lang="en-US"/>
+              <a:rPr lang="en-US" dirty="0"/>
               <a:t>Click icon to add picture</a:t>
             </a:r>
-            <a:endParaRPr lang="en-US" dirty="0"/>
           </a:p>
         </p:txBody>
       </p:sp>
@@ -2353,7 +2352,7 @@
           <a:p>
             <a:fld id="{3F93DD2E-470F-489C-B0E3-BD195B6FD9FF}" type="datetimeFigureOut">
               <a:rPr lang="en-US" smtClean="0"/>
-              <a:t>5/18/2022</a:t>
+              <a:t>5/20/2022</a:t>
             </a:fld>
             <a:endParaRPr lang="en-US"/>
           </a:p>
@@ -2566,7 +2565,7 @@
           <a:p>
             <a:fld id="{3F93DD2E-470F-489C-B0E3-BD195B6FD9FF}" type="datetimeFigureOut">
               <a:rPr lang="en-US" smtClean="0"/>
-              <a:t>5/18/2022</a:t>
+              <a:t>5/20/2022</a:t>
             </a:fld>
             <a:endParaRPr lang="en-US"/>
           </a:p>
@@ -4097,7 +4096,7 @@
                   <a:schemeClr val="tx1"/>
                 </a:solidFill>
               </a:rPr>
-              <a:t>A</a:t>
+              <a:t>B</a:t>
             </a:r>
           </a:p>
         </p:txBody>
@@ -4228,7 +4227,7 @@
                   <a:schemeClr val="tx1"/>
                 </a:solidFill>
               </a:rPr>
-              <a:t>AH</a:t>
+              <a:t>AI</a:t>
             </a:r>
           </a:p>
         </p:txBody>
@@ -4343,7 +4342,7 @@
                     <a:schemeClr val="tx1"/>
                   </a:solidFill>
                 </a:rPr>
-                <a:t>B</a:t>
+                <a:t>C</a:t>
               </a:r>
             </a:p>
           </p:txBody>
@@ -4474,7 +4473,7 @@
                     <a:schemeClr val="tx1"/>
                   </a:solidFill>
                 </a:rPr>
-                <a:t>AI</a:t>
+                <a:t>AJ</a:t>
               </a:r>
             </a:p>
           </p:txBody>
@@ -4625,7 +4624,7 @@
                     <a:schemeClr val="tx1"/>
                   </a:solidFill>
                 </a:rPr>
-                <a:t>C</a:t>
+                <a:t>D</a:t>
               </a:r>
             </a:p>
           </p:txBody>
@@ -4756,7 +4755,7 @@
                     <a:schemeClr val="tx1"/>
                   </a:solidFill>
                 </a:rPr>
-                <a:t>AJ</a:t>
+                <a:t>AK</a:t>
               </a:r>
             </a:p>
           </p:txBody>
@@ -4858,60 +4857,6 @@
             </a:fontRef>
           </p:style>
         </p:cxnSp>
-        <p:sp>
-          <p:nvSpPr>
-            <p:cNvPr id="64" name="Oval 63">
-              <a:extLst>
-                <a:ext uri="{FF2B5EF4-FFF2-40B4-BE49-F238E27FC236}">
-                  <a16:creationId xmlns:a16="http://schemas.microsoft.com/office/drawing/2014/main" id="{FDBCC89B-65B6-472E-9133-7F3B330BE4F6}"/>
-                </a:ext>
-              </a:extLst>
-            </p:cNvPr>
-            <p:cNvSpPr/>
-            <p:nvPr/>
-          </p:nvSpPr>
-          <p:spPr>
-            <a:xfrm>
-              <a:off x="3113618" y="6553560"/>
-              <a:ext cx="365760" cy="365760"/>
-            </a:xfrm>
-            <a:prstGeom prst="ellipse">
-              <a:avLst/>
-            </a:prstGeom>
-            <a:noFill/>
-          </p:spPr>
-          <p:style>
-            <a:lnRef idx="2">
-              <a:schemeClr val="dk1">
-                <a:shade val="50000"/>
-              </a:schemeClr>
-            </a:lnRef>
-            <a:fillRef idx="1">
-              <a:schemeClr val="dk1"/>
-            </a:fillRef>
-            <a:effectRef idx="0">
-              <a:schemeClr val="dk1"/>
-            </a:effectRef>
-            <a:fontRef idx="minor">
-              <a:schemeClr val="lt1"/>
-            </a:fontRef>
-          </p:style>
-          <p:txBody>
-            <a:bodyPr lIns="0" tIns="0" rIns="0" bIns="0" rtlCol="0" anchor="ctr"/>
-            <a:lstStyle/>
-            <a:p>
-              <a:pPr algn="ctr"/>
-              <a:r>
-                <a:rPr lang="en-US" sz="1600" dirty="0">
-                  <a:solidFill>
-                    <a:schemeClr val="tx1"/>
-                  </a:solidFill>
-                </a:rPr>
-                <a:t>D</a:t>
-              </a:r>
-            </a:p>
-          </p:txBody>
-        </p:sp>
         <p:cxnSp>
           <p:nvCxnSpPr>
             <p:cNvPr id="65" name="Straight Arrow Connector 64">
@@ -5038,7 +4983,7 @@
                     <a:schemeClr val="tx1"/>
                   </a:solidFill>
                 </a:rPr>
-                <a:t>AK</a:t>
+                <a:t>AL</a:t>
               </a:r>
             </a:p>
           </p:txBody>
@@ -5171,7 +5116,7 @@
             <a:p>
               <a:r>
                 <a:rPr lang="en-US" sz="900" b="1" dirty="0"/>
-                <a:t>-</a:t>
+                <a:t>.</a:t>
               </a:r>
             </a:p>
           </p:txBody>
@@ -5226,7 +5171,7 @@
                     <a:schemeClr val="tx1"/>
                   </a:solidFill>
                 </a:rPr>
-                <a:t>E</a:t>
+                <a:t>F</a:t>
               </a:r>
             </a:p>
           </p:txBody>
@@ -5378,7 +5323,7 @@
                     <a:schemeClr val="tx1"/>
                   </a:solidFill>
                 </a:rPr>
-                <a:t>F</a:t>
+                <a:t>G</a:t>
               </a:r>
             </a:p>
           </p:txBody>
@@ -5475,7 +5420,7 @@
                   <a:schemeClr val="tx1"/>
                 </a:solidFill>
               </a:rPr>
-              <a:t>H</a:t>
+              <a:t>I</a:t>
             </a:r>
           </a:p>
         </p:txBody>
@@ -6070,7 +6015,7 @@
         <p:spPr>
           <a:xfrm>
             <a:off x="5048249" y="9118830"/>
-            <a:ext cx="365760" cy="365760"/>
+            <a:ext cx="456764" cy="365760"/>
           </a:xfrm>
           <a:prstGeom prst="ellipse">
             <a:avLst/>
@@ -6105,7 +6050,7 @@
                   <a:schemeClr val="tx1"/>
                 </a:solidFill>
               </a:rPr>
-              <a:t>AL</a:t>
+              <a:t>AM</a:t>
             </a:r>
           </a:p>
         </p:txBody>
@@ -6201,7 +6146,7 @@
                   <a:schemeClr val="tx1"/>
                 </a:solidFill>
               </a:rPr>
-              <a:t>AM</a:t>
+              <a:t>AN</a:t>
             </a:r>
           </a:p>
         </p:txBody>
@@ -6408,7 +6353,7 @@
                   <a:schemeClr val="tx1"/>
                 </a:solidFill>
               </a:rPr>
-              <a:t>AN</a:t>
+              <a:t>AO</a:t>
             </a:r>
           </a:p>
         </p:txBody>
@@ -6498,7 +6443,7 @@
                   <a:schemeClr val="tx1"/>
                 </a:solidFill>
               </a:rPr>
-              <a:t>I</a:t>
+              <a:t>J</a:t>
             </a:r>
           </a:p>
         </p:txBody>
@@ -6690,7 +6635,7 @@
                     <a:schemeClr val="tx1"/>
                   </a:solidFill>
                 </a:rPr>
-                <a:t>AO</a:t>
+                <a:t>AP</a:t>
               </a:r>
             </a:p>
           </p:txBody>
@@ -6780,7 +6725,7 @@
                     <a:schemeClr val="tx1"/>
                   </a:solidFill>
                 </a:rPr>
-                <a:t>J</a:t>
+                <a:t>K</a:t>
               </a:r>
             </a:p>
           </p:txBody>
@@ -6835,7 +6780,7 @@
                   <a:schemeClr val="tx1"/>
                 </a:solidFill>
               </a:rPr>
-              <a:t>BJ</a:t>
+              <a:t>BK</a:t>
             </a:r>
           </a:p>
         </p:txBody>
@@ -6901,8 +6846,8 @@
         </p:nvCxnSpPr>
         <p:spPr>
           <a:xfrm flipV="1">
-            <a:off x="13524134" y="14324636"/>
-            <a:ext cx="402378" cy="50029"/>
+            <a:off x="13636068" y="14324636"/>
+            <a:ext cx="290444" cy="50028"/>
           </a:xfrm>
           <a:prstGeom prst="straightConnector1">
             <a:avLst/>
@@ -7092,7 +7037,7 @@
                     <a:schemeClr val="tx1"/>
                   </a:solidFill>
                 </a:rPr>
-                <a:t>M</a:t>
+                <a:t>N</a:t>
               </a:r>
             </a:p>
           </p:txBody>
@@ -7243,7 +7188,7 @@
                     <a:schemeClr val="tx1"/>
                   </a:solidFill>
                 </a:rPr>
-                <a:t>AU</a:t>
+                <a:t>AV</a:t>
               </a:r>
             </a:p>
           </p:txBody>
@@ -7394,7 +7339,7 @@
                     <a:schemeClr val="tx1"/>
                   </a:solidFill>
                 </a:rPr>
-                <a:t>BN</a:t>
+                <a:t>BO</a:t>
               </a:r>
             </a:p>
           </p:txBody>
@@ -7545,7 +7490,7 @@
                     <a:schemeClr val="tx1"/>
                   </a:solidFill>
                 </a:rPr>
-                <a:t>CG</a:t>
+                <a:t>CH</a:t>
               </a:r>
             </a:p>
           </p:txBody>
@@ -7696,7 +7641,7 @@
                     <a:schemeClr val="tx1"/>
                   </a:solidFill>
                 </a:rPr>
-                <a:t>CX</a:t>
+                <a:t>CY</a:t>
               </a:r>
             </a:p>
           </p:txBody>
@@ -8019,7 +7964,7 @@
                     <a:schemeClr val="tx1"/>
                   </a:solidFill>
                 </a:rPr>
-                <a:t>N</a:t>
+                <a:t>O</a:t>
               </a:r>
             </a:p>
           </p:txBody>
@@ -8135,8 +8080,8 @@
           </p:nvSpPr>
           <p:spPr>
             <a:xfrm>
-              <a:off x="3733207" y="16054212"/>
-              <a:ext cx="365760" cy="365760"/>
+              <a:off x="3733206" y="16054212"/>
+              <a:ext cx="417773" cy="365760"/>
             </a:xfrm>
             <a:prstGeom prst="ellipse">
               <a:avLst/>
@@ -8170,7 +8115,7 @@
                     <a:schemeClr val="tx1"/>
                   </a:solidFill>
                 </a:rPr>
-                <a:t>AV</a:t>
+                <a:t>AW</a:t>
               </a:r>
             </a:p>
           </p:txBody>
@@ -8321,7 +8266,7 @@
                     <a:schemeClr val="tx1"/>
                   </a:solidFill>
                 </a:rPr>
-                <a:t>BO</a:t>
+                <a:t>BP</a:t>
               </a:r>
             </a:p>
           </p:txBody>
@@ -8376,7 +8321,7 @@
                     <a:schemeClr val="tx1"/>
                   </a:solidFill>
                 </a:rPr>
-                <a:t>CH</a:t>
+                <a:t>CI</a:t>
               </a:r>
             </a:p>
           </p:txBody>
@@ -8803,7 +8748,7 @@
                     <a:schemeClr val="tx1"/>
                   </a:solidFill>
                 </a:rPr>
-                <a:t>AW</a:t>
+                <a:t>AX</a:t>
               </a:r>
             </a:p>
           </p:txBody>
@@ -8858,7 +8803,7 @@
                     <a:schemeClr val="tx1"/>
                   </a:solidFill>
                 </a:rPr>
-                <a:t>BP</a:t>
+                <a:t>BQ</a:t>
               </a:r>
             </a:p>
           </p:txBody>
@@ -8968,7 +8913,7 @@
                     <a:schemeClr val="tx1"/>
                   </a:solidFill>
                 </a:rPr>
-                <a:t>O</a:t>
+                <a:t>P</a:t>
               </a:r>
             </a:p>
           </p:txBody>
@@ -9296,7 +9241,7 @@
                     <a:schemeClr val="tx1"/>
                   </a:solidFill>
                 </a:rPr>
-                <a:t>AY</a:t>
+                <a:t>AZ</a:t>
               </a:r>
             </a:p>
           </p:txBody>
@@ -9599,7 +9544,7 @@
                     <a:schemeClr val="tx1"/>
                   </a:solidFill>
                 </a:rPr>
-                <a:t>CY</a:t>
+                <a:t>CZ</a:t>
               </a:r>
             </a:p>
           </p:txBody>
@@ -9751,7 +9696,7 @@
                     <a:schemeClr val="tx1"/>
                   </a:solidFill>
                 </a:rPr>
-                <a:t>CI</a:t>
+                <a:t>CJ</a:t>
               </a:r>
             </a:p>
           </p:txBody>
@@ -9806,7 +9751,7 @@
                     <a:schemeClr val="tx1"/>
                   </a:solidFill>
                 </a:rPr>
-                <a:t>AX</a:t>
+                <a:t>AY</a:t>
               </a:r>
             </a:p>
           </p:txBody>
@@ -10056,7 +10001,7 @@
                   <a:schemeClr val="tx1"/>
                 </a:solidFill>
               </a:rPr>
-              <a:t>P</a:t>
+              <a:t>Q</a:t>
             </a:r>
           </a:p>
         </p:txBody>
@@ -10207,7 +10152,7 @@
                   <a:schemeClr val="tx1"/>
                 </a:solidFill>
               </a:rPr>
-              <a:t>AZ</a:t>
+              <a:t>BA</a:t>
             </a:r>
           </a:p>
         </p:txBody>
@@ -10509,7 +10454,7 @@
                   <a:schemeClr val="tx1"/>
                 </a:solidFill>
               </a:rPr>
-              <a:t>CJ</a:t>
+              <a:t>CK</a:t>
             </a:r>
           </a:p>
         </p:txBody>
@@ -10660,7 +10605,7 @@
                   <a:schemeClr val="tx1"/>
                 </a:solidFill>
               </a:rPr>
-              <a:t>CZ</a:t>
+              <a:t>DA</a:t>
             </a:r>
           </a:p>
         </p:txBody>
@@ -11135,7 +11080,7 @@
                     <a:schemeClr val="tx1"/>
                   </a:solidFill>
                 </a:rPr>
-                <a:t>Q</a:t>
+                <a:t>R</a:t>
               </a:r>
             </a:p>
           </p:txBody>
@@ -11286,7 +11231,7 @@
                     <a:schemeClr val="tx1"/>
                   </a:solidFill>
                 </a:rPr>
-                <a:t>BA</a:t>
+                <a:t>BB</a:t>
               </a:r>
             </a:p>
           </p:txBody>
@@ -11589,7 +11534,7 @@
                     <a:schemeClr val="tx1"/>
                   </a:solidFill>
                 </a:rPr>
-                <a:t>CK</a:t>
+                <a:t>CL</a:t>
               </a:r>
             </a:p>
           </p:txBody>
@@ -11761,7 +11706,7 @@
                     <a:schemeClr val="tx1"/>
                   </a:solidFill>
                 </a:rPr>
-                <a:t>R</a:t>
+                <a:t>S</a:t>
               </a:r>
             </a:p>
           </p:txBody>
@@ -11913,7 +11858,7 @@
                     <a:schemeClr val="tx1"/>
                   </a:solidFill>
                 </a:rPr>
-                <a:t>BB</a:t>
+                <a:t>BC</a:t>
               </a:r>
             </a:p>
           </p:txBody>
@@ -12109,8 +12054,8 @@
             </p:nvCxnSpPr>
             <p:spPr>
               <a:xfrm>
-                <a:off x="2572134" y="2100855"/>
-                <a:ext cx="259380" cy="0"/>
+                <a:off x="2572135" y="2100855"/>
+                <a:ext cx="259379" cy="0"/>
               </a:xfrm>
               <a:prstGeom prst="straightConnector1">
                 <a:avLst/>
@@ -12184,8 +12129,8 @@
           </p:nvSpPr>
           <p:spPr>
             <a:xfrm>
-              <a:off x="5184862" y="3044558"/>
-              <a:ext cx="542360" cy="480060"/>
+              <a:off x="5184860" y="3044558"/>
+              <a:ext cx="740533" cy="480060"/>
             </a:xfrm>
             <a:prstGeom prst="ellipse">
               <a:avLst/>
@@ -12219,7 +12164,7 @@
                     <a:schemeClr val="tx1"/>
                   </a:solidFill>
                 </a:rPr>
-                <a:t>CL</a:t>
+                <a:t>CM</a:t>
               </a:r>
             </a:p>
           </p:txBody>
@@ -12238,10 +12183,10 @@
           </p:nvGrpSpPr>
           <p:grpSpPr>
             <a:xfrm>
-              <a:off x="5727218" y="3262462"/>
-              <a:ext cx="436898" cy="274049"/>
-              <a:chOff x="2395862" y="2084300"/>
-              <a:chExt cx="304172" cy="131774"/>
+              <a:off x="5847680" y="3262462"/>
+              <a:ext cx="316437" cy="274049"/>
+              <a:chOff x="2479728" y="2084300"/>
+              <a:chExt cx="220306" cy="131774"/>
             </a:xfrm>
           </p:grpSpPr>
           <p:cxnSp>
@@ -12261,8 +12206,8 @@
             </p:nvCxnSpPr>
             <p:spPr>
               <a:xfrm>
-                <a:off x="2395862" y="2094939"/>
-                <a:ext cx="304172" cy="0"/>
+                <a:off x="2533832" y="2094939"/>
+                <a:ext cx="166202" cy="0"/>
               </a:xfrm>
               <a:prstGeom prst="straightConnector1">
                 <a:avLst/>
@@ -12371,7 +12316,7 @@
                     <a:schemeClr val="tx1"/>
                   </a:solidFill>
                 </a:rPr>
-                <a:t>DA</a:t>
+                <a:t>DB</a:t>
               </a:r>
             </a:p>
           </p:txBody>
@@ -12849,7 +12794,7 @@
                       <a:schemeClr val="tx1"/>
                     </a:solidFill>
                   </a:rPr>
-                  <a:t>S</a:t>
+                  <a:t>T</a:t>
                 </a:r>
               </a:p>
             </p:txBody>
@@ -13002,7 +12947,7 @@
                       <a:schemeClr val="tx1"/>
                     </a:solidFill>
                   </a:rPr>
-                  <a:t>BD</a:t>
+                  <a:t>BE</a:t>
                 </a:r>
               </a:p>
             </p:txBody>
@@ -13308,7 +13253,7 @@
                       <a:schemeClr val="tx1"/>
                     </a:solidFill>
                   </a:rPr>
-                  <a:t>CN</a:t>
+                  <a:t>CO</a:t>
                 </a:r>
               </a:p>
             </p:txBody>
@@ -13919,7 +13864,7 @@
                       <a:schemeClr val="tx1"/>
                     </a:solidFill>
                   </a:rPr>
-                  <a:t>EE</a:t>
+                  <a:t>EF</a:t>
                 </a:r>
               </a:p>
             </p:txBody>
@@ -14072,7 +14017,7 @@
                       <a:schemeClr val="tx1"/>
                     </a:solidFill>
                   </a:rPr>
-                  <a:t>EI</a:t>
+                  <a:t>EK</a:t>
                 </a:r>
               </a:p>
             </p:txBody>
@@ -14225,7 +14170,7 @@
                       <a:schemeClr val="tx1"/>
                     </a:solidFill>
                   </a:rPr>
-                  <a:t>EN</a:t>
+                  <a:t>EO</a:t>
                 </a:r>
               </a:p>
             </p:txBody>
@@ -14417,7 +14362,7 @@
                     <a:schemeClr val="tx1"/>
                   </a:solidFill>
                 </a:rPr>
-                <a:t>BC</a:t>
+                <a:t>BD</a:t>
               </a:r>
             </a:p>
           </p:txBody>
@@ -14723,7 +14668,7 @@
                     <a:schemeClr val="tx1"/>
                   </a:solidFill>
                 </a:rPr>
-                <a:t>CM</a:t>
+                <a:t>CN</a:t>
               </a:r>
             </a:p>
           </p:txBody>
@@ -14875,7 +14820,7 @@
                     <a:schemeClr val="tx1"/>
                   </a:solidFill>
                 </a:rPr>
-                <a:t>DB</a:t>
+                <a:t>DC</a:t>
               </a:r>
             </a:p>
           </p:txBody>
@@ -15236,7 +15181,7 @@
                     <a:schemeClr val="tx1"/>
                   </a:solidFill>
                 </a:rPr>
-                <a:t>EM</a:t>
+                <a:t>EJ</a:t>
               </a:r>
             </a:p>
           </p:txBody>
@@ -15389,7 +15334,7 @@
                     <a:schemeClr val="tx1"/>
                   </a:solidFill>
                 </a:rPr>
-                <a:t>ED</a:t>
+                <a:t>EE</a:t>
               </a:r>
             </a:p>
           </p:txBody>
@@ -15542,7 +15487,7 @@
                     <a:schemeClr val="tx1"/>
                   </a:solidFill>
                 </a:rPr>
-                <a:t>T</a:t>
+                <a:t>U</a:t>
               </a:r>
             </a:p>
           </p:txBody>
@@ -16103,7 +16048,7 @@
                     <a:schemeClr val="tx1"/>
                   </a:solidFill>
                 </a:rPr>
-                <a:t>BF</a:t>
+                <a:t>BG</a:t>
               </a:r>
             </a:p>
           </p:txBody>
@@ -16405,7 +16350,7 @@
                     <a:schemeClr val="tx1"/>
                   </a:solidFill>
                 </a:rPr>
-                <a:t>CQ</a:t>
+                <a:t>CR</a:t>
               </a:r>
             </a:p>
           </p:txBody>
@@ -16763,7 +16708,7 @@
                     <a:schemeClr val="tx1"/>
                   </a:solidFill>
                 </a:rPr>
-                <a:t>BE</a:t>
+                <a:t>BF</a:t>
               </a:r>
             </a:p>
           </p:txBody>
@@ -17217,7 +17162,7 @@
                     <a:schemeClr val="tx1"/>
                   </a:solidFill>
                 </a:rPr>
-                <a:t>CP</a:t>
+                <a:t>CQ</a:t>
               </a:r>
             </a:p>
           </p:txBody>
@@ -17520,7 +17465,7 @@
                     <a:schemeClr val="tx1"/>
                   </a:solidFill>
                 </a:rPr>
-                <a:t>CO</a:t>
+                <a:t>CP</a:t>
               </a:r>
             </a:p>
           </p:txBody>
@@ -17747,7 +17692,7 @@
                     <a:schemeClr val="tx1"/>
                   </a:solidFill>
                 </a:rPr>
-                <a:t>U</a:t>
+                <a:t>V</a:t>
               </a:r>
             </a:p>
           </p:txBody>
@@ -17900,7 +17845,7 @@
                     <a:schemeClr val="tx1"/>
                   </a:solidFill>
                 </a:rPr>
-                <a:t>BG</a:t>
+                <a:t>BH</a:t>
               </a:r>
             </a:p>
           </p:txBody>
@@ -18206,7 +18151,7 @@
                     <a:schemeClr val="tx1"/>
                   </a:solidFill>
                 </a:rPr>
-                <a:t>CR</a:t>
+                <a:t>CS</a:t>
               </a:r>
             </a:p>
           </p:txBody>
@@ -18534,7 +18479,7 @@
                     <a:schemeClr val="tx1"/>
                   </a:solidFill>
                 </a:rPr>
-                <a:t>V</a:t>
+                <a:t>W</a:t>
               </a:r>
             </a:p>
           </p:txBody>
@@ -18708,7 +18653,7 @@
                     <a:schemeClr val="tx1"/>
                   </a:solidFill>
                 </a:rPr>
-                <a:t>W</a:t>
+                <a:t>X</a:t>
               </a:r>
             </a:p>
           </p:txBody>
@@ -18882,7 +18827,7 @@
                     <a:schemeClr val="tx1"/>
                   </a:solidFill>
                 </a:rPr>
-                <a:t>X</a:t>
+                <a:t>Y</a:t>
               </a:r>
             </a:p>
           </p:txBody>
@@ -18977,7 +18922,7 @@
                       <a:schemeClr val="tx1"/>
                     </a:solidFill>
                   </a:rPr>
-                  <a:t>Y</a:t>
+                  <a:t>Z</a:t>
                 </a:r>
               </a:p>
             </p:txBody>
@@ -19130,7 +19075,7 @@
                       <a:schemeClr val="tx1"/>
                     </a:solidFill>
                   </a:rPr>
-                  <a:t>BH</a:t>
+                  <a:t>BI</a:t>
                 </a:r>
               </a:p>
             </p:txBody>
@@ -19435,7 +19380,7 @@
                       <a:schemeClr val="tx1"/>
                     </a:solidFill>
                   </a:rPr>
-                  <a:t>CS</a:t>
+                  <a:t>CT</a:t>
                 </a:r>
               </a:p>
             </p:txBody>
@@ -20010,8 +19955,8 @@
             </p:nvSpPr>
             <p:spPr>
               <a:xfrm>
-                <a:off x="10274211" y="4150115"/>
-                <a:ext cx="659633" cy="402737"/>
+                <a:off x="10274210" y="4150115"/>
+                <a:ext cx="752321" cy="402737"/>
               </a:xfrm>
               <a:prstGeom prst="ellipse">
                 <a:avLst/>
@@ -20045,7 +19990,7 @@
                       <a:schemeClr val="tx1"/>
                     </a:solidFill>
                   </a:rPr>
-                  <a:t>EF</a:t>
+                  <a:t>EG</a:t>
                 </a:r>
               </a:p>
             </p:txBody>
@@ -20064,10 +20009,10 @@
             </p:nvGrpSpPr>
             <p:grpSpPr>
               <a:xfrm>
-                <a:off x="10933844" y="4336322"/>
-                <a:ext cx="508482" cy="475418"/>
-                <a:chOff x="1633138" y="1918436"/>
-                <a:chExt cx="387415" cy="3300946"/>
+                <a:off x="11026531" y="4336322"/>
+                <a:ext cx="415796" cy="475418"/>
+                <a:chOff x="1703756" y="1918436"/>
+                <a:chExt cx="316797" cy="3300946"/>
               </a:xfrm>
             </p:grpSpPr>
             <p:cxnSp>
@@ -20088,8 +20033,8 @@
               </p:nvCxnSpPr>
               <p:spPr>
                 <a:xfrm flipV="1">
-                  <a:off x="1633138" y="1918436"/>
-                  <a:ext cx="387415" cy="105272"/>
+                  <a:off x="1703756" y="1918436"/>
+                  <a:ext cx="316797" cy="105272"/>
                 </a:xfrm>
                 <a:prstGeom prst="straightConnector1">
                   <a:avLst/>
@@ -20198,7 +20143,7 @@
                       <a:schemeClr val="tx1"/>
                     </a:solidFill>
                   </a:rPr>
-                  <a:t>EJ</a:t>
+                  <a:t>EL</a:t>
                 </a:r>
               </a:p>
             </p:txBody>
@@ -20352,7 +20297,7 @@
                       <a:schemeClr val="tx1"/>
                     </a:solidFill>
                   </a:rPr>
-                  <a:t>ER</a:t>
+                  <a:t>ES</a:t>
                 </a:r>
               </a:p>
             </p:txBody>
@@ -20505,7 +20450,7 @@
                       <a:schemeClr val="tx1"/>
                     </a:solidFill>
                   </a:rPr>
-                  <a:t>EO</a:t>
+                  <a:t>EP</a:t>
                 </a:r>
               </a:p>
             </p:txBody>
@@ -20721,7 +20666,7 @@
           <p:spPr>
             <a:xfrm>
               <a:off x="2249403" y="3044558"/>
-              <a:ext cx="480060" cy="480060"/>
+              <a:ext cx="643770" cy="480060"/>
             </a:xfrm>
             <a:prstGeom prst="ellipse">
               <a:avLst/>
@@ -20745,7 +20690,7 @@
             </a:fontRef>
           </p:style>
           <p:txBody>
-            <a:bodyPr rtlCol="0" anchor="ctr"/>
+            <a:bodyPr lIns="0" tIns="0" rIns="0" bIns="0" rtlCol="0" anchor="ctr"/>
             <a:lstStyle/>
             <a:p>
               <a:pPr algn="ctr"/>
@@ -20755,7 +20700,7 @@
                     <a:schemeClr val="tx1"/>
                   </a:solidFill>
                 </a:rPr>
-                <a:t>Z</a:t>
+                <a:t>AA</a:t>
               </a:r>
             </a:p>
           </p:txBody>
@@ -20774,10 +20719,10 @@
           </p:nvGrpSpPr>
           <p:grpSpPr>
             <a:xfrm>
-              <a:off x="2729461" y="3237715"/>
-              <a:ext cx="550524" cy="274049"/>
-              <a:chOff x="2725337" y="2036628"/>
-              <a:chExt cx="419447" cy="208800"/>
+              <a:off x="2880731" y="3237715"/>
+              <a:ext cx="399256" cy="274049"/>
+              <a:chOff x="2840589" y="2036628"/>
+              <a:chExt cx="304195" cy="208800"/>
             </a:xfrm>
           </p:grpSpPr>
           <p:cxnSp>
@@ -20796,9 +20741,9 @@
               <p:nvPr/>
             </p:nvCxnSpPr>
             <p:spPr>
-              <a:xfrm>
-                <a:off x="2725337" y="2072338"/>
-                <a:ext cx="419447" cy="0"/>
+              <a:xfrm flipV="1">
+                <a:off x="2850069" y="2072338"/>
+                <a:ext cx="294715" cy="3"/>
               </a:xfrm>
               <a:prstGeom prst="straightConnector1">
                 <a:avLst/>
@@ -20907,7 +20852,7 @@
                     <a:schemeClr val="tx1"/>
                   </a:solidFill>
                 </a:rPr>
-                <a:t>BI</a:t>
+                <a:t>BJ</a:t>
               </a:r>
             </a:p>
           </p:txBody>
@@ -21213,7 +21158,7 @@
                     <a:schemeClr val="tx1"/>
                   </a:solidFill>
                 </a:rPr>
-                <a:t>CT</a:t>
+                <a:t>CU</a:t>
               </a:r>
             </a:p>
           </p:txBody>
@@ -21825,7 +21770,7 @@
                     <a:schemeClr val="tx1"/>
                   </a:solidFill>
                 </a:rPr>
-                <a:t>EV</a:t>
+                <a:t>EW</a:t>
               </a:r>
             </a:p>
           </p:txBody>
@@ -21978,7 +21923,7 @@
                     <a:schemeClr val="tx1"/>
                   </a:solidFill>
                 </a:rPr>
-                <a:t>EG</a:t>
+                <a:t>EH</a:t>
               </a:r>
             </a:p>
           </p:txBody>
@@ -22094,8 +22039,8 @@
           </p:nvSpPr>
           <p:spPr>
             <a:xfrm>
-              <a:off x="10385716" y="3054336"/>
-              <a:ext cx="529336" cy="443944"/>
+              <a:off x="10385716" y="3064178"/>
+              <a:ext cx="775595" cy="434099"/>
             </a:xfrm>
             <a:prstGeom prst="ellipse">
               <a:avLst/>
@@ -22129,7 +22074,7 @@
                     <a:schemeClr val="tx1"/>
                   </a:solidFill>
                 </a:rPr>
-                <a:t>EK</a:t>
+                <a:t>EM</a:t>
               </a:r>
             </a:p>
           </p:txBody>
@@ -22148,10 +22093,10 @@
           </p:nvGrpSpPr>
           <p:grpSpPr>
             <a:xfrm>
-              <a:off x="10915052" y="3261558"/>
-              <a:ext cx="638778" cy="342843"/>
-              <a:chOff x="1734936" y="3160651"/>
-              <a:chExt cx="486687" cy="261214"/>
+              <a:off x="11161312" y="3261558"/>
+              <a:ext cx="392518" cy="342843"/>
+              <a:chOff x="1922558" y="3160651"/>
+              <a:chExt cx="299060" cy="261214"/>
             </a:xfrm>
           </p:grpSpPr>
           <p:cxnSp>
@@ -22172,8 +22117,8 @@
             </p:nvCxnSpPr>
             <p:spPr>
               <a:xfrm flipV="1">
-                <a:off x="1734936" y="3160651"/>
-                <a:ext cx="486687" cy="11239"/>
+                <a:off x="1922558" y="3160651"/>
+                <a:ext cx="299060" cy="14987"/>
               </a:xfrm>
               <a:prstGeom prst="straightConnector1">
                 <a:avLst/>
@@ -22247,8 +22192,8 @@
           </p:nvSpPr>
           <p:spPr>
             <a:xfrm>
-              <a:off x="11553830" y="3035135"/>
-              <a:ext cx="529336" cy="452845"/>
+              <a:off x="11553829" y="3035135"/>
+              <a:ext cx="642782" cy="452844"/>
             </a:xfrm>
             <a:prstGeom prst="ellipse">
               <a:avLst/>
@@ -22282,7 +22227,7 @@
                     <a:schemeClr val="tx1"/>
                   </a:solidFill>
                 </a:rPr>
-                <a:t>EP</a:t>
+                <a:t>EQ</a:t>
               </a:r>
             </a:p>
           </p:txBody>
@@ -22301,10 +22246,10 @@
           </p:nvGrpSpPr>
           <p:grpSpPr>
             <a:xfrm>
-              <a:off x="12083168" y="3261561"/>
-              <a:ext cx="722344" cy="310227"/>
-              <a:chOff x="1516392" y="2736707"/>
-              <a:chExt cx="550355" cy="236364"/>
+              <a:off x="12196610" y="3261558"/>
+              <a:ext cx="608900" cy="310231"/>
+              <a:chOff x="1602824" y="2736704"/>
+              <a:chExt cx="463922" cy="236367"/>
             </a:xfrm>
           </p:grpSpPr>
           <p:cxnSp>
@@ -22325,8 +22270,8 @@
             </p:nvCxnSpPr>
             <p:spPr>
               <a:xfrm>
-                <a:off x="1516392" y="2736707"/>
-                <a:ext cx="550355" cy="16173"/>
+                <a:off x="1602824" y="2736704"/>
+                <a:ext cx="463922" cy="16173"/>
               </a:xfrm>
               <a:prstGeom prst="straightConnector1">
                 <a:avLst/>
@@ -22435,7 +22380,7 @@
                     <a:schemeClr val="tx1"/>
                   </a:solidFill>
                 </a:rPr>
-                <a:t>ES</a:t>
+                <a:t>ET</a:t>
               </a:r>
             </a:p>
           </p:txBody>
@@ -22489,7 +22434,7 @@
                     <a:schemeClr val="tx1"/>
                   </a:solidFill>
                 </a:rPr>
-                <a:t>EU</a:t>
+                <a:t>EV</a:t>
               </a:r>
             </a:p>
           </p:txBody>
@@ -22794,7 +22739,7 @@
                     <a:schemeClr val="tx1"/>
                   </a:solidFill>
                 </a:rPr>
-                <a:t>AA</a:t>
+                <a:t>AB</a:t>
               </a:r>
             </a:p>
           </p:txBody>
@@ -22968,7 +22913,7 @@
                     <a:schemeClr val="tx1"/>
                   </a:solidFill>
                 </a:rPr>
-                <a:t>AB</a:t>
+                <a:t>AC</a:t>
               </a:r>
             </a:p>
           </p:txBody>
@@ -23142,7 +23087,7 @@
                     <a:schemeClr val="tx1"/>
                   </a:solidFill>
                 </a:rPr>
-                <a:t>AC</a:t>
+                <a:t>AD</a:t>
               </a:r>
             </a:p>
           </p:txBody>
@@ -23316,7 +23261,7 @@
                     <a:schemeClr val="tx1"/>
                   </a:solidFill>
                 </a:rPr>
-                <a:t>AD</a:t>
+                <a:t>AE</a:t>
               </a:r>
             </a:p>
           </p:txBody>
@@ -23490,7 +23435,7 @@
                     <a:schemeClr val="tx1"/>
                   </a:solidFill>
                 </a:rPr>
-                <a:t>AE</a:t>
+                <a:t>AF</a:t>
               </a:r>
             </a:p>
           </p:txBody>
@@ -23664,7 +23609,7 @@
                     <a:schemeClr val="tx1"/>
                   </a:solidFill>
                 </a:rPr>
-                <a:t>AF</a:t>
+                <a:t>AG</a:t>
               </a:r>
             </a:p>
           </p:txBody>
@@ -23838,7 +23783,7 @@
                     <a:schemeClr val="tx1"/>
                   </a:solidFill>
                 </a:rPr>
-                <a:t>AG</a:t>
+                <a:t>AH</a:t>
               </a:r>
             </a:p>
           </p:txBody>
@@ -23980,7 +23925,7 @@
                   <a:schemeClr val="tx1"/>
                 </a:solidFill>
               </a:rPr>
-              <a:t>G</a:t>
+              <a:t>H</a:t>
             </a:r>
           </a:p>
         </p:txBody>
@@ -24641,7 +24586,7 @@
                     <a:schemeClr val="tx1"/>
                   </a:solidFill>
                 </a:rPr>
-                <a:t>AP</a:t>
+                <a:t>AQ</a:t>
               </a:r>
             </a:p>
           </p:txBody>
@@ -24731,7 +24676,7 @@
                     <a:schemeClr val="tx1"/>
                   </a:solidFill>
                 </a:rPr>
-                <a:t>K</a:t>
+                <a:t>L</a:t>
               </a:r>
             </a:p>
           </p:txBody>
@@ -24923,7 +24868,7 @@
                   <a:schemeClr val="tx1"/>
                 </a:solidFill>
               </a:rPr>
-              <a:t>L</a:t>
+              <a:t>M</a:t>
             </a:r>
           </a:p>
         </p:txBody>
@@ -25074,7 +25019,7 @@
                   <a:schemeClr val="tx1"/>
                 </a:solidFill>
               </a:rPr>
-              <a:t>AQ</a:t>
+              <a:t>AR</a:t>
             </a:r>
           </a:p>
         </p:txBody>
@@ -25324,7 +25269,7 @@
                   <a:schemeClr val="tx1"/>
                 </a:solidFill>
               </a:rPr>
-              <a:t>CC</a:t>
+              <a:t>CD</a:t>
             </a:r>
           </a:p>
         </p:txBody>
@@ -25475,7 +25420,7 @@
                   <a:schemeClr val="tx1"/>
                 </a:solidFill>
               </a:rPr>
-              <a:t>CU</a:t>
+              <a:t>CV</a:t>
             </a:r>
           </a:p>
         </p:txBody>
@@ -25929,7 +25874,7 @@
                   <a:schemeClr val="tx1"/>
                 </a:solidFill>
               </a:rPr>
-              <a:t>DU</a:t>
+              <a:t>EC</a:t>
             </a:r>
           </a:p>
         </p:txBody>
@@ -26122,7 +26067,7 @@
                   <a:schemeClr val="tx1"/>
                 </a:solidFill>
               </a:rPr>
-              <a:t>AR</a:t>
+              <a:t>AS</a:t>
             </a:r>
           </a:p>
         </p:txBody>
@@ -26275,7 +26220,7 @@
                   <a:schemeClr val="tx1"/>
                 </a:solidFill>
               </a:rPr>
-              <a:t>BK</a:t>
+              <a:t>BL</a:t>
             </a:r>
           </a:p>
         </p:txBody>
@@ -26428,7 +26373,7 @@
                   <a:schemeClr val="tx1"/>
                 </a:solidFill>
               </a:rPr>
-              <a:t>CD</a:t>
+              <a:t>CE</a:t>
             </a:r>
           </a:p>
         </p:txBody>
@@ -26448,7 +26393,7 @@
         <p:spPr>
           <a:xfrm>
             <a:off x="9780769" y="13001928"/>
-            <a:ext cx="480089" cy="336396"/>
+            <a:ext cx="638924" cy="336396"/>
           </a:xfrm>
           <a:prstGeom prst="ellipse">
             <a:avLst/>
@@ -26483,7 +26428,7 @@
                   <a:schemeClr val="tx1"/>
                 </a:solidFill>
               </a:rPr>
-              <a:t>CV</a:t>
+              <a:t>CW</a:t>
             </a:r>
           </a:p>
         </p:txBody>
@@ -26718,7 +26663,7 @@
                   <a:schemeClr val="tx1"/>
                 </a:solidFill>
               </a:rPr>
-              <a:t>AS</a:t>
+              <a:t>AT</a:t>
             </a:r>
           </a:p>
         </p:txBody>
@@ -26737,10 +26682,10 @@
         </p:nvGrpSpPr>
         <p:grpSpPr>
           <a:xfrm>
-            <a:off x="6917241" y="13918159"/>
-            <a:ext cx="982037" cy="230832"/>
-            <a:chOff x="2262953" y="2058566"/>
-            <a:chExt cx="982037" cy="230832"/>
+            <a:off x="6917241" y="13913601"/>
+            <a:ext cx="982037" cy="235390"/>
+            <a:chOff x="2262953" y="2054008"/>
+            <a:chExt cx="982037" cy="235390"/>
           </a:xfrm>
         </p:grpSpPr>
         <p:cxnSp>
@@ -26760,9 +26705,9 @@
             <p:nvPr/>
           </p:nvCxnSpPr>
           <p:spPr>
-            <a:xfrm>
-              <a:off x="2262953" y="2072485"/>
-              <a:ext cx="982037" cy="16060"/>
+            <a:xfrm flipV="1">
+              <a:off x="2262953" y="2054008"/>
+              <a:ext cx="982037" cy="18477"/>
             </a:xfrm>
             <a:prstGeom prst="straightConnector1">
               <a:avLst/>
@@ -26836,8 +26781,8 @@
         </p:nvSpPr>
         <p:spPr>
           <a:xfrm>
-            <a:off x="7899278" y="13765258"/>
-            <a:ext cx="365760" cy="365760"/>
+            <a:off x="7899278" y="13730721"/>
+            <a:ext cx="418287" cy="365760"/>
           </a:xfrm>
           <a:prstGeom prst="ellipse">
             <a:avLst/>
@@ -26871,7 +26816,7 @@
                   <a:schemeClr val="tx1"/>
                 </a:solidFill>
               </a:rPr>
-              <a:t>BL</a:t>
+              <a:t>BM</a:t>
             </a:r>
           </a:p>
         </p:txBody>
@@ -26890,10 +26835,10 @@
         </p:nvGrpSpPr>
         <p:grpSpPr>
           <a:xfrm>
-            <a:off x="8262417" y="13848079"/>
-            <a:ext cx="533436" cy="230832"/>
-            <a:chOff x="2704902" y="2010614"/>
-            <a:chExt cx="533436" cy="230832"/>
+            <a:off x="8317565" y="13890716"/>
+            <a:ext cx="484940" cy="230832"/>
+            <a:chOff x="2810641" y="2086646"/>
+            <a:chExt cx="484940" cy="230832"/>
           </a:xfrm>
         </p:grpSpPr>
         <p:cxnSp>
@@ -26907,13 +26852,15 @@
             </p:cNvPr>
             <p:cNvCxnSpPr>
               <a:cxnSpLocks/>
+              <a:stCxn id="182" idx="6"/>
+              <a:endCxn id="186" idx="2"/>
             </p:cNvCxnSpPr>
             <p:nvPr/>
           </p:nvCxnSpPr>
           <p:spPr>
             <a:xfrm>
-              <a:off x="2704902" y="2054141"/>
-              <a:ext cx="533436" cy="0"/>
+              <a:off x="2810641" y="2109531"/>
+              <a:ext cx="484940" cy="4558"/>
             </a:xfrm>
             <a:prstGeom prst="straightConnector1">
               <a:avLst/>
@@ -26951,7 +26898,7 @@
           </p:nvSpPr>
           <p:spPr>
             <a:xfrm>
-              <a:off x="2842733" y="2010614"/>
+              <a:off x="2887468" y="2086646"/>
               <a:ext cx="150495" cy="230832"/>
             </a:xfrm>
             <a:prstGeom prst="rect">
@@ -27023,7 +26970,7 @@
                   <a:schemeClr val="tx1"/>
                 </a:solidFill>
               </a:rPr>
-              <a:t>CE</a:t>
+              <a:t>CF</a:t>
             </a:r>
           </a:p>
         </p:txBody>
@@ -27082,10 +27029,10 @@
         </p:nvGrpSpPr>
         <p:grpSpPr>
           <a:xfrm>
-            <a:off x="5987369" y="14144085"/>
-            <a:ext cx="8522728" cy="561547"/>
+            <a:off x="5987369" y="14144087"/>
+            <a:ext cx="8522728" cy="638815"/>
             <a:chOff x="2786755" y="14028186"/>
-            <a:chExt cx="13547336" cy="983072"/>
+            <a:chExt cx="13547336" cy="1118341"/>
           </a:xfrm>
         </p:grpSpPr>
         <p:grpSp>
@@ -27234,7 +27181,7 @@
                     <a:schemeClr val="tx1"/>
                   </a:solidFill>
                 </a:rPr>
-                <a:t>AT</a:t>
+                <a:t>AU</a:t>
               </a:r>
             </a:p>
           </p:txBody>
@@ -27288,7 +27235,7 @@
                     <a:schemeClr val="tx1"/>
                   </a:solidFill>
                 </a:rPr>
-                <a:t>BM</a:t>
+                <a:t>BN</a:t>
               </a:r>
             </a:p>
           </p:txBody>
@@ -27441,7 +27388,7 @@
                     <a:schemeClr val="tx1"/>
                   </a:solidFill>
                 </a:rPr>
-                <a:t>CF</a:t>
+                <a:t>CG</a:t>
               </a:r>
             </a:p>
           </p:txBody>
@@ -27461,9 +27408,9 @@
           <p:grpSpPr>
             <a:xfrm>
               <a:off x="6487552" y="14513082"/>
-              <a:ext cx="622435" cy="167814"/>
+              <a:ext cx="622435" cy="624102"/>
               <a:chOff x="1997415" y="869561"/>
-              <a:chExt cx="474237" cy="1492515"/>
+              <a:chExt cx="474237" cy="5550680"/>
             </a:xfrm>
           </p:grpSpPr>
           <p:cxnSp>
@@ -27523,8 +27470,8 @@
             </p:nvSpPr>
             <p:spPr>
               <a:xfrm>
-                <a:off x="1997415" y="2153279"/>
-                <a:ext cx="150495" cy="208797"/>
+                <a:off x="1997415" y="2153281"/>
+                <a:ext cx="150495" cy="4266960"/>
               </a:xfrm>
               <a:prstGeom prst="rect">
                 <a:avLst/>
@@ -27539,7 +27486,7 @@
               <a:p>
                 <a:r>
                   <a:rPr lang="en-US" sz="1181" b="1" dirty="0"/>
-                  <a:t>n</a:t>
+                  <a:t>i</a:t>
                 </a:r>
               </a:p>
             </p:txBody>
@@ -27594,7 +27541,7 @@
                     <a:schemeClr val="tx1"/>
                   </a:solidFill>
                 </a:rPr>
-                <a:t>CW</a:t>
+                <a:t>CX</a:t>
               </a:r>
             </a:p>
           </p:txBody>
@@ -27614,9 +27561,9 @@
           <p:grpSpPr>
             <a:xfrm>
               <a:off x="7859738" y="14509072"/>
-              <a:ext cx="452040" cy="431740"/>
+              <a:ext cx="452040" cy="637455"/>
               <a:chOff x="2130448" y="1033918"/>
-              <a:chExt cx="344413" cy="3237998"/>
+              <a:chExt cx="344413" cy="4780838"/>
             </a:xfrm>
           </p:grpSpPr>
           <p:cxnSp>
@@ -27676,8 +27623,8 @@
             </p:nvSpPr>
             <p:spPr>
               <a:xfrm>
-                <a:off x="2130448" y="2216586"/>
-                <a:ext cx="150496" cy="2055330"/>
+                <a:off x="2130448" y="2216585"/>
+                <a:ext cx="150496" cy="3598171"/>
               </a:xfrm>
               <a:prstGeom prst="rect">
                 <a:avLst/>
@@ -27692,7 +27639,7 @@
               <a:p>
                 <a:r>
                   <a:rPr lang="en-US" sz="1181" b="1" dirty="0"/>
-                  <a:t>o</a:t>
+                  <a:t>n</a:t>
                 </a:r>
               </a:p>
             </p:txBody>
@@ -27766,10 +27713,10 @@
           </p:nvGrpSpPr>
           <p:grpSpPr>
             <a:xfrm>
-              <a:off x="13598698" y="14431856"/>
-              <a:ext cx="432242" cy="563628"/>
-              <a:chOff x="2939558" y="2036528"/>
-              <a:chExt cx="329328" cy="507787"/>
+              <a:off x="13639628" y="14431849"/>
+              <a:ext cx="569242" cy="563636"/>
+              <a:chOff x="2970748" y="2036521"/>
+              <a:chExt cx="433710" cy="507794"/>
             </a:xfrm>
           </p:grpSpPr>
           <p:cxnSp>
@@ -27790,8 +27737,8 @@
             </p:nvCxnSpPr>
             <p:spPr>
               <a:xfrm flipV="1">
-                <a:off x="2939558" y="2036528"/>
-                <a:ext cx="329328" cy="37608"/>
+                <a:off x="3074511" y="2036521"/>
+                <a:ext cx="329947" cy="37613"/>
               </a:xfrm>
               <a:prstGeom prst="straightConnector1">
                 <a:avLst/>
@@ -27901,7 +27848,7 @@
                     <a:schemeClr val="tx1"/>
                   </a:solidFill>
                 </a:rPr>
-                <a:t>ET</a:t>
+                <a:t>EU</a:t>
               </a:r>
             </a:p>
           </p:txBody>
@@ -28206,7 +28153,7 @@
                     <a:schemeClr val="tx1"/>
                   </a:solidFill>
                 </a:rPr>
-                <a:t>EC</a:t>
+                <a:t>ED</a:t>
               </a:r>
             </a:p>
           </p:txBody>
@@ -28359,7 +28306,7 @@
                     <a:schemeClr val="tx1"/>
                   </a:solidFill>
                 </a:rPr>
-                <a:t>EH</a:t>
+                <a:t>EI</a:t>
               </a:r>
             </a:p>
           </p:txBody>
@@ -28378,9 +28325,9 @@
           </p:nvGrpSpPr>
           <p:grpSpPr>
             <a:xfrm>
-              <a:off x="12347023" y="14473598"/>
+              <a:off x="12347021" y="14473598"/>
               <a:ext cx="515777" cy="231758"/>
-              <a:chOff x="1717423" y="1476035"/>
+              <a:chOff x="1717421" y="1476035"/>
               <a:chExt cx="392970" cy="1497036"/>
             </a:xfrm>
           </p:grpSpPr>
@@ -28402,8 +28349,8 @@
             </p:nvCxnSpPr>
             <p:spPr>
               <a:xfrm flipV="1">
-                <a:off x="1717423" y="1476035"/>
-                <a:ext cx="392970" cy="28900"/>
+                <a:off x="1717421" y="1476035"/>
+                <a:ext cx="392970" cy="28904"/>
               </a:xfrm>
               <a:prstGeom prst="straightConnector1">
                 <a:avLst/>
@@ -28477,8 +28424,8 @@
           </p:nvSpPr>
           <p:spPr>
             <a:xfrm>
-              <a:off x="12862797" y="14266591"/>
-              <a:ext cx="735904" cy="414014"/>
+              <a:off x="12862798" y="14266591"/>
+              <a:ext cx="913019" cy="414015"/>
             </a:xfrm>
             <a:prstGeom prst="ellipse">
               <a:avLst/>
@@ -28512,7 +28459,7 @@
                     <a:schemeClr val="tx1"/>
                   </a:solidFill>
                 </a:rPr>
-                <a:t>EL</a:t>
+                <a:t>EN</a:t>
               </a:r>
             </a:p>
           </p:txBody>
@@ -29561,7 +29508,7 @@
         </p:nvSpPr>
         <p:spPr>
           <a:xfrm>
-            <a:off x="13061171" y="14256419"/>
+            <a:off x="13173105" y="14256418"/>
             <a:ext cx="462963" cy="236492"/>
           </a:xfrm>
           <a:prstGeom prst="ellipse">
@@ -29596,7 +29543,62 @@
                   <a:schemeClr val="tx1"/>
                 </a:solidFill>
               </a:rPr>
-              <a:t>EQ</a:t>
+              <a:t>ER</a:t>
+            </a:r>
+          </a:p>
+        </p:txBody>
+      </p:sp>
+      <p:sp>
+        <p:nvSpPr>
+          <p:cNvPr id="740" name="Oval 739">
+            <a:extLst>
+              <a:ext uri="{FF2B5EF4-FFF2-40B4-BE49-F238E27FC236}">
+                <a16:creationId xmlns:a16="http://schemas.microsoft.com/office/drawing/2014/main" id="{2E6FA0A3-6A3A-4300-8A08-278168616AAB}"/>
+              </a:ext>
+            </a:extLst>
+          </p:cNvPr>
+          <p:cNvSpPr/>
+          <p:nvPr/>
+        </p:nvSpPr>
+        <p:spPr>
+          <a:xfrm>
+            <a:off x="3480115" y="6522289"/>
+            <a:ext cx="365760" cy="365760"/>
+          </a:xfrm>
+          <a:prstGeom prst="ellipse">
+            <a:avLst/>
+          </a:prstGeom>
+          <a:noFill/>
+          <a:ln w="34925" cmpd="dbl"/>
+        </p:spPr>
+        <p:style>
+          <a:lnRef idx="2">
+            <a:schemeClr val="dk1">
+              <a:shade val="50000"/>
+            </a:schemeClr>
+          </a:lnRef>
+          <a:fillRef idx="1">
+            <a:schemeClr val="dk1"/>
+          </a:fillRef>
+          <a:effectRef idx="0">
+            <a:schemeClr val="dk1"/>
+          </a:effectRef>
+          <a:fontRef idx="minor">
+            <a:schemeClr val="lt1"/>
+          </a:fontRef>
+        </p:style>
+        <p:txBody>
+          <a:bodyPr lIns="0" tIns="0" rIns="0" bIns="0" rtlCol="0" anchor="ctr"/>
+          <a:lstStyle/>
+          <a:p>
+            <a:pPr algn="ctr"/>
+            <a:r>
+              <a:rPr lang="en-US" sz="1600" dirty="0">
+                <a:solidFill>
+                  <a:schemeClr val="tx1"/>
+                </a:solidFill>
+              </a:rPr>
+              <a:t>E</a:t>
             </a:r>
           </a:p>
         </p:txBody>

--- a/Graphs/DFA/DFA Drawing/full DFA.pptx
+++ b/Graphs/DFA/DFA Drawing/full DFA.pptx
@@ -243,7 +243,7 @@
           <a:p>
             <a:fld id="{3F93DD2E-470F-489C-B0E3-BD195B6FD9FF}" type="datetimeFigureOut">
               <a:rPr lang="en-US" smtClean="0"/>
-              <a:t>5/20/2022</a:t>
+              <a:t>5/18/2022</a:t>
             </a:fld>
             <a:endParaRPr lang="en-US"/>
           </a:p>
@@ -413,7 +413,7 @@
           <a:p>
             <a:fld id="{3F93DD2E-470F-489C-B0E3-BD195B6FD9FF}" type="datetimeFigureOut">
               <a:rPr lang="en-US" smtClean="0"/>
-              <a:t>5/20/2022</a:t>
+              <a:t>5/18/2022</a:t>
             </a:fld>
             <a:endParaRPr lang="en-US"/>
           </a:p>
@@ -593,7 +593,7 @@
           <a:p>
             <a:fld id="{3F93DD2E-470F-489C-B0E3-BD195B6FD9FF}" type="datetimeFigureOut">
               <a:rPr lang="en-US" smtClean="0"/>
-              <a:t>5/20/2022</a:t>
+              <a:t>5/18/2022</a:t>
             </a:fld>
             <a:endParaRPr lang="en-US"/>
           </a:p>
@@ -763,7 +763,7 @@
           <a:p>
             <a:fld id="{3F93DD2E-470F-489C-B0E3-BD195B6FD9FF}" type="datetimeFigureOut">
               <a:rPr lang="en-US" smtClean="0"/>
-              <a:t>5/20/2022</a:t>
+              <a:t>5/18/2022</a:t>
             </a:fld>
             <a:endParaRPr lang="en-US"/>
           </a:p>
@@ -1007,7 +1007,7 @@
           <a:p>
             <a:fld id="{3F93DD2E-470F-489C-B0E3-BD195B6FD9FF}" type="datetimeFigureOut">
               <a:rPr lang="en-US" smtClean="0"/>
-              <a:t>5/20/2022</a:t>
+              <a:t>5/18/2022</a:t>
             </a:fld>
             <a:endParaRPr lang="en-US"/>
           </a:p>
@@ -1239,7 +1239,7 @@
           <a:p>
             <a:fld id="{3F93DD2E-470F-489C-B0E3-BD195B6FD9FF}" type="datetimeFigureOut">
               <a:rPr lang="en-US" smtClean="0"/>
-              <a:t>5/20/2022</a:t>
+              <a:t>5/18/2022</a:t>
             </a:fld>
             <a:endParaRPr lang="en-US"/>
           </a:p>
@@ -1606,7 +1606,7 @@
           <a:p>
             <a:fld id="{3F93DD2E-470F-489C-B0E3-BD195B6FD9FF}" type="datetimeFigureOut">
               <a:rPr lang="en-US" smtClean="0"/>
-              <a:t>5/20/2022</a:t>
+              <a:t>5/18/2022</a:t>
             </a:fld>
             <a:endParaRPr lang="en-US"/>
           </a:p>
@@ -1724,7 +1724,7 @@
           <a:p>
             <a:fld id="{3F93DD2E-470F-489C-B0E3-BD195B6FD9FF}" type="datetimeFigureOut">
               <a:rPr lang="en-US" smtClean="0"/>
-              <a:t>5/20/2022</a:t>
+              <a:t>5/18/2022</a:t>
             </a:fld>
             <a:endParaRPr lang="en-US"/>
           </a:p>
@@ -1819,7 +1819,7 @@
           <a:p>
             <a:fld id="{3F93DD2E-470F-489C-B0E3-BD195B6FD9FF}" type="datetimeFigureOut">
               <a:rPr lang="en-US" smtClean="0"/>
-              <a:t>5/20/2022</a:t>
+              <a:t>5/18/2022</a:t>
             </a:fld>
             <a:endParaRPr lang="en-US"/>
           </a:p>
@@ -2096,7 +2096,7 @@
           <a:p>
             <a:fld id="{3F93DD2E-470F-489C-B0E3-BD195B6FD9FF}" type="datetimeFigureOut">
               <a:rPr lang="en-US" smtClean="0"/>
-              <a:t>5/20/2022</a:t>
+              <a:t>5/18/2022</a:t>
             </a:fld>
             <a:endParaRPr lang="en-US"/>
           </a:p>
@@ -2264,9 +2264,10 @@
           </a:lstStyle>
           <a:p>
             <a:r>
-              <a:rPr lang="en-US" dirty="0"/>
+              <a:rPr lang="en-US"/>
               <a:t>Click icon to add picture</a:t>
             </a:r>
+            <a:endParaRPr lang="en-US" dirty="0"/>
           </a:p>
         </p:txBody>
       </p:sp>
@@ -2352,7 +2353,7 @@
           <a:p>
             <a:fld id="{3F93DD2E-470F-489C-B0E3-BD195B6FD9FF}" type="datetimeFigureOut">
               <a:rPr lang="en-US" smtClean="0"/>
-              <a:t>5/20/2022</a:t>
+              <a:t>5/18/2022</a:t>
             </a:fld>
             <a:endParaRPr lang="en-US"/>
           </a:p>
@@ -2565,7 +2566,7 @@
           <a:p>
             <a:fld id="{3F93DD2E-470F-489C-B0E3-BD195B6FD9FF}" type="datetimeFigureOut">
               <a:rPr lang="en-US" smtClean="0"/>
-              <a:t>5/20/2022</a:t>
+              <a:t>5/18/2022</a:t>
             </a:fld>
             <a:endParaRPr lang="en-US"/>
           </a:p>
@@ -4096,7 +4097,7 @@
                   <a:schemeClr val="tx1"/>
                 </a:solidFill>
               </a:rPr>
-              <a:t>B</a:t>
+              <a:t>A</a:t>
             </a:r>
           </a:p>
         </p:txBody>
@@ -4227,7 +4228,7 @@
                   <a:schemeClr val="tx1"/>
                 </a:solidFill>
               </a:rPr>
-              <a:t>AI</a:t>
+              <a:t>AH</a:t>
             </a:r>
           </a:p>
         </p:txBody>
@@ -4342,7 +4343,7 @@
                     <a:schemeClr val="tx1"/>
                   </a:solidFill>
                 </a:rPr>
-                <a:t>C</a:t>
+                <a:t>B</a:t>
               </a:r>
             </a:p>
           </p:txBody>
@@ -4473,7 +4474,7 @@
                     <a:schemeClr val="tx1"/>
                   </a:solidFill>
                 </a:rPr>
-                <a:t>AJ</a:t>
+                <a:t>AI</a:t>
               </a:r>
             </a:p>
           </p:txBody>
@@ -4624,7 +4625,7 @@
                     <a:schemeClr val="tx1"/>
                   </a:solidFill>
                 </a:rPr>
-                <a:t>D</a:t>
+                <a:t>C</a:t>
               </a:r>
             </a:p>
           </p:txBody>
@@ -4755,7 +4756,7 @@
                     <a:schemeClr val="tx1"/>
                   </a:solidFill>
                 </a:rPr>
-                <a:t>AK</a:t>
+                <a:t>AJ</a:t>
               </a:r>
             </a:p>
           </p:txBody>
@@ -4857,6 +4858,60 @@
             </a:fontRef>
           </p:style>
         </p:cxnSp>
+        <p:sp>
+          <p:nvSpPr>
+            <p:cNvPr id="64" name="Oval 63">
+              <a:extLst>
+                <a:ext uri="{FF2B5EF4-FFF2-40B4-BE49-F238E27FC236}">
+                  <a16:creationId xmlns:a16="http://schemas.microsoft.com/office/drawing/2014/main" id="{FDBCC89B-65B6-472E-9133-7F3B330BE4F6}"/>
+                </a:ext>
+              </a:extLst>
+            </p:cNvPr>
+            <p:cNvSpPr/>
+            <p:nvPr/>
+          </p:nvSpPr>
+          <p:spPr>
+            <a:xfrm>
+              <a:off x="3113618" y="6553560"/>
+              <a:ext cx="365760" cy="365760"/>
+            </a:xfrm>
+            <a:prstGeom prst="ellipse">
+              <a:avLst/>
+            </a:prstGeom>
+            <a:noFill/>
+          </p:spPr>
+          <p:style>
+            <a:lnRef idx="2">
+              <a:schemeClr val="dk1">
+                <a:shade val="50000"/>
+              </a:schemeClr>
+            </a:lnRef>
+            <a:fillRef idx="1">
+              <a:schemeClr val="dk1"/>
+            </a:fillRef>
+            <a:effectRef idx="0">
+              <a:schemeClr val="dk1"/>
+            </a:effectRef>
+            <a:fontRef idx="minor">
+              <a:schemeClr val="lt1"/>
+            </a:fontRef>
+          </p:style>
+          <p:txBody>
+            <a:bodyPr lIns="0" tIns="0" rIns="0" bIns="0" rtlCol="0" anchor="ctr"/>
+            <a:lstStyle/>
+            <a:p>
+              <a:pPr algn="ctr"/>
+              <a:r>
+                <a:rPr lang="en-US" sz="1600" dirty="0">
+                  <a:solidFill>
+                    <a:schemeClr val="tx1"/>
+                  </a:solidFill>
+                </a:rPr>
+                <a:t>D</a:t>
+              </a:r>
+            </a:p>
+          </p:txBody>
+        </p:sp>
         <p:cxnSp>
           <p:nvCxnSpPr>
             <p:cNvPr id="65" name="Straight Arrow Connector 64">
@@ -4983,7 +5038,7 @@
                     <a:schemeClr val="tx1"/>
                   </a:solidFill>
                 </a:rPr>
-                <a:t>AL</a:t>
+                <a:t>AK</a:t>
               </a:r>
             </a:p>
           </p:txBody>
@@ -5116,7 +5171,7 @@
             <a:p>
               <a:r>
                 <a:rPr lang="en-US" sz="900" b="1" dirty="0"/>
-                <a:t>.</a:t>
+                <a:t>-</a:t>
               </a:r>
             </a:p>
           </p:txBody>
@@ -5171,7 +5226,7 @@
                     <a:schemeClr val="tx1"/>
                   </a:solidFill>
                 </a:rPr>
-                <a:t>F</a:t>
+                <a:t>E</a:t>
               </a:r>
             </a:p>
           </p:txBody>
@@ -5323,7 +5378,7 @@
                     <a:schemeClr val="tx1"/>
                   </a:solidFill>
                 </a:rPr>
-                <a:t>G</a:t>
+                <a:t>F</a:t>
               </a:r>
             </a:p>
           </p:txBody>
@@ -5420,7 +5475,7 @@
                   <a:schemeClr val="tx1"/>
                 </a:solidFill>
               </a:rPr>
-              <a:t>I</a:t>
+              <a:t>H</a:t>
             </a:r>
           </a:p>
         </p:txBody>
@@ -6015,7 +6070,7 @@
         <p:spPr>
           <a:xfrm>
             <a:off x="5048249" y="9118830"/>
-            <a:ext cx="456764" cy="365760"/>
+            <a:ext cx="365760" cy="365760"/>
           </a:xfrm>
           <a:prstGeom prst="ellipse">
             <a:avLst/>
@@ -6050,7 +6105,7 @@
                   <a:schemeClr val="tx1"/>
                 </a:solidFill>
               </a:rPr>
-              <a:t>AM</a:t>
+              <a:t>AL</a:t>
             </a:r>
           </a:p>
         </p:txBody>
@@ -6146,7 +6201,7 @@
                   <a:schemeClr val="tx1"/>
                 </a:solidFill>
               </a:rPr>
-              <a:t>AN</a:t>
+              <a:t>AM</a:t>
             </a:r>
           </a:p>
         </p:txBody>
@@ -6353,7 +6408,7 @@
                   <a:schemeClr val="tx1"/>
                 </a:solidFill>
               </a:rPr>
-              <a:t>AO</a:t>
+              <a:t>AN</a:t>
             </a:r>
           </a:p>
         </p:txBody>
@@ -6443,7 +6498,7 @@
                   <a:schemeClr val="tx1"/>
                 </a:solidFill>
               </a:rPr>
-              <a:t>J</a:t>
+              <a:t>I</a:t>
             </a:r>
           </a:p>
         </p:txBody>
@@ -6635,7 +6690,7 @@
                     <a:schemeClr val="tx1"/>
                   </a:solidFill>
                 </a:rPr>
-                <a:t>AP</a:t>
+                <a:t>AO</a:t>
               </a:r>
             </a:p>
           </p:txBody>
@@ -6725,7 +6780,7 @@
                     <a:schemeClr val="tx1"/>
                   </a:solidFill>
                 </a:rPr>
-                <a:t>K</a:t>
+                <a:t>J</a:t>
               </a:r>
             </a:p>
           </p:txBody>
@@ -6780,7 +6835,7 @@
                   <a:schemeClr val="tx1"/>
                 </a:solidFill>
               </a:rPr>
-              <a:t>BK</a:t>
+              <a:t>BJ</a:t>
             </a:r>
           </a:p>
         </p:txBody>
@@ -6846,8 +6901,8 @@
         </p:nvCxnSpPr>
         <p:spPr>
           <a:xfrm flipV="1">
-            <a:off x="13636068" y="14324636"/>
-            <a:ext cx="290444" cy="50028"/>
+            <a:off x="13524134" y="14324636"/>
+            <a:ext cx="402378" cy="50029"/>
           </a:xfrm>
           <a:prstGeom prst="straightConnector1">
             <a:avLst/>
@@ -7037,7 +7092,7 @@
                     <a:schemeClr val="tx1"/>
                   </a:solidFill>
                 </a:rPr>
-                <a:t>N</a:t>
+                <a:t>M</a:t>
               </a:r>
             </a:p>
           </p:txBody>
@@ -7188,7 +7243,7 @@
                     <a:schemeClr val="tx1"/>
                   </a:solidFill>
                 </a:rPr>
-                <a:t>AV</a:t>
+                <a:t>AU</a:t>
               </a:r>
             </a:p>
           </p:txBody>
@@ -7339,7 +7394,7 @@
                     <a:schemeClr val="tx1"/>
                   </a:solidFill>
                 </a:rPr>
-                <a:t>BO</a:t>
+                <a:t>BN</a:t>
               </a:r>
             </a:p>
           </p:txBody>
@@ -7490,7 +7545,7 @@
                     <a:schemeClr val="tx1"/>
                   </a:solidFill>
                 </a:rPr>
-                <a:t>CH</a:t>
+                <a:t>CG</a:t>
               </a:r>
             </a:p>
           </p:txBody>
@@ -7641,7 +7696,7 @@
                     <a:schemeClr val="tx1"/>
                   </a:solidFill>
                 </a:rPr>
-                <a:t>CY</a:t>
+                <a:t>CX</a:t>
               </a:r>
             </a:p>
           </p:txBody>
@@ -7964,7 +8019,7 @@
                     <a:schemeClr val="tx1"/>
                   </a:solidFill>
                 </a:rPr>
-                <a:t>O</a:t>
+                <a:t>N</a:t>
               </a:r>
             </a:p>
           </p:txBody>
@@ -8080,8 +8135,8 @@
           </p:nvSpPr>
           <p:spPr>
             <a:xfrm>
-              <a:off x="3733206" y="16054212"/>
-              <a:ext cx="417773" cy="365760"/>
+              <a:off x="3733207" y="16054212"/>
+              <a:ext cx="365760" cy="365760"/>
             </a:xfrm>
             <a:prstGeom prst="ellipse">
               <a:avLst/>
@@ -8115,7 +8170,7 @@
                     <a:schemeClr val="tx1"/>
                   </a:solidFill>
                 </a:rPr>
-                <a:t>AW</a:t>
+                <a:t>AV</a:t>
               </a:r>
             </a:p>
           </p:txBody>
@@ -8266,7 +8321,7 @@
                     <a:schemeClr val="tx1"/>
                   </a:solidFill>
                 </a:rPr>
-                <a:t>BP</a:t>
+                <a:t>BO</a:t>
               </a:r>
             </a:p>
           </p:txBody>
@@ -8321,7 +8376,7 @@
                     <a:schemeClr val="tx1"/>
                   </a:solidFill>
                 </a:rPr>
-                <a:t>CI</a:t>
+                <a:t>CH</a:t>
               </a:r>
             </a:p>
           </p:txBody>
@@ -8748,7 +8803,7 @@
                     <a:schemeClr val="tx1"/>
                   </a:solidFill>
                 </a:rPr>
-                <a:t>AX</a:t>
+                <a:t>AW</a:t>
               </a:r>
             </a:p>
           </p:txBody>
@@ -8803,7 +8858,7 @@
                     <a:schemeClr val="tx1"/>
                   </a:solidFill>
                 </a:rPr>
-                <a:t>BQ</a:t>
+                <a:t>BP</a:t>
               </a:r>
             </a:p>
           </p:txBody>
@@ -8913,7 +8968,7 @@
                     <a:schemeClr val="tx1"/>
                   </a:solidFill>
                 </a:rPr>
-                <a:t>P</a:t>
+                <a:t>O</a:t>
               </a:r>
             </a:p>
           </p:txBody>
@@ -9241,7 +9296,7 @@
                     <a:schemeClr val="tx1"/>
                   </a:solidFill>
                 </a:rPr>
-                <a:t>AZ</a:t>
+                <a:t>AY</a:t>
               </a:r>
             </a:p>
           </p:txBody>
@@ -9544,7 +9599,7 @@
                     <a:schemeClr val="tx1"/>
                   </a:solidFill>
                 </a:rPr>
-                <a:t>CZ</a:t>
+                <a:t>CY</a:t>
               </a:r>
             </a:p>
           </p:txBody>
@@ -9696,7 +9751,7 @@
                     <a:schemeClr val="tx1"/>
                   </a:solidFill>
                 </a:rPr>
-                <a:t>CJ</a:t>
+                <a:t>CI</a:t>
               </a:r>
             </a:p>
           </p:txBody>
@@ -9751,7 +9806,7 @@
                     <a:schemeClr val="tx1"/>
                   </a:solidFill>
                 </a:rPr>
-                <a:t>AY</a:t>
+                <a:t>AX</a:t>
               </a:r>
             </a:p>
           </p:txBody>
@@ -10001,7 +10056,7 @@
                   <a:schemeClr val="tx1"/>
                 </a:solidFill>
               </a:rPr>
-              <a:t>Q</a:t>
+              <a:t>P</a:t>
             </a:r>
           </a:p>
         </p:txBody>
@@ -10152,7 +10207,7 @@
                   <a:schemeClr val="tx1"/>
                 </a:solidFill>
               </a:rPr>
-              <a:t>BA</a:t>
+              <a:t>AZ</a:t>
             </a:r>
           </a:p>
         </p:txBody>
@@ -10454,7 +10509,7 @@
                   <a:schemeClr val="tx1"/>
                 </a:solidFill>
               </a:rPr>
-              <a:t>CK</a:t>
+              <a:t>CJ</a:t>
             </a:r>
           </a:p>
         </p:txBody>
@@ -10605,7 +10660,7 @@
                   <a:schemeClr val="tx1"/>
                 </a:solidFill>
               </a:rPr>
-              <a:t>DA</a:t>
+              <a:t>CZ</a:t>
             </a:r>
           </a:p>
         </p:txBody>
@@ -11080,7 +11135,7 @@
                     <a:schemeClr val="tx1"/>
                   </a:solidFill>
                 </a:rPr>
-                <a:t>R</a:t>
+                <a:t>Q</a:t>
               </a:r>
             </a:p>
           </p:txBody>
@@ -11231,7 +11286,7 @@
                     <a:schemeClr val="tx1"/>
                   </a:solidFill>
                 </a:rPr>
-                <a:t>BB</a:t>
+                <a:t>BA</a:t>
               </a:r>
             </a:p>
           </p:txBody>
@@ -11534,7 +11589,7 @@
                     <a:schemeClr val="tx1"/>
                   </a:solidFill>
                 </a:rPr>
-                <a:t>CL</a:t>
+                <a:t>CK</a:t>
               </a:r>
             </a:p>
           </p:txBody>
@@ -11706,7 +11761,7 @@
                     <a:schemeClr val="tx1"/>
                   </a:solidFill>
                 </a:rPr>
-                <a:t>S</a:t>
+                <a:t>R</a:t>
               </a:r>
             </a:p>
           </p:txBody>
@@ -11858,7 +11913,7 @@
                     <a:schemeClr val="tx1"/>
                   </a:solidFill>
                 </a:rPr>
-                <a:t>BC</a:t>
+                <a:t>BB</a:t>
               </a:r>
             </a:p>
           </p:txBody>
@@ -12054,8 +12109,8 @@
             </p:nvCxnSpPr>
             <p:spPr>
               <a:xfrm>
-                <a:off x="2572135" y="2100855"/>
-                <a:ext cx="259379" cy="0"/>
+                <a:off x="2572134" y="2100855"/>
+                <a:ext cx="259380" cy="0"/>
               </a:xfrm>
               <a:prstGeom prst="straightConnector1">
                 <a:avLst/>
@@ -12129,8 +12184,8 @@
           </p:nvSpPr>
           <p:spPr>
             <a:xfrm>
-              <a:off x="5184860" y="3044558"/>
-              <a:ext cx="740533" cy="480060"/>
+              <a:off x="5184862" y="3044558"/>
+              <a:ext cx="542360" cy="480060"/>
             </a:xfrm>
             <a:prstGeom prst="ellipse">
               <a:avLst/>
@@ -12164,7 +12219,7 @@
                     <a:schemeClr val="tx1"/>
                   </a:solidFill>
                 </a:rPr>
-                <a:t>CM</a:t>
+                <a:t>CL</a:t>
               </a:r>
             </a:p>
           </p:txBody>
@@ -12183,10 +12238,10 @@
           </p:nvGrpSpPr>
           <p:grpSpPr>
             <a:xfrm>
-              <a:off x="5847680" y="3262462"/>
-              <a:ext cx="316437" cy="274049"/>
-              <a:chOff x="2479728" y="2084300"/>
-              <a:chExt cx="220306" cy="131774"/>
+              <a:off x="5727218" y="3262462"/>
+              <a:ext cx="436898" cy="274049"/>
+              <a:chOff x="2395862" y="2084300"/>
+              <a:chExt cx="304172" cy="131774"/>
             </a:xfrm>
           </p:grpSpPr>
           <p:cxnSp>
@@ -12206,8 +12261,8 @@
             </p:nvCxnSpPr>
             <p:spPr>
               <a:xfrm>
-                <a:off x="2533832" y="2094939"/>
-                <a:ext cx="166202" cy="0"/>
+                <a:off x="2395862" y="2094939"/>
+                <a:ext cx="304172" cy="0"/>
               </a:xfrm>
               <a:prstGeom prst="straightConnector1">
                 <a:avLst/>
@@ -12316,7 +12371,7 @@
                     <a:schemeClr val="tx1"/>
                   </a:solidFill>
                 </a:rPr>
-                <a:t>DB</a:t>
+                <a:t>DA</a:t>
               </a:r>
             </a:p>
           </p:txBody>
@@ -12794,7 +12849,7 @@
                       <a:schemeClr val="tx1"/>
                     </a:solidFill>
                   </a:rPr>
-                  <a:t>T</a:t>
+                  <a:t>S</a:t>
                 </a:r>
               </a:p>
             </p:txBody>
@@ -12947,7 +13002,7 @@
                       <a:schemeClr val="tx1"/>
                     </a:solidFill>
                   </a:rPr>
-                  <a:t>BE</a:t>
+                  <a:t>BD</a:t>
                 </a:r>
               </a:p>
             </p:txBody>
@@ -13253,7 +13308,7 @@
                       <a:schemeClr val="tx1"/>
                     </a:solidFill>
                   </a:rPr>
-                  <a:t>CO</a:t>
+                  <a:t>CN</a:t>
                 </a:r>
               </a:p>
             </p:txBody>
@@ -13864,7 +13919,7 @@
                       <a:schemeClr val="tx1"/>
                     </a:solidFill>
                   </a:rPr>
-                  <a:t>EF</a:t>
+                  <a:t>EE</a:t>
                 </a:r>
               </a:p>
             </p:txBody>
@@ -14017,7 +14072,7 @@
                       <a:schemeClr val="tx1"/>
                     </a:solidFill>
                   </a:rPr>
-                  <a:t>EK</a:t>
+                  <a:t>EI</a:t>
                 </a:r>
               </a:p>
             </p:txBody>
@@ -14170,7 +14225,7 @@
                       <a:schemeClr val="tx1"/>
                     </a:solidFill>
                   </a:rPr>
-                  <a:t>EO</a:t>
+                  <a:t>EN</a:t>
                 </a:r>
               </a:p>
             </p:txBody>
@@ -14362,7 +14417,7 @@
                     <a:schemeClr val="tx1"/>
                   </a:solidFill>
                 </a:rPr>
-                <a:t>BD</a:t>
+                <a:t>BC</a:t>
               </a:r>
             </a:p>
           </p:txBody>
@@ -14668,7 +14723,7 @@
                     <a:schemeClr val="tx1"/>
                   </a:solidFill>
                 </a:rPr>
-                <a:t>CN</a:t>
+                <a:t>CM</a:t>
               </a:r>
             </a:p>
           </p:txBody>
@@ -14820,7 +14875,7 @@
                     <a:schemeClr val="tx1"/>
                   </a:solidFill>
                 </a:rPr>
-                <a:t>DC</a:t>
+                <a:t>DB</a:t>
               </a:r>
             </a:p>
           </p:txBody>
@@ -15181,7 +15236,7 @@
                     <a:schemeClr val="tx1"/>
                   </a:solidFill>
                 </a:rPr>
-                <a:t>EJ</a:t>
+                <a:t>EM</a:t>
               </a:r>
             </a:p>
           </p:txBody>
@@ -15334,7 +15389,7 @@
                     <a:schemeClr val="tx1"/>
                   </a:solidFill>
                 </a:rPr>
-                <a:t>EE</a:t>
+                <a:t>ED</a:t>
               </a:r>
             </a:p>
           </p:txBody>
@@ -15487,7 +15542,7 @@
                     <a:schemeClr val="tx1"/>
                   </a:solidFill>
                 </a:rPr>
-                <a:t>U</a:t>
+                <a:t>T</a:t>
               </a:r>
             </a:p>
           </p:txBody>
@@ -16048,7 +16103,7 @@
                     <a:schemeClr val="tx1"/>
                   </a:solidFill>
                 </a:rPr>
-                <a:t>BG</a:t>
+                <a:t>BF</a:t>
               </a:r>
             </a:p>
           </p:txBody>
@@ -16350,7 +16405,7 @@
                     <a:schemeClr val="tx1"/>
                   </a:solidFill>
                 </a:rPr>
-                <a:t>CR</a:t>
+                <a:t>CQ</a:t>
               </a:r>
             </a:p>
           </p:txBody>
@@ -16708,7 +16763,7 @@
                     <a:schemeClr val="tx1"/>
                   </a:solidFill>
                 </a:rPr>
-                <a:t>BF</a:t>
+                <a:t>BE</a:t>
               </a:r>
             </a:p>
           </p:txBody>
@@ -17162,7 +17217,7 @@
                     <a:schemeClr val="tx1"/>
                   </a:solidFill>
                 </a:rPr>
-                <a:t>CQ</a:t>
+                <a:t>CP</a:t>
               </a:r>
             </a:p>
           </p:txBody>
@@ -17465,7 +17520,7 @@
                     <a:schemeClr val="tx1"/>
                   </a:solidFill>
                 </a:rPr>
-                <a:t>CP</a:t>
+                <a:t>CO</a:t>
               </a:r>
             </a:p>
           </p:txBody>
@@ -17692,7 +17747,7 @@
                     <a:schemeClr val="tx1"/>
                   </a:solidFill>
                 </a:rPr>
-                <a:t>V</a:t>
+                <a:t>U</a:t>
               </a:r>
             </a:p>
           </p:txBody>
@@ -17845,7 +17900,7 @@
                     <a:schemeClr val="tx1"/>
                   </a:solidFill>
                 </a:rPr>
-                <a:t>BH</a:t>
+                <a:t>BG</a:t>
               </a:r>
             </a:p>
           </p:txBody>
@@ -18151,7 +18206,7 @@
                     <a:schemeClr val="tx1"/>
                   </a:solidFill>
                 </a:rPr>
-                <a:t>CS</a:t>
+                <a:t>CR</a:t>
               </a:r>
             </a:p>
           </p:txBody>
@@ -18479,7 +18534,7 @@
                     <a:schemeClr val="tx1"/>
                   </a:solidFill>
                 </a:rPr>
-                <a:t>W</a:t>
+                <a:t>V</a:t>
               </a:r>
             </a:p>
           </p:txBody>
@@ -18653,7 +18708,7 @@
                     <a:schemeClr val="tx1"/>
                   </a:solidFill>
                 </a:rPr>
-                <a:t>X</a:t>
+                <a:t>W</a:t>
               </a:r>
             </a:p>
           </p:txBody>
@@ -18827,7 +18882,7 @@
                     <a:schemeClr val="tx1"/>
                   </a:solidFill>
                 </a:rPr>
-                <a:t>Y</a:t>
+                <a:t>X</a:t>
               </a:r>
             </a:p>
           </p:txBody>
@@ -18922,7 +18977,7 @@
                       <a:schemeClr val="tx1"/>
                     </a:solidFill>
                   </a:rPr>
-                  <a:t>Z</a:t>
+                  <a:t>Y</a:t>
                 </a:r>
               </a:p>
             </p:txBody>
@@ -19075,7 +19130,7 @@
                       <a:schemeClr val="tx1"/>
                     </a:solidFill>
                   </a:rPr>
-                  <a:t>BI</a:t>
+                  <a:t>BH</a:t>
                 </a:r>
               </a:p>
             </p:txBody>
@@ -19380,7 +19435,7 @@
                       <a:schemeClr val="tx1"/>
                     </a:solidFill>
                   </a:rPr>
-                  <a:t>CT</a:t>
+                  <a:t>CS</a:t>
                 </a:r>
               </a:p>
             </p:txBody>
@@ -19955,8 +20010,8 @@
             </p:nvSpPr>
             <p:spPr>
               <a:xfrm>
-                <a:off x="10274210" y="4150115"/>
-                <a:ext cx="752321" cy="402737"/>
+                <a:off x="10274211" y="4150115"/>
+                <a:ext cx="659633" cy="402737"/>
               </a:xfrm>
               <a:prstGeom prst="ellipse">
                 <a:avLst/>
@@ -19990,7 +20045,7 @@
                       <a:schemeClr val="tx1"/>
                     </a:solidFill>
                   </a:rPr>
-                  <a:t>EG</a:t>
+                  <a:t>EF</a:t>
                 </a:r>
               </a:p>
             </p:txBody>
@@ -20009,10 +20064,10 @@
             </p:nvGrpSpPr>
             <p:grpSpPr>
               <a:xfrm>
-                <a:off x="11026531" y="4336322"/>
-                <a:ext cx="415796" cy="475418"/>
-                <a:chOff x="1703756" y="1918436"/>
-                <a:chExt cx="316797" cy="3300946"/>
+                <a:off x="10933844" y="4336322"/>
+                <a:ext cx="508482" cy="475418"/>
+                <a:chOff x="1633138" y="1918436"/>
+                <a:chExt cx="387415" cy="3300946"/>
               </a:xfrm>
             </p:grpSpPr>
             <p:cxnSp>
@@ -20033,8 +20088,8 @@
               </p:nvCxnSpPr>
               <p:spPr>
                 <a:xfrm flipV="1">
-                  <a:off x="1703756" y="1918436"/>
-                  <a:ext cx="316797" cy="105272"/>
+                  <a:off x="1633138" y="1918436"/>
+                  <a:ext cx="387415" cy="105272"/>
                 </a:xfrm>
                 <a:prstGeom prst="straightConnector1">
                   <a:avLst/>
@@ -20143,7 +20198,7 @@
                       <a:schemeClr val="tx1"/>
                     </a:solidFill>
                   </a:rPr>
-                  <a:t>EL</a:t>
+                  <a:t>EJ</a:t>
                 </a:r>
               </a:p>
             </p:txBody>
@@ -20297,7 +20352,7 @@
                       <a:schemeClr val="tx1"/>
                     </a:solidFill>
                   </a:rPr>
-                  <a:t>ES</a:t>
+                  <a:t>ER</a:t>
                 </a:r>
               </a:p>
             </p:txBody>
@@ -20450,7 +20505,7 @@
                       <a:schemeClr val="tx1"/>
                     </a:solidFill>
                   </a:rPr>
-                  <a:t>EP</a:t>
+                  <a:t>EO</a:t>
                 </a:r>
               </a:p>
             </p:txBody>
@@ -20666,7 +20721,7 @@
           <p:spPr>
             <a:xfrm>
               <a:off x="2249403" y="3044558"/>
-              <a:ext cx="643770" cy="480060"/>
+              <a:ext cx="480060" cy="480060"/>
             </a:xfrm>
             <a:prstGeom prst="ellipse">
               <a:avLst/>
@@ -20690,7 +20745,7 @@
             </a:fontRef>
           </p:style>
           <p:txBody>
-            <a:bodyPr lIns="0" tIns="0" rIns="0" bIns="0" rtlCol="0" anchor="ctr"/>
+            <a:bodyPr rtlCol="0" anchor="ctr"/>
             <a:lstStyle/>
             <a:p>
               <a:pPr algn="ctr"/>
@@ -20700,7 +20755,7 @@
                     <a:schemeClr val="tx1"/>
                   </a:solidFill>
                 </a:rPr>
-                <a:t>AA</a:t>
+                <a:t>Z</a:t>
               </a:r>
             </a:p>
           </p:txBody>
@@ -20719,10 +20774,10 @@
           </p:nvGrpSpPr>
           <p:grpSpPr>
             <a:xfrm>
-              <a:off x="2880731" y="3237715"/>
-              <a:ext cx="399256" cy="274049"/>
-              <a:chOff x="2840589" y="2036628"/>
-              <a:chExt cx="304195" cy="208800"/>
+              <a:off x="2729461" y="3237715"/>
+              <a:ext cx="550524" cy="274049"/>
+              <a:chOff x="2725337" y="2036628"/>
+              <a:chExt cx="419447" cy="208800"/>
             </a:xfrm>
           </p:grpSpPr>
           <p:cxnSp>
@@ -20741,9 +20796,9 @@
               <p:nvPr/>
             </p:nvCxnSpPr>
             <p:spPr>
-              <a:xfrm flipV="1">
-                <a:off x="2850069" y="2072338"/>
-                <a:ext cx="294715" cy="3"/>
+              <a:xfrm>
+                <a:off x="2725337" y="2072338"/>
+                <a:ext cx="419447" cy="0"/>
               </a:xfrm>
               <a:prstGeom prst="straightConnector1">
                 <a:avLst/>
@@ -20852,7 +20907,7 @@
                     <a:schemeClr val="tx1"/>
                   </a:solidFill>
                 </a:rPr>
-                <a:t>BJ</a:t>
+                <a:t>BI</a:t>
               </a:r>
             </a:p>
           </p:txBody>
@@ -21158,7 +21213,7 @@
                     <a:schemeClr val="tx1"/>
                   </a:solidFill>
                 </a:rPr>
-                <a:t>CU</a:t>
+                <a:t>CT</a:t>
               </a:r>
             </a:p>
           </p:txBody>
@@ -21770,7 +21825,7 @@
                     <a:schemeClr val="tx1"/>
                   </a:solidFill>
                 </a:rPr>
-                <a:t>EW</a:t>
+                <a:t>EV</a:t>
               </a:r>
             </a:p>
           </p:txBody>
@@ -21923,7 +21978,7 @@
                     <a:schemeClr val="tx1"/>
                   </a:solidFill>
                 </a:rPr>
-                <a:t>EH</a:t>
+                <a:t>EG</a:t>
               </a:r>
             </a:p>
           </p:txBody>
@@ -22039,8 +22094,8 @@
           </p:nvSpPr>
           <p:spPr>
             <a:xfrm>
-              <a:off x="10385716" y="3064178"/>
-              <a:ext cx="775595" cy="434099"/>
+              <a:off x="10385716" y="3054336"/>
+              <a:ext cx="529336" cy="443944"/>
             </a:xfrm>
             <a:prstGeom prst="ellipse">
               <a:avLst/>
@@ -22074,7 +22129,7 @@
                     <a:schemeClr val="tx1"/>
                   </a:solidFill>
                 </a:rPr>
-                <a:t>EM</a:t>
+                <a:t>EK</a:t>
               </a:r>
             </a:p>
           </p:txBody>
@@ -22093,10 +22148,10 @@
           </p:nvGrpSpPr>
           <p:grpSpPr>
             <a:xfrm>
-              <a:off x="11161312" y="3261558"/>
-              <a:ext cx="392518" cy="342843"/>
-              <a:chOff x="1922558" y="3160651"/>
-              <a:chExt cx="299060" cy="261214"/>
+              <a:off x="10915052" y="3261558"/>
+              <a:ext cx="638778" cy="342843"/>
+              <a:chOff x="1734936" y="3160651"/>
+              <a:chExt cx="486687" cy="261214"/>
             </a:xfrm>
           </p:grpSpPr>
           <p:cxnSp>
@@ -22117,8 +22172,8 @@
             </p:nvCxnSpPr>
             <p:spPr>
               <a:xfrm flipV="1">
-                <a:off x="1922558" y="3160651"/>
-                <a:ext cx="299060" cy="14987"/>
+                <a:off x="1734936" y="3160651"/>
+                <a:ext cx="486687" cy="11239"/>
               </a:xfrm>
               <a:prstGeom prst="straightConnector1">
                 <a:avLst/>
@@ -22192,8 +22247,8 @@
           </p:nvSpPr>
           <p:spPr>
             <a:xfrm>
-              <a:off x="11553829" y="3035135"/>
-              <a:ext cx="642782" cy="452844"/>
+              <a:off x="11553830" y="3035135"/>
+              <a:ext cx="529336" cy="452845"/>
             </a:xfrm>
             <a:prstGeom prst="ellipse">
               <a:avLst/>
@@ -22227,7 +22282,7 @@
                     <a:schemeClr val="tx1"/>
                   </a:solidFill>
                 </a:rPr>
-                <a:t>EQ</a:t>
+                <a:t>EP</a:t>
               </a:r>
             </a:p>
           </p:txBody>
@@ -22246,10 +22301,10 @@
           </p:nvGrpSpPr>
           <p:grpSpPr>
             <a:xfrm>
-              <a:off x="12196610" y="3261558"/>
-              <a:ext cx="608900" cy="310231"/>
-              <a:chOff x="1602824" y="2736704"/>
-              <a:chExt cx="463922" cy="236367"/>
+              <a:off x="12083168" y="3261561"/>
+              <a:ext cx="722344" cy="310227"/>
+              <a:chOff x="1516392" y="2736707"/>
+              <a:chExt cx="550355" cy="236364"/>
             </a:xfrm>
           </p:grpSpPr>
           <p:cxnSp>
@@ -22270,8 +22325,8 @@
             </p:nvCxnSpPr>
             <p:spPr>
               <a:xfrm>
-                <a:off x="1602824" y="2736704"/>
-                <a:ext cx="463922" cy="16173"/>
+                <a:off x="1516392" y="2736707"/>
+                <a:ext cx="550355" cy="16173"/>
               </a:xfrm>
               <a:prstGeom prst="straightConnector1">
                 <a:avLst/>
@@ -22380,7 +22435,7 @@
                     <a:schemeClr val="tx1"/>
                   </a:solidFill>
                 </a:rPr>
-                <a:t>ET</a:t>
+                <a:t>ES</a:t>
               </a:r>
             </a:p>
           </p:txBody>
@@ -22434,7 +22489,7 @@
                     <a:schemeClr val="tx1"/>
                   </a:solidFill>
                 </a:rPr>
-                <a:t>EV</a:t>
+                <a:t>EU</a:t>
               </a:r>
             </a:p>
           </p:txBody>
@@ -22739,7 +22794,7 @@
                     <a:schemeClr val="tx1"/>
                   </a:solidFill>
                 </a:rPr>
-                <a:t>AB</a:t>
+                <a:t>AA</a:t>
               </a:r>
             </a:p>
           </p:txBody>
@@ -22913,7 +22968,7 @@
                     <a:schemeClr val="tx1"/>
                   </a:solidFill>
                 </a:rPr>
-                <a:t>AC</a:t>
+                <a:t>AB</a:t>
               </a:r>
             </a:p>
           </p:txBody>
@@ -23087,7 +23142,7 @@
                     <a:schemeClr val="tx1"/>
                   </a:solidFill>
                 </a:rPr>
-                <a:t>AD</a:t>
+                <a:t>AC</a:t>
               </a:r>
             </a:p>
           </p:txBody>
@@ -23261,7 +23316,7 @@
                     <a:schemeClr val="tx1"/>
                   </a:solidFill>
                 </a:rPr>
-                <a:t>AE</a:t>
+                <a:t>AD</a:t>
               </a:r>
             </a:p>
           </p:txBody>
@@ -23435,7 +23490,7 @@
                     <a:schemeClr val="tx1"/>
                   </a:solidFill>
                 </a:rPr>
-                <a:t>AF</a:t>
+                <a:t>AE</a:t>
               </a:r>
             </a:p>
           </p:txBody>
@@ -23609,7 +23664,7 @@
                     <a:schemeClr val="tx1"/>
                   </a:solidFill>
                 </a:rPr>
-                <a:t>AG</a:t>
+                <a:t>AF</a:t>
               </a:r>
             </a:p>
           </p:txBody>
@@ -23783,7 +23838,7 @@
                     <a:schemeClr val="tx1"/>
                   </a:solidFill>
                 </a:rPr>
-                <a:t>AH</a:t>
+                <a:t>AG</a:t>
               </a:r>
             </a:p>
           </p:txBody>
@@ -23925,7 +23980,7 @@
                   <a:schemeClr val="tx1"/>
                 </a:solidFill>
               </a:rPr>
-              <a:t>H</a:t>
+              <a:t>G</a:t>
             </a:r>
           </a:p>
         </p:txBody>
@@ -24586,7 +24641,7 @@
                     <a:schemeClr val="tx1"/>
                   </a:solidFill>
                 </a:rPr>
-                <a:t>AQ</a:t>
+                <a:t>AP</a:t>
               </a:r>
             </a:p>
           </p:txBody>
@@ -24676,7 +24731,7 @@
                     <a:schemeClr val="tx1"/>
                   </a:solidFill>
                 </a:rPr>
-                <a:t>L</a:t>
+                <a:t>K</a:t>
               </a:r>
             </a:p>
           </p:txBody>
@@ -24868,7 +24923,7 @@
                   <a:schemeClr val="tx1"/>
                 </a:solidFill>
               </a:rPr>
-              <a:t>M</a:t>
+              <a:t>L</a:t>
             </a:r>
           </a:p>
         </p:txBody>
@@ -25019,7 +25074,7 @@
                   <a:schemeClr val="tx1"/>
                 </a:solidFill>
               </a:rPr>
-              <a:t>AR</a:t>
+              <a:t>AQ</a:t>
             </a:r>
           </a:p>
         </p:txBody>
@@ -25269,7 +25324,7 @@
                   <a:schemeClr val="tx1"/>
                 </a:solidFill>
               </a:rPr>
-              <a:t>CD</a:t>
+              <a:t>CC</a:t>
             </a:r>
           </a:p>
         </p:txBody>
@@ -25420,7 +25475,7 @@
                   <a:schemeClr val="tx1"/>
                 </a:solidFill>
               </a:rPr>
-              <a:t>CV</a:t>
+              <a:t>CU</a:t>
             </a:r>
           </a:p>
         </p:txBody>
@@ -25874,7 +25929,7 @@
                   <a:schemeClr val="tx1"/>
                 </a:solidFill>
               </a:rPr>
-              <a:t>EC</a:t>
+              <a:t>DU</a:t>
             </a:r>
           </a:p>
         </p:txBody>
@@ -26067,7 +26122,7 @@
                   <a:schemeClr val="tx1"/>
                 </a:solidFill>
               </a:rPr>
-              <a:t>AS</a:t>
+              <a:t>AR</a:t>
             </a:r>
           </a:p>
         </p:txBody>
@@ -26220,7 +26275,7 @@
                   <a:schemeClr val="tx1"/>
                 </a:solidFill>
               </a:rPr>
-              <a:t>BL</a:t>
+              <a:t>BK</a:t>
             </a:r>
           </a:p>
         </p:txBody>
@@ -26373,7 +26428,7 @@
                   <a:schemeClr val="tx1"/>
                 </a:solidFill>
               </a:rPr>
-              <a:t>CE</a:t>
+              <a:t>CD</a:t>
             </a:r>
           </a:p>
         </p:txBody>
@@ -26393,7 +26448,7 @@
         <p:spPr>
           <a:xfrm>
             <a:off x="9780769" y="13001928"/>
-            <a:ext cx="638924" cy="336396"/>
+            <a:ext cx="480089" cy="336396"/>
           </a:xfrm>
           <a:prstGeom prst="ellipse">
             <a:avLst/>
@@ -26428,7 +26483,7 @@
                   <a:schemeClr val="tx1"/>
                 </a:solidFill>
               </a:rPr>
-              <a:t>CW</a:t>
+              <a:t>CV</a:t>
             </a:r>
           </a:p>
         </p:txBody>
@@ -26663,7 +26718,7 @@
                   <a:schemeClr val="tx1"/>
                 </a:solidFill>
               </a:rPr>
-              <a:t>AT</a:t>
+              <a:t>AS</a:t>
             </a:r>
           </a:p>
         </p:txBody>
@@ -26682,10 +26737,10 @@
         </p:nvGrpSpPr>
         <p:grpSpPr>
           <a:xfrm>
-            <a:off x="6917241" y="13913601"/>
-            <a:ext cx="982037" cy="235390"/>
-            <a:chOff x="2262953" y="2054008"/>
-            <a:chExt cx="982037" cy="235390"/>
+            <a:off x="6917241" y="13918159"/>
+            <a:ext cx="982037" cy="230832"/>
+            <a:chOff x="2262953" y="2058566"/>
+            <a:chExt cx="982037" cy="230832"/>
           </a:xfrm>
         </p:grpSpPr>
         <p:cxnSp>
@@ -26705,9 +26760,9 @@
             <p:nvPr/>
           </p:nvCxnSpPr>
           <p:spPr>
-            <a:xfrm flipV="1">
-              <a:off x="2262953" y="2054008"/>
-              <a:ext cx="982037" cy="18477"/>
+            <a:xfrm>
+              <a:off x="2262953" y="2072485"/>
+              <a:ext cx="982037" cy="16060"/>
             </a:xfrm>
             <a:prstGeom prst="straightConnector1">
               <a:avLst/>
@@ -26781,8 +26836,8 @@
         </p:nvSpPr>
         <p:spPr>
           <a:xfrm>
-            <a:off x="7899278" y="13730721"/>
-            <a:ext cx="418287" cy="365760"/>
+            <a:off x="7899278" y="13765258"/>
+            <a:ext cx="365760" cy="365760"/>
           </a:xfrm>
           <a:prstGeom prst="ellipse">
             <a:avLst/>
@@ -26816,7 +26871,7 @@
                   <a:schemeClr val="tx1"/>
                 </a:solidFill>
               </a:rPr>
-              <a:t>BM</a:t>
+              <a:t>BL</a:t>
             </a:r>
           </a:p>
         </p:txBody>
@@ -26835,10 +26890,10 @@
         </p:nvGrpSpPr>
         <p:grpSpPr>
           <a:xfrm>
-            <a:off x="8317565" y="13890716"/>
-            <a:ext cx="484940" cy="230832"/>
-            <a:chOff x="2810641" y="2086646"/>
-            <a:chExt cx="484940" cy="230832"/>
+            <a:off x="8262417" y="13848079"/>
+            <a:ext cx="533436" cy="230832"/>
+            <a:chOff x="2704902" y="2010614"/>
+            <a:chExt cx="533436" cy="230832"/>
           </a:xfrm>
         </p:grpSpPr>
         <p:cxnSp>
@@ -26852,15 +26907,13 @@
             </p:cNvPr>
             <p:cNvCxnSpPr>
               <a:cxnSpLocks/>
-              <a:stCxn id="182" idx="6"/>
-              <a:endCxn id="186" idx="2"/>
             </p:cNvCxnSpPr>
             <p:nvPr/>
           </p:nvCxnSpPr>
           <p:spPr>
             <a:xfrm>
-              <a:off x="2810641" y="2109531"/>
-              <a:ext cx="484940" cy="4558"/>
+              <a:off x="2704902" y="2054141"/>
+              <a:ext cx="533436" cy="0"/>
             </a:xfrm>
             <a:prstGeom prst="straightConnector1">
               <a:avLst/>
@@ -26898,7 +26951,7 @@
           </p:nvSpPr>
           <p:spPr>
             <a:xfrm>
-              <a:off x="2887468" y="2086646"/>
+              <a:off x="2842733" y="2010614"/>
               <a:ext cx="150495" cy="230832"/>
             </a:xfrm>
             <a:prstGeom prst="rect">
@@ -26970,7 +27023,7 @@
                   <a:schemeClr val="tx1"/>
                 </a:solidFill>
               </a:rPr>
-              <a:t>CF</a:t>
+              <a:t>CE</a:t>
             </a:r>
           </a:p>
         </p:txBody>
@@ -27029,10 +27082,10 @@
         </p:nvGrpSpPr>
         <p:grpSpPr>
           <a:xfrm>
-            <a:off x="5987369" y="14144087"/>
-            <a:ext cx="8522728" cy="638815"/>
+            <a:off x="5987369" y="14144085"/>
+            <a:ext cx="8522728" cy="561547"/>
             <a:chOff x="2786755" y="14028186"/>
-            <a:chExt cx="13547336" cy="1118341"/>
+            <a:chExt cx="13547336" cy="983072"/>
           </a:xfrm>
         </p:grpSpPr>
         <p:grpSp>
@@ -27181,7 +27234,7 @@
                     <a:schemeClr val="tx1"/>
                   </a:solidFill>
                 </a:rPr>
-                <a:t>AU</a:t>
+                <a:t>AT</a:t>
               </a:r>
             </a:p>
           </p:txBody>
@@ -27235,7 +27288,7 @@
                     <a:schemeClr val="tx1"/>
                   </a:solidFill>
                 </a:rPr>
-                <a:t>BN</a:t>
+                <a:t>BM</a:t>
               </a:r>
             </a:p>
           </p:txBody>
@@ -27388,7 +27441,7 @@
                     <a:schemeClr val="tx1"/>
                   </a:solidFill>
                 </a:rPr>
-                <a:t>CG</a:t>
+                <a:t>CF</a:t>
               </a:r>
             </a:p>
           </p:txBody>
@@ -27408,9 +27461,9 @@
           <p:grpSpPr>
             <a:xfrm>
               <a:off x="6487552" y="14513082"/>
-              <a:ext cx="622435" cy="624102"/>
+              <a:ext cx="622435" cy="167814"/>
               <a:chOff x="1997415" y="869561"/>
-              <a:chExt cx="474237" cy="5550680"/>
+              <a:chExt cx="474237" cy="1492515"/>
             </a:xfrm>
           </p:grpSpPr>
           <p:cxnSp>
@@ -27470,8 +27523,8 @@
             </p:nvSpPr>
             <p:spPr>
               <a:xfrm>
-                <a:off x="1997415" y="2153281"/>
-                <a:ext cx="150495" cy="4266960"/>
+                <a:off x="1997415" y="2153279"/>
+                <a:ext cx="150495" cy="208797"/>
               </a:xfrm>
               <a:prstGeom prst="rect">
                 <a:avLst/>
@@ -27486,7 +27539,7 @@
               <a:p>
                 <a:r>
                   <a:rPr lang="en-US" sz="1181" b="1" dirty="0"/>
-                  <a:t>i</a:t>
+                  <a:t>n</a:t>
                 </a:r>
               </a:p>
             </p:txBody>
@@ -27541,7 +27594,7 @@
                     <a:schemeClr val="tx1"/>
                   </a:solidFill>
                 </a:rPr>
-                <a:t>CX</a:t>
+                <a:t>CW</a:t>
               </a:r>
             </a:p>
           </p:txBody>
@@ -27561,9 +27614,9 @@
           <p:grpSpPr>
             <a:xfrm>
               <a:off x="7859738" y="14509072"/>
-              <a:ext cx="452040" cy="637455"/>
+              <a:ext cx="452040" cy="431740"/>
               <a:chOff x="2130448" y="1033918"/>
-              <a:chExt cx="344413" cy="4780838"/>
+              <a:chExt cx="344413" cy="3237998"/>
             </a:xfrm>
           </p:grpSpPr>
           <p:cxnSp>
@@ -27623,8 +27676,8 @@
             </p:nvSpPr>
             <p:spPr>
               <a:xfrm>
-                <a:off x="2130448" y="2216585"/>
-                <a:ext cx="150496" cy="3598171"/>
+                <a:off x="2130448" y="2216586"/>
+                <a:ext cx="150496" cy="2055330"/>
               </a:xfrm>
               <a:prstGeom prst="rect">
                 <a:avLst/>
@@ -27639,7 +27692,7 @@
               <a:p>
                 <a:r>
                   <a:rPr lang="en-US" sz="1181" b="1" dirty="0"/>
-                  <a:t>n</a:t>
+                  <a:t>o</a:t>
                 </a:r>
               </a:p>
             </p:txBody>
@@ -27713,10 +27766,10 @@
           </p:nvGrpSpPr>
           <p:grpSpPr>
             <a:xfrm>
-              <a:off x="13639628" y="14431849"/>
-              <a:ext cx="569242" cy="563636"/>
-              <a:chOff x="2970748" y="2036521"/>
-              <a:chExt cx="433710" cy="507794"/>
+              <a:off x="13598698" y="14431856"/>
+              <a:ext cx="432242" cy="563628"/>
+              <a:chOff x="2939558" y="2036528"/>
+              <a:chExt cx="329328" cy="507787"/>
             </a:xfrm>
           </p:grpSpPr>
           <p:cxnSp>
@@ -27737,8 +27790,8 @@
             </p:nvCxnSpPr>
             <p:spPr>
               <a:xfrm flipV="1">
-                <a:off x="3074511" y="2036521"/>
-                <a:ext cx="329947" cy="37613"/>
+                <a:off x="2939558" y="2036528"/>
+                <a:ext cx="329328" cy="37608"/>
               </a:xfrm>
               <a:prstGeom prst="straightConnector1">
                 <a:avLst/>
@@ -27848,7 +27901,7 @@
                     <a:schemeClr val="tx1"/>
                   </a:solidFill>
                 </a:rPr>
-                <a:t>EU</a:t>
+                <a:t>ET</a:t>
               </a:r>
             </a:p>
           </p:txBody>
@@ -28153,7 +28206,7 @@
                     <a:schemeClr val="tx1"/>
                   </a:solidFill>
                 </a:rPr>
-                <a:t>ED</a:t>
+                <a:t>EC</a:t>
               </a:r>
             </a:p>
           </p:txBody>
@@ -28306,7 +28359,7 @@
                     <a:schemeClr val="tx1"/>
                   </a:solidFill>
                 </a:rPr>
-                <a:t>EI</a:t>
+                <a:t>EH</a:t>
               </a:r>
             </a:p>
           </p:txBody>
@@ -28325,9 +28378,9 @@
           </p:nvGrpSpPr>
           <p:grpSpPr>
             <a:xfrm>
-              <a:off x="12347021" y="14473598"/>
+              <a:off x="12347023" y="14473598"/>
               <a:ext cx="515777" cy="231758"/>
-              <a:chOff x="1717421" y="1476035"/>
+              <a:chOff x="1717423" y="1476035"/>
               <a:chExt cx="392970" cy="1497036"/>
             </a:xfrm>
           </p:grpSpPr>
@@ -28349,8 +28402,8 @@
             </p:nvCxnSpPr>
             <p:spPr>
               <a:xfrm flipV="1">
-                <a:off x="1717421" y="1476035"/>
-                <a:ext cx="392970" cy="28904"/>
+                <a:off x="1717423" y="1476035"/>
+                <a:ext cx="392970" cy="28900"/>
               </a:xfrm>
               <a:prstGeom prst="straightConnector1">
                 <a:avLst/>
@@ -28424,8 +28477,8 @@
           </p:nvSpPr>
           <p:spPr>
             <a:xfrm>
-              <a:off x="12862798" y="14266591"/>
-              <a:ext cx="913019" cy="414015"/>
+              <a:off x="12862797" y="14266591"/>
+              <a:ext cx="735904" cy="414014"/>
             </a:xfrm>
             <a:prstGeom prst="ellipse">
               <a:avLst/>
@@ -28459,7 +28512,7 @@
                     <a:schemeClr val="tx1"/>
                   </a:solidFill>
                 </a:rPr>
-                <a:t>EN</a:t>
+                <a:t>EL</a:t>
               </a:r>
             </a:p>
           </p:txBody>
@@ -29508,7 +29561,7 @@
         </p:nvSpPr>
         <p:spPr>
           <a:xfrm>
-            <a:off x="13173105" y="14256418"/>
+            <a:off x="13061171" y="14256419"/>
             <a:ext cx="462963" cy="236492"/>
           </a:xfrm>
           <a:prstGeom prst="ellipse">
@@ -29543,62 +29596,7 @@
                   <a:schemeClr val="tx1"/>
                 </a:solidFill>
               </a:rPr>
-              <a:t>ER</a:t>
-            </a:r>
-          </a:p>
-        </p:txBody>
-      </p:sp>
-      <p:sp>
-        <p:nvSpPr>
-          <p:cNvPr id="740" name="Oval 739">
-            <a:extLst>
-              <a:ext uri="{FF2B5EF4-FFF2-40B4-BE49-F238E27FC236}">
-                <a16:creationId xmlns:a16="http://schemas.microsoft.com/office/drawing/2014/main" id="{2E6FA0A3-6A3A-4300-8A08-278168616AAB}"/>
-              </a:ext>
-            </a:extLst>
-          </p:cNvPr>
-          <p:cNvSpPr/>
-          <p:nvPr/>
-        </p:nvSpPr>
-        <p:spPr>
-          <a:xfrm>
-            <a:off x="3480115" y="6522289"/>
-            <a:ext cx="365760" cy="365760"/>
-          </a:xfrm>
-          <a:prstGeom prst="ellipse">
-            <a:avLst/>
-          </a:prstGeom>
-          <a:noFill/>
-          <a:ln w="34925" cmpd="dbl"/>
-        </p:spPr>
-        <p:style>
-          <a:lnRef idx="2">
-            <a:schemeClr val="dk1">
-              <a:shade val="50000"/>
-            </a:schemeClr>
-          </a:lnRef>
-          <a:fillRef idx="1">
-            <a:schemeClr val="dk1"/>
-          </a:fillRef>
-          <a:effectRef idx="0">
-            <a:schemeClr val="dk1"/>
-          </a:effectRef>
-          <a:fontRef idx="minor">
-            <a:schemeClr val="lt1"/>
-          </a:fontRef>
-        </p:style>
-        <p:txBody>
-          <a:bodyPr lIns="0" tIns="0" rIns="0" bIns="0" rtlCol="0" anchor="ctr"/>
-          <a:lstStyle/>
-          <a:p>
-            <a:pPr algn="ctr"/>
-            <a:r>
-              <a:rPr lang="en-US" sz="1600" dirty="0">
-                <a:solidFill>
-                  <a:schemeClr val="tx1"/>
-                </a:solidFill>
-              </a:rPr>
-              <a:t>E</a:t>
+              <a:t>EQ</a:t>
             </a:r>
           </a:p>
         </p:txBody>

--- a/Graphs/DFA/DFA Drawing/full DFA.pptx
+++ b/Graphs/DFA/DFA Drawing/full DFA.pptx
@@ -5798,107 +5798,48 @@
           </p:style>
         </p:cxnSp>
       </p:grpSp>
-      <p:grpSp>
-        <p:nvGrpSpPr>
-          <p:cNvPr id="93" name="Group 92">
+      <p:cxnSp>
+        <p:nvCxnSpPr>
+          <p:cNvPr id="98" name="Straight Arrow Connector 97">
             <a:extLst>
               <a:ext uri="{FF2B5EF4-FFF2-40B4-BE49-F238E27FC236}">
-                <a16:creationId xmlns:a16="http://schemas.microsoft.com/office/drawing/2014/main" id="{C63AF1AE-93E8-451C-9532-C33E5D250CA6}"/>
+                <a16:creationId xmlns:a16="http://schemas.microsoft.com/office/drawing/2014/main" id="{1FEEC1AC-9257-4DFD-B71D-547EF029E69C}"/>
               </a:ext>
             </a:extLst>
           </p:cNvPr>
-          <p:cNvGrpSpPr/>
+          <p:cNvCxnSpPr>
+            <a:cxnSpLocks/>
+            <a:endCxn id="784" idx="0"/>
+          </p:cNvCxnSpPr>
           <p:nvPr/>
-        </p:nvGrpSpPr>
-        <p:grpSpPr>
-          <a:xfrm flipV="1">
-            <a:off x="10543132" y="2973099"/>
-            <a:ext cx="1026847" cy="1090279"/>
-            <a:chOff x="3007396" y="5441112"/>
-            <a:chExt cx="1026847" cy="654888"/>
+        </p:nvCxnSpPr>
+        <p:spPr>
+          <a:xfrm>
+            <a:off x="22264491" y="10302242"/>
+            <a:ext cx="2844474" cy="9897149"/>
           </a:xfrm>
-        </p:grpSpPr>
-        <p:cxnSp>
-          <p:nvCxnSpPr>
-            <p:cNvPr id="94" name="Straight Connector 93">
-              <a:extLst>
-                <a:ext uri="{FF2B5EF4-FFF2-40B4-BE49-F238E27FC236}">
-                  <a16:creationId xmlns:a16="http://schemas.microsoft.com/office/drawing/2014/main" id="{6BB46B93-1DCF-40B8-A8C0-7F0676F9F4D9}"/>
-                </a:ext>
-              </a:extLst>
-            </p:cNvPr>
-            <p:cNvCxnSpPr>
-              <a:cxnSpLocks/>
-            </p:cNvCxnSpPr>
-            <p:nvPr/>
-          </p:nvCxnSpPr>
-          <p:spPr>
-            <a:xfrm flipV="1">
-              <a:off x="3007396" y="5441112"/>
-              <a:ext cx="493411" cy="654888"/>
-            </a:xfrm>
-            <a:prstGeom prst="line">
-              <a:avLst/>
-            </a:prstGeom>
-            <a:ln w="9525"/>
-          </p:spPr>
-          <p:style>
-            <a:lnRef idx="1">
-              <a:schemeClr val="dk1"/>
-            </a:lnRef>
-            <a:fillRef idx="0">
-              <a:schemeClr val="dk1"/>
-            </a:fillRef>
-            <a:effectRef idx="0">
-              <a:schemeClr val="dk1"/>
-            </a:effectRef>
-            <a:fontRef idx="minor">
-              <a:schemeClr val="tx1"/>
-            </a:fontRef>
-          </p:style>
-        </p:cxnSp>
-        <p:cxnSp>
-          <p:nvCxnSpPr>
-            <p:cNvPr id="98" name="Straight Arrow Connector 97">
-              <a:extLst>
-                <a:ext uri="{FF2B5EF4-FFF2-40B4-BE49-F238E27FC236}">
-                  <a16:creationId xmlns:a16="http://schemas.microsoft.com/office/drawing/2014/main" id="{1FEEC1AC-9257-4DFD-B71D-547EF029E69C}"/>
-                </a:ext>
-              </a:extLst>
-            </p:cNvPr>
-            <p:cNvCxnSpPr>
-              <a:cxnSpLocks/>
-            </p:cNvCxnSpPr>
-            <p:nvPr/>
-          </p:nvCxnSpPr>
-          <p:spPr>
-            <a:xfrm>
-              <a:off x="3500807" y="5441112"/>
-              <a:ext cx="533436" cy="0"/>
-            </a:xfrm>
-            <a:prstGeom prst="straightConnector1">
-              <a:avLst/>
-            </a:prstGeom>
-            <a:ln w="9525">
-              <a:tailEnd type="triangle"/>
-            </a:ln>
-          </p:spPr>
-          <p:style>
-            <a:lnRef idx="1">
-              <a:schemeClr val="dk1"/>
-            </a:lnRef>
-            <a:fillRef idx="0">
-              <a:schemeClr val="dk1"/>
-            </a:fillRef>
-            <a:effectRef idx="0">
-              <a:schemeClr val="dk1"/>
-            </a:effectRef>
-            <a:fontRef idx="minor">
-              <a:schemeClr val="tx1"/>
-            </a:fontRef>
-          </p:style>
-        </p:cxnSp>
-      </p:grpSp>
+          <a:prstGeom prst="straightConnector1">
+            <a:avLst/>
+          </a:prstGeom>
+          <a:ln w="9525">
+            <a:tailEnd type="triangle"/>
+          </a:ln>
+        </p:spPr>
+        <p:style>
+          <a:lnRef idx="1">
+            <a:schemeClr val="dk1"/>
+          </a:lnRef>
+          <a:fillRef idx="0">
+            <a:schemeClr val="dk1"/>
+          </a:fillRef>
+          <a:effectRef idx="0">
+            <a:schemeClr val="dk1"/>
+          </a:effectRef>
+          <a:fontRef idx="minor">
+            <a:schemeClr val="tx1"/>
+          </a:fontRef>
+        </p:style>
+      </p:cxnSp>
       <p:grpSp>
         <p:nvGrpSpPr>
           <p:cNvPr id="99" name="Group 98">
@@ -29603,6 +29544,808 @@
           </a:p>
         </p:txBody>
       </p:sp>
+      <p:cxnSp>
+        <p:nvCxnSpPr>
+          <p:cNvPr id="94" name="Straight Connector 93">
+            <a:extLst>
+              <a:ext uri="{FF2B5EF4-FFF2-40B4-BE49-F238E27FC236}">
+                <a16:creationId xmlns:a16="http://schemas.microsoft.com/office/drawing/2014/main" id="{6BB46B93-1DCF-40B8-A8C0-7F0676F9F4D9}"/>
+              </a:ext>
+            </a:extLst>
+          </p:cNvPr>
+          <p:cNvCxnSpPr>
+            <a:cxnSpLocks/>
+            <a:stCxn id="39" idx="5"/>
+          </p:cNvCxnSpPr>
+          <p:nvPr/>
+        </p:nvCxnSpPr>
+        <p:spPr>
+          <a:xfrm flipV="1">
+            <a:off x="3566263" y="5282390"/>
+            <a:ext cx="19066827" cy="79758"/>
+          </a:xfrm>
+          <a:prstGeom prst="line">
+            <a:avLst/>
+          </a:prstGeom>
+          <a:ln w="9525"/>
+        </p:spPr>
+        <p:style>
+          <a:lnRef idx="1">
+            <a:schemeClr val="dk1"/>
+          </a:lnRef>
+          <a:fillRef idx="0">
+            <a:schemeClr val="dk1"/>
+          </a:fillRef>
+          <a:effectRef idx="0">
+            <a:schemeClr val="dk1"/>
+          </a:effectRef>
+          <a:fontRef idx="minor">
+            <a:schemeClr val="tx1"/>
+          </a:fontRef>
+        </p:style>
+      </p:cxnSp>
+      <p:cxnSp>
+        <p:nvCxnSpPr>
+          <p:cNvPr id="743" name="Straight Connector 742">
+            <a:extLst>
+              <a:ext uri="{FF2B5EF4-FFF2-40B4-BE49-F238E27FC236}">
+                <a16:creationId xmlns:a16="http://schemas.microsoft.com/office/drawing/2014/main" id="{8C67831D-8429-4611-B501-0177A36758C2}"/>
+              </a:ext>
+            </a:extLst>
+          </p:cNvPr>
+          <p:cNvCxnSpPr>
+            <a:cxnSpLocks/>
+            <a:stCxn id="48" idx="5"/>
+          </p:cNvCxnSpPr>
+          <p:nvPr/>
+        </p:nvCxnSpPr>
+        <p:spPr>
+          <a:xfrm>
+            <a:off x="3626771" y="5798030"/>
+            <a:ext cx="18607975" cy="85900"/>
+          </a:xfrm>
+          <a:prstGeom prst="line">
+            <a:avLst/>
+          </a:prstGeom>
+          <a:ln w="9525"/>
+        </p:spPr>
+        <p:style>
+          <a:lnRef idx="1">
+            <a:schemeClr val="dk1"/>
+          </a:lnRef>
+          <a:fillRef idx="0">
+            <a:schemeClr val="dk1"/>
+          </a:fillRef>
+          <a:effectRef idx="0">
+            <a:schemeClr val="dk1"/>
+          </a:effectRef>
+          <a:fontRef idx="minor">
+            <a:schemeClr val="tx1"/>
+          </a:fontRef>
+        </p:style>
+      </p:cxnSp>
+      <p:cxnSp>
+        <p:nvCxnSpPr>
+          <p:cNvPr id="747" name="Straight Connector 746">
+            <a:extLst>
+              <a:ext uri="{FF2B5EF4-FFF2-40B4-BE49-F238E27FC236}">
+                <a16:creationId xmlns:a16="http://schemas.microsoft.com/office/drawing/2014/main" id="{7EF57139-78E8-46D9-A27A-9F23C5B64F82}"/>
+              </a:ext>
+            </a:extLst>
+          </p:cNvPr>
+          <p:cNvCxnSpPr>
+            <a:cxnSpLocks/>
+          </p:cNvCxnSpPr>
+          <p:nvPr/>
+        </p:nvCxnSpPr>
+        <p:spPr>
+          <a:xfrm flipV="1">
+            <a:off x="3728113" y="6296238"/>
+            <a:ext cx="18366836" cy="12195"/>
+          </a:xfrm>
+          <a:prstGeom prst="line">
+            <a:avLst/>
+          </a:prstGeom>
+          <a:ln w="9525"/>
+        </p:spPr>
+        <p:style>
+          <a:lnRef idx="1">
+            <a:schemeClr val="dk1"/>
+          </a:lnRef>
+          <a:fillRef idx="0">
+            <a:schemeClr val="dk1"/>
+          </a:fillRef>
+          <a:effectRef idx="0">
+            <a:schemeClr val="dk1"/>
+          </a:effectRef>
+          <a:fontRef idx="minor">
+            <a:schemeClr val="tx1"/>
+          </a:fontRef>
+        </p:style>
+      </p:cxnSp>
+      <p:cxnSp>
+        <p:nvCxnSpPr>
+          <p:cNvPr id="750" name="Straight Connector 749">
+            <a:extLst>
+              <a:ext uri="{FF2B5EF4-FFF2-40B4-BE49-F238E27FC236}">
+                <a16:creationId xmlns:a16="http://schemas.microsoft.com/office/drawing/2014/main" id="{3C48BEFD-8BD7-4D28-A315-DFCB2F746D48}"/>
+              </a:ext>
+            </a:extLst>
+          </p:cNvPr>
+          <p:cNvCxnSpPr>
+            <a:cxnSpLocks/>
+            <a:stCxn id="740" idx="5"/>
+          </p:cNvCxnSpPr>
+          <p:nvPr/>
+        </p:nvCxnSpPr>
+        <p:spPr>
+          <a:xfrm flipV="1">
+            <a:off x="3792311" y="6722950"/>
+            <a:ext cx="17994806" cy="111534"/>
+          </a:xfrm>
+          <a:prstGeom prst="line">
+            <a:avLst/>
+          </a:prstGeom>
+          <a:ln w="9525"/>
+        </p:spPr>
+        <p:style>
+          <a:lnRef idx="1">
+            <a:schemeClr val="dk1"/>
+          </a:lnRef>
+          <a:fillRef idx="0">
+            <a:schemeClr val="dk1"/>
+          </a:fillRef>
+          <a:effectRef idx="0">
+            <a:schemeClr val="dk1"/>
+          </a:effectRef>
+          <a:fontRef idx="minor">
+            <a:schemeClr val="tx1"/>
+          </a:fontRef>
+        </p:style>
+      </p:cxnSp>
+      <p:cxnSp>
+        <p:nvCxnSpPr>
+          <p:cNvPr id="770" name="Straight Connector 769">
+            <a:extLst>
+              <a:ext uri="{FF2B5EF4-FFF2-40B4-BE49-F238E27FC236}">
+                <a16:creationId xmlns:a16="http://schemas.microsoft.com/office/drawing/2014/main" id="{08627855-7105-4F3C-8623-AA399AB7E52B}"/>
+              </a:ext>
+            </a:extLst>
+          </p:cNvPr>
+          <p:cNvCxnSpPr>
+            <a:cxnSpLocks/>
+          </p:cNvCxnSpPr>
+          <p:nvPr/>
+        </p:nvCxnSpPr>
+        <p:spPr>
+          <a:xfrm>
+            <a:off x="4120203" y="10058162"/>
+            <a:ext cx="18089901" cy="150719"/>
+          </a:xfrm>
+          <a:prstGeom prst="line">
+            <a:avLst/>
+          </a:prstGeom>
+          <a:ln w="9525"/>
+        </p:spPr>
+        <p:style>
+          <a:lnRef idx="1">
+            <a:schemeClr val="dk1"/>
+          </a:lnRef>
+          <a:fillRef idx="0">
+            <a:schemeClr val="dk1"/>
+          </a:fillRef>
+          <a:effectRef idx="0">
+            <a:schemeClr val="dk1"/>
+          </a:effectRef>
+          <a:fontRef idx="minor">
+            <a:schemeClr val="tx1"/>
+          </a:fontRef>
+        </p:style>
+      </p:cxnSp>
+      <p:cxnSp>
+        <p:nvCxnSpPr>
+          <p:cNvPr id="772" name="Straight Connector 771">
+            <a:extLst>
+              <a:ext uri="{FF2B5EF4-FFF2-40B4-BE49-F238E27FC236}">
+                <a16:creationId xmlns:a16="http://schemas.microsoft.com/office/drawing/2014/main" id="{F1A042D7-2469-418F-AC61-5B3C036D6111}"/>
+              </a:ext>
+            </a:extLst>
+          </p:cNvPr>
+          <p:cNvCxnSpPr>
+            <a:cxnSpLocks/>
+            <a:stCxn id="92" idx="4"/>
+          </p:cNvCxnSpPr>
+          <p:nvPr/>
+        </p:nvCxnSpPr>
+        <p:spPr>
+          <a:xfrm>
+            <a:off x="4140362" y="9861758"/>
+            <a:ext cx="0" cy="195470"/>
+          </a:xfrm>
+          <a:prstGeom prst="line">
+            <a:avLst/>
+          </a:prstGeom>
+          <a:ln w="9525"/>
+        </p:spPr>
+        <p:style>
+          <a:lnRef idx="1">
+            <a:schemeClr val="dk1"/>
+          </a:lnRef>
+          <a:fillRef idx="0">
+            <a:schemeClr val="dk1"/>
+          </a:fillRef>
+          <a:effectRef idx="0">
+            <a:schemeClr val="dk1"/>
+          </a:effectRef>
+          <a:fontRef idx="minor">
+            <a:schemeClr val="tx1"/>
+          </a:fontRef>
+        </p:style>
+      </p:cxnSp>
+      <p:cxnSp>
+        <p:nvCxnSpPr>
+          <p:cNvPr id="774" name="Straight Connector 773">
+            <a:extLst>
+              <a:ext uri="{FF2B5EF4-FFF2-40B4-BE49-F238E27FC236}">
+                <a16:creationId xmlns:a16="http://schemas.microsoft.com/office/drawing/2014/main" id="{004A8179-F565-4D50-A803-63D13793C91F}"/>
+              </a:ext>
+            </a:extLst>
+          </p:cNvPr>
+          <p:cNvCxnSpPr>
+            <a:cxnSpLocks/>
+          </p:cNvCxnSpPr>
+          <p:nvPr/>
+        </p:nvCxnSpPr>
+        <p:spPr>
+          <a:xfrm>
+            <a:off x="5000580" y="10514318"/>
+            <a:ext cx="17058372" cy="116674"/>
+          </a:xfrm>
+          <a:prstGeom prst="line">
+            <a:avLst/>
+          </a:prstGeom>
+          <a:ln w="9525"/>
+        </p:spPr>
+        <p:style>
+          <a:lnRef idx="1">
+            <a:schemeClr val="dk1"/>
+          </a:lnRef>
+          <a:fillRef idx="0">
+            <a:schemeClr val="dk1"/>
+          </a:fillRef>
+          <a:effectRef idx="0">
+            <a:schemeClr val="dk1"/>
+          </a:effectRef>
+          <a:fontRef idx="minor">
+            <a:schemeClr val="tx1"/>
+          </a:fontRef>
+        </p:style>
+      </p:cxnSp>
+      <p:cxnSp>
+        <p:nvCxnSpPr>
+          <p:cNvPr id="779" name="Straight Connector 778">
+            <a:extLst>
+              <a:ext uri="{FF2B5EF4-FFF2-40B4-BE49-F238E27FC236}">
+                <a16:creationId xmlns:a16="http://schemas.microsoft.com/office/drawing/2014/main" id="{15B04AD7-4044-4671-B468-683767BB8853}"/>
+              </a:ext>
+            </a:extLst>
+          </p:cNvPr>
+          <p:cNvCxnSpPr>
+            <a:cxnSpLocks/>
+          </p:cNvCxnSpPr>
+          <p:nvPr/>
+        </p:nvCxnSpPr>
+        <p:spPr>
+          <a:xfrm>
+            <a:off x="5109951" y="11310665"/>
+            <a:ext cx="0" cy="166627"/>
+          </a:xfrm>
+          <a:prstGeom prst="line">
+            <a:avLst/>
+          </a:prstGeom>
+          <a:ln w="9525"/>
+        </p:spPr>
+        <p:style>
+          <a:lnRef idx="1">
+            <a:schemeClr val="dk1"/>
+          </a:lnRef>
+          <a:fillRef idx="0">
+            <a:schemeClr val="dk1"/>
+          </a:fillRef>
+          <a:effectRef idx="0">
+            <a:schemeClr val="dk1"/>
+          </a:effectRef>
+          <a:fontRef idx="minor">
+            <a:schemeClr val="tx1"/>
+          </a:fontRef>
+        </p:style>
+      </p:cxnSp>
+      <p:cxnSp>
+        <p:nvCxnSpPr>
+          <p:cNvPr id="781" name="Straight Connector 780">
+            <a:extLst>
+              <a:ext uri="{FF2B5EF4-FFF2-40B4-BE49-F238E27FC236}">
+                <a16:creationId xmlns:a16="http://schemas.microsoft.com/office/drawing/2014/main" id="{C43EFA96-BC92-4D3E-94C3-6E8C0F208B68}"/>
+              </a:ext>
+            </a:extLst>
+          </p:cNvPr>
+          <p:cNvCxnSpPr>
+            <a:cxnSpLocks/>
+          </p:cNvCxnSpPr>
+          <p:nvPr/>
+        </p:nvCxnSpPr>
+        <p:spPr>
+          <a:xfrm>
+            <a:off x="5129683" y="12063008"/>
+            <a:ext cx="16936758" cy="29030"/>
+          </a:xfrm>
+          <a:prstGeom prst="line">
+            <a:avLst/>
+          </a:prstGeom>
+          <a:ln w="9525"/>
+        </p:spPr>
+        <p:style>
+          <a:lnRef idx="1">
+            <a:schemeClr val="dk1"/>
+          </a:lnRef>
+          <a:fillRef idx="0">
+            <a:schemeClr val="dk1"/>
+          </a:fillRef>
+          <a:effectRef idx="0">
+            <a:schemeClr val="dk1"/>
+          </a:effectRef>
+          <a:fontRef idx="minor">
+            <a:schemeClr val="tx1"/>
+          </a:fontRef>
+        </p:style>
+      </p:cxnSp>
+      <p:cxnSp>
+        <p:nvCxnSpPr>
+          <p:cNvPr id="783" name="Straight Connector 782">
+            <a:extLst>
+              <a:ext uri="{FF2B5EF4-FFF2-40B4-BE49-F238E27FC236}">
+                <a16:creationId xmlns:a16="http://schemas.microsoft.com/office/drawing/2014/main" id="{351877D9-00D3-4FC2-816B-3BED9348B1D2}"/>
+              </a:ext>
+            </a:extLst>
+          </p:cNvPr>
+          <p:cNvCxnSpPr>
+            <a:cxnSpLocks/>
+          </p:cNvCxnSpPr>
+          <p:nvPr/>
+        </p:nvCxnSpPr>
+        <p:spPr>
+          <a:xfrm>
+            <a:off x="5165660" y="11905371"/>
+            <a:ext cx="0" cy="166627"/>
+          </a:xfrm>
+          <a:prstGeom prst="line">
+            <a:avLst/>
+          </a:prstGeom>
+          <a:ln w="9525"/>
+        </p:spPr>
+        <p:style>
+          <a:lnRef idx="1">
+            <a:schemeClr val="dk1"/>
+          </a:lnRef>
+          <a:fillRef idx="0">
+            <a:schemeClr val="dk1"/>
+          </a:fillRef>
+          <a:effectRef idx="0">
+            <a:schemeClr val="dk1"/>
+          </a:effectRef>
+          <a:fontRef idx="minor">
+            <a:schemeClr val="tx1"/>
+          </a:fontRef>
+        </p:style>
+      </p:cxnSp>
+      <p:sp>
+        <p:nvSpPr>
+          <p:cNvPr id="784" name="Oval 783">
+            <a:extLst>
+              <a:ext uri="{FF2B5EF4-FFF2-40B4-BE49-F238E27FC236}">
+                <a16:creationId xmlns:a16="http://schemas.microsoft.com/office/drawing/2014/main" id="{C0295A23-BA21-48B9-915A-961E92FA195E}"/>
+              </a:ext>
+            </a:extLst>
+          </p:cNvPr>
+          <p:cNvSpPr/>
+          <p:nvPr/>
+        </p:nvSpPr>
+        <p:spPr>
+          <a:xfrm>
+            <a:off x="24926085" y="20199391"/>
+            <a:ext cx="365760" cy="365760"/>
+          </a:xfrm>
+          <a:prstGeom prst="ellipse">
+            <a:avLst/>
+          </a:prstGeom>
+          <a:noFill/>
+        </p:spPr>
+        <p:style>
+          <a:lnRef idx="2">
+            <a:schemeClr val="dk1">
+              <a:shade val="50000"/>
+            </a:schemeClr>
+          </a:lnRef>
+          <a:fillRef idx="1">
+            <a:schemeClr val="dk1"/>
+          </a:fillRef>
+          <a:effectRef idx="0">
+            <a:schemeClr val="dk1"/>
+          </a:effectRef>
+          <a:fontRef idx="minor">
+            <a:schemeClr val="lt1"/>
+          </a:fontRef>
+        </p:style>
+        <p:txBody>
+          <a:bodyPr lIns="0" tIns="0" rIns="0" bIns="0" rtlCol="0" anchor="ctr"/>
+          <a:lstStyle/>
+          <a:p>
+            <a:pPr algn="ctr"/>
+            <a:r>
+              <a:rPr lang="en-US" sz="1600" dirty="0">
+                <a:solidFill>
+                  <a:schemeClr val="tx1"/>
+                </a:solidFill>
+              </a:rPr>
+              <a:t>CH</a:t>
+            </a:r>
+          </a:p>
+        </p:txBody>
+      </p:sp>
+      <p:cxnSp>
+        <p:nvCxnSpPr>
+          <p:cNvPr id="789" name="Straight Arrow Connector 788">
+            <a:extLst>
+              <a:ext uri="{FF2B5EF4-FFF2-40B4-BE49-F238E27FC236}">
+                <a16:creationId xmlns:a16="http://schemas.microsoft.com/office/drawing/2014/main" id="{6E4BFA75-6539-4810-A77B-E512E2A66FF3}"/>
+              </a:ext>
+            </a:extLst>
+          </p:cNvPr>
+          <p:cNvCxnSpPr>
+            <a:cxnSpLocks/>
+            <a:endCxn id="784" idx="0"/>
+          </p:cNvCxnSpPr>
+          <p:nvPr/>
+        </p:nvCxnSpPr>
+        <p:spPr>
+          <a:xfrm>
+            <a:off x="21854235" y="6748594"/>
+            <a:ext cx="3254730" cy="13450797"/>
+          </a:xfrm>
+          <a:prstGeom prst="straightConnector1">
+            <a:avLst/>
+          </a:prstGeom>
+          <a:ln w="9525">
+            <a:tailEnd type="triangle"/>
+          </a:ln>
+        </p:spPr>
+        <p:style>
+          <a:lnRef idx="1">
+            <a:schemeClr val="dk1"/>
+          </a:lnRef>
+          <a:fillRef idx="0">
+            <a:schemeClr val="dk1"/>
+          </a:fillRef>
+          <a:effectRef idx="0">
+            <a:schemeClr val="dk1"/>
+          </a:effectRef>
+          <a:fontRef idx="minor">
+            <a:schemeClr val="tx1"/>
+          </a:fontRef>
+        </p:style>
+      </p:cxnSp>
+      <p:cxnSp>
+        <p:nvCxnSpPr>
+          <p:cNvPr id="793" name="Straight Arrow Connector 792">
+            <a:extLst>
+              <a:ext uri="{FF2B5EF4-FFF2-40B4-BE49-F238E27FC236}">
+                <a16:creationId xmlns:a16="http://schemas.microsoft.com/office/drawing/2014/main" id="{A04E4E52-C8EB-4516-8F07-C1803A49C42C}"/>
+              </a:ext>
+            </a:extLst>
+          </p:cNvPr>
+          <p:cNvCxnSpPr>
+            <a:cxnSpLocks/>
+            <a:endCxn id="784" idx="0"/>
+          </p:cNvCxnSpPr>
+          <p:nvPr/>
+        </p:nvCxnSpPr>
+        <p:spPr>
+          <a:xfrm>
+            <a:off x="22632554" y="5300296"/>
+            <a:ext cx="2476411" cy="14899095"/>
+          </a:xfrm>
+          <a:prstGeom prst="straightConnector1">
+            <a:avLst/>
+          </a:prstGeom>
+          <a:ln w="9525">
+            <a:tailEnd type="triangle"/>
+          </a:ln>
+        </p:spPr>
+        <p:style>
+          <a:lnRef idx="1">
+            <a:schemeClr val="dk1"/>
+          </a:lnRef>
+          <a:fillRef idx="0">
+            <a:schemeClr val="dk1"/>
+          </a:fillRef>
+          <a:effectRef idx="0">
+            <a:schemeClr val="dk1"/>
+          </a:effectRef>
+          <a:fontRef idx="minor">
+            <a:schemeClr val="tx1"/>
+          </a:fontRef>
+        </p:style>
+      </p:cxnSp>
+      <p:cxnSp>
+        <p:nvCxnSpPr>
+          <p:cNvPr id="796" name="Straight Arrow Connector 795">
+            <a:extLst>
+              <a:ext uri="{FF2B5EF4-FFF2-40B4-BE49-F238E27FC236}">
+                <a16:creationId xmlns:a16="http://schemas.microsoft.com/office/drawing/2014/main" id="{7F41398F-2E1F-4047-8D44-E78E080293D5}"/>
+              </a:ext>
+            </a:extLst>
+          </p:cNvPr>
+          <p:cNvCxnSpPr>
+            <a:cxnSpLocks/>
+            <a:endCxn id="784" idx="0"/>
+          </p:cNvCxnSpPr>
+          <p:nvPr/>
+        </p:nvCxnSpPr>
+        <p:spPr>
+          <a:xfrm>
+            <a:off x="22288784" y="5851594"/>
+            <a:ext cx="2820181" cy="14347797"/>
+          </a:xfrm>
+          <a:prstGeom prst="straightConnector1">
+            <a:avLst/>
+          </a:prstGeom>
+          <a:ln w="9525">
+            <a:tailEnd type="triangle"/>
+          </a:ln>
+        </p:spPr>
+        <p:style>
+          <a:lnRef idx="1">
+            <a:schemeClr val="dk1"/>
+          </a:lnRef>
+          <a:fillRef idx="0">
+            <a:schemeClr val="dk1"/>
+          </a:fillRef>
+          <a:effectRef idx="0">
+            <a:schemeClr val="dk1"/>
+          </a:effectRef>
+          <a:fontRef idx="minor">
+            <a:schemeClr val="tx1"/>
+          </a:fontRef>
+        </p:style>
+      </p:cxnSp>
+      <p:cxnSp>
+        <p:nvCxnSpPr>
+          <p:cNvPr id="800" name="Straight Arrow Connector 799">
+            <a:extLst>
+              <a:ext uri="{FF2B5EF4-FFF2-40B4-BE49-F238E27FC236}">
+                <a16:creationId xmlns:a16="http://schemas.microsoft.com/office/drawing/2014/main" id="{0618D680-1DD3-4708-95B2-C1662F000CAB}"/>
+              </a:ext>
+            </a:extLst>
+          </p:cNvPr>
+          <p:cNvCxnSpPr>
+            <a:cxnSpLocks/>
+            <a:endCxn id="784" idx="0"/>
+          </p:cNvCxnSpPr>
+          <p:nvPr/>
+        </p:nvCxnSpPr>
+        <p:spPr>
+          <a:xfrm>
+            <a:off x="22075078" y="10660188"/>
+            <a:ext cx="3033887" cy="9539203"/>
+          </a:xfrm>
+          <a:prstGeom prst="straightConnector1">
+            <a:avLst/>
+          </a:prstGeom>
+          <a:ln w="9525">
+            <a:tailEnd type="triangle"/>
+          </a:ln>
+        </p:spPr>
+        <p:style>
+          <a:lnRef idx="1">
+            <a:schemeClr val="dk1"/>
+          </a:lnRef>
+          <a:fillRef idx="0">
+            <a:schemeClr val="dk1"/>
+          </a:fillRef>
+          <a:effectRef idx="0">
+            <a:schemeClr val="dk1"/>
+          </a:effectRef>
+          <a:fontRef idx="minor">
+            <a:schemeClr val="tx1"/>
+          </a:fontRef>
+        </p:style>
+      </p:cxnSp>
+      <p:cxnSp>
+        <p:nvCxnSpPr>
+          <p:cNvPr id="803" name="Straight Arrow Connector 802">
+            <a:extLst>
+              <a:ext uri="{FF2B5EF4-FFF2-40B4-BE49-F238E27FC236}">
+                <a16:creationId xmlns:a16="http://schemas.microsoft.com/office/drawing/2014/main" id="{7D3DF881-324E-4FEC-9386-41A99F50E142}"/>
+              </a:ext>
+            </a:extLst>
+          </p:cNvPr>
+          <p:cNvCxnSpPr>
+            <a:cxnSpLocks/>
+            <a:endCxn id="784" idx="0"/>
+          </p:cNvCxnSpPr>
+          <p:nvPr/>
+        </p:nvCxnSpPr>
+        <p:spPr>
+          <a:xfrm>
+            <a:off x="22134808" y="6308433"/>
+            <a:ext cx="2974157" cy="13890958"/>
+          </a:xfrm>
+          <a:prstGeom prst="straightConnector1">
+            <a:avLst/>
+          </a:prstGeom>
+          <a:ln w="9525">
+            <a:tailEnd type="triangle"/>
+          </a:ln>
+        </p:spPr>
+        <p:style>
+          <a:lnRef idx="1">
+            <a:schemeClr val="dk1"/>
+          </a:lnRef>
+          <a:fillRef idx="0">
+            <a:schemeClr val="dk1"/>
+          </a:fillRef>
+          <a:effectRef idx="0">
+            <a:schemeClr val="dk1"/>
+          </a:effectRef>
+          <a:fontRef idx="minor">
+            <a:schemeClr val="tx1"/>
+          </a:fontRef>
+        </p:style>
+      </p:cxnSp>
+      <p:grpSp>
+        <p:nvGrpSpPr>
+          <p:cNvPr id="665" name="Group 664">
+            <a:extLst>
+              <a:ext uri="{FF2B5EF4-FFF2-40B4-BE49-F238E27FC236}">
+                <a16:creationId xmlns:a16="http://schemas.microsoft.com/office/drawing/2014/main" id="{5AC0AC6A-0846-4C95-B985-C075C7219BC5}"/>
+              </a:ext>
+            </a:extLst>
+          </p:cNvPr>
+          <p:cNvGrpSpPr/>
+          <p:nvPr/>
+        </p:nvGrpSpPr>
+        <p:grpSpPr>
+          <a:xfrm>
+            <a:off x="5078337" y="11445592"/>
+            <a:ext cx="20030628" cy="8753799"/>
+            <a:chOff x="5078337" y="11445592"/>
+            <a:chExt cx="20030628" cy="8753799"/>
+          </a:xfrm>
+        </p:grpSpPr>
+        <p:cxnSp>
+          <p:nvCxnSpPr>
+            <p:cNvPr id="777" name="Straight Connector 776">
+              <a:extLst>
+                <a:ext uri="{FF2B5EF4-FFF2-40B4-BE49-F238E27FC236}">
+                  <a16:creationId xmlns:a16="http://schemas.microsoft.com/office/drawing/2014/main" id="{64F9C677-96ED-4160-B46C-7FF15C3A7B3B}"/>
+                </a:ext>
+              </a:extLst>
+            </p:cNvPr>
+            <p:cNvCxnSpPr>
+              <a:cxnSpLocks/>
+            </p:cNvCxnSpPr>
+            <p:nvPr/>
+          </p:nvCxnSpPr>
+          <p:spPr>
+            <a:xfrm>
+              <a:off x="5078337" y="11445592"/>
+              <a:ext cx="16967994" cy="46573"/>
+            </a:xfrm>
+            <a:prstGeom prst="line">
+              <a:avLst/>
+            </a:prstGeom>
+            <a:ln w="9525"/>
+          </p:spPr>
+          <p:style>
+            <a:lnRef idx="1">
+              <a:schemeClr val="dk1"/>
+            </a:lnRef>
+            <a:fillRef idx="0">
+              <a:schemeClr val="dk1"/>
+            </a:fillRef>
+            <a:effectRef idx="0">
+              <a:schemeClr val="dk1"/>
+            </a:effectRef>
+            <a:fontRef idx="minor">
+              <a:schemeClr val="tx1"/>
+            </a:fontRef>
+          </p:style>
+        </p:cxnSp>
+        <p:cxnSp>
+          <p:nvCxnSpPr>
+            <p:cNvPr id="847" name="Straight Arrow Connector 846">
+              <a:extLst>
+                <a:ext uri="{FF2B5EF4-FFF2-40B4-BE49-F238E27FC236}">
+                  <a16:creationId xmlns:a16="http://schemas.microsoft.com/office/drawing/2014/main" id="{515FA62A-2411-40A1-8EE4-DC0ECC9EF7F3}"/>
+                </a:ext>
+              </a:extLst>
+            </p:cNvPr>
+            <p:cNvCxnSpPr>
+              <a:cxnSpLocks/>
+              <a:endCxn id="784" idx="0"/>
+            </p:cNvCxnSpPr>
+            <p:nvPr/>
+          </p:nvCxnSpPr>
+          <p:spPr>
+            <a:xfrm>
+              <a:off x="22073452" y="11492165"/>
+              <a:ext cx="3035513" cy="8707226"/>
+            </a:xfrm>
+            <a:prstGeom prst="straightConnector1">
+              <a:avLst/>
+            </a:prstGeom>
+            <a:ln w="9525">
+              <a:tailEnd type="triangle"/>
+            </a:ln>
+          </p:spPr>
+          <p:style>
+            <a:lnRef idx="1">
+              <a:schemeClr val="dk1"/>
+            </a:lnRef>
+            <a:fillRef idx="0">
+              <a:schemeClr val="dk1"/>
+            </a:fillRef>
+            <a:effectRef idx="0">
+              <a:schemeClr val="dk1"/>
+            </a:effectRef>
+            <a:fontRef idx="minor">
+              <a:schemeClr val="tx1"/>
+            </a:fontRef>
+          </p:style>
+        </p:cxnSp>
+      </p:grpSp>
+      <p:cxnSp>
+        <p:nvCxnSpPr>
+          <p:cNvPr id="848" name="Straight Arrow Connector 847">
+            <a:extLst>
+              <a:ext uri="{FF2B5EF4-FFF2-40B4-BE49-F238E27FC236}">
+                <a16:creationId xmlns:a16="http://schemas.microsoft.com/office/drawing/2014/main" id="{6DA9E17C-8454-49BF-A935-5341DCC7F56A}"/>
+              </a:ext>
+            </a:extLst>
+          </p:cNvPr>
+          <p:cNvCxnSpPr>
+            <a:cxnSpLocks/>
+            <a:endCxn id="784" idx="0"/>
+          </p:cNvCxnSpPr>
+          <p:nvPr/>
+        </p:nvCxnSpPr>
+        <p:spPr>
+          <a:xfrm>
+            <a:off x="22075078" y="12092038"/>
+            <a:ext cx="3033887" cy="8107353"/>
+          </a:xfrm>
+          <a:prstGeom prst="straightConnector1">
+            <a:avLst/>
+          </a:prstGeom>
+          <a:ln w="9525">
+            <a:tailEnd type="triangle"/>
+          </a:ln>
+        </p:spPr>
+        <p:style>
+          <a:lnRef idx="1">
+            <a:schemeClr val="dk1"/>
+          </a:lnRef>
+          <a:fillRef idx="0">
+            <a:schemeClr val="dk1"/>
+          </a:fillRef>
+          <a:effectRef idx="0">
+            <a:schemeClr val="dk1"/>
+          </a:effectRef>
+          <a:fontRef idx="minor">
+            <a:schemeClr val="tx1"/>
+          </a:fontRef>
+        </p:style>
+      </p:cxnSp>
     </p:spTree>
     <p:extLst>
       <p:ext uri="{BB962C8B-B14F-4D97-AF65-F5344CB8AC3E}">
